--- a/GitTalk.pptx
+++ b/GitTalk.pptx
@@ -5,10 +5,10 @@
     <p:sldMasterId id="2147483660" r:id="rId1"/>
   </p:sldMasterIdLst>
   <p:notesMasterIdLst>
-    <p:notesMasterId r:id="rId31"/>
+    <p:notesMasterId r:id="rId26"/>
   </p:notesMasterIdLst>
   <p:handoutMasterIdLst>
-    <p:handoutMasterId r:id="rId32"/>
+    <p:handoutMasterId r:id="rId27"/>
   </p:handoutMasterIdLst>
   <p:sldIdLst>
     <p:sldId id="374" r:id="rId2"/>
@@ -33,13 +33,8 @@
     <p:sldId id="352" r:id="rId21"/>
     <p:sldId id="353" r:id="rId22"/>
     <p:sldId id="354" r:id="rId23"/>
-    <p:sldId id="370" r:id="rId24"/>
-    <p:sldId id="371" r:id="rId25"/>
-    <p:sldId id="372" r:id="rId26"/>
-    <p:sldId id="373" r:id="rId27"/>
-    <p:sldId id="369" r:id="rId28"/>
-    <p:sldId id="360" r:id="rId29"/>
-    <p:sldId id="361" r:id="rId30"/>
+    <p:sldId id="360" r:id="rId24"/>
+    <p:sldId id="369" r:id="rId25"/>
   </p:sldIdLst>
   <p:sldSz cx="9144000" cy="6858000" type="screen4x3"/>
   <p:notesSz cx="6858000" cy="9144000"/>
@@ -224,7 +219,7 @@
             <a:fld id="{4180EC96-23B5-4301-8B91-BF70EABF146D}" type="datetimeFigureOut">
               <a:rPr lang="en-US" smtClean="0"/>
               <a:pPr/>
-              <a:t>1/28/2011</a:t>
+              <a:t>1/29/2011</a:t>
             </a:fld>
             <a:endParaRPr lang="en-US" dirty="0"/>
           </a:p>
@@ -391,7 +386,7 @@
             <a:fld id="{7A94D76D-ACEA-4E66-9040-0707EFD59D28}" type="datetimeFigureOut">
               <a:rPr lang="en-US" smtClean="0"/>
               <a:pPr/>
-              <a:t>1/28/2011</a:t>
+              <a:t>1/29/2011</a:t>
             </a:fld>
             <a:endParaRPr lang="en-US"/>
           </a:p>
@@ -1938,52 +1933,23 @@
       </p:grpSpPr>
       <p:sp>
         <p:nvSpPr>
-          <p:cNvPr id="2" name="Folienbildplatzhalter 1"/>
-          <p:cNvSpPr>
-            <a:spLocks noGrp="1" noRot="1" noChangeAspect="1"/>
-          </p:cNvSpPr>
-          <p:nvPr>
-            <p:ph type="sldImg"/>
-          </p:nvPr>
-        </p:nvSpPr>
-        <p:spPr/>
-      </p:sp>
-      <p:sp>
-        <p:nvSpPr>
-          <p:cNvPr id="3" name="Notizenplatzhalter 2"/>
-          <p:cNvSpPr>
-            <a:spLocks noGrp="1"/>
-          </p:cNvSpPr>
-          <p:nvPr>
-            <p:ph type="body" idx="1"/>
-          </p:nvPr>
-        </p:nvSpPr>
-        <p:spPr/>
+          <p:cNvPr id="7" name="Rectangle 7"/>
+          <p:cNvSpPr>
+            <a:spLocks noGrp="1" noChangeArrowheads="1"/>
+          </p:cNvSpPr>
+          <p:nvPr>
+            <p:ph type="sldNum" sz="quarter" idx="5"/>
+          </p:nvPr>
+        </p:nvSpPr>
+        <p:spPr>
+          <a:ln/>
+        </p:spPr>
         <p:txBody>
           <a:bodyPr/>
           <a:lstStyle/>
           <a:p>
-            <a:endParaRPr lang="de-DE"/>
-          </a:p>
-        </p:txBody>
-      </p:sp>
-      <p:sp>
-        <p:nvSpPr>
-          <p:cNvPr id="4" name="Foliennummernplatzhalter 3"/>
-          <p:cNvSpPr>
-            <a:spLocks noGrp="1"/>
-          </p:cNvSpPr>
-          <p:nvPr>
-            <p:ph type="sldNum" sz="quarter" idx="10"/>
-          </p:nvPr>
-        </p:nvSpPr>
-        <p:spPr/>
-        <p:txBody>
-          <a:bodyPr/>
-          <a:lstStyle/>
-          <a:p>
-            <a:fld id="{FE5C90B4-74E4-420E-9E3F-548EA925D0FC}" type="slidenum">
-              <a:rPr lang="en-US" smtClean="0"/>
+            <a:fld id="{34AE7ED8-75C1-46D5-8A60-90B473AC05D8}" type="slidenum">
+              <a:rPr lang="en-US"/>
               <a:pPr/>
               <a:t>23</a:t>
             </a:fld>
@@ -1991,12 +1957,40 @@
           </a:p>
         </p:txBody>
       </p:sp>
+      <p:sp>
+        <p:nvSpPr>
+          <p:cNvPr id="87042" name="Rectangle 2"/>
+          <p:cNvSpPr>
+            <a:spLocks noGrp="1" noRot="1" noChangeAspect="1" noChangeArrowheads="1" noTextEdit="1"/>
+          </p:cNvSpPr>
+          <p:nvPr>
+            <p:ph type="sldImg"/>
+          </p:nvPr>
+        </p:nvSpPr>
+        <p:spPr>
+          <a:ln/>
+        </p:spPr>
+      </p:sp>
+      <p:sp>
+        <p:nvSpPr>
+          <p:cNvPr id="87043" name="Rectangle 3"/>
+          <p:cNvSpPr>
+            <a:spLocks noGrp="1" noChangeArrowheads="1"/>
+          </p:cNvSpPr>
+          <p:nvPr>
+            <p:ph type="body" idx="1"/>
+          </p:nvPr>
+        </p:nvSpPr>
+        <p:spPr/>
+        <p:txBody>
+          <a:bodyPr/>
+          <a:lstStyle/>
+          <a:p>
+            <a:endParaRPr lang="de-DE"/>
+          </a:p>
+        </p:txBody>
+      </p:sp>
     </p:spTree>
-    <p:extLst>
-      <p:ext uri="{BB962C8B-B14F-4D97-AF65-F5344CB8AC3E}">
-        <p14:creationId xmlns:p14="http://schemas.microsoft.com/office/powerpoint/2010/main" val="4067444030"/>
-      </p:ext>
-    </p:extLst>
   </p:cSld>
   <p:clrMapOvr>
     <a:masterClrMapping/>
@@ -2079,432 +2073,9 @@
     </p:spTree>
     <p:extLst>
       <p:ext uri="{BB962C8B-B14F-4D97-AF65-F5344CB8AC3E}">
-        <p14:creationId xmlns:p14="http://schemas.microsoft.com/office/powerpoint/2010/main" val="1457213143"/>
-      </p:ext>
-    </p:extLst>
-  </p:cSld>
-  <p:clrMapOvr>
-    <a:masterClrMapping/>
-  </p:clrMapOvr>
-</p:notes>
-</file>
-
-<file path=ppt/notesSlides/notesSlide25.xml><?xml version="1.0" encoding="utf-8"?>
-<p:notes xmlns:a="http://schemas.openxmlformats.org/drawingml/2006/main" xmlns:r="http://schemas.openxmlformats.org/officeDocument/2006/relationships" xmlns:p="http://schemas.openxmlformats.org/presentationml/2006/main">
-  <p:cSld>
-    <p:spTree>
-      <p:nvGrpSpPr>
-        <p:cNvPr id="1" name=""/>
-        <p:cNvGrpSpPr/>
-        <p:nvPr/>
-      </p:nvGrpSpPr>
-      <p:grpSpPr>
-        <a:xfrm>
-          <a:off x="0" y="0"/>
-          <a:ext cx="0" cy="0"/>
-          <a:chOff x="0" y="0"/>
-          <a:chExt cx="0" cy="0"/>
-        </a:xfrm>
-      </p:grpSpPr>
-      <p:sp>
-        <p:nvSpPr>
-          <p:cNvPr id="2" name="Folienbildplatzhalter 1"/>
-          <p:cNvSpPr>
-            <a:spLocks noGrp="1" noRot="1" noChangeAspect="1"/>
-          </p:cNvSpPr>
-          <p:nvPr>
-            <p:ph type="sldImg"/>
-          </p:nvPr>
-        </p:nvSpPr>
-        <p:spPr/>
-      </p:sp>
-      <p:sp>
-        <p:nvSpPr>
-          <p:cNvPr id="3" name="Notizenplatzhalter 2"/>
-          <p:cNvSpPr>
-            <a:spLocks noGrp="1"/>
-          </p:cNvSpPr>
-          <p:nvPr>
-            <p:ph type="body" idx="1"/>
-          </p:nvPr>
-        </p:nvSpPr>
-        <p:spPr/>
-        <p:txBody>
-          <a:bodyPr/>
-          <a:lstStyle/>
-          <a:p>
-            <a:endParaRPr lang="de-DE"/>
-          </a:p>
-        </p:txBody>
-      </p:sp>
-      <p:sp>
-        <p:nvSpPr>
-          <p:cNvPr id="4" name="Foliennummernplatzhalter 3"/>
-          <p:cNvSpPr>
-            <a:spLocks noGrp="1"/>
-          </p:cNvSpPr>
-          <p:nvPr>
-            <p:ph type="sldNum" sz="quarter" idx="10"/>
-          </p:nvPr>
-        </p:nvSpPr>
-        <p:spPr/>
-        <p:txBody>
-          <a:bodyPr/>
-          <a:lstStyle/>
-          <a:p>
-            <a:fld id="{FE5C90B4-74E4-420E-9E3F-548EA925D0FC}" type="slidenum">
-              <a:rPr lang="en-US" smtClean="0"/>
-              <a:pPr/>
-              <a:t>25</a:t>
-            </a:fld>
-            <a:endParaRPr lang="en-US"/>
-          </a:p>
-        </p:txBody>
-      </p:sp>
-    </p:spTree>
-    <p:extLst>
-      <p:ext uri="{BB962C8B-B14F-4D97-AF65-F5344CB8AC3E}">
-        <p14:creationId xmlns:p14="http://schemas.microsoft.com/office/powerpoint/2010/main" val="4287462846"/>
-      </p:ext>
-    </p:extLst>
-  </p:cSld>
-  <p:clrMapOvr>
-    <a:masterClrMapping/>
-  </p:clrMapOvr>
-</p:notes>
-</file>
-
-<file path=ppt/notesSlides/notesSlide26.xml><?xml version="1.0" encoding="utf-8"?>
-<p:notes xmlns:a="http://schemas.openxmlformats.org/drawingml/2006/main" xmlns:r="http://schemas.openxmlformats.org/officeDocument/2006/relationships" xmlns:p="http://schemas.openxmlformats.org/presentationml/2006/main">
-  <p:cSld>
-    <p:spTree>
-      <p:nvGrpSpPr>
-        <p:cNvPr id="1" name=""/>
-        <p:cNvGrpSpPr/>
-        <p:nvPr/>
-      </p:nvGrpSpPr>
-      <p:grpSpPr>
-        <a:xfrm>
-          <a:off x="0" y="0"/>
-          <a:ext cx="0" cy="0"/>
-          <a:chOff x="0" y="0"/>
-          <a:chExt cx="0" cy="0"/>
-        </a:xfrm>
-      </p:grpSpPr>
-      <p:sp>
-        <p:nvSpPr>
-          <p:cNvPr id="2" name="Folienbildplatzhalter 1"/>
-          <p:cNvSpPr>
-            <a:spLocks noGrp="1" noRot="1" noChangeAspect="1"/>
-          </p:cNvSpPr>
-          <p:nvPr>
-            <p:ph type="sldImg"/>
-          </p:nvPr>
-        </p:nvSpPr>
-        <p:spPr/>
-      </p:sp>
-      <p:sp>
-        <p:nvSpPr>
-          <p:cNvPr id="3" name="Notizenplatzhalter 2"/>
-          <p:cNvSpPr>
-            <a:spLocks noGrp="1"/>
-          </p:cNvSpPr>
-          <p:nvPr>
-            <p:ph type="body" idx="1"/>
-          </p:nvPr>
-        </p:nvSpPr>
-        <p:spPr/>
-        <p:txBody>
-          <a:bodyPr/>
-          <a:lstStyle/>
-          <a:p>
-            <a:endParaRPr lang="de-DE"/>
-          </a:p>
-        </p:txBody>
-      </p:sp>
-      <p:sp>
-        <p:nvSpPr>
-          <p:cNvPr id="4" name="Foliennummernplatzhalter 3"/>
-          <p:cNvSpPr>
-            <a:spLocks noGrp="1"/>
-          </p:cNvSpPr>
-          <p:nvPr>
-            <p:ph type="sldNum" sz="quarter" idx="10"/>
-          </p:nvPr>
-        </p:nvSpPr>
-        <p:spPr/>
-        <p:txBody>
-          <a:bodyPr/>
-          <a:lstStyle/>
-          <a:p>
-            <a:fld id="{FE5C90B4-74E4-420E-9E3F-548EA925D0FC}" type="slidenum">
-              <a:rPr lang="en-US" smtClean="0"/>
-              <a:pPr/>
-              <a:t>26</a:t>
-            </a:fld>
-            <a:endParaRPr lang="en-US"/>
-          </a:p>
-        </p:txBody>
-      </p:sp>
-    </p:spTree>
-    <p:extLst>
-      <p:ext uri="{BB962C8B-B14F-4D97-AF65-F5344CB8AC3E}">
-        <p14:creationId xmlns:p14="http://schemas.microsoft.com/office/powerpoint/2010/main" val="1582348435"/>
-      </p:ext>
-    </p:extLst>
-  </p:cSld>
-  <p:clrMapOvr>
-    <a:masterClrMapping/>
-  </p:clrMapOvr>
-</p:notes>
-</file>
-
-<file path=ppt/notesSlides/notesSlide27.xml><?xml version="1.0" encoding="utf-8"?>
-<p:notes xmlns:a="http://schemas.openxmlformats.org/drawingml/2006/main" xmlns:r="http://schemas.openxmlformats.org/officeDocument/2006/relationships" xmlns:p="http://schemas.openxmlformats.org/presentationml/2006/main">
-  <p:cSld>
-    <p:spTree>
-      <p:nvGrpSpPr>
-        <p:cNvPr id="1" name=""/>
-        <p:cNvGrpSpPr/>
-        <p:nvPr/>
-      </p:nvGrpSpPr>
-      <p:grpSpPr>
-        <a:xfrm>
-          <a:off x="0" y="0"/>
-          <a:ext cx="0" cy="0"/>
-          <a:chOff x="0" y="0"/>
-          <a:chExt cx="0" cy="0"/>
-        </a:xfrm>
-      </p:grpSpPr>
-      <p:sp>
-        <p:nvSpPr>
-          <p:cNvPr id="2" name="Folienbildplatzhalter 1"/>
-          <p:cNvSpPr>
-            <a:spLocks noGrp="1" noRot="1" noChangeAspect="1"/>
-          </p:cNvSpPr>
-          <p:nvPr>
-            <p:ph type="sldImg"/>
-          </p:nvPr>
-        </p:nvSpPr>
-        <p:spPr/>
-      </p:sp>
-      <p:sp>
-        <p:nvSpPr>
-          <p:cNvPr id="3" name="Notizenplatzhalter 2"/>
-          <p:cNvSpPr>
-            <a:spLocks noGrp="1"/>
-          </p:cNvSpPr>
-          <p:nvPr>
-            <p:ph type="body" idx="1"/>
-          </p:nvPr>
-        </p:nvSpPr>
-        <p:spPr/>
-        <p:txBody>
-          <a:bodyPr/>
-          <a:lstStyle/>
-          <a:p>
-            <a:endParaRPr lang="de-DE"/>
-          </a:p>
-        </p:txBody>
-      </p:sp>
-      <p:sp>
-        <p:nvSpPr>
-          <p:cNvPr id="4" name="Foliennummernplatzhalter 3"/>
-          <p:cNvSpPr>
-            <a:spLocks noGrp="1"/>
-          </p:cNvSpPr>
-          <p:nvPr>
-            <p:ph type="sldNum" sz="quarter" idx="10"/>
-          </p:nvPr>
-        </p:nvSpPr>
-        <p:spPr/>
-        <p:txBody>
-          <a:bodyPr/>
-          <a:lstStyle/>
-          <a:p>
-            <a:fld id="{FE5C90B4-74E4-420E-9E3F-548EA925D0FC}" type="slidenum">
-              <a:rPr lang="en-US" smtClean="0"/>
-              <a:pPr/>
-              <a:t>27</a:t>
-            </a:fld>
-            <a:endParaRPr lang="en-US"/>
-          </a:p>
-        </p:txBody>
-      </p:sp>
-    </p:spTree>
-    <p:extLst>
-      <p:ext uri="{BB962C8B-B14F-4D97-AF65-F5344CB8AC3E}">
         <p14:creationId xmlns:p14="http://schemas.microsoft.com/office/powerpoint/2010/main" val="8335724"/>
       </p:ext>
     </p:extLst>
-  </p:cSld>
-  <p:clrMapOvr>
-    <a:masterClrMapping/>
-  </p:clrMapOvr>
-</p:notes>
-</file>
-
-<file path=ppt/notesSlides/notesSlide28.xml><?xml version="1.0" encoding="utf-8"?>
-<p:notes xmlns:a="http://schemas.openxmlformats.org/drawingml/2006/main" xmlns:r="http://schemas.openxmlformats.org/officeDocument/2006/relationships" xmlns:p="http://schemas.openxmlformats.org/presentationml/2006/main">
-  <p:cSld>
-    <p:spTree>
-      <p:nvGrpSpPr>
-        <p:cNvPr id="1" name=""/>
-        <p:cNvGrpSpPr/>
-        <p:nvPr/>
-      </p:nvGrpSpPr>
-      <p:grpSpPr>
-        <a:xfrm>
-          <a:off x="0" y="0"/>
-          <a:ext cx="0" cy="0"/>
-          <a:chOff x="0" y="0"/>
-          <a:chExt cx="0" cy="0"/>
-        </a:xfrm>
-      </p:grpSpPr>
-      <p:sp>
-        <p:nvSpPr>
-          <p:cNvPr id="7" name="Rectangle 7"/>
-          <p:cNvSpPr>
-            <a:spLocks noGrp="1" noChangeArrowheads="1"/>
-          </p:cNvSpPr>
-          <p:nvPr>
-            <p:ph type="sldNum" sz="quarter" idx="5"/>
-          </p:nvPr>
-        </p:nvSpPr>
-        <p:spPr>
-          <a:ln/>
-        </p:spPr>
-        <p:txBody>
-          <a:bodyPr/>
-          <a:lstStyle/>
-          <a:p>
-            <a:fld id="{34AE7ED8-75C1-46D5-8A60-90B473AC05D8}" type="slidenum">
-              <a:rPr lang="en-US"/>
-              <a:pPr/>
-              <a:t>28</a:t>
-            </a:fld>
-            <a:endParaRPr lang="en-US"/>
-          </a:p>
-        </p:txBody>
-      </p:sp>
-      <p:sp>
-        <p:nvSpPr>
-          <p:cNvPr id="87042" name="Rectangle 2"/>
-          <p:cNvSpPr>
-            <a:spLocks noGrp="1" noRot="1" noChangeAspect="1" noChangeArrowheads="1" noTextEdit="1"/>
-          </p:cNvSpPr>
-          <p:nvPr>
-            <p:ph type="sldImg"/>
-          </p:nvPr>
-        </p:nvSpPr>
-        <p:spPr>
-          <a:ln/>
-        </p:spPr>
-      </p:sp>
-      <p:sp>
-        <p:nvSpPr>
-          <p:cNvPr id="87043" name="Rectangle 3"/>
-          <p:cNvSpPr>
-            <a:spLocks noGrp="1" noChangeArrowheads="1"/>
-          </p:cNvSpPr>
-          <p:nvPr>
-            <p:ph type="body" idx="1"/>
-          </p:nvPr>
-        </p:nvSpPr>
-        <p:spPr/>
-        <p:txBody>
-          <a:bodyPr/>
-          <a:lstStyle/>
-          <a:p>
-            <a:endParaRPr lang="de-DE"/>
-          </a:p>
-        </p:txBody>
-      </p:sp>
-    </p:spTree>
-  </p:cSld>
-  <p:clrMapOvr>
-    <a:masterClrMapping/>
-  </p:clrMapOvr>
-</p:notes>
-</file>
-
-<file path=ppt/notesSlides/notesSlide29.xml><?xml version="1.0" encoding="utf-8"?>
-<p:notes xmlns:a="http://schemas.openxmlformats.org/drawingml/2006/main" xmlns:r="http://schemas.openxmlformats.org/officeDocument/2006/relationships" xmlns:p="http://schemas.openxmlformats.org/presentationml/2006/main">
-  <p:cSld>
-    <p:spTree>
-      <p:nvGrpSpPr>
-        <p:cNvPr id="1" name=""/>
-        <p:cNvGrpSpPr/>
-        <p:nvPr/>
-      </p:nvGrpSpPr>
-      <p:grpSpPr>
-        <a:xfrm>
-          <a:off x="0" y="0"/>
-          <a:ext cx="0" cy="0"/>
-          <a:chOff x="0" y="0"/>
-          <a:chExt cx="0" cy="0"/>
-        </a:xfrm>
-      </p:grpSpPr>
-      <p:sp>
-        <p:nvSpPr>
-          <p:cNvPr id="7" name="Rectangle 7"/>
-          <p:cNvSpPr>
-            <a:spLocks noGrp="1" noChangeArrowheads="1"/>
-          </p:cNvSpPr>
-          <p:nvPr>
-            <p:ph type="sldNum" sz="quarter" idx="5"/>
-          </p:nvPr>
-        </p:nvSpPr>
-        <p:spPr>
-          <a:ln/>
-        </p:spPr>
-        <p:txBody>
-          <a:bodyPr/>
-          <a:lstStyle/>
-          <a:p>
-            <a:fld id="{2366F280-D874-411C-8488-6E378697BB5C}" type="slidenum">
-              <a:rPr lang="en-US"/>
-              <a:pPr/>
-              <a:t>29</a:t>
-            </a:fld>
-            <a:endParaRPr lang="en-US"/>
-          </a:p>
-        </p:txBody>
-      </p:sp>
-      <p:sp>
-        <p:nvSpPr>
-          <p:cNvPr id="88066" name="Rectangle 2"/>
-          <p:cNvSpPr>
-            <a:spLocks noGrp="1" noRot="1" noChangeAspect="1" noChangeArrowheads="1" noTextEdit="1"/>
-          </p:cNvSpPr>
-          <p:nvPr>
-            <p:ph type="sldImg"/>
-          </p:nvPr>
-        </p:nvSpPr>
-        <p:spPr>
-          <a:ln/>
-        </p:spPr>
-      </p:sp>
-      <p:sp>
-        <p:nvSpPr>
-          <p:cNvPr id="88067" name="Rectangle 3"/>
-          <p:cNvSpPr>
-            <a:spLocks noGrp="1" noChangeArrowheads="1"/>
-          </p:cNvSpPr>
-          <p:nvPr>
-            <p:ph type="body" idx="1"/>
-          </p:nvPr>
-        </p:nvSpPr>
-        <p:spPr/>
-        <p:txBody>
-          <a:bodyPr/>
-          <a:lstStyle/>
-          <a:p>
-            <a:endParaRPr lang="de-DE"/>
-          </a:p>
-        </p:txBody>
-      </p:sp>
-    </p:spTree>
   </p:cSld>
   <p:clrMapOvr>
     <a:masterClrMapping/>
@@ -3595,7 +3166,7 @@
             <a:fld id="{75429ADD-C5BF-4814-8EAF-17BB58E1B0D2}" type="datetimeFigureOut">
               <a:rPr lang="en-US" smtClean="0"/>
               <a:pPr/>
-              <a:t>1/28/2011</a:t>
+              <a:t>1/29/2011</a:t>
             </a:fld>
             <a:endParaRPr lang="en-US" dirty="0"/>
           </a:p>
@@ -6213,7 +5784,7 @@
         </p:nvSpPr>
         <p:spPr>
           <a:xfrm>
-            <a:off x="762000" y="2051050"/>
+            <a:off x="762000" y="1853825"/>
             <a:ext cx="8077200" cy="2213102"/>
           </a:xfrm>
           <a:prstGeom prst="rect">
@@ -6381,25 +5952,6 @@
               <a:ea typeface="+mj-ea"/>
               <a:cs typeface="+mj-cs"/>
             </a:endParaRPr>
-          </a:p>
-        </p:txBody>
-      </p:sp>
-      <p:sp>
-        <p:nvSpPr>
-          <p:cNvPr id="4" name="Titel 3"/>
-          <p:cNvSpPr>
-            <a:spLocks noGrp="1"/>
-          </p:cNvSpPr>
-          <p:nvPr>
-            <p:ph type="ctrTitle"/>
-          </p:nvPr>
-        </p:nvSpPr>
-        <p:spPr/>
-        <p:txBody>
-          <a:bodyPr/>
-          <a:lstStyle/>
-          <a:p>
-            <a:endParaRPr lang="de-DE"/>
           </a:p>
         </p:txBody>
       </p:sp>
@@ -6482,8 +6034,8 @@
         </p:blipFill>
         <p:spPr bwMode="auto">
           <a:xfrm>
-            <a:off x="2295525" y="2392362"/>
-            <a:ext cx="4552950" cy="3390900"/>
+            <a:off x="1421650" y="1626804"/>
+            <a:ext cx="5971161" cy="4447141"/>
           </a:xfrm>
           <a:prstGeom prst="rect">
             <a:avLst/>
@@ -6497,6 +6049,37 @@
           </a:ln>
         </p:spPr>
       </p:pic>
+      <p:sp>
+        <p:nvSpPr>
+          <p:cNvPr id="2" name="Rechteck 1"/>
+          <p:cNvSpPr/>
+          <p:nvPr/>
+        </p:nvSpPr>
+        <p:spPr>
+          <a:xfrm>
+            <a:off x="116505" y="6268961"/>
+            <a:ext cx="8370930" cy="369332"/>
+          </a:xfrm>
+          <a:prstGeom prst="rect">
+            <a:avLst/>
+          </a:prstGeom>
+        </p:spPr>
+        <p:txBody>
+          <a:bodyPr wrap="square">
+            <a:spAutoFit/>
+          </a:bodyPr>
+          <a:lstStyle/>
+          <a:p>
+            <a:r>
+              <a:rPr lang="de-DE" dirty="0">
+                <a:hlinkClick r:id="rId4"/>
+              </a:rPr>
+              <a:t>http://nvie.com/posts/a-successful-git-branching-model/</a:t>
+            </a:r>
+            <a:endParaRPr lang="de-DE" dirty="0"/>
+          </a:p>
+        </p:txBody>
+      </p:sp>
     </p:spTree>
   </p:cSld>
   <p:clrMapOvr>
@@ -6936,11 +6519,7 @@
             </a:r>
             <a:r>
               <a:rPr lang="en-US" dirty="0" smtClean="0"/>
-              <a:t>pages, blogs, </a:t>
-            </a:r>
-            <a:r>
-              <a:rPr lang="en-US" dirty="0" smtClean="0"/>
-              <a:t>videos, …</a:t>
+              <a:t>pages, blogs, videos, …</a:t>
             </a:r>
             <a:endParaRPr lang="en-US" dirty="0"/>
           </a:p>
@@ -7004,11 +6583,7 @@
             </a:r>
             <a:r>
               <a:rPr lang="en-US" dirty="0" smtClean="0"/>
-              <a:t> (Word, Excel, </a:t>
-            </a:r>
-            <a:r>
-              <a:rPr lang="en-US" dirty="0" smtClean="0"/>
-              <a:t>…)</a:t>
+              <a:t> (Word, Excel, …)</a:t>
             </a:r>
           </a:p>
           <a:p>
@@ -7666,15 +7241,7 @@
             </a:r>
             <a:r>
               <a:rPr lang="en-US" sz="2400" dirty="0" smtClean="0"/>
-              <a:t> </a:t>
-            </a:r>
-            <a:r>
-              <a:rPr lang="en-US" sz="2400" dirty="0" smtClean="0"/>
-              <a:t>das </a:t>
-            </a:r>
-            <a:r>
-              <a:rPr lang="en-US" sz="2400" dirty="0" smtClean="0"/>
-              <a:t>.</a:t>
+              <a:t> das .</a:t>
             </a:r>
             <a:r>
               <a:rPr lang="en-US" sz="2400" dirty="0" err="1" smtClean="0"/>
@@ -7688,7 +7255,54 @@
               <a:rPr lang="en-US" sz="2400" dirty="0" err="1" smtClean="0"/>
               <a:t>Verzeichnis</a:t>
             </a:r>
-            <a:endParaRPr lang="en-US" sz="2400" dirty="0"/>
+            <a:endParaRPr lang="en-US" sz="2400" dirty="0" smtClean="0"/>
+          </a:p>
+          <a:p>
+            <a:pPr>
+              <a:lnSpc>
+                <a:spcPct val="90000"/>
+              </a:lnSpc>
+            </a:pPr>
+            <a:r>
+              <a:rPr lang="en-US" dirty="0" err="1" smtClean="0"/>
+              <a:t>git</a:t>
+            </a:r>
+            <a:r>
+              <a:rPr lang="en-US" dirty="0" smtClean="0"/>
+              <a:t> clone [</a:t>
+            </a:r>
+            <a:r>
+              <a:rPr lang="en-US" dirty="0" err="1" smtClean="0"/>
+              <a:t>url</a:t>
+            </a:r>
+            <a:r>
+              <a:rPr lang="en-US" dirty="0" smtClean="0"/>
+              <a:t>] </a:t>
+            </a:r>
+          </a:p>
+          <a:p>
+            <a:pPr lvl="1">
+              <a:lnSpc>
+                <a:spcPct val="90000"/>
+              </a:lnSpc>
+            </a:pPr>
+            <a:r>
+              <a:rPr lang="en-US" dirty="0" err="1" smtClean="0"/>
+              <a:t>Kopie</a:t>
+            </a:r>
+            <a:r>
+              <a:rPr lang="en-US" dirty="0" smtClean="0"/>
+              <a:t> </a:t>
+            </a:r>
+            <a:r>
+              <a:rPr lang="en-US" dirty="0" err="1" smtClean="0"/>
+              <a:t>eines</a:t>
+            </a:r>
+            <a:r>
+              <a:rPr lang="en-US" dirty="0" smtClean="0"/>
+              <a:t> Repository</a:t>
+            </a:r>
+            <a:endParaRPr lang="en-US" dirty="0"/>
           </a:p>
           <a:p>
             <a:pPr>
@@ -7931,11 +7545,7 @@
             </a:r>
             <a:r>
               <a:rPr lang="en-US" dirty="0" err="1" smtClean="0"/>
-              <a:t>O</a:t>
-            </a:r>
-            <a:r>
-              <a:rPr lang="en-US" dirty="0" err="1" smtClean="0"/>
-              <a:t>bjekte</a:t>
+              <a:t>Objekte</a:t>
             </a:r>
             <a:r>
               <a:rPr lang="en-US" dirty="0" smtClean="0"/>
@@ -8175,7 +7785,6 @@
               <a:rPr lang="en-US" sz="2000" dirty="0" smtClean="0"/>
               <a:t> Index</a:t>
             </a:r>
-            <a:endParaRPr lang="en-US" sz="2000" dirty="0" smtClean="0"/>
           </a:p>
           <a:p>
             <a:pPr>
@@ -9139,7 +8748,9 @@
         </p:nvSpPr>
         <p:spPr/>
         <p:txBody>
-          <a:bodyPr/>
+          <a:bodyPr>
+            <a:normAutofit/>
+          </a:bodyPr>
           <a:lstStyle/>
           <a:p>
             <a:pPr>
@@ -9148,23 +8759,23 @@
               </a:lnSpc>
             </a:pPr>
             <a:r>
-              <a:rPr lang="en-US" sz="2800" dirty="0" err="1"/>
+              <a:rPr lang="en-US" sz="3600" dirty="0" err="1"/>
               <a:t>Git</a:t>
             </a:r>
             <a:r>
-              <a:rPr lang="en-US" sz="2800" dirty="0"/>
+              <a:rPr lang="en-US" sz="3600" dirty="0"/>
               <a:t> </a:t>
             </a:r>
             <a:r>
-              <a:rPr lang="en-US" sz="2800" dirty="0" smtClean="0"/>
+              <a:rPr lang="en-US" sz="3600" dirty="0" smtClean="0"/>
               <a:t>hat </a:t>
             </a:r>
             <a:r>
-              <a:rPr lang="en-US" sz="2800" dirty="0" err="1" smtClean="0"/>
+              <a:rPr lang="en-US" sz="3600" dirty="0" err="1" smtClean="0"/>
               <a:t>leichtgewichtige</a:t>
             </a:r>
             <a:r>
-              <a:rPr lang="en-US" sz="2800" dirty="0" smtClean="0"/>
+              <a:rPr lang="en-US" sz="3600" dirty="0" smtClean="0"/>
               <a:t> Branches</a:t>
             </a:r>
           </a:p>
@@ -9175,27 +8786,23 @@
               </a:lnSpc>
             </a:pPr>
             <a:r>
-              <a:rPr lang="en-US" sz="2800" dirty="0" err="1" smtClean="0"/>
+              <a:rPr lang="en-US" sz="3600" dirty="0" err="1" smtClean="0"/>
               <a:t>Unterscheidung</a:t>
             </a:r>
             <a:r>
-              <a:rPr lang="en-US" sz="2800" dirty="0" smtClean="0"/>
+              <a:rPr lang="en-US" sz="3600" dirty="0" smtClean="0"/>
               <a:t> der Branches in </a:t>
             </a:r>
             <a:r>
-              <a:rPr lang="en-US" sz="2800" dirty="0"/>
+              <a:rPr lang="en-US" sz="3600" dirty="0"/>
               <a:t>local </a:t>
             </a:r>
             <a:r>
-              <a:rPr lang="en-US" sz="2800" dirty="0" smtClean="0"/>
-              <a:t>und</a:t>
-            </a:r>
-            <a:r>
-              <a:rPr lang="en-US" sz="2800" dirty="0" smtClean="0"/>
-              <a:t> </a:t>
-            </a:r>
-            <a:r>
-              <a:rPr lang="en-US" sz="2800" dirty="0"/>
+              <a:rPr lang="en-US" sz="3600" dirty="0" smtClean="0"/>
+              <a:t>und </a:t>
+            </a:r>
+            <a:r>
+              <a:rPr lang="en-US" sz="3600" dirty="0"/>
               <a:t>remote</a:t>
             </a:r>
           </a:p>
@@ -9206,14 +8813,14 @@
               </a:lnSpc>
             </a:pPr>
             <a:r>
-              <a:rPr lang="en-US" sz="2800" dirty="0"/>
+              <a:rPr lang="en-US" sz="3600" dirty="0"/>
               <a:t>Key </a:t>
             </a:r>
             <a:r>
-              <a:rPr lang="en-US" sz="2800" dirty="0" smtClean="0"/>
+              <a:rPr lang="en-US" sz="3600" dirty="0" smtClean="0"/>
               <a:t>commands:</a:t>
             </a:r>
-            <a:endParaRPr lang="en-US" sz="2800" dirty="0"/>
+            <a:endParaRPr lang="en-US" sz="3600" dirty="0"/>
           </a:p>
           <a:p>
             <a:pPr lvl="1">
@@ -9222,11 +8829,11 @@
               </a:lnSpc>
             </a:pPr>
             <a:r>
-              <a:rPr lang="en-US" sz="2400" dirty="0" err="1"/>
+              <a:rPr lang="en-US" sz="3200" dirty="0" err="1"/>
               <a:t>git</a:t>
             </a:r>
             <a:r>
-              <a:rPr lang="en-US" sz="2400" dirty="0"/>
+              <a:rPr lang="en-US" sz="3200" dirty="0"/>
               <a:t> branch</a:t>
             </a:r>
           </a:p>
@@ -9237,11 +8844,11 @@
               </a:lnSpc>
             </a:pPr>
             <a:r>
-              <a:rPr lang="en-US" sz="2400" dirty="0" err="1"/>
+              <a:rPr lang="en-US" sz="3200" dirty="0" err="1"/>
               <a:t>git</a:t>
             </a:r>
             <a:r>
-              <a:rPr lang="en-US" sz="2400" dirty="0"/>
+              <a:rPr lang="en-US" sz="3200" dirty="0"/>
               <a:t> merge</a:t>
             </a:r>
           </a:p>
@@ -9252,18 +8859,18 @@
               </a:lnSpc>
             </a:pPr>
             <a:r>
-              <a:rPr lang="en-US" sz="2400" dirty="0" err="1"/>
+              <a:rPr lang="en-US" sz="3200" dirty="0" err="1"/>
               <a:t>git</a:t>
             </a:r>
             <a:r>
-              <a:rPr lang="en-US" sz="2400" dirty="0"/>
+              <a:rPr lang="en-US" sz="3200" dirty="0"/>
               <a:t> </a:t>
             </a:r>
             <a:r>
-              <a:rPr lang="en-US" sz="2400" dirty="0" smtClean="0"/>
+              <a:rPr lang="en-US" sz="3200" dirty="0" smtClean="0"/>
               <a:t>cherry-pick</a:t>
             </a:r>
-            <a:endParaRPr lang="en-US" sz="2400" dirty="0"/>
+            <a:endParaRPr lang="en-US" sz="3200" dirty="0"/>
           </a:p>
         </p:txBody>
       </p:sp>
@@ -9534,43 +9141,11 @@
           <a:chExt cx="0" cy="0"/>
         </a:xfrm>
       </p:grpSpPr>
-      <p:pic>
-        <p:nvPicPr>
-          <p:cNvPr id="3074" name="Picture 2"/>
-          <p:cNvPicPr>
-            <a:picLocks noChangeAspect="1" noChangeArrowheads="1"/>
-          </p:cNvPicPr>
-          <p:nvPr/>
-        </p:nvPicPr>
-        <p:blipFill>
-          <a:blip r:embed="rId3" cstate="print"/>
-          <a:srcRect/>
-          <a:stretch>
-            <a:fillRect/>
-          </a:stretch>
-        </p:blipFill>
-        <p:spPr bwMode="auto">
-          <a:xfrm>
-            <a:off x="2867646" y="1543932"/>
-            <a:ext cx="3504553" cy="5215438"/>
-          </a:xfrm>
-          <a:prstGeom prst="rect">
-            <a:avLst/>
-          </a:prstGeom>
-          <a:noFill/>
-          <a:ln w="9525">
-            <a:noFill/>
-            <a:miter lim="800000"/>
-            <a:headEnd/>
-            <a:tailEnd/>
-          </a:ln>
-        </p:spPr>
-      </p:pic>
-      <p:sp>
-        <p:nvSpPr>
-          <p:cNvPr id="3" name="Titel 2"/>
-          <p:cNvSpPr>
-            <a:spLocks noGrp="1"/>
+      <p:sp>
+        <p:nvSpPr>
+          <p:cNvPr id="28674" name="Rectangle 2"/>
+          <p:cNvSpPr>
+            <a:spLocks noGrp="1" noChangeArrowheads="1"/>
           </p:cNvSpPr>
           <p:nvPr>
             <p:ph type="title"/>
@@ -9582,10 +9157,128 @@
           <a:lstStyle/>
           <a:p>
             <a:r>
-              <a:rPr lang="de-DE" dirty="0" smtClean="0"/>
-              <a:t>Releases</a:t>
-            </a:r>
-            <a:endParaRPr lang="de-DE" dirty="0"/>
+              <a:rPr lang="en-US"/>
+              <a:t>Using Remote </a:t>
+            </a:r>
+          </a:p>
+        </p:txBody>
+      </p:sp>
+      <p:sp>
+        <p:nvSpPr>
+          <p:cNvPr id="28675" name="Rectangle 3"/>
+          <p:cNvSpPr>
+            <a:spLocks noGrp="1" noChangeArrowheads="1"/>
+          </p:cNvSpPr>
+          <p:nvPr>
+            <p:ph type="body" sz="half" idx="1"/>
+          </p:nvPr>
+        </p:nvSpPr>
+        <p:spPr/>
+        <p:txBody>
+          <a:bodyPr/>
+          <a:lstStyle/>
+          <a:p>
+            <a:r>
+              <a:rPr lang="en-US" sz="2400"/>
+              <a:t>Use git clone to replicate repository</a:t>
+            </a:r>
+          </a:p>
+          <a:p>
+            <a:endParaRPr lang="en-US" sz="2400"/>
+          </a:p>
+          <a:p>
+            <a:r>
+              <a:rPr lang="en-US" sz="2400"/>
+              <a:t>Get changes with </a:t>
+            </a:r>
+          </a:p>
+          <a:p>
+            <a:pPr lvl="1"/>
+            <a:r>
+              <a:rPr lang="en-US" sz="2000"/>
+              <a:t>git fetch (fetches and merges)</a:t>
+            </a:r>
+          </a:p>
+          <a:p>
+            <a:pPr lvl="1"/>
+            <a:r>
+              <a:rPr lang="en-US" sz="2000"/>
+              <a:t>git pull</a:t>
+            </a:r>
+          </a:p>
+          <a:p>
+            <a:pPr lvl="1"/>
+            <a:endParaRPr lang="en-US" sz="2000"/>
+          </a:p>
+          <a:p>
+            <a:r>
+              <a:rPr lang="en-US" sz="2400"/>
+              <a:t>Propagate changes with</a:t>
+            </a:r>
+          </a:p>
+          <a:p>
+            <a:pPr lvl="1"/>
+            <a:r>
+              <a:rPr lang="en-US" sz="2000"/>
+              <a:t>git push</a:t>
+            </a:r>
+          </a:p>
+        </p:txBody>
+      </p:sp>
+      <p:sp>
+        <p:nvSpPr>
+          <p:cNvPr id="28676" name="Rectangle 4"/>
+          <p:cNvSpPr>
+            <a:spLocks noGrp="1" noChangeArrowheads="1"/>
+          </p:cNvSpPr>
+          <p:nvPr>
+            <p:ph type="body" sz="half" idx="2"/>
+          </p:nvPr>
+        </p:nvSpPr>
+        <p:spPr/>
+        <p:txBody>
+          <a:bodyPr/>
+          <a:lstStyle/>
+          <a:p>
+            <a:r>
+              <a:rPr lang="en-US"/>
+              <a:t>Protocols</a:t>
+            </a:r>
+          </a:p>
+          <a:p>
+            <a:pPr lvl="1"/>
+            <a:r>
+              <a:rPr lang="en-US"/>
+              <a:t>Local filesystem</a:t>
+            </a:r>
+          </a:p>
+          <a:p>
+            <a:pPr lvl="1"/>
+            <a:r>
+              <a:rPr lang="en-US"/>
+              <a:t>SSH</a:t>
+            </a:r>
+          </a:p>
+          <a:p>
+            <a:pPr lvl="1"/>
+            <a:r>
+              <a:rPr lang="en-US"/>
+              <a:t>Rsync</a:t>
+            </a:r>
+          </a:p>
+          <a:p>
+            <a:pPr lvl="1"/>
+            <a:r>
+              <a:rPr lang="en-US"/>
+              <a:t>HTTP</a:t>
+            </a:r>
+          </a:p>
+          <a:p>
+            <a:pPr lvl="1"/>
+            <a:r>
+              <a:rPr lang="en-US"/>
+              <a:t>Git protocol</a:t>
+            </a:r>
           </a:p>
         </p:txBody>
       </p:sp>
@@ -9594,258 +9287,17 @@
   <p:clrMapOvr>
     <a:masterClrMapping/>
   </p:clrMapOvr>
+  <p:timing>
+    <p:tnLst>
+      <p:par>
+        <p:cTn id="1" dur="indefinite" restart="never" nodeType="tmRoot"/>
+      </p:par>
+    </p:tnLst>
+  </p:timing>
 </p:sld>
 </file>
 
 <file path=ppt/slides/slide24.xml><?xml version="1.0" encoding="utf-8"?>
-<p:sld xmlns:a="http://schemas.openxmlformats.org/drawingml/2006/main" xmlns:r="http://schemas.openxmlformats.org/officeDocument/2006/relationships" xmlns:p="http://schemas.openxmlformats.org/presentationml/2006/main">
-  <p:cSld>
-    <p:spTree>
-      <p:nvGrpSpPr>
-        <p:cNvPr id="1" name=""/>
-        <p:cNvGrpSpPr/>
-        <p:nvPr/>
-      </p:nvGrpSpPr>
-      <p:grpSpPr>
-        <a:xfrm>
-          <a:off x="0" y="0"/>
-          <a:ext cx="0" cy="0"/>
-          <a:chOff x="0" y="0"/>
-          <a:chExt cx="0" cy="0"/>
-        </a:xfrm>
-      </p:grpSpPr>
-      <p:sp>
-        <p:nvSpPr>
-          <p:cNvPr id="2" name="Titel 1"/>
-          <p:cNvSpPr>
-            <a:spLocks noGrp="1"/>
-          </p:cNvSpPr>
-          <p:nvPr>
-            <p:ph type="title"/>
-          </p:nvPr>
-        </p:nvSpPr>
-        <p:spPr/>
-        <p:txBody>
-          <a:bodyPr/>
-          <a:lstStyle/>
-          <a:p>
-            <a:r>
-              <a:rPr lang="de-DE" dirty="0" smtClean="0"/>
-              <a:t>Feature </a:t>
-            </a:r>
-            <a:r>
-              <a:rPr lang="de-DE" dirty="0" err="1" smtClean="0"/>
-              <a:t>branch</a:t>
-            </a:r>
-            <a:endParaRPr lang="de-DE" dirty="0"/>
-          </a:p>
-        </p:txBody>
-      </p:sp>
-      <p:pic>
-        <p:nvPicPr>
-          <p:cNvPr id="1026" name="Picture 2"/>
-          <p:cNvPicPr>
-            <a:picLocks noChangeAspect="1" noChangeArrowheads="1"/>
-          </p:cNvPicPr>
-          <p:nvPr/>
-        </p:nvPicPr>
-        <p:blipFill>
-          <a:blip r:embed="rId3" cstate="print"/>
-          <a:srcRect/>
-          <a:stretch>
-            <a:fillRect/>
-          </a:stretch>
-        </p:blipFill>
-        <p:spPr bwMode="auto">
-          <a:xfrm>
-            <a:off x="3761910" y="1628799"/>
-            <a:ext cx="1800200" cy="4764439"/>
-          </a:xfrm>
-          <a:prstGeom prst="rect">
-            <a:avLst/>
-          </a:prstGeom>
-          <a:noFill/>
-          <a:ln w="9525">
-            <a:noFill/>
-            <a:miter lim="800000"/>
-            <a:headEnd/>
-            <a:tailEnd/>
-          </a:ln>
-        </p:spPr>
-      </p:pic>
-    </p:spTree>
-  </p:cSld>
-  <p:clrMapOvr>
-    <a:masterClrMapping/>
-  </p:clrMapOvr>
-</p:sld>
-</file>
-
-<file path=ppt/slides/slide25.xml><?xml version="1.0" encoding="utf-8"?>
-<p:sld xmlns:a="http://schemas.openxmlformats.org/drawingml/2006/main" xmlns:r="http://schemas.openxmlformats.org/officeDocument/2006/relationships" xmlns:p="http://schemas.openxmlformats.org/presentationml/2006/main">
-  <p:cSld>
-    <p:spTree>
-      <p:nvGrpSpPr>
-        <p:cNvPr id="1" name=""/>
-        <p:cNvGrpSpPr/>
-        <p:nvPr/>
-      </p:nvGrpSpPr>
-      <p:grpSpPr>
-        <a:xfrm>
-          <a:off x="0" y="0"/>
-          <a:ext cx="0" cy="0"/>
-          <a:chOff x="0" y="0"/>
-          <a:chExt cx="0" cy="0"/>
-        </a:xfrm>
-      </p:grpSpPr>
-      <p:sp>
-        <p:nvSpPr>
-          <p:cNvPr id="2" name="Titel 1"/>
-          <p:cNvSpPr>
-            <a:spLocks noGrp="1"/>
-          </p:cNvSpPr>
-          <p:nvPr>
-            <p:ph type="title"/>
-          </p:nvPr>
-        </p:nvSpPr>
-        <p:spPr/>
-        <p:txBody>
-          <a:bodyPr/>
-          <a:lstStyle/>
-          <a:p>
-            <a:r>
-              <a:rPr lang="de-DE" dirty="0" err="1" smtClean="0"/>
-              <a:t>Merge</a:t>
-            </a:r>
-            <a:r>
-              <a:rPr lang="de-DE" dirty="0" smtClean="0"/>
-              <a:t> – Fast Forward</a:t>
-            </a:r>
-            <a:endParaRPr lang="de-DE" dirty="0"/>
-          </a:p>
-        </p:txBody>
-      </p:sp>
-      <p:pic>
-        <p:nvPicPr>
-          <p:cNvPr id="2050" name="Picture 2"/>
-          <p:cNvPicPr>
-            <a:picLocks noChangeAspect="1" noChangeArrowheads="1"/>
-          </p:cNvPicPr>
-          <p:nvPr/>
-        </p:nvPicPr>
-        <p:blipFill>
-          <a:blip r:embed="rId3" cstate="print"/>
-          <a:srcRect/>
-          <a:stretch>
-            <a:fillRect/>
-          </a:stretch>
-        </p:blipFill>
-        <p:spPr bwMode="auto">
-          <a:xfrm>
-            <a:off x="1466655" y="1628800"/>
-            <a:ext cx="5580620" cy="4990014"/>
-          </a:xfrm>
-          <a:prstGeom prst="rect">
-            <a:avLst/>
-          </a:prstGeom>
-          <a:noFill/>
-          <a:ln w="9525">
-            <a:noFill/>
-            <a:miter lim="800000"/>
-            <a:headEnd/>
-            <a:tailEnd/>
-          </a:ln>
-        </p:spPr>
-      </p:pic>
-    </p:spTree>
-  </p:cSld>
-  <p:clrMapOvr>
-    <a:masterClrMapping/>
-  </p:clrMapOvr>
-</p:sld>
-</file>
-
-<file path=ppt/slides/slide26.xml><?xml version="1.0" encoding="utf-8"?>
-<p:sld xmlns:a="http://schemas.openxmlformats.org/drawingml/2006/main" xmlns:r="http://schemas.openxmlformats.org/officeDocument/2006/relationships" xmlns:p="http://schemas.openxmlformats.org/presentationml/2006/main">
-  <p:cSld>
-    <p:spTree>
-      <p:nvGrpSpPr>
-        <p:cNvPr id="1" name=""/>
-        <p:cNvGrpSpPr/>
-        <p:nvPr/>
-      </p:nvGrpSpPr>
-      <p:grpSpPr>
-        <a:xfrm>
-          <a:off x="0" y="0"/>
-          <a:ext cx="0" cy="0"/>
-          <a:chOff x="0" y="0"/>
-          <a:chExt cx="0" cy="0"/>
-        </a:xfrm>
-      </p:grpSpPr>
-      <p:sp>
-        <p:nvSpPr>
-          <p:cNvPr id="2" name="Titel 1"/>
-          <p:cNvSpPr>
-            <a:spLocks noGrp="1"/>
-          </p:cNvSpPr>
-          <p:nvPr>
-            <p:ph type="title"/>
-          </p:nvPr>
-        </p:nvSpPr>
-        <p:spPr/>
-        <p:txBody>
-          <a:bodyPr/>
-          <a:lstStyle/>
-          <a:p>
-            <a:r>
-              <a:rPr lang="de-DE" dirty="0" err="1" smtClean="0"/>
-              <a:t>Hotfixes</a:t>
-            </a:r>
-            <a:endParaRPr lang="de-DE" dirty="0"/>
-          </a:p>
-        </p:txBody>
-      </p:sp>
-      <p:pic>
-        <p:nvPicPr>
-          <p:cNvPr id="3074" name="Picture 2"/>
-          <p:cNvPicPr>
-            <a:picLocks noChangeAspect="1" noChangeArrowheads="1"/>
-          </p:cNvPicPr>
-          <p:nvPr/>
-        </p:nvPicPr>
-        <p:blipFill>
-          <a:blip r:embed="rId3" cstate="print"/>
-          <a:srcRect/>
-          <a:stretch>
-            <a:fillRect/>
-          </a:stretch>
-        </p:blipFill>
-        <p:spPr bwMode="auto">
-          <a:xfrm>
-            <a:off x="2321750" y="1583794"/>
-            <a:ext cx="3735415" cy="5134675"/>
-          </a:xfrm>
-          <a:prstGeom prst="rect">
-            <a:avLst/>
-          </a:prstGeom>
-          <a:noFill/>
-          <a:ln w="9525">
-            <a:noFill/>
-            <a:miter lim="800000"/>
-            <a:headEnd/>
-            <a:tailEnd/>
-          </a:ln>
-        </p:spPr>
-      </p:pic>
-    </p:spTree>
-  </p:cSld>
-  <p:clrMapOvr>
-    <a:masterClrMapping/>
-  </p:clrMapOvr>
-</p:sld>
-</file>
-
-<file path=ppt/slides/slide27.xml><?xml version="1.0" encoding="utf-8"?>
 <p:sld xmlns:a="http://schemas.openxmlformats.org/drawingml/2006/main" xmlns:r="http://schemas.openxmlformats.org/officeDocument/2006/relationships" xmlns:p="http://schemas.openxmlformats.org/presentationml/2006/main">
   <p:cSld>
     <p:spTree>
@@ -9881,7 +9333,7 @@
         </p:blipFill>
         <p:spPr bwMode="auto">
           <a:xfrm>
-            <a:off x="2166937" y="228600"/>
+            <a:off x="2166937" y="143635"/>
             <a:ext cx="4627563" cy="6172200"/>
           </a:xfrm>
           <a:prstGeom prst="rect">
@@ -9896,6 +9348,37 @@
           </a:ln>
         </p:spPr>
       </p:pic>
+      <p:sp>
+        <p:nvSpPr>
+          <p:cNvPr id="3" name="Rechteck 2"/>
+          <p:cNvSpPr/>
+          <p:nvPr/>
+        </p:nvSpPr>
+        <p:spPr>
+          <a:xfrm>
+            <a:off x="116505" y="6302222"/>
+            <a:ext cx="8370930" cy="369332"/>
+          </a:xfrm>
+          <a:prstGeom prst="rect">
+            <a:avLst/>
+          </a:prstGeom>
+        </p:spPr>
+        <p:txBody>
+          <a:bodyPr wrap="square">
+            <a:spAutoFit/>
+          </a:bodyPr>
+          <a:lstStyle/>
+          <a:p>
+            <a:r>
+              <a:rPr lang="de-DE" dirty="0">
+                <a:hlinkClick r:id="rId4"/>
+              </a:rPr>
+              <a:t>http://nvie.com/posts/a-successful-git-branching-model/</a:t>
+            </a:r>
+            <a:endParaRPr lang="de-DE" dirty="0"/>
+          </a:p>
+        </p:txBody>
+      </p:sp>
     </p:spTree>
   </p:cSld>
   <p:clrMapOvr>
@@ -9908,339 +9391,6 @@
       </p:par>
     </p:tnLst>
   </p:timing>
-</p:sld>
-</file>
-
-<file path=ppt/slides/slide28.xml><?xml version="1.0" encoding="utf-8"?>
-<p:sld xmlns:a="http://schemas.openxmlformats.org/drawingml/2006/main" xmlns:r="http://schemas.openxmlformats.org/officeDocument/2006/relationships" xmlns:p="http://schemas.openxmlformats.org/presentationml/2006/main">
-  <p:cSld>
-    <p:spTree>
-      <p:nvGrpSpPr>
-        <p:cNvPr id="1" name=""/>
-        <p:cNvGrpSpPr/>
-        <p:nvPr/>
-      </p:nvGrpSpPr>
-      <p:grpSpPr>
-        <a:xfrm>
-          <a:off x="0" y="0"/>
-          <a:ext cx="0" cy="0"/>
-          <a:chOff x="0" y="0"/>
-          <a:chExt cx="0" cy="0"/>
-        </a:xfrm>
-      </p:grpSpPr>
-      <p:sp>
-        <p:nvSpPr>
-          <p:cNvPr id="28674" name="Rectangle 2"/>
-          <p:cNvSpPr>
-            <a:spLocks noGrp="1" noChangeArrowheads="1"/>
-          </p:cNvSpPr>
-          <p:nvPr>
-            <p:ph type="title"/>
-          </p:nvPr>
-        </p:nvSpPr>
-        <p:spPr/>
-        <p:txBody>
-          <a:bodyPr/>
-          <a:lstStyle/>
-          <a:p>
-            <a:r>
-              <a:rPr lang="en-US"/>
-              <a:t>Using Remote </a:t>
-            </a:r>
-          </a:p>
-        </p:txBody>
-      </p:sp>
-      <p:sp>
-        <p:nvSpPr>
-          <p:cNvPr id="28675" name="Rectangle 3"/>
-          <p:cNvSpPr>
-            <a:spLocks noGrp="1" noChangeArrowheads="1"/>
-          </p:cNvSpPr>
-          <p:nvPr>
-            <p:ph type="body" sz="half" idx="1"/>
-          </p:nvPr>
-        </p:nvSpPr>
-        <p:spPr/>
-        <p:txBody>
-          <a:bodyPr/>
-          <a:lstStyle/>
-          <a:p>
-            <a:r>
-              <a:rPr lang="en-US" sz="2400"/>
-              <a:t>Use git clone to replicate repository</a:t>
-            </a:r>
-          </a:p>
-          <a:p>
-            <a:endParaRPr lang="en-US" sz="2400"/>
-          </a:p>
-          <a:p>
-            <a:r>
-              <a:rPr lang="en-US" sz="2400"/>
-              <a:t>Get changes with </a:t>
-            </a:r>
-          </a:p>
-          <a:p>
-            <a:pPr lvl="1"/>
-            <a:r>
-              <a:rPr lang="en-US" sz="2000"/>
-              <a:t>git fetch (fetches and merges)</a:t>
-            </a:r>
-          </a:p>
-          <a:p>
-            <a:pPr lvl="1"/>
-            <a:r>
-              <a:rPr lang="en-US" sz="2000"/>
-              <a:t>git pull</a:t>
-            </a:r>
-          </a:p>
-          <a:p>
-            <a:pPr lvl="1"/>
-            <a:endParaRPr lang="en-US" sz="2000"/>
-          </a:p>
-          <a:p>
-            <a:r>
-              <a:rPr lang="en-US" sz="2400"/>
-              <a:t>Propagate changes with</a:t>
-            </a:r>
-          </a:p>
-          <a:p>
-            <a:pPr lvl="1"/>
-            <a:r>
-              <a:rPr lang="en-US" sz="2000"/>
-              <a:t>git push</a:t>
-            </a:r>
-          </a:p>
-        </p:txBody>
-      </p:sp>
-      <p:sp>
-        <p:nvSpPr>
-          <p:cNvPr id="28676" name="Rectangle 4"/>
-          <p:cNvSpPr>
-            <a:spLocks noGrp="1" noChangeArrowheads="1"/>
-          </p:cNvSpPr>
-          <p:nvPr>
-            <p:ph type="body" sz="half" idx="2"/>
-          </p:nvPr>
-        </p:nvSpPr>
-        <p:spPr/>
-        <p:txBody>
-          <a:bodyPr/>
-          <a:lstStyle/>
-          <a:p>
-            <a:r>
-              <a:rPr lang="en-US"/>
-              <a:t>Protocols</a:t>
-            </a:r>
-          </a:p>
-          <a:p>
-            <a:pPr lvl="1"/>
-            <a:r>
-              <a:rPr lang="en-US"/>
-              <a:t>Local filesystem</a:t>
-            </a:r>
-          </a:p>
-          <a:p>
-            <a:pPr lvl="1"/>
-            <a:r>
-              <a:rPr lang="en-US"/>
-              <a:t>SSH</a:t>
-            </a:r>
-          </a:p>
-          <a:p>
-            <a:pPr lvl="1"/>
-            <a:r>
-              <a:rPr lang="en-US"/>
-              <a:t>Rsync</a:t>
-            </a:r>
-          </a:p>
-          <a:p>
-            <a:pPr lvl="1"/>
-            <a:r>
-              <a:rPr lang="en-US"/>
-              <a:t>HTTP</a:t>
-            </a:r>
-          </a:p>
-          <a:p>
-            <a:pPr lvl="1"/>
-            <a:r>
-              <a:rPr lang="en-US"/>
-              <a:t>Git protocol</a:t>
-            </a:r>
-          </a:p>
-        </p:txBody>
-      </p:sp>
-    </p:spTree>
-  </p:cSld>
-  <p:clrMapOvr>
-    <a:masterClrMapping/>
-  </p:clrMapOvr>
-  <p:timing>
-    <p:tnLst>
-      <p:par>
-        <p:cTn id="1" dur="indefinite" restart="never" nodeType="tmRoot"/>
-      </p:par>
-    </p:tnLst>
-  </p:timing>
-</p:sld>
-</file>
-
-<file path=ppt/slides/slide29.xml><?xml version="1.0" encoding="utf-8"?>
-<p:sld xmlns:a="http://schemas.openxmlformats.org/drawingml/2006/main" xmlns:r="http://schemas.openxmlformats.org/officeDocument/2006/relationships" xmlns:p="http://schemas.openxmlformats.org/presentationml/2006/main">
-  <p:cSld>
-    <p:spTree>
-      <p:nvGrpSpPr>
-        <p:cNvPr id="1" name=""/>
-        <p:cNvGrpSpPr/>
-        <p:nvPr/>
-      </p:nvGrpSpPr>
-      <p:grpSpPr>
-        <a:xfrm>
-          <a:off x="0" y="0"/>
-          <a:ext cx="0" cy="0"/>
-          <a:chOff x="0" y="0"/>
-          <a:chExt cx="0" cy="0"/>
-        </a:xfrm>
-      </p:grpSpPr>
-      <p:sp>
-        <p:nvSpPr>
-          <p:cNvPr id="60418" name="Rectangle 2"/>
-          <p:cNvSpPr>
-            <a:spLocks noGrp="1" noChangeArrowheads="1"/>
-          </p:cNvSpPr>
-          <p:nvPr>
-            <p:ph type="title"/>
-          </p:nvPr>
-        </p:nvSpPr>
-        <p:spPr/>
-        <p:txBody>
-          <a:bodyPr/>
-          <a:lstStyle/>
-          <a:p>
-            <a:r>
-              <a:rPr lang="en-US"/>
-              <a:t>Cloning our Repository</a:t>
-            </a:r>
-          </a:p>
-        </p:txBody>
-      </p:sp>
-      <p:sp>
-        <p:nvSpPr>
-          <p:cNvPr id="60419" name="Rectangle 3"/>
-          <p:cNvSpPr>
-            <a:spLocks noGrp="1" noChangeArrowheads="1"/>
-          </p:cNvSpPr>
-          <p:nvPr>
-            <p:ph type="body" idx="1"/>
-          </p:nvPr>
-        </p:nvSpPr>
-        <p:spPr/>
-        <p:txBody>
-          <a:bodyPr/>
-          <a:lstStyle/>
-          <a:p>
-            <a:pPr>
-              <a:lnSpc>
-                <a:spcPct val="90000"/>
-              </a:lnSpc>
-            </a:pPr>
-            <a:r>
-              <a:rPr lang="en-US" sz="2800" i="1"/>
-              <a:t>git clone first-git-repo</a:t>
-            </a:r>
-          </a:p>
-          <a:p>
-            <a:pPr lvl="1">
-              <a:lnSpc>
-                <a:spcPct val="90000"/>
-              </a:lnSpc>
-            </a:pPr>
-            <a:r>
-              <a:rPr lang="en-US" sz="2400"/>
-              <a:t>Now have a full git repository to work with</a:t>
-            </a:r>
-          </a:p>
-          <a:p>
-            <a:pPr>
-              <a:lnSpc>
-                <a:spcPct val="90000"/>
-              </a:lnSpc>
-            </a:pPr>
-            <a:r>
-              <a:rPr lang="en-US" sz="2800"/>
-              <a:t>Changes are pushed back with </a:t>
-            </a:r>
-            <a:r>
-              <a:rPr lang="en-US" sz="2800" i="1"/>
-              <a:t>git push</a:t>
-            </a:r>
-          </a:p>
-          <a:p>
-            <a:pPr lvl="1">
-              <a:lnSpc>
-                <a:spcPct val="90000"/>
-              </a:lnSpc>
-            </a:pPr>
-            <a:r>
-              <a:rPr lang="en-US" sz="2400"/>
-              <a:t>Pushing changes WILL NOT change working copy on the repository being worked on</a:t>
-            </a:r>
-          </a:p>
-          <a:p>
-            <a:pPr>
-              <a:lnSpc>
-                <a:spcPct val="90000"/>
-              </a:lnSpc>
-            </a:pPr>
-            <a:r>
-              <a:rPr lang="en-US" sz="2800"/>
-              <a:t>Branches can be based off of remote branches</a:t>
-            </a:r>
-          </a:p>
-          <a:p>
-            <a:pPr lvl="1">
-              <a:lnSpc>
-                <a:spcPct val="90000"/>
-              </a:lnSpc>
-            </a:pPr>
-            <a:r>
-              <a:rPr lang="en-US" sz="2400" i="1"/>
-              <a:t>git branch --track new-branch remote/branch</a:t>
-            </a:r>
-          </a:p>
-          <a:p>
-            <a:pPr>
-              <a:lnSpc>
-                <a:spcPct val="90000"/>
-              </a:lnSpc>
-            </a:pPr>
-            <a:r>
-              <a:rPr lang="en-US" sz="2800"/>
-              <a:t>Remote configuration information stored in </a:t>
-            </a:r>
-            <a:r>
-              <a:rPr lang="en-US" sz="2800" i="1"/>
-              <a:t>.git/config</a:t>
-            </a:r>
-            <a:endParaRPr lang="en-US" sz="2800"/>
-          </a:p>
-          <a:p>
-            <a:pPr lvl="1">
-              <a:lnSpc>
-                <a:spcPct val="90000"/>
-              </a:lnSpc>
-            </a:pPr>
-            <a:r>
-              <a:rPr lang="en-US" sz="2400"/>
-              <a:t>Can have multiple remote backends!</a:t>
-            </a:r>
-          </a:p>
-        </p:txBody>
-      </p:sp>
-    </p:spTree>
-  </p:cSld>
-  <p:clrMapOvr>
-    <a:masterClrMapping/>
-  </p:clrMapOvr>
 </p:sld>
 </file>
 
@@ -10510,10 +9660,6 @@
               <a:rPr lang="de-DE" sz="4800" dirty="0" smtClean="0"/>
               <a:t>Probleme mit </a:t>
             </a:r>
-            <a:r>
-              <a:rPr lang="de-DE" sz="4800" dirty="0" smtClean="0"/>
-              <a:t/>
-            </a:r>
             <a:br>
               <a:rPr lang="de-DE" sz="4800" dirty="0" smtClean="0"/>
             </a:br>
@@ -10544,22 +9690,14 @@
           <a:p>
             <a:r>
               <a:rPr lang="de-DE" sz="4400" dirty="0" smtClean="0"/>
-              <a:t>Exklusives </a:t>
-            </a:r>
-            <a:r>
-              <a:rPr lang="de-DE" sz="4400" dirty="0" smtClean="0"/>
-              <a:t>Auschecken</a:t>
+              <a:t>Exklusives Auschecken</a:t>
             </a:r>
           </a:p>
           <a:p>
             <a:pPr lvl="1"/>
             <a:r>
               <a:rPr lang="de-DE" sz="4000" dirty="0" smtClean="0"/>
-              <a:t>Paralleles Arbeiten an einer Datei </a:t>
-            </a:r>
-            <a:r>
-              <a:rPr lang="de-DE" sz="4000" dirty="0" smtClean="0"/>
-              <a:t>schwierig</a:t>
+              <a:t>Paralleles Arbeiten an einer Datei schwierig</a:t>
             </a:r>
           </a:p>
           <a:p>
@@ -10647,7 +9785,6 @@
               <a:rPr lang="de-DE" sz="6000" dirty="0"/>
               <a:t>zentralisierten Systemen</a:t>
             </a:r>
-            <a:endParaRPr lang="de-DE" sz="6000" dirty="0"/>
           </a:p>
         </p:txBody>
       </p:sp>
@@ -10670,11 +9807,7 @@
           <a:p>
             <a:r>
               <a:rPr lang="de-DE" sz="3600" dirty="0" smtClean="0"/>
-              <a:t>Jeder </a:t>
-            </a:r>
-            <a:r>
-              <a:rPr lang="de-DE" sz="3600" dirty="0" smtClean="0"/>
-              <a:t>Commit geht direkt ins nächste Release</a:t>
+              <a:t>Jeder Commit geht direkt ins nächste Release</a:t>
             </a:r>
           </a:p>
           <a:p>
@@ -10688,11 +9821,7 @@
             <a:pPr lvl="1"/>
             <a:r>
               <a:rPr lang="de-DE" sz="3200" dirty="0" smtClean="0"/>
-              <a:t>Release </a:t>
-            </a:r>
-            <a:r>
-              <a:rPr lang="de-DE" sz="3200" dirty="0" smtClean="0"/>
-              <a:t>nicht zu jedem Zeitpunkt möglich</a:t>
+              <a:t>Release nicht zu jedem Zeitpunkt möglich</a:t>
             </a:r>
           </a:p>
           <a:p>
@@ -10772,7 +9901,6 @@
               <a:rPr lang="de-DE" sz="6000" dirty="0"/>
               <a:t>zentralisierten Systemen</a:t>
             </a:r>
-            <a:endParaRPr lang="de-DE" sz="6000" dirty="0"/>
           </a:p>
         </p:txBody>
       </p:sp>
@@ -10797,7 +9925,6 @@
               <a:rPr lang="de-DE" sz="4400" dirty="0" smtClean="0"/>
               <a:t>Versionshistorie (VSS):</a:t>
             </a:r>
-            <a:endParaRPr lang="de-DE" sz="4400" dirty="0" smtClean="0"/>
           </a:p>
           <a:p>
             <a:pPr lvl="1"/>
@@ -10910,7 +10037,6 @@
               <a:rPr lang="de-DE" sz="6000" dirty="0"/>
               <a:t>zentralisierten Systemen</a:t>
             </a:r>
-            <a:endParaRPr lang="de-DE" sz="6000" dirty="0"/>
           </a:p>
         </p:txBody>
       </p:sp>
@@ -10935,7 +10061,6 @@
               <a:rPr lang="de-DE" sz="4400" dirty="0" smtClean="0"/>
               <a:t>Stabilität (VSS):</a:t>
             </a:r>
-            <a:endParaRPr lang="de-DE" sz="4400" dirty="0" smtClean="0"/>
           </a:p>
           <a:p>
             <a:pPr lvl="1"/>
@@ -11261,8 +10386,28 @@
               </a:lnSpc>
             </a:pPr>
             <a:r>
-              <a:rPr lang="en-US" dirty="0"/>
-              <a:t>Authoritative server by convention only</a:t>
+              <a:rPr lang="en-US" dirty="0" err="1" smtClean="0"/>
+              <a:t>Jeder</a:t>
+            </a:r>
+            <a:r>
+              <a:rPr lang="en-US" dirty="0" smtClean="0"/>
+              <a:t> hat </a:t>
+            </a:r>
+            <a:r>
+              <a:rPr lang="en-US" dirty="0" err="1" smtClean="0"/>
+              <a:t>sein</a:t>
+            </a:r>
+            <a:r>
+              <a:rPr lang="en-US" dirty="0" smtClean="0"/>
+              <a:t> </a:t>
+            </a:r>
+            <a:r>
+              <a:rPr lang="en-US" dirty="0" err="1" smtClean="0"/>
+              <a:t>eigenes</a:t>
+            </a:r>
+            <a:r>
+              <a:rPr lang="en-US" dirty="0" smtClean="0"/>
+              <a:t> Repository</a:t>
             </a:r>
           </a:p>
           <a:p>
@@ -11272,9 +10417,10 @@
               </a:lnSpc>
             </a:pPr>
             <a:r>
-              <a:rPr lang="en-US" dirty="0"/>
-              <a:t>Every working checkout is a repository</a:t>
-            </a:r>
+              <a:rPr lang="en-US" dirty="0" smtClean="0"/>
+              <a:t>Server by Convention</a:t>
+            </a:r>
+            <a:endParaRPr lang="en-US" dirty="0"/>
           </a:p>
           <a:p>
             <a:pPr>
@@ -11283,8 +10429,20 @@
               </a:lnSpc>
             </a:pPr>
             <a:r>
-              <a:rPr lang="en-US" dirty="0"/>
-              <a:t>Get version control even when detached</a:t>
+              <a:rPr lang="en-US" dirty="0" err="1" smtClean="0"/>
+              <a:t>Versionskontrolle</a:t>
+            </a:r>
+            <a:r>
+              <a:rPr lang="en-US" dirty="0" smtClean="0"/>
+              <a:t> </a:t>
+            </a:r>
+            <a:r>
+              <a:rPr lang="en-US" dirty="0" err="1" smtClean="0"/>
+              <a:t>auch</a:t>
+            </a:r>
+            <a:r>
+              <a:rPr lang="en-US" dirty="0" smtClean="0"/>
+              <a:t> offline</a:t>
             </a:r>
           </a:p>
           <a:p>
@@ -11294,16 +10452,17 @@
               </a:lnSpc>
             </a:pPr>
             <a:r>
-              <a:rPr lang="en-US" dirty="0"/>
-              <a:t>Backups are trivial</a:t>
-            </a:r>
-          </a:p>
-          <a:p>
-            <a:pPr>
-              <a:lnSpc>
-                <a:spcPct val="90000"/>
-              </a:lnSpc>
-            </a:pPr>
+              <a:rPr lang="en-US" dirty="0" smtClean="0"/>
+              <a:t>Backups </a:t>
+            </a:r>
+            <a:r>
+              <a:rPr lang="en-US" dirty="0" err="1" smtClean="0"/>
+              <a:t>werden</a:t>
+            </a:r>
+            <a:r>
+              <a:rPr lang="en-US" dirty="0" smtClean="0"/>
+              <a:t> trivial</a:t>
+            </a:r>
             <a:endParaRPr lang="en-US" dirty="0"/>
           </a:p>
         </p:txBody>
@@ -11324,35 +10483,50 @@
           <a:lstStyle/>
           <a:p>
             <a:r>
-              <a:rPr lang="en-US"/>
-              <a:t>Other distributed systems include</a:t>
-            </a:r>
+              <a:rPr lang="en-US" dirty="0" err="1" smtClean="0"/>
+              <a:t>Weitere</a:t>
+            </a:r>
+            <a:r>
+              <a:rPr lang="en-US" dirty="0" smtClean="0"/>
+              <a:t> </a:t>
+            </a:r>
+            <a:r>
+              <a:rPr lang="en-US" dirty="0" err="1" smtClean="0"/>
+              <a:t>Beispiele</a:t>
+            </a:r>
+            <a:r>
+              <a:rPr lang="en-US" dirty="0" smtClean="0"/>
+              <a:t>:</a:t>
+            </a:r>
+            <a:endParaRPr lang="en-US" dirty="0"/>
           </a:p>
           <a:p>
             <a:pPr lvl="1"/>
             <a:r>
-              <a:rPr lang="en-US"/>
+              <a:rPr lang="en-US" dirty="0"/>
               <a:t>Mercurial</a:t>
             </a:r>
           </a:p>
           <a:p>
             <a:pPr lvl="1"/>
             <a:r>
-              <a:rPr lang="en-US"/>
+              <a:rPr lang="en-US" dirty="0" err="1"/>
               <a:t>BitKeeper</a:t>
             </a:r>
+            <a:endParaRPr lang="en-US" dirty="0"/>
           </a:p>
           <a:p>
             <a:pPr lvl="1"/>
             <a:r>
-              <a:rPr lang="en-US"/>
+              <a:rPr lang="en-US" dirty="0" err="1"/>
               <a:t>Darcs</a:t>
             </a:r>
+            <a:endParaRPr lang="en-US" dirty="0"/>
           </a:p>
           <a:p>
             <a:pPr lvl="1"/>
             <a:r>
-              <a:rPr lang="en-US"/>
+              <a:rPr lang="en-US" dirty="0" smtClean="0"/>
               <a:t>Bazaar</a:t>
             </a:r>
           </a:p>

--- a/GitTalk.pptx
+++ b/GitTalk.pptx
@@ -5,36 +5,35 @@
     <p:sldMasterId id="2147483660" r:id="rId1"/>
   </p:sldMasterIdLst>
   <p:notesMasterIdLst>
-    <p:notesMasterId r:id="rId26"/>
+    <p:notesMasterId r:id="rId25"/>
   </p:notesMasterIdLst>
   <p:handoutMasterIdLst>
-    <p:handoutMasterId r:id="rId27"/>
+    <p:handoutMasterId r:id="rId26"/>
   </p:handoutMasterIdLst>
   <p:sldIdLst>
     <p:sldId id="374" r:id="rId2"/>
     <p:sldId id="328" r:id="rId3"/>
-    <p:sldId id="375" r:id="rId4"/>
-    <p:sldId id="333" r:id="rId5"/>
-    <p:sldId id="334" r:id="rId6"/>
-    <p:sldId id="330" r:id="rId7"/>
-    <p:sldId id="329" r:id="rId8"/>
-    <p:sldId id="376" r:id="rId9"/>
-    <p:sldId id="341" r:id="rId10"/>
-    <p:sldId id="367" r:id="rId11"/>
-    <p:sldId id="342" r:id="rId12"/>
-    <p:sldId id="343" r:id="rId13"/>
-    <p:sldId id="344" r:id="rId14"/>
-    <p:sldId id="345" r:id="rId15"/>
-    <p:sldId id="346" r:id="rId16"/>
-    <p:sldId id="347" r:id="rId17"/>
+    <p:sldId id="378" r:id="rId4"/>
+    <p:sldId id="387" r:id="rId5"/>
+    <p:sldId id="333" r:id="rId6"/>
+    <p:sldId id="334" r:id="rId7"/>
+    <p:sldId id="330" r:id="rId8"/>
+    <p:sldId id="329" r:id="rId9"/>
+    <p:sldId id="386" r:id="rId10"/>
+    <p:sldId id="377" r:id="rId11"/>
+    <p:sldId id="367" r:id="rId12"/>
+    <p:sldId id="342" r:id="rId13"/>
+    <p:sldId id="343" r:id="rId14"/>
+    <p:sldId id="347" r:id="rId15"/>
+    <p:sldId id="344" r:id="rId16"/>
+    <p:sldId id="346" r:id="rId17"/>
     <p:sldId id="348" r:id="rId18"/>
-    <p:sldId id="349" r:id="rId19"/>
-    <p:sldId id="350" r:id="rId20"/>
-    <p:sldId id="352" r:id="rId21"/>
-    <p:sldId id="353" r:id="rId22"/>
-    <p:sldId id="354" r:id="rId23"/>
-    <p:sldId id="360" r:id="rId24"/>
-    <p:sldId id="369" r:id="rId25"/>
+    <p:sldId id="353" r:id="rId19"/>
+    <p:sldId id="352" r:id="rId20"/>
+    <p:sldId id="384" r:id="rId21"/>
+    <p:sldId id="385" r:id="rId22"/>
+    <p:sldId id="369" r:id="rId23"/>
+    <p:sldId id="381" r:id="rId24"/>
   </p:sldIdLst>
   <p:sldSz cx="9144000" cy="6858000" type="screen4x3"/>
   <p:notesSz cx="6858000" cy="9144000"/>
@@ -758,52 +757,23 @@
       </p:grpSpPr>
       <p:sp>
         <p:nvSpPr>
-          <p:cNvPr id="2" name="Folienbildplatzhalter 1"/>
-          <p:cNvSpPr>
-            <a:spLocks noGrp="1" noRot="1" noChangeAspect="1"/>
-          </p:cNvSpPr>
-          <p:nvPr>
-            <p:ph type="sldImg"/>
-          </p:nvPr>
-        </p:nvSpPr>
-        <p:spPr/>
-      </p:sp>
-      <p:sp>
-        <p:nvSpPr>
-          <p:cNvPr id="3" name="Notizenplatzhalter 2"/>
-          <p:cNvSpPr>
-            <a:spLocks noGrp="1"/>
-          </p:cNvSpPr>
-          <p:nvPr>
-            <p:ph type="body" idx="1"/>
-          </p:nvPr>
-        </p:nvSpPr>
-        <p:spPr/>
+          <p:cNvPr id="7" name="Rectangle 7"/>
+          <p:cNvSpPr>
+            <a:spLocks noGrp="1" noChangeArrowheads="1"/>
+          </p:cNvSpPr>
+          <p:nvPr>
+            <p:ph type="sldNum" sz="quarter" idx="5"/>
+          </p:nvPr>
+        </p:nvSpPr>
+        <p:spPr>
+          <a:ln/>
+        </p:spPr>
         <p:txBody>
           <a:bodyPr/>
           <a:lstStyle/>
           <a:p>
-            <a:endParaRPr lang="de-DE"/>
-          </a:p>
-        </p:txBody>
-      </p:sp>
-      <p:sp>
-        <p:nvSpPr>
-          <p:cNvPr id="4" name="Foliennummernplatzhalter 3"/>
-          <p:cNvSpPr>
-            <a:spLocks noGrp="1"/>
-          </p:cNvSpPr>
-          <p:nvPr>
-            <p:ph type="sldNum" sz="quarter" idx="10"/>
-          </p:nvPr>
-        </p:nvSpPr>
-        <p:spPr/>
-        <p:txBody>
-          <a:bodyPr/>
-          <a:lstStyle/>
-          <a:p>
-            <a:fld id="{FE5C90B4-74E4-420E-9E3F-548EA925D0FC}" type="slidenum">
-              <a:rPr lang="en-US" smtClean="0"/>
+            <a:fld id="{E4AB5602-DF46-445B-8779-30EE7C61AE09}" type="slidenum">
+              <a:rPr lang="en-US"/>
               <a:pPr/>
               <a:t>10</a:t>
             </a:fld>
@@ -811,12 +781,40 @@
           </a:p>
         </p:txBody>
       </p:sp>
+      <p:sp>
+        <p:nvSpPr>
+          <p:cNvPr id="66562" name="Rectangle 2"/>
+          <p:cNvSpPr>
+            <a:spLocks noGrp="1" noRot="1" noChangeAspect="1" noChangeArrowheads="1" noTextEdit="1"/>
+          </p:cNvSpPr>
+          <p:nvPr>
+            <p:ph type="sldImg"/>
+          </p:nvPr>
+        </p:nvSpPr>
+        <p:spPr>
+          <a:ln/>
+        </p:spPr>
+      </p:sp>
+      <p:sp>
+        <p:nvSpPr>
+          <p:cNvPr id="66563" name="Rectangle 3"/>
+          <p:cNvSpPr>
+            <a:spLocks noGrp="1" noChangeArrowheads="1"/>
+          </p:cNvSpPr>
+          <p:nvPr>
+            <p:ph type="body" idx="1"/>
+          </p:nvPr>
+        </p:nvSpPr>
+        <p:spPr/>
+        <p:txBody>
+          <a:bodyPr/>
+          <a:lstStyle/>
+          <a:p>
+            <a:endParaRPr lang="de-DE"/>
+          </a:p>
+        </p:txBody>
+      </p:sp>
     </p:spTree>
-    <p:extLst>
-      <p:ext uri="{BB962C8B-B14F-4D97-AF65-F5344CB8AC3E}">
-        <p14:creationId xmlns:p14="http://schemas.microsoft.com/office/powerpoint/2010/main" val="4002881449"/>
-      </p:ext>
-    </p:extLst>
   </p:cSld>
   <p:clrMapOvr>
     <a:masterClrMapping/>
@@ -843,23 +841,52 @@
       </p:grpSpPr>
       <p:sp>
         <p:nvSpPr>
-          <p:cNvPr id="7" name="Rectangle 7"/>
-          <p:cNvSpPr>
-            <a:spLocks noGrp="1" noChangeArrowheads="1"/>
-          </p:cNvSpPr>
-          <p:nvPr>
-            <p:ph type="sldNum" sz="quarter" idx="5"/>
-          </p:nvPr>
-        </p:nvSpPr>
-        <p:spPr>
-          <a:ln/>
-        </p:spPr>
+          <p:cNvPr id="2" name="Folienbildplatzhalter 1"/>
+          <p:cNvSpPr>
+            <a:spLocks noGrp="1" noRot="1" noChangeAspect="1"/>
+          </p:cNvSpPr>
+          <p:nvPr>
+            <p:ph type="sldImg"/>
+          </p:nvPr>
+        </p:nvSpPr>
+        <p:spPr/>
+      </p:sp>
+      <p:sp>
+        <p:nvSpPr>
+          <p:cNvPr id="3" name="Notizenplatzhalter 2"/>
+          <p:cNvSpPr>
+            <a:spLocks noGrp="1"/>
+          </p:cNvSpPr>
+          <p:nvPr>
+            <p:ph type="body" idx="1"/>
+          </p:nvPr>
+        </p:nvSpPr>
+        <p:spPr/>
         <p:txBody>
           <a:bodyPr/>
           <a:lstStyle/>
           <a:p>
-            <a:fld id="{0129F05A-B5F0-4A48-B2CE-A900A5011BD6}" type="slidenum">
-              <a:rPr lang="en-US"/>
+            <a:endParaRPr lang="de-DE"/>
+          </a:p>
+        </p:txBody>
+      </p:sp>
+      <p:sp>
+        <p:nvSpPr>
+          <p:cNvPr id="4" name="Foliennummernplatzhalter 3"/>
+          <p:cNvSpPr>
+            <a:spLocks noGrp="1"/>
+          </p:cNvSpPr>
+          <p:nvPr>
+            <p:ph type="sldNum" sz="quarter" idx="10"/>
+          </p:nvPr>
+        </p:nvSpPr>
+        <p:spPr/>
+        <p:txBody>
+          <a:bodyPr/>
+          <a:lstStyle/>
+          <a:p>
+            <a:fld id="{FE5C90B4-74E4-420E-9E3F-548EA925D0FC}" type="slidenum">
+              <a:rPr lang="en-US" smtClean="0"/>
               <a:pPr/>
               <a:t>11</a:t>
             </a:fld>
@@ -867,40 +894,12 @@
           </a:p>
         </p:txBody>
       </p:sp>
-      <p:sp>
-        <p:nvSpPr>
-          <p:cNvPr id="68610" name="Rectangle 2"/>
-          <p:cNvSpPr>
-            <a:spLocks noGrp="1" noRot="1" noChangeAspect="1" noChangeArrowheads="1" noTextEdit="1"/>
-          </p:cNvSpPr>
-          <p:nvPr>
-            <p:ph type="sldImg"/>
-          </p:nvPr>
-        </p:nvSpPr>
-        <p:spPr>
-          <a:ln/>
-        </p:spPr>
-      </p:sp>
-      <p:sp>
-        <p:nvSpPr>
-          <p:cNvPr id="68611" name="Rectangle 3"/>
-          <p:cNvSpPr>
-            <a:spLocks noGrp="1" noChangeArrowheads="1"/>
-          </p:cNvSpPr>
-          <p:nvPr>
-            <p:ph type="body" idx="1"/>
-          </p:nvPr>
-        </p:nvSpPr>
-        <p:spPr/>
-        <p:txBody>
-          <a:bodyPr/>
-          <a:lstStyle/>
-          <a:p>
-            <a:endParaRPr lang="de-DE"/>
-          </a:p>
-        </p:txBody>
-      </p:sp>
     </p:spTree>
+    <p:extLst>
+      <p:ext uri="{BB962C8B-B14F-4D97-AF65-F5344CB8AC3E}">
+        <p14:creationId xmlns:p14="http://schemas.microsoft.com/office/powerpoint/2010/main" val="4002881449"/>
+      </p:ext>
+    </p:extLst>
   </p:cSld>
   <p:clrMapOvr>
     <a:masterClrMapping/>
@@ -942,7 +941,7 @@
           <a:bodyPr/>
           <a:lstStyle/>
           <a:p>
-            <a:fld id="{2E2CE076-7132-436E-B6EE-7D9BD93BD94C}" type="slidenum">
+            <a:fld id="{0129F05A-B5F0-4A48-B2CE-A900A5011BD6}" type="slidenum">
               <a:rPr lang="en-US"/>
               <a:pPr/>
               <a:t>12</a:t>
@@ -953,7 +952,7 @@
       </p:sp>
       <p:sp>
         <p:nvSpPr>
-          <p:cNvPr id="69634" name="Rectangle 2"/>
+          <p:cNvPr id="68610" name="Rectangle 2"/>
           <p:cNvSpPr>
             <a:spLocks noGrp="1" noRot="1" noChangeAspect="1" noChangeArrowheads="1" noTextEdit="1"/>
           </p:cNvSpPr>
@@ -967,7 +966,7 @@
       </p:sp>
       <p:sp>
         <p:nvSpPr>
-          <p:cNvPr id="69635" name="Rectangle 3"/>
+          <p:cNvPr id="68611" name="Rectangle 3"/>
           <p:cNvSpPr>
             <a:spLocks noGrp="1" noChangeArrowheads="1"/>
           </p:cNvSpPr>
@@ -1026,7 +1025,7 @@
           <a:bodyPr/>
           <a:lstStyle/>
           <a:p>
-            <a:fld id="{FA4ED56D-0F7B-435E-A8C8-A2C2A63E3F7D}" type="slidenum">
+            <a:fld id="{2E2CE076-7132-436E-B6EE-7D9BD93BD94C}" type="slidenum">
               <a:rPr lang="en-US"/>
               <a:pPr/>
               <a:t>13</a:t>
@@ -1037,7 +1036,7 @@
       </p:sp>
       <p:sp>
         <p:nvSpPr>
-          <p:cNvPr id="70658" name="Rectangle 2"/>
+          <p:cNvPr id="69634" name="Rectangle 2"/>
           <p:cNvSpPr>
             <a:spLocks noGrp="1" noRot="1" noChangeAspect="1" noChangeArrowheads="1" noTextEdit="1"/>
           </p:cNvSpPr>
@@ -1051,7 +1050,7 @@
       </p:sp>
       <p:sp>
         <p:nvSpPr>
-          <p:cNvPr id="70659" name="Rectangle 3"/>
+          <p:cNvPr id="69635" name="Rectangle 3"/>
           <p:cNvSpPr>
             <a:spLocks noGrp="1" noChangeArrowheads="1"/>
           </p:cNvSpPr>
@@ -1110,7 +1109,7 @@
           <a:bodyPr/>
           <a:lstStyle/>
           <a:p>
-            <a:fld id="{5D2BA771-F69D-484A-AE83-D863EECAE19A}" type="slidenum">
+            <a:fld id="{FDE3CCBA-4467-422F-A505-0B121F4831B3}" type="slidenum">
               <a:rPr lang="en-US"/>
               <a:pPr/>
               <a:t>14</a:t>
@@ -1121,7 +1120,7 @@
       </p:sp>
       <p:sp>
         <p:nvSpPr>
-          <p:cNvPr id="71682" name="Rectangle 2"/>
+          <p:cNvPr id="73730" name="Rectangle 2"/>
           <p:cNvSpPr>
             <a:spLocks noGrp="1" noRot="1" noChangeAspect="1" noChangeArrowheads="1" noTextEdit="1"/>
           </p:cNvSpPr>
@@ -1135,7 +1134,7 @@
       </p:sp>
       <p:sp>
         <p:nvSpPr>
-          <p:cNvPr id="71683" name="Rectangle 3"/>
+          <p:cNvPr id="73731" name="Rectangle 3"/>
           <p:cNvSpPr>
             <a:spLocks noGrp="1" noChangeArrowheads="1"/>
           </p:cNvSpPr>
@@ -1194,7 +1193,7 @@
           <a:bodyPr/>
           <a:lstStyle/>
           <a:p>
-            <a:fld id="{C034353B-A372-433A-88D5-CB6764228906}" type="slidenum">
+            <a:fld id="{FA4ED56D-0F7B-435E-A8C8-A2C2A63E3F7D}" type="slidenum">
               <a:rPr lang="en-US"/>
               <a:pPr/>
               <a:t>15</a:t>
@@ -1205,7 +1204,7 @@
       </p:sp>
       <p:sp>
         <p:nvSpPr>
-          <p:cNvPr id="72706" name="Rectangle 2"/>
+          <p:cNvPr id="70658" name="Rectangle 2"/>
           <p:cNvSpPr>
             <a:spLocks noGrp="1" noRot="1" noChangeAspect="1" noChangeArrowheads="1" noTextEdit="1"/>
           </p:cNvSpPr>
@@ -1219,7 +1218,7 @@
       </p:sp>
       <p:sp>
         <p:nvSpPr>
-          <p:cNvPr id="72707" name="Rectangle 3"/>
+          <p:cNvPr id="70659" name="Rectangle 3"/>
           <p:cNvSpPr>
             <a:spLocks noGrp="1" noChangeArrowheads="1"/>
           </p:cNvSpPr>
@@ -1278,7 +1277,7 @@
           <a:bodyPr/>
           <a:lstStyle/>
           <a:p>
-            <a:fld id="{FDE3CCBA-4467-422F-A505-0B121F4831B3}" type="slidenum">
+            <a:fld id="{C034353B-A372-433A-88D5-CB6764228906}" type="slidenum">
               <a:rPr lang="en-US"/>
               <a:pPr/>
               <a:t>16</a:t>
@@ -1289,7 +1288,7 @@
       </p:sp>
       <p:sp>
         <p:nvSpPr>
-          <p:cNvPr id="73730" name="Rectangle 2"/>
+          <p:cNvPr id="72706" name="Rectangle 2"/>
           <p:cNvSpPr>
             <a:spLocks noGrp="1" noRot="1" noChangeAspect="1" noChangeArrowheads="1" noTextEdit="1"/>
           </p:cNvSpPr>
@@ -1303,7 +1302,7 @@
       </p:sp>
       <p:sp>
         <p:nvSpPr>
-          <p:cNvPr id="73731" name="Rectangle 3"/>
+          <p:cNvPr id="72707" name="Rectangle 3"/>
           <p:cNvSpPr>
             <a:spLocks noGrp="1" noChangeArrowheads="1"/>
           </p:cNvSpPr>
@@ -1446,7 +1445,7 @@
           <a:bodyPr/>
           <a:lstStyle/>
           <a:p>
-            <a:fld id="{A371C77F-ACED-4C71-876B-89291E9A3A9F}" type="slidenum">
+            <a:fld id="{9CFC8A4D-A66D-409B-8FC2-F6950F1F0199}" type="slidenum">
               <a:rPr lang="en-US"/>
               <a:pPr/>
               <a:t>18</a:t>
@@ -1457,7 +1456,7 @@
       </p:sp>
       <p:sp>
         <p:nvSpPr>
-          <p:cNvPr id="75778" name="Rectangle 2"/>
+          <p:cNvPr id="79874" name="Rectangle 2"/>
           <p:cNvSpPr>
             <a:spLocks noGrp="1" noRot="1" noChangeAspect="1" noChangeArrowheads="1" noTextEdit="1"/>
           </p:cNvSpPr>
@@ -1471,7 +1470,7 @@
       </p:sp>
       <p:sp>
         <p:nvSpPr>
-          <p:cNvPr id="75779" name="Rectangle 3"/>
+          <p:cNvPr id="79875" name="Rectangle 3"/>
           <p:cNvSpPr>
             <a:spLocks noGrp="1" noChangeArrowheads="1"/>
           </p:cNvSpPr>
@@ -1530,7 +1529,7 @@
           <a:bodyPr/>
           <a:lstStyle/>
           <a:p>
-            <a:fld id="{80D50CF2-1FC3-42E0-8319-0A8855B7D176}" type="slidenum">
+            <a:fld id="{08DED00F-A626-4302-8D79-80E3296ADA31}" type="slidenum">
               <a:rPr lang="en-US"/>
               <a:pPr/>
               <a:t>19</a:t>
@@ -1541,7 +1540,7 @@
       </p:sp>
       <p:sp>
         <p:nvSpPr>
-          <p:cNvPr id="76802" name="Rectangle 2"/>
+          <p:cNvPr id="78850" name="Rectangle 2"/>
           <p:cNvSpPr>
             <a:spLocks noGrp="1" noRot="1" noChangeAspect="1" noChangeArrowheads="1" noTextEdit="1"/>
           </p:cNvSpPr>
@@ -1555,7 +1554,7 @@
       </p:sp>
       <p:sp>
         <p:nvSpPr>
-          <p:cNvPr id="76803" name="Rectangle 3"/>
+          <p:cNvPr id="78851" name="Rectangle 3"/>
           <p:cNvSpPr>
             <a:spLocks noGrp="1" noChangeArrowheads="1"/>
           </p:cNvSpPr>
@@ -1681,23 +1680,52 @@
       </p:grpSpPr>
       <p:sp>
         <p:nvSpPr>
-          <p:cNvPr id="7" name="Rectangle 7"/>
-          <p:cNvSpPr>
-            <a:spLocks noGrp="1" noChangeArrowheads="1"/>
-          </p:cNvSpPr>
-          <p:nvPr>
-            <p:ph type="sldNum" sz="quarter" idx="5"/>
-          </p:nvPr>
-        </p:nvSpPr>
-        <p:spPr>
-          <a:ln/>
-        </p:spPr>
+          <p:cNvPr id="2" name="Folienbildplatzhalter 1"/>
+          <p:cNvSpPr>
+            <a:spLocks noGrp="1" noRot="1" noChangeAspect="1"/>
+          </p:cNvSpPr>
+          <p:nvPr>
+            <p:ph type="sldImg"/>
+          </p:nvPr>
+        </p:nvSpPr>
+        <p:spPr/>
+      </p:sp>
+      <p:sp>
+        <p:nvSpPr>
+          <p:cNvPr id="3" name="Notizenplatzhalter 2"/>
+          <p:cNvSpPr>
+            <a:spLocks noGrp="1"/>
+          </p:cNvSpPr>
+          <p:nvPr>
+            <p:ph type="body" idx="1"/>
+          </p:nvPr>
+        </p:nvSpPr>
+        <p:spPr/>
         <p:txBody>
           <a:bodyPr/>
           <a:lstStyle/>
           <a:p>
-            <a:fld id="{08DED00F-A626-4302-8D79-80E3296ADA31}" type="slidenum">
-              <a:rPr lang="en-US"/>
+            <a:endParaRPr lang="de-DE"/>
+          </a:p>
+        </p:txBody>
+      </p:sp>
+      <p:sp>
+        <p:nvSpPr>
+          <p:cNvPr id="4" name="Foliennummernplatzhalter 3"/>
+          <p:cNvSpPr>
+            <a:spLocks noGrp="1"/>
+          </p:cNvSpPr>
+          <p:nvPr>
+            <p:ph type="sldNum" sz="quarter" idx="10"/>
+          </p:nvPr>
+        </p:nvSpPr>
+        <p:spPr/>
+        <p:txBody>
+          <a:bodyPr/>
+          <a:lstStyle/>
+          <a:p>
+            <a:fld id="{FE5C90B4-74E4-420E-9E3F-548EA925D0FC}" type="slidenum">
+              <a:rPr lang="en-US" smtClean="0"/>
               <a:pPr/>
               <a:t>20</a:t>
             </a:fld>
@@ -1705,40 +1733,12 @@
           </a:p>
         </p:txBody>
       </p:sp>
-      <p:sp>
-        <p:nvSpPr>
-          <p:cNvPr id="78850" name="Rectangle 2"/>
-          <p:cNvSpPr>
-            <a:spLocks noGrp="1" noRot="1" noChangeAspect="1" noChangeArrowheads="1" noTextEdit="1"/>
-          </p:cNvSpPr>
-          <p:nvPr>
-            <p:ph type="sldImg"/>
-          </p:nvPr>
-        </p:nvSpPr>
-        <p:spPr>
-          <a:ln/>
-        </p:spPr>
-      </p:sp>
-      <p:sp>
-        <p:nvSpPr>
-          <p:cNvPr id="78851" name="Rectangle 3"/>
-          <p:cNvSpPr>
-            <a:spLocks noGrp="1" noChangeArrowheads="1"/>
-          </p:cNvSpPr>
-          <p:nvPr>
-            <p:ph type="body" idx="1"/>
-          </p:nvPr>
-        </p:nvSpPr>
-        <p:spPr/>
-        <p:txBody>
-          <a:bodyPr/>
-          <a:lstStyle/>
-          <a:p>
-            <a:endParaRPr lang="de-DE"/>
-          </a:p>
-        </p:txBody>
-      </p:sp>
     </p:spTree>
+    <p:extLst>
+      <p:ext uri="{BB962C8B-B14F-4D97-AF65-F5344CB8AC3E}">
+        <p14:creationId xmlns:p14="http://schemas.microsoft.com/office/powerpoint/2010/main" val="4045899916"/>
+      </p:ext>
+    </p:extLst>
   </p:cSld>
   <p:clrMapOvr>
     <a:masterClrMapping/>
@@ -1765,23 +1765,52 @@
       </p:grpSpPr>
       <p:sp>
         <p:nvSpPr>
-          <p:cNvPr id="7" name="Rectangle 7"/>
-          <p:cNvSpPr>
-            <a:spLocks noGrp="1" noChangeArrowheads="1"/>
-          </p:cNvSpPr>
-          <p:nvPr>
-            <p:ph type="sldNum" sz="quarter" idx="5"/>
-          </p:nvPr>
-        </p:nvSpPr>
-        <p:spPr>
-          <a:ln/>
-        </p:spPr>
+          <p:cNvPr id="2" name="Folienbildplatzhalter 1"/>
+          <p:cNvSpPr>
+            <a:spLocks noGrp="1" noRot="1" noChangeAspect="1"/>
+          </p:cNvSpPr>
+          <p:nvPr>
+            <p:ph type="sldImg"/>
+          </p:nvPr>
+        </p:nvSpPr>
+        <p:spPr/>
+      </p:sp>
+      <p:sp>
+        <p:nvSpPr>
+          <p:cNvPr id="3" name="Notizenplatzhalter 2"/>
+          <p:cNvSpPr>
+            <a:spLocks noGrp="1"/>
+          </p:cNvSpPr>
+          <p:nvPr>
+            <p:ph type="body" idx="1"/>
+          </p:nvPr>
+        </p:nvSpPr>
+        <p:spPr/>
         <p:txBody>
           <a:bodyPr/>
           <a:lstStyle/>
           <a:p>
-            <a:fld id="{9CFC8A4D-A66D-409B-8FC2-F6950F1F0199}" type="slidenum">
-              <a:rPr lang="en-US"/>
+            <a:endParaRPr lang="de-DE"/>
+          </a:p>
+        </p:txBody>
+      </p:sp>
+      <p:sp>
+        <p:nvSpPr>
+          <p:cNvPr id="4" name="Foliennummernplatzhalter 3"/>
+          <p:cNvSpPr>
+            <a:spLocks noGrp="1"/>
+          </p:cNvSpPr>
+          <p:nvPr>
+            <p:ph type="sldNum" sz="quarter" idx="10"/>
+          </p:nvPr>
+        </p:nvSpPr>
+        <p:spPr/>
+        <p:txBody>
+          <a:bodyPr/>
+          <a:lstStyle/>
+          <a:p>
+            <a:fld id="{FE5C90B4-74E4-420E-9E3F-548EA925D0FC}" type="slidenum">
+              <a:rPr lang="en-US" smtClean="0"/>
               <a:pPr/>
               <a:t>21</a:t>
             </a:fld>
@@ -1789,40 +1818,12 @@
           </a:p>
         </p:txBody>
       </p:sp>
-      <p:sp>
-        <p:nvSpPr>
-          <p:cNvPr id="79874" name="Rectangle 2"/>
-          <p:cNvSpPr>
-            <a:spLocks noGrp="1" noRot="1" noChangeAspect="1" noChangeArrowheads="1" noTextEdit="1"/>
-          </p:cNvSpPr>
-          <p:nvPr>
-            <p:ph type="sldImg"/>
-          </p:nvPr>
-        </p:nvSpPr>
-        <p:spPr>
-          <a:ln/>
-        </p:spPr>
-      </p:sp>
-      <p:sp>
-        <p:nvSpPr>
-          <p:cNvPr id="79875" name="Rectangle 3"/>
-          <p:cNvSpPr>
-            <a:spLocks noGrp="1" noChangeArrowheads="1"/>
-          </p:cNvSpPr>
-          <p:nvPr>
-            <p:ph type="body" idx="1"/>
-          </p:nvPr>
-        </p:nvSpPr>
-        <p:spPr/>
-        <p:txBody>
-          <a:bodyPr/>
-          <a:lstStyle/>
-          <a:p>
-            <a:endParaRPr lang="de-DE"/>
-          </a:p>
-        </p:txBody>
-      </p:sp>
     </p:spTree>
+    <p:extLst>
+      <p:ext uri="{BB962C8B-B14F-4D97-AF65-F5344CB8AC3E}">
+        <p14:creationId xmlns:p14="http://schemas.microsoft.com/office/powerpoint/2010/main" val="4045899916"/>
+      </p:ext>
+    </p:extLst>
   </p:cSld>
   <p:clrMapOvr>
     <a:masterClrMapping/>
@@ -1849,23 +1850,52 @@
       </p:grpSpPr>
       <p:sp>
         <p:nvSpPr>
-          <p:cNvPr id="7" name="Rectangle 7"/>
-          <p:cNvSpPr>
-            <a:spLocks noGrp="1" noChangeArrowheads="1"/>
-          </p:cNvSpPr>
-          <p:nvPr>
-            <p:ph type="sldNum" sz="quarter" idx="5"/>
-          </p:nvPr>
-        </p:nvSpPr>
-        <p:spPr>
-          <a:ln/>
-        </p:spPr>
+          <p:cNvPr id="2" name="Folienbildplatzhalter 1"/>
+          <p:cNvSpPr>
+            <a:spLocks noGrp="1" noRot="1" noChangeAspect="1"/>
+          </p:cNvSpPr>
+          <p:nvPr>
+            <p:ph type="sldImg"/>
+          </p:nvPr>
+        </p:nvSpPr>
+        <p:spPr/>
+      </p:sp>
+      <p:sp>
+        <p:nvSpPr>
+          <p:cNvPr id="3" name="Notizenplatzhalter 2"/>
+          <p:cNvSpPr>
+            <a:spLocks noGrp="1"/>
+          </p:cNvSpPr>
+          <p:nvPr>
+            <p:ph type="body" idx="1"/>
+          </p:nvPr>
+        </p:nvSpPr>
+        <p:spPr/>
         <p:txBody>
           <a:bodyPr/>
           <a:lstStyle/>
           <a:p>
-            <a:fld id="{7C6A1A36-8B2A-4020-BEB2-CBC585932E30}" type="slidenum">
-              <a:rPr lang="en-US"/>
+            <a:endParaRPr lang="de-DE"/>
+          </a:p>
+        </p:txBody>
+      </p:sp>
+      <p:sp>
+        <p:nvSpPr>
+          <p:cNvPr id="4" name="Foliennummernplatzhalter 3"/>
+          <p:cNvSpPr>
+            <a:spLocks noGrp="1"/>
+          </p:cNvSpPr>
+          <p:nvPr>
+            <p:ph type="sldNum" sz="quarter" idx="10"/>
+          </p:nvPr>
+        </p:nvSpPr>
+        <p:spPr/>
+        <p:txBody>
+          <a:bodyPr/>
+          <a:lstStyle/>
+          <a:p>
+            <a:fld id="{FE5C90B4-74E4-420E-9E3F-548EA925D0FC}" type="slidenum">
+              <a:rPr lang="en-US" smtClean="0"/>
               <a:pPr/>
               <a:t>22</a:t>
             </a:fld>
@@ -1873,40 +1903,12 @@
           </a:p>
         </p:txBody>
       </p:sp>
-      <p:sp>
-        <p:nvSpPr>
-          <p:cNvPr id="80898" name="Rectangle 2"/>
-          <p:cNvSpPr>
-            <a:spLocks noGrp="1" noRot="1" noChangeAspect="1" noChangeArrowheads="1" noTextEdit="1"/>
-          </p:cNvSpPr>
-          <p:nvPr>
-            <p:ph type="sldImg"/>
-          </p:nvPr>
-        </p:nvSpPr>
-        <p:spPr>
-          <a:ln/>
-        </p:spPr>
-      </p:sp>
-      <p:sp>
-        <p:nvSpPr>
-          <p:cNvPr id="80899" name="Rectangle 3"/>
-          <p:cNvSpPr>
-            <a:spLocks noGrp="1" noChangeArrowheads="1"/>
-          </p:cNvSpPr>
-          <p:nvPr>
-            <p:ph type="body" idx="1"/>
-          </p:nvPr>
-        </p:nvSpPr>
-        <p:spPr/>
-        <p:txBody>
-          <a:bodyPr/>
-          <a:lstStyle/>
-          <a:p>
-            <a:endParaRPr lang="de-DE"/>
-          </a:p>
-        </p:txBody>
-      </p:sp>
     </p:spTree>
+    <p:extLst>
+      <p:ext uri="{BB962C8B-B14F-4D97-AF65-F5344CB8AC3E}">
+        <p14:creationId xmlns:p14="http://schemas.microsoft.com/office/powerpoint/2010/main" val="8335724"/>
+      </p:ext>
+    </p:extLst>
   </p:cSld>
   <p:clrMapOvr>
     <a:masterClrMapping/>
@@ -1933,23 +1935,52 @@
       </p:grpSpPr>
       <p:sp>
         <p:nvSpPr>
-          <p:cNvPr id="7" name="Rectangle 7"/>
-          <p:cNvSpPr>
-            <a:spLocks noGrp="1" noChangeArrowheads="1"/>
-          </p:cNvSpPr>
-          <p:nvPr>
-            <p:ph type="sldNum" sz="quarter" idx="5"/>
-          </p:nvPr>
-        </p:nvSpPr>
-        <p:spPr>
-          <a:ln/>
-        </p:spPr>
+          <p:cNvPr id="2" name="Folienbildplatzhalter 1"/>
+          <p:cNvSpPr>
+            <a:spLocks noGrp="1" noRot="1" noChangeAspect="1"/>
+          </p:cNvSpPr>
+          <p:nvPr>
+            <p:ph type="sldImg"/>
+          </p:nvPr>
+        </p:nvSpPr>
+        <p:spPr/>
+      </p:sp>
+      <p:sp>
+        <p:nvSpPr>
+          <p:cNvPr id="3" name="Notizenplatzhalter 2"/>
+          <p:cNvSpPr>
+            <a:spLocks noGrp="1"/>
+          </p:cNvSpPr>
+          <p:nvPr>
+            <p:ph type="body" idx="1"/>
+          </p:nvPr>
+        </p:nvSpPr>
+        <p:spPr/>
         <p:txBody>
           <a:bodyPr/>
           <a:lstStyle/>
           <a:p>
-            <a:fld id="{34AE7ED8-75C1-46D5-8A60-90B473AC05D8}" type="slidenum">
-              <a:rPr lang="en-US"/>
+            <a:endParaRPr lang="de-DE"/>
+          </a:p>
+        </p:txBody>
+      </p:sp>
+      <p:sp>
+        <p:nvSpPr>
+          <p:cNvPr id="4" name="Foliennummernplatzhalter 3"/>
+          <p:cNvSpPr>
+            <a:spLocks noGrp="1"/>
+          </p:cNvSpPr>
+          <p:nvPr>
+            <p:ph type="sldNum" sz="quarter" idx="10"/>
+          </p:nvPr>
+        </p:nvSpPr>
+        <p:spPr/>
+        <p:txBody>
+          <a:bodyPr/>
+          <a:lstStyle/>
+          <a:p>
+            <a:fld id="{FE5C90B4-74E4-420E-9E3F-548EA925D0FC}" type="slidenum">
+              <a:rPr lang="en-US" smtClean="0"/>
               <a:pPr/>
               <a:t>23</a:t>
             </a:fld>
@@ -1957,123 +1988,10 @@
           </a:p>
         </p:txBody>
       </p:sp>
-      <p:sp>
-        <p:nvSpPr>
-          <p:cNvPr id="87042" name="Rectangle 2"/>
-          <p:cNvSpPr>
-            <a:spLocks noGrp="1" noRot="1" noChangeAspect="1" noChangeArrowheads="1" noTextEdit="1"/>
-          </p:cNvSpPr>
-          <p:nvPr>
-            <p:ph type="sldImg"/>
-          </p:nvPr>
-        </p:nvSpPr>
-        <p:spPr>
-          <a:ln/>
-        </p:spPr>
-      </p:sp>
-      <p:sp>
-        <p:nvSpPr>
-          <p:cNvPr id="87043" name="Rectangle 3"/>
-          <p:cNvSpPr>
-            <a:spLocks noGrp="1" noChangeArrowheads="1"/>
-          </p:cNvSpPr>
-          <p:nvPr>
-            <p:ph type="body" idx="1"/>
-          </p:nvPr>
-        </p:nvSpPr>
-        <p:spPr/>
-        <p:txBody>
-          <a:bodyPr/>
-          <a:lstStyle/>
-          <a:p>
-            <a:endParaRPr lang="de-DE"/>
-          </a:p>
-        </p:txBody>
-      </p:sp>
-    </p:spTree>
-  </p:cSld>
-  <p:clrMapOvr>
-    <a:masterClrMapping/>
-  </p:clrMapOvr>
-</p:notes>
-</file>
-
-<file path=ppt/notesSlides/notesSlide24.xml><?xml version="1.0" encoding="utf-8"?>
-<p:notes xmlns:a="http://schemas.openxmlformats.org/drawingml/2006/main" xmlns:r="http://schemas.openxmlformats.org/officeDocument/2006/relationships" xmlns:p="http://schemas.openxmlformats.org/presentationml/2006/main">
-  <p:cSld>
-    <p:spTree>
-      <p:nvGrpSpPr>
-        <p:cNvPr id="1" name=""/>
-        <p:cNvGrpSpPr/>
-        <p:nvPr/>
-      </p:nvGrpSpPr>
-      <p:grpSpPr>
-        <a:xfrm>
-          <a:off x="0" y="0"/>
-          <a:ext cx="0" cy="0"/>
-          <a:chOff x="0" y="0"/>
-          <a:chExt cx="0" cy="0"/>
-        </a:xfrm>
-      </p:grpSpPr>
-      <p:sp>
-        <p:nvSpPr>
-          <p:cNvPr id="2" name="Folienbildplatzhalter 1"/>
-          <p:cNvSpPr>
-            <a:spLocks noGrp="1" noRot="1" noChangeAspect="1"/>
-          </p:cNvSpPr>
-          <p:nvPr>
-            <p:ph type="sldImg"/>
-          </p:nvPr>
-        </p:nvSpPr>
-        <p:spPr/>
-      </p:sp>
-      <p:sp>
-        <p:nvSpPr>
-          <p:cNvPr id="3" name="Notizenplatzhalter 2"/>
-          <p:cNvSpPr>
-            <a:spLocks noGrp="1"/>
-          </p:cNvSpPr>
-          <p:nvPr>
-            <p:ph type="body" idx="1"/>
-          </p:nvPr>
-        </p:nvSpPr>
-        <p:spPr/>
-        <p:txBody>
-          <a:bodyPr/>
-          <a:lstStyle/>
-          <a:p>
-            <a:endParaRPr lang="de-DE"/>
-          </a:p>
-        </p:txBody>
-      </p:sp>
-      <p:sp>
-        <p:nvSpPr>
-          <p:cNvPr id="4" name="Foliennummernplatzhalter 3"/>
-          <p:cNvSpPr>
-            <a:spLocks noGrp="1"/>
-          </p:cNvSpPr>
-          <p:nvPr>
-            <p:ph type="sldNum" sz="quarter" idx="10"/>
-          </p:nvPr>
-        </p:nvSpPr>
-        <p:spPr/>
-        <p:txBody>
-          <a:bodyPr/>
-          <a:lstStyle/>
-          <a:p>
-            <a:fld id="{FE5C90B4-74E4-420E-9E3F-548EA925D0FC}" type="slidenum">
-              <a:rPr lang="en-US" smtClean="0"/>
-              <a:pPr/>
-              <a:t>24</a:t>
-            </a:fld>
-            <a:endParaRPr lang="en-US"/>
-          </a:p>
-        </p:txBody>
-      </p:sp>
     </p:spTree>
     <p:extLst>
       <p:ext uri="{BB962C8B-B14F-4D97-AF65-F5344CB8AC3E}">
-        <p14:creationId xmlns:p14="http://schemas.microsoft.com/office/powerpoint/2010/main" val="8335724"/>
+        <p14:creationId xmlns:p14="http://schemas.microsoft.com/office/powerpoint/2010/main" val="4020627295"/>
       </p:ext>
     </p:extLst>
   </p:cSld>
@@ -2102,23 +2020,52 @@
       </p:grpSpPr>
       <p:sp>
         <p:nvSpPr>
-          <p:cNvPr id="7" name="Rectangle 7"/>
-          <p:cNvSpPr>
-            <a:spLocks noGrp="1" noChangeArrowheads="1"/>
-          </p:cNvSpPr>
-          <p:nvPr>
-            <p:ph type="sldNum" sz="quarter" idx="5"/>
-          </p:nvPr>
-        </p:nvSpPr>
-        <p:spPr>
-          <a:ln/>
-        </p:spPr>
+          <p:cNvPr id="2" name="Folienbildplatzhalter 1"/>
+          <p:cNvSpPr>
+            <a:spLocks noGrp="1" noRot="1" noChangeAspect="1"/>
+          </p:cNvSpPr>
+          <p:nvPr>
+            <p:ph type="sldImg"/>
+          </p:nvPr>
+        </p:nvSpPr>
+        <p:spPr/>
+      </p:sp>
+      <p:sp>
+        <p:nvSpPr>
+          <p:cNvPr id="3" name="Notizenplatzhalter 2"/>
+          <p:cNvSpPr>
+            <a:spLocks noGrp="1"/>
+          </p:cNvSpPr>
+          <p:nvPr>
+            <p:ph type="body" idx="1"/>
+          </p:nvPr>
+        </p:nvSpPr>
+        <p:spPr/>
         <p:txBody>
           <a:bodyPr/>
           <a:lstStyle/>
           <a:p>
-            <a:fld id="{E4AB5602-DF46-445B-8779-30EE7C61AE09}" type="slidenum">
-              <a:rPr lang="en-US"/>
+            <a:endParaRPr lang="de-DE"/>
+          </a:p>
+        </p:txBody>
+      </p:sp>
+      <p:sp>
+        <p:nvSpPr>
+          <p:cNvPr id="4" name="Foliennummernplatzhalter 3"/>
+          <p:cNvSpPr>
+            <a:spLocks noGrp="1"/>
+          </p:cNvSpPr>
+          <p:nvPr>
+            <p:ph type="sldNum" sz="quarter" idx="10"/>
+          </p:nvPr>
+        </p:nvSpPr>
+        <p:spPr/>
+        <p:txBody>
+          <a:bodyPr/>
+          <a:lstStyle/>
+          <a:p>
+            <a:fld id="{FE5C90B4-74E4-420E-9E3F-548EA925D0FC}" type="slidenum">
+              <a:rPr lang="en-US" smtClean="0"/>
               <a:pPr/>
               <a:t>3</a:t>
             </a:fld>
@@ -2126,40 +2073,12 @@
           </a:p>
         </p:txBody>
       </p:sp>
-      <p:sp>
-        <p:nvSpPr>
-          <p:cNvPr id="66562" name="Rectangle 2"/>
-          <p:cNvSpPr>
-            <a:spLocks noGrp="1" noRot="1" noChangeAspect="1" noChangeArrowheads="1" noTextEdit="1"/>
-          </p:cNvSpPr>
-          <p:nvPr>
-            <p:ph type="sldImg"/>
-          </p:nvPr>
-        </p:nvSpPr>
-        <p:spPr>
-          <a:ln/>
-        </p:spPr>
-      </p:sp>
-      <p:sp>
-        <p:nvSpPr>
-          <p:cNvPr id="66563" name="Rectangle 3"/>
-          <p:cNvSpPr>
-            <a:spLocks noGrp="1" noChangeArrowheads="1"/>
-          </p:cNvSpPr>
-          <p:nvPr>
-            <p:ph type="body" idx="1"/>
-          </p:nvPr>
-        </p:nvSpPr>
-        <p:spPr/>
-        <p:txBody>
-          <a:bodyPr/>
-          <a:lstStyle/>
-          <a:p>
-            <a:endParaRPr lang="de-DE"/>
-          </a:p>
-        </p:txBody>
-      </p:sp>
     </p:spTree>
+    <p:extLst>
+      <p:ext uri="{BB962C8B-B14F-4D97-AF65-F5344CB8AC3E}">
+        <p14:creationId xmlns:p14="http://schemas.microsoft.com/office/powerpoint/2010/main" val="3106343730"/>
+      </p:ext>
+    </p:extLst>
   </p:cSld>
   <p:clrMapOvr>
     <a:masterClrMapping/>
@@ -2186,58 +2105,60 @@
       </p:grpSpPr>
       <p:sp>
         <p:nvSpPr>
-          <p:cNvPr id="2" name="Folienbildplatzhalter 1"/>
-          <p:cNvSpPr>
-            <a:spLocks noGrp="1" noRot="1" noChangeAspect="1"/>
-          </p:cNvSpPr>
-          <p:nvPr>
-            <p:ph type="sldImg"/>
-          </p:nvPr>
-        </p:nvSpPr>
-        <p:spPr/>
-      </p:sp>
-      <p:sp>
-        <p:nvSpPr>
-          <p:cNvPr id="3" name="Notizenplatzhalter 2"/>
-          <p:cNvSpPr>
-            <a:spLocks noGrp="1"/>
-          </p:cNvSpPr>
-          <p:nvPr>
-            <p:ph type="body" idx="1"/>
-          </p:nvPr>
-        </p:nvSpPr>
-        <p:spPr/>
-        <p:txBody>
-          <a:bodyPr>
-            <a:normAutofit/>
-          </a:bodyPr>
-          <a:lstStyle/>
-          <a:p>
-            <a:endParaRPr lang="de-DE"/>
-          </a:p>
-        </p:txBody>
-      </p:sp>
-      <p:sp>
-        <p:nvSpPr>
-          <p:cNvPr id="4" name="Foliennummernplatzhalter 3"/>
-          <p:cNvSpPr>
-            <a:spLocks noGrp="1"/>
-          </p:cNvSpPr>
-          <p:nvPr>
-            <p:ph type="sldNum" sz="quarter" idx="10"/>
-          </p:nvPr>
-        </p:nvSpPr>
-        <p:spPr/>
+          <p:cNvPr id="7" name="Rectangle 7"/>
+          <p:cNvSpPr>
+            <a:spLocks noGrp="1" noChangeArrowheads="1"/>
+          </p:cNvSpPr>
+          <p:nvPr>
+            <p:ph type="sldNum" sz="quarter" idx="5"/>
+          </p:nvPr>
+        </p:nvSpPr>
+        <p:spPr>
+          <a:ln/>
+        </p:spPr>
         <p:txBody>
           <a:bodyPr/>
           <a:lstStyle/>
           <a:p>
-            <a:fld id="{FE5C90B4-74E4-420E-9E3F-548EA925D0FC}" type="slidenum">
-              <a:rPr lang="en-US" smtClean="0"/>
+            <a:fld id="{E4AB5602-DF46-445B-8779-30EE7C61AE09}" type="slidenum">
+              <a:rPr lang="en-US"/>
               <a:pPr/>
               <a:t>4</a:t>
             </a:fld>
             <a:endParaRPr lang="en-US"/>
+          </a:p>
+        </p:txBody>
+      </p:sp>
+      <p:sp>
+        <p:nvSpPr>
+          <p:cNvPr id="66562" name="Rectangle 2"/>
+          <p:cNvSpPr>
+            <a:spLocks noGrp="1" noRot="1" noChangeAspect="1" noChangeArrowheads="1" noTextEdit="1"/>
+          </p:cNvSpPr>
+          <p:nvPr>
+            <p:ph type="sldImg"/>
+          </p:nvPr>
+        </p:nvSpPr>
+        <p:spPr>
+          <a:ln/>
+        </p:spPr>
+      </p:sp>
+      <p:sp>
+        <p:nvSpPr>
+          <p:cNvPr id="66563" name="Rectangle 3"/>
+          <p:cNvSpPr>
+            <a:spLocks noGrp="1" noChangeArrowheads="1"/>
+          </p:cNvSpPr>
+          <p:nvPr>
+            <p:ph type="body" idx="1"/>
+          </p:nvPr>
+        </p:nvSpPr>
+        <p:spPr/>
+        <p:txBody>
+          <a:bodyPr/>
+          <a:lstStyle/>
+          <a:p>
+            <a:endParaRPr lang="de-DE"/>
           </a:p>
         </p:txBody>
       </p:sp>
@@ -2514,60 +2435,58 @@
       </p:grpSpPr>
       <p:sp>
         <p:nvSpPr>
-          <p:cNvPr id="7" name="Rectangle 7"/>
-          <p:cNvSpPr>
-            <a:spLocks noGrp="1" noChangeArrowheads="1"/>
-          </p:cNvSpPr>
-          <p:nvPr>
-            <p:ph type="sldNum" sz="quarter" idx="5"/>
-          </p:nvPr>
-        </p:nvSpPr>
-        <p:spPr>
-          <a:ln/>
-        </p:spPr>
+          <p:cNvPr id="2" name="Folienbildplatzhalter 1"/>
+          <p:cNvSpPr>
+            <a:spLocks noGrp="1" noRot="1" noChangeAspect="1"/>
+          </p:cNvSpPr>
+          <p:nvPr>
+            <p:ph type="sldImg"/>
+          </p:nvPr>
+        </p:nvSpPr>
+        <p:spPr/>
+      </p:sp>
+      <p:sp>
+        <p:nvSpPr>
+          <p:cNvPr id="3" name="Notizenplatzhalter 2"/>
+          <p:cNvSpPr>
+            <a:spLocks noGrp="1"/>
+          </p:cNvSpPr>
+          <p:nvPr>
+            <p:ph type="body" idx="1"/>
+          </p:nvPr>
+        </p:nvSpPr>
+        <p:spPr/>
+        <p:txBody>
+          <a:bodyPr>
+            <a:normAutofit/>
+          </a:bodyPr>
+          <a:lstStyle/>
+          <a:p>
+            <a:endParaRPr lang="de-DE"/>
+          </a:p>
+        </p:txBody>
+      </p:sp>
+      <p:sp>
+        <p:nvSpPr>
+          <p:cNvPr id="4" name="Foliennummernplatzhalter 3"/>
+          <p:cNvSpPr>
+            <a:spLocks noGrp="1"/>
+          </p:cNvSpPr>
+          <p:nvPr>
+            <p:ph type="sldNum" sz="quarter" idx="10"/>
+          </p:nvPr>
+        </p:nvSpPr>
+        <p:spPr/>
         <p:txBody>
           <a:bodyPr/>
           <a:lstStyle/>
           <a:p>
-            <a:fld id="{E4AB5602-DF46-445B-8779-30EE7C61AE09}" type="slidenum">
-              <a:rPr lang="en-US"/>
+            <a:fld id="{FE5C90B4-74E4-420E-9E3F-548EA925D0FC}" type="slidenum">
+              <a:rPr lang="en-US" smtClean="0"/>
               <a:pPr/>
               <a:t>8</a:t>
             </a:fld>
             <a:endParaRPr lang="en-US"/>
-          </a:p>
-        </p:txBody>
-      </p:sp>
-      <p:sp>
-        <p:nvSpPr>
-          <p:cNvPr id="66562" name="Rectangle 2"/>
-          <p:cNvSpPr>
-            <a:spLocks noGrp="1" noRot="1" noChangeAspect="1" noChangeArrowheads="1" noTextEdit="1"/>
-          </p:cNvSpPr>
-          <p:nvPr>
-            <p:ph type="sldImg"/>
-          </p:nvPr>
-        </p:nvSpPr>
-        <p:spPr>
-          <a:ln/>
-        </p:spPr>
-      </p:sp>
-      <p:sp>
-        <p:nvSpPr>
-          <p:cNvPr id="66563" name="Rectangle 3"/>
-          <p:cNvSpPr>
-            <a:spLocks noGrp="1" noChangeArrowheads="1"/>
-          </p:cNvSpPr>
-          <p:nvPr>
-            <p:ph type="body" idx="1"/>
-          </p:nvPr>
-        </p:nvSpPr>
-        <p:spPr/>
-        <p:txBody>
-          <a:bodyPr/>
-          <a:lstStyle/>
-          <a:p>
-            <a:endParaRPr lang="de-DE"/>
           </a:p>
         </p:txBody>
       </p:sp>
@@ -2598,23 +2517,52 @@
       </p:grpSpPr>
       <p:sp>
         <p:nvSpPr>
-          <p:cNvPr id="7" name="Rectangle 7"/>
-          <p:cNvSpPr>
-            <a:spLocks noGrp="1" noChangeArrowheads="1"/>
-          </p:cNvSpPr>
-          <p:nvPr>
-            <p:ph type="sldNum" sz="quarter" idx="5"/>
-          </p:nvPr>
-        </p:nvSpPr>
-        <p:spPr>
-          <a:ln/>
-        </p:spPr>
+          <p:cNvPr id="2" name="Folienbildplatzhalter 1"/>
+          <p:cNvSpPr>
+            <a:spLocks noGrp="1" noRot="1" noChangeAspect="1"/>
+          </p:cNvSpPr>
+          <p:nvPr>
+            <p:ph type="sldImg"/>
+          </p:nvPr>
+        </p:nvSpPr>
+        <p:spPr/>
+      </p:sp>
+      <p:sp>
+        <p:nvSpPr>
+          <p:cNvPr id="3" name="Notizenplatzhalter 2"/>
+          <p:cNvSpPr>
+            <a:spLocks noGrp="1"/>
+          </p:cNvSpPr>
+          <p:nvPr>
+            <p:ph type="body" idx="1"/>
+          </p:nvPr>
+        </p:nvSpPr>
+        <p:spPr/>
         <p:txBody>
           <a:bodyPr/>
           <a:lstStyle/>
           <a:p>
-            <a:fld id="{C7F92DC6-62BF-430C-BEBE-E79F4FCECE21}" type="slidenum">
-              <a:rPr lang="en-US"/>
+            <a:endParaRPr lang="de-DE"/>
+          </a:p>
+        </p:txBody>
+      </p:sp>
+      <p:sp>
+        <p:nvSpPr>
+          <p:cNvPr id="4" name="Foliennummernplatzhalter 3"/>
+          <p:cNvSpPr>
+            <a:spLocks noGrp="1"/>
+          </p:cNvSpPr>
+          <p:nvPr>
+            <p:ph type="sldNum" sz="quarter" idx="10"/>
+          </p:nvPr>
+        </p:nvSpPr>
+        <p:spPr/>
+        <p:txBody>
+          <a:bodyPr/>
+          <a:lstStyle/>
+          <a:p>
+            <a:fld id="{FE5C90B4-74E4-420E-9E3F-548EA925D0FC}" type="slidenum">
+              <a:rPr lang="en-US" smtClean="0"/>
               <a:pPr/>
               <a:t>9</a:t>
             </a:fld>
@@ -2622,40 +2570,12 @@
           </a:p>
         </p:txBody>
       </p:sp>
-      <p:sp>
-        <p:nvSpPr>
-          <p:cNvPr id="67586" name="Rectangle 2"/>
-          <p:cNvSpPr>
-            <a:spLocks noGrp="1" noRot="1" noChangeAspect="1" noChangeArrowheads="1" noTextEdit="1"/>
-          </p:cNvSpPr>
-          <p:nvPr>
-            <p:ph type="sldImg"/>
-          </p:nvPr>
-        </p:nvSpPr>
-        <p:spPr>
-          <a:ln/>
-        </p:spPr>
-      </p:sp>
-      <p:sp>
-        <p:nvSpPr>
-          <p:cNvPr id="67587" name="Rectangle 3"/>
-          <p:cNvSpPr>
-            <a:spLocks noGrp="1" noChangeArrowheads="1"/>
-          </p:cNvSpPr>
-          <p:nvPr>
-            <p:ph type="body" idx="1"/>
-          </p:nvPr>
-        </p:nvSpPr>
-        <p:spPr/>
-        <p:txBody>
-          <a:bodyPr/>
-          <a:lstStyle/>
-          <a:p>
-            <a:endParaRPr lang="de-DE"/>
-          </a:p>
-        </p:txBody>
-      </p:sp>
     </p:spTree>
+    <p:extLst>
+      <p:ext uri="{BB962C8B-B14F-4D97-AF65-F5344CB8AC3E}">
+        <p14:creationId xmlns:p14="http://schemas.microsoft.com/office/powerpoint/2010/main" val="3946359080"/>
+      </p:ext>
+    </p:extLst>
   </p:cSld>
   <p:clrMapOvr>
     <a:masterClrMapping/>
@@ -5994,9 +5914,9 @@
       </p:grpSpPr>
       <p:sp>
         <p:nvSpPr>
-          <p:cNvPr id="5" name="Titel 4"/>
-          <p:cNvSpPr>
-            <a:spLocks noGrp="1"/>
+          <p:cNvPr id="26626" name="Rectangle 2"/>
+          <p:cNvSpPr>
+            <a:spLocks noGrp="1" noChangeArrowheads="1"/>
           </p:cNvSpPr>
           <p:nvPr>
             <p:ph type="title"/>
@@ -6008,79 +5928,198 @@
           <a:lstStyle/>
           <a:p>
             <a:r>
-              <a:rPr lang="de-DE" dirty="0" smtClean="0"/>
-              <a:t>DVCS</a:t>
-            </a:r>
-            <a:endParaRPr lang="de-DE" dirty="0"/>
-          </a:p>
-        </p:txBody>
-      </p:sp>
-      <p:pic>
-        <p:nvPicPr>
-          <p:cNvPr id="1026" name="Picture 2"/>
-          <p:cNvPicPr>
-            <a:picLocks noGrp="1" noChangeAspect="1" noChangeArrowheads="1"/>
-          </p:cNvPicPr>
-          <p:nvPr>
-            <p:ph idx="1"/>
-          </p:nvPr>
-        </p:nvPicPr>
-        <p:blipFill>
-          <a:blip r:embed="rId3" cstate="print"/>
-          <a:srcRect/>
-          <a:stretch>
-            <a:fillRect/>
-          </a:stretch>
-        </p:blipFill>
-        <p:spPr bwMode="auto">
-          <a:xfrm>
-            <a:off x="1421650" y="1626804"/>
-            <a:ext cx="5971161" cy="4447141"/>
-          </a:xfrm>
-          <a:prstGeom prst="rect">
-            <a:avLst/>
-          </a:prstGeom>
-          <a:noFill/>
-          <a:ln w="9525">
-            <a:noFill/>
-            <a:miter lim="800000"/>
-            <a:headEnd/>
-            <a:tailEnd/>
-          </a:ln>
-        </p:spPr>
-      </p:pic>
-      <p:sp>
-        <p:nvSpPr>
-          <p:cNvPr id="2" name="Rechteck 1"/>
-          <p:cNvSpPr/>
-          <p:nvPr/>
-        </p:nvSpPr>
-        <p:spPr>
-          <a:xfrm>
-            <a:off x="116505" y="6268961"/>
-            <a:ext cx="8370930" cy="369332"/>
-          </a:xfrm>
-          <a:prstGeom prst="rect">
-            <a:avLst/>
-          </a:prstGeom>
-        </p:spPr>
-        <p:txBody>
-          <a:bodyPr wrap="square">
-            <a:spAutoFit/>
+              <a:rPr lang="en-US" dirty="0"/>
+              <a:t>Distributed Version Control</a:t>
+            </a:r>
+            <a:endParaRPr lang="en-US" dirty="0"/>
+          </a:p>
+        </p:txBody>
+      </p:sp>
+      <p:sp>
+        <p:nvSpPr>
+          <p:cNvPr id="26627" name="Rectangle 3"/>
+          <p:cNvSpPr>
+            <a:spLocks noGrp="1" noChangeArrowheads="1"/>
+          </p:cNvSpPr>
+          <p:nvPr>
+            <p:ph type="body" idx="1"/>
+          </p:nvPr>
+        </p:nvSpPr>
+        <p:spPr/>
+        <p:txBody>
+          <a:bodyPr>
+            <a:normAutofit lnSpcReduction="10000"/>
           </a:bodyPr>
           <a:lstStyle/>
           <a:p>
-            <a:r>
-              <a:rPr lang="de-DE" dirty="0">
-                <a:hlinkClick r:id="rId4"/>
-              </a:rPr>
-              <a:t>http://nvie.com/posts/a-successful-git-branching-model/</a:t>
-            </a:r>
-            <a:endParaRPr lang="de-DE" dirty="0"/>
+            <a:pPr>
+              <a:lnSpc>
+                <a:spcPct val="90000"/>
+              </a:lnSpc>
+            </a:pPr>
+            <a:r>
+              <a:rPr lang="en-US" sz="4000" dirty="0" err="1"/>
+              <a:t>Jeder</a:t>
+            </a:r>
+            <a:r>
+              <a:rPr lang="en-US" sz="4000" dirty="0"/>
+              <a:t> </a:t>
+            </a:r>
+            <a:r>
+              <a:rPr lang="en-US" sz="4000" dirty="0" err="1" smtClean="0"/>
+              <a:t>Entwickler</a:t>
+            </a:r>
+            <a:r>
+              <a:rPr lang="en-US" sz="4000" dirty="0" smtClean="0"/>
+              <a:t> hat </a:t>
+            </a:r>
+            <a:r>
+              <a:rPr lang="en-US" sz="4000" dirty="0" err="1"/>
+              <a:t>sein</a:t>
+            </a:r>
+            <a:r>
+              <a:rPr lang="en-US" sz="4000" dirty="0"/>
+              <a:t> </a:t>
+            </a:r>
+            <a:r>
+              <a:rPr lang="en-US" sz="4000" dirty="0" err="1"/>
+              <a:t>eigenes</a:t>
+            </a:r>
+            <a:r>
+              <a:rPr lang="en-US" sz="4000" dirty="0"/>
+              <a:t> Repository</a:t>
+            </a:r>
+          </a:p>
+          <a:p>
+            <a:pPr>
+              <a:lnSpc>
+                <a:spcPct val="90000"/>
+              </a:lnSpc>
+            </a:pPr>
+            <a:r>
+              <a:rPr lang="en-US" sz="4000" dirty="0"/>
+              <a:t>Server by Convention</a:t>
+            </a:r>
+          </a:p>
+          <a:p>
+            <a:pPr>
+              <a:lnSpc>
+                <a:spcPct val="90000"/>
+              </a:lnSpc>
+            </a:pPr>
+            <a:r>
+              <a:rPr lang="en-US" sz="4000" dirty="0" err="1"/>
+              <a:t>Versionskontrolle</a:t>
+            </a:r>
+            <a:r>
+              <a:rPr lang="en-US" sz="4000" dirty="0"/>
+              <a:t> </a:t>
+            </a:r>
+            <a:r>
+              <a:rPr lang="en-US" sz="4000" dirty="0" err="1"/>
+              <a:t>auch</a:t>
+            </a:r>
+            <a:r>
+              <a:rPr lang="en-US" sz="4000" dirty="0"/>
+              <a:t> offline</a:t>
+            </a:r>
+          </a:p>
+          <a:p>
+            <a:pPr>
+              <a:lnSpc>
+                <a:spcPct val="90000"/>
+              </a:lnSpc>
+            </a:pPr>
+            <a:r>
+              <a:rPr lang="en-US" sz="4000" dirty="0"/>
+              <a:t>Backups </a:t>
+            </a:r>
+            <a:r>
+              <a:rPr lang="en-US" sz="4000" dirty="0" err="1"/>
+              <a:t>werden</a:t>
+            </a:r>
+            <a:r>
+              <a:rPr lang="en-US" sz="4000" dirty="0"/>
+              <a:t> </a:t>
+            </a:r>
+            <a:r>
+              <a:rPr lang="en-US" sz="4000" dirty="0" smtClean="0"/>
+              <a:t>trivial</a:t>
+            </a:r>
+          </a:p>
+          <a:p>
+            <a:pPr>
+              <a:lnSpc>
+                <a:spcPct val="90000"/>
+              </a:lnSpc>
+            </a:pPr>
+            <a:r>
+              <a:rPr lang="en-US" sz="4000" dirty="0" err="1" smtClean="0"/>
+              <a:t>Kein</a:t>
+            </a:r>
+            <a:r>
+              <a:rPr lang="en-US" sz="4000" dirty="0" smtClean="0"/>
+              <a:t> “</a:t>
+            </a:r>
+            <a:r>
+              <a:rPr lang="en-US" sz="4000" dirty="0"/>
+              <a:t>s</a:t>
+            </a:r>
+            <a:r>
+              <a:rPr lang="en-US" sz="4000" dirty="0" smtClean="0"/>
+              <a:t>ingle point of failure”</a:t>
+            </a:r>
+          </a:p>
+          <a:p>
+            <a:r>
+              <a:rPr lang="en-US" sz="4000" dirty="0" err="1" smtClean="0"/>
+              <a:t>Weitere</a:t>
+            </a:r>
+            <a:r>
+              <a:rPr lang="en-US" sz="4000" dirty="0" smtClean="0"/>
+              <a:t> </a:t>
+            </a:r>
+            <a:r>
+              <a:rPr lang="en-US" sz="4000" dirty="0" err="1"/>
+              <a:t>Beispiele</a:t>
+            </a:r>
+            <a:r>
+              <a:rPr lang="en-US" sz="4000" dirty="0"/>
+              <a:t>:</a:t>
+            </a:r>
+          </a:p>
+          <a:p>
+            <a:pPr lvl="1"/>
+            <a:r>
+              <a:rPr lang="en-US" sz="3600" dirty="0" smtClean="0"/>
+              <a:t>Mercurial, </a:t>
+            </a:r>
+            <a:r>
+              <a:rPr lang="en-US" sz="3600" dirty="0" err="1" smtClean="0"/>
+              <a:t>BitKeeper</a:t>
+            </a:r>
+            <a:r>
+              <a:rPr lang="en-US" sz="3600" dirty="0" smtClean="0"/>
+              <a:t>, </a:t>
+            </a:r>
+            <a:r>
+              <a:rPr lang="en-US" sz="3600" dirty="0" err="1" smtClean="0"/>
+              <a:t>Darcs</a:t>
+            </a:r>
+            <a:r>
+              <a:rPr lang="en-US" sz="3600" dirty="0" smtClean="0"/>
+              <a:t>, Bazaar</a:t>
+            </a:r>
+            <a:endParaRPr lang="en-US" sz="3600" dirty="0"/>
           </a:p>
         </p:txBody>
       </p:sp>
     </p:spTree>
+    <p:extLst>
+      <p:ext uri="{BB962C8B-B14F-4D97-AF65-F5344CB8AC3E}">
+        <p14:creationId xmlns:p14="http://schemas.microsoft.com/office/powerpoint/2010/main" val="1584870085"/>
+      </p:ext>
+    </p:extLst>
   </p:cSld>
   <p:clrMapOvr>
     <a:masterClrMapping/>
@@ -6114,9 +6153,9 @@
       </p:grpSpPr>
       <p:sp>
         <p:nvSpPr>
-          <p:cNvPr id="21506" name="Rectangle 2"/>
-          <p:cNvSpPr>
-            <a:spLocks noGrp="1" noChangeArrowheads="1"/>
+          <p:cNvPr id="5" name="Titel 4"/>
+          <p:cNvSpPr>
+            <a:spLocks noGrp="1"/>
           </p:cNvSpPr>
           <p:nvPr>
             <p:ph type="title"/>
@@ -6128,212 +6167,75 @@
           <a:lstStyle/>
           <a:p>
             <a:r>
-              <a:rPr lang="en-US" dirty="0" err="1"/>
-              <a:t>Git</a:t>
-            </a:r>
-            <a:r>
-              <a:rPr lang="en-US" dirty="0"/>
-              <a:t> Advantages</a:t>
-            </a:r>
-          </a:p>
-        </p:txBody>
-      </p:sp>
-      <p:sp>
-        <p:nvSpPr>
-          <p:cNvPr id="21507" name="Rectangle 3"/>
-          <p:cNvSpPr>
-            <a:spLocks noGrp="1" noChangeArrowheads="1"/>
-          </p:cNvSpPr>
-          <p:nvPr>
-            <p:ph type="body" idx="1"/>
-          </p:nvPr>
-        </p:nvSpPr>
-        <p:spPr/>
-        <p:txBody>
-          <a:bodyPr>
-            <a:noAutofit/>
+              <a:rPr lang="de-DE" dirty="0" smtClean="0"/>
+              <a:t>DVCS</a:t>
+            </a:r>
+            <a:endParaRPr lang="de-DE" dirty="0"/>
+          </a:p>
+        </p:txBody>
+      </p:sp>
+      <p:pic>
+        <p:nvPicPr>
+          <p:cNvPr id="1026" name="Picture 2"/>
+          <p:cNvPicPr>
+            <a:picLocks noGrp="1" noChangeAspect="1" noChangeArrowheads="1"/>
+          </p:cNvPicPr>
+          <p:nvPr>
+            <p:ph idx="1"/>
+          </p:nvPr>
+        </p:nvPicPr>
+        <p:blipFill>
+          <a:blip r:embed="rId3" cstate="print"/>
+          <a:srcRect/>
+          <a:stretch>
+            <a:fillRect/>
+          </a:stretch>
+        </p:blipFill>
+        <p:spPr bwMode="auto">
+          <a:xfrm>
+            <a:off x="1421650" y="1626804"/>
+            <a:ext cx="5971161" cy="4447141"/>
+          </a:xfrm>
+          <a:prstGeom prst="rect">
+            <a:avLst/>
+          </a:prstGeom>
+          <a:noFill/>
+          <a:ln w="9525">
+            <a:noFill/>
+            <a:miter lim="800000"/>
+            <a:headEnd/>
+            <a:tailEnd/>
+          </a:ln>
+        </p:spPr>
+      </p:pic>
+      <p:sp>
+        <p:nvSpPr>
+          <p:cNvPr id="2" name="Rechteck 1"/>
+          <p:cNvSpPr/>
+          <p:nvPr/>
+        </p:nvSpPr>
+        <p:spPr>
+          <a:xfrm>
+            <a:off x="116505" y="6268961"/>
+            <a:ext cx="8370930" cy="369332"/>
+          </a:xfrm>
+          <a:prstGeom prst="rect">
+            <a:avLst/>
+          </a:prstGeom>
+        </p:spPr>
+        <p:txBody>
+          <a:bodyPr wrap="square">
+            <a:spAutoFit/>
           </a:bodyPr>
           <a:lstStyle/>
           <a:p>
-            <a:pPr>
-              <a:lnSpc>
-                <a:spcPct val="90000"/>
-              </a:lnSpc>
-            </a:pPr>
-            <a:r>
-              <a:rPr lang="en-US" dirty="0" smtClean="0"/>
-              <a:t>Speed </a:t>
-            </a:r>
-          </a:p>
-          <a:p>
-            <a:pPr lvl="1">
-              <a:lnSpc>
-                <a:spcPct val="90000"/>
-              </a:lnSpc>
-            </a:pPr>
-            <a:r>
-              <a:rPr lang="en-US" dirty="0" err="1"/>
-              <a:t>V</a:t>
-            </a:r>
-            <a:r>
-              <a:rPr lang="en-US" dirty="0" err="1" smtClean="0"/>
-              <a:t>iel</a:t>
-            </a:r>
-            <a:r>
-              <a:rPr lang="en-US" dirty="0" smtClean="0"/>
-              <a:t> </a:t>
-            </a:r>
-            <a:r>
-              <a:rPr lang="en-US" dirty="0" err="1" smtClean="0"/>
-              <a:t>schneller</a:t>
-            </a:r>
-            <a:r>
-              <a:rPr lang="en-US" dirty="0" smtClean="0"/>
-              <a:t> </a:t>
-            </a:r>
-            <a:r>
-              <a:rPr lang="en-US" dirty="0" err="1" smtClean="0"/>
-              <a:t>als</a:t>
-            </a:r>
-            <a:r>
-              <a:rPr lang="en-US" dirty="0" smtClean="0"/>
-              <a:t> SVN, CVS, VSS und TFS</a:t>
-            </a:r>
-            <a:endParaRPr lang="en-US" dirty="0"/>
-          </a:p>
-          <a:p>
-            <a:pPr>
-              <a:lnSpc>
-                <a:spcPct val="90000"/>
-              </a:lnSpc>
-            </a:pPr>
-            <a:r>
-              <a:rPr lang="en-US" dirty="0" smtClean="0"/>
-              <a:t>Space </a:t>
-            </a:r>
-          </a:p>
-          <a:p>
-            <a:pPr lvl="1">
-              <a:lnSpc>
-                <a:spcPct val="90000"/>
-              </a:lnSpc>
-            </a:pPr>
-            <a:r>
-              <a:rPr lang="en-US" dirty="0" err="1" smtClean="0"/>
-              <a:t>Kompression</a:t>
-            </a:r>
-            <a:r>
-              <a:rPr lang="en-US" dirty="0" smtClean="0"/>
-              <a:t> auf Repository-</a:t>
-            </a:r>
-            <a:r>
-              <a:rPr lang="en-US" dirty="0" err="1" smtClean="0"/>
-              <a:t>Ebene</a:t>
-            </a:r>
-            <a:endParaRPr lang="en-US" dirty="0" smtClean="0"/>
-          </a:p>
-          <a:p>
-            <a:pPr lvl="1">
-              <a:lnSpc>
-                <a:spcPct val="90000"/>
-              </a:lnSpc>
-            </a:pPr>
-            <a:r>
-              <a:rPr lang="en-US" dirty="0" err="1" smtClean="0"/>
-              <a:t>Minimiert</a:t>
-            </a:r>
-            <a:r>
-              <a:rPr lang="en-US" dirty="0" smtClean="0"/>
-              <a:t> </a:t>
-            </a:r>
-            <a:r>
-              <a:rPr lang="en-US" dirty="0" err="1" smtClean="0"/>
-              <a:t>lokale</a:t>
-            </a:r>
-            <a:r>
-              <a:rPr lang="en-US" dirty="0" smtClean="0"/>
-              <a:t> </a:t>
-            </a:r>
-            <a:r>
-              <a:rPr lang="en-US" dirty="0" err="1" smtClean="0"/>
-              <a:t>Größe</a:t>
-            </a:r>
-            <a:r>
-              <a:rPr lang="en-US" dirty="0" smtClean="0"/>
-              <a:t> und </a:t>
-            </a:r>
-            <a:r>
-              <a:rPr lang="en-US" dirty="0" err="1" smtClean="0"/>
-              <a:t>auch</a:t>
-            </a:r>
-            <a:r>
-              <a:rPr lang="en-US" dirty="0" smtClean="0"/>
-              <a:t> </a:t>
-            </a:r>
-            <a:r>
-              <a:rPr lang="en-US" dirty="0" err="1" smtClean="0"/>
-              <a:t>Datentransfer</a:t>
-            </a:r>
-            <a:endParaRPr lang="en-US" dirty="0"/>
-          </a:p>
-          <a:p>
-            <a:pPr>
-              <a:lnSpc>
-                <a:spcPct val="90000"/>
-              </a:lnSpc>
-            </a:pPr>
-            <a:r>
-              <a:rPr lang="en-US" dirty="0" smtClean="0"/>
-              <a:t>Simplicity</a:t>
-            </a:r>
-          </a:p>
-          <a:p>
-            <a:pPr lvl="1">
-              <a:lnSpc>
-                <a:spcPct val="90000"/>
-              </a:lnSpc>
-            </a:pPr>
-            <a:r>
-              <a:rPr lang="en-US" dirty="0" err="1" smtClean="0"/>
-              <a:t>Einfaches</a:t>
-            </a:r>
-            <a:r>
-              <a:rPr lang="en-US" dirty="0" smtClean="0"/>
-              <a:t> </a:t>
-            </a:r>
-            <a:r>
-              <a:rPr lang="en-US" sz="2400" dirty="0" err="1" smtClean="0"/>
-              <a:t>Objektmodell</a:t>
-            </a:r>
-            <a:endParaRPr lang="en-US" sz="2400" dirty="0"/>
-          </a:p>
-          <a:p>
-            <a:pPr>
-              <a:lnSpc>
-                <a:spcPct val="90000"/>
-              </a:lnSpc>
-            </a:pPr>
-            <a:r>
-              <a:rPr lang="en-US" dirty="0"/>
-              <a:t>Large </a:t>
-            </a:r>
-            <a:r>
-              <a:rPr lang="en-US" dirty="0" err="1" smtClean="0"/>
-              <a:t>userbase</a:t>
-            </a:r>
-            <a:endParaRPr lang="en-US" dirty="0" smtClean="0"/>
-          </a:p>
-          <a:p>
-            <a:pPr>
-              <a:lnSpc>
-                <a:spcPct val="90000"/>
-              </a:lnSpc>
-            </a:pPr>
-            <a:r>
-              <a:rPr lang="en-US" dirty="0" err="1" smtClean="0"/>
-              <a:t>GitHub</a:t>
-            </a:r>
-            <a:endParaRPr lang="en-US" dirty="0"/>
+            <a:r>
+              <a:rPr lang="de-DE" dirty="0">
+                <a:hlinkClick r:id="rId4"/>
+              </a:rPr>
+              <a:t>http://nvie.com/posts/a-successful-git-branching-model/</a:t>
+            </a:r>
+            <a:endParaRPr lang="de-DE" dirty="0"/>
           </a:p>
         </p:txBody>
       </p:sp>
@@ -6371,7 +6273,7 @@
       </p:grpSpPr>
       <p:sp>
         <p:nvSpPr>
-          <p:cNvPr id="50178" name="Rectangle 2"/>
+          <p:cNvPr id="21506" name="Rectangle 2"/>
           <p:cNvSpPr>
             <a:spLocks noGrp="1" noChangeArrowheads="1"/>
           </p:cNvSpPr>
@@ -6385,15 +6287,19 @@
           <a:lstStyle/>
           <a:p>
             <a:r>
+              <a:rPr lang="en-US" dirty="0" err="1"/>
+              <a:t>Git</a:t>
+            </a:r>
+            <a:r>
               <a:rPr lang="en-US" dirty="0"/>
-              <a:t>Some GIT Disadvantages</a:t>
-            </a:r>
-          </a:p>
-        </p:txBody>
-      </p:sp>
-      <p:sp>
-        <p:nvSpPr>
-          <p:cNvPr id="50179" name="Rectangle 3"/>
+              <a:t> Advantages</a:t>
+            </a:r>
+          </a:p>
+        </p:txBody>
+      </p:sp>
+      <p:sp>
+        <p:nvSpPr>
+          <p:cNvPr id="21507" name="Rectangle 3"/>
           <p:cNvSpPr>
             <a:spLocks noGrp="1" noChangeArrowheads="1"/>
           </p:cNvSpPr>
@@ -6404,7 +6310,7 @@
         <p:spPr/>
         <p:txBody>
           <a:bodyPr>
-            <a:normAutofit/>
+            <a:noAutofit/>
           </a:bodyPr>
           <a:lstStyle/>
           <a:p>
@@ -6414,8 +6320,23 @@
               </a:lnSpc>
             </a:pPr>
             <a:r>
+              <a:rPr lang="en-US" dirty="0" smtClean="0"/>
+              <a:t>Speed </a:t>
+            </a:r>
+          </a:p>
+          <a:p>
+            <a:pPr lvl="1">
+              <a:lnSpc>
+                <a:spcPct val="90000"/>
+              </a:lnSpc>
+            </a:pPr>
+            <a:r>
+              <a:rPr lang="en-US" dirty="0" err="1"/>
+              <a:t>V</a:t>
+            </a:r>
+            <a:r>
               <a:rPr lang="en-US" dirty="0" err="1" smtClean="0"/>
-              <a:t>Einstieg</a:t>
+              <a:t>iel</a:t>
             </a:r>
             <a:r>
               <a:rPr lang="en-US" dirty="0" smtClean="0"/>
@@ -6423,7 +6344,7 @@
             </a:r>
             <a:r>
               <a:rPr lang="en-US" dirty="0" err="1" smtClean="0"/>
-              <a:t>kann</a:t>
+              <a:t>schneller</a:t>
             </a:r>
             <a:r>
               <a:rPr lang="en-US" dirty="0" smtClean="0"/>
@@ -6431,57 +6352,13 @@
             </a:r>
             <a:r>
               <a:rPr lang="en-US" dirty="0" err="1" smtClean="0"/>
-              <a:t>schwer</a:t>
+              <a:t>als</a:t>
             </a:r>
             <a:r>
               <a:rPr lang="en-US" dirty="0" smtClean="0"/>
-              <a:t> fallen, </a:t>
-            </a:r>
-            <a:r>
-              <a:rPr lang="en-US" dirty="0" err="1" smtClean="0"/>
-              <a:t>besonders</a:t>
-            </a:r>
-            <a:r>
-              <a:rPr lang="en-US" dirty="0" smtClean="0"/>
-              <a:t> </a:t>
-            </a:r>
-            <a:r>
-              <a:rPr lang="en-US" dirty="0" err="1" smtClean="0"/>
-              <a:t>wenn</a:t>
-            </a:r>
-            <a:r>
-              <a:rPr lang="en-US" dirty="0" smtClean="0"/>
-              <a:t> man </a:t>
-            </a:r>
-            <a:r>
-              <a:rPr lang="en-US" dirty="0" err="1" smtClean="0"/>
-              <a:t>zentralisierte</a:t>
-            </a:r>
-            <a:r>
-              <a:rPr lang="en-US" dirty="0" smtClean="0"/>
-              <a:t> </a:t>
-            </a:r>
-            <a:r>
-              <a:rPr lang="en-US" dirty="0" err="1" smtClean="0"/>
-              <a:t>Umgebungen</a:t>
-            </a:r>
-            <a:r>
-              <a:rPr lang="en-US" dirty="0" smtClean="0"/>
-              <a:t> </a:t>
-            </a:r>
-            <a:r>
-              <a:rPr lang="en-US" dirty="0" err="1" smtClean="0"/>
-              <a:t>gewöhnt</a:t>
-            </a:r>
-            <a:r>
-              <a:rPr lang="en-US" dirty="0" smtClean="0"/>
-              <a:t> </a:t>
-            </a:r>
-            <a:r>
-              <a:rPr lang="en-US" dirty="0" err="1" smtClean="0"/>
-              <a:t>ist</a:t>
-            </a:r>
-            <a:endParaRPr lang="en-US" dirty="0" smtClean="0"/>
+              <a:t> SVN, CVS, VSS und TFS</a:t>
+            </a:r>
+            <a:endParaRPr lang="en-US" dirty="0"/>
           </a:p>
           <a:p>
             <a:pPr>
@@ -6490,8 +6367,39 @@
               </a:lnSpc>
             </a:pPr>
             <a:r>
+              <a:rPr lang="en-US" dirty="0" smtClean="0"/>
+              <a:t>Space </a:t>
+            </a:r>
+          </a:p>
+          <a:p>
+            <a:pPr lvl="1">
+              <a:lnSpc>
+                <a:spcPct val="90000"/>
+              </a:lnSpc>
+            </a:pPr>
+            <a:r>
               <a:rPr lang="en-US" dirty="0" err="1" smtClean="0"/>
-              <a:t>Dokumentation</a:t>
+              <a:t>Kompression</a:t>
+            </a:r>
+            <a:r>
+              <a:rPr lang="en-US" dirty="0" smtClean="0"/>
+              <a:t> auf Repository-</a:t>
+            </a:r>
+            <a:r>
+              <a:rPr lang="en-US" dirty="0" err="1" smtClean="0"/>
+              <a:t>Ebene</a:t>
+            </a:r>
+            <a:endParaRPr lang="en-US" dirty="0" smtClean="0"/>
+          </a:p>
+          <a:p>
+            <a:pPr lvl="1">
+              <a:lnSpc>
+                <a:spcPct val="90000"/>
+              </a:lnSpc>
+            </a:pPr>
+            <a:r>
+              <a:rPr lang="en-US" dirty="0" err="1" smtClean="0"/>
+              <a:t>Minimiert</a:t>
             </a:r>
             <a:r>
               <a:rPr lang="en-US" dirty="0" smtClean="0"/>
@@ -6499,7 +6407,7 @@
             </a:r>
             <a:r>
               <a:rPr lang="en-US" dirty="0" err="1" smtClean="0"/>
-              <a:t>meist</a:t>
+              <a:t>lokale</a:t>
             </a:r>
             <a:r>
               <a:rPr lang="en-US" dirty="0" smtClean="0"/>
@@ -6507,19 +6415,23 @@
             </a:r>
             <a:r>
               <a:rPr lang="en-US" dirty="0" err="1" smtClean="0"/>
-              <a:t>über</a:t>
+              <a:t>Größe</a:t>
+            </a:r>
+            <a:r>
+              <a:rPr lang="en-US" dirty="0" smtClean="0"/>
+              <a:t> und </a:t>
+            </a:r>
+            <a:r>
+              <a:rPr lang="en-US" dirty="0" err="1" smtClean="0"/>
+              <a:t>auch</a:t>
             </a:r>
             <a:r>
               <a:rPr lang="en-US" dirty="0" smtClean="0"/>
               <a:t> </a:t>
             </a:r>
             <a:r>
-              <a:rPr lang="en-US" dirty="0"/>
-              <a:t>man </a:t>
-            </a:r>
-            <a:r>
-              <a:rPr lang="en-US" dirty="0" smtClean="0"/>
-              <a:t>pages, blogs, videos, …</a:t>
+              <a:rPr lang="en-US" dirty="0" err="1" smtClean="0"/>
+              <a:t>Datentransfer</a:t>
             </a:r>
             <a:endParaRPr lang="en-US" dirty="0"/>
           </a:p>
@@ -6530,26 +6442,9 @@
               </a:lnSpc>
             </a:pPr>
             <a:r>
-              <a:rPr lang="en-US" dirty="0" err="1" smtClean="0"/>
-              <a:t>Kein</a:t>
-            </a:r>
-            <a:r>
               <a:rPr lang="en-US" dirty="0" smtClean="0"/>
-              <a:t> </a:t>
-            </a:r>
-            <a:r>
-              <a:rPr lang="en-US" dirty="0" err="1" smtClean="0"/>
-              <a:t>exklusives</a:t>
-            </a:r>
-            <a:r>
-              <a:rPr lang="en-US" dirty="0" smtClean="0"/>
-              <a:t> </a:t>
-            </a:r>
-            <a:r>
-              <a:rPr lang="en-US" dirty="0" err="1" smtClean="0"/>
-              <a:t>Ausschecken</a:t>
-            </a:r>
-            <a:endParaRPr lang="en-US" dirty="0" smtClean="0"/>
+              <a:t>Simplicity</a:t>
+            </a:r>
           </a:p>
           <a:p>
             <a:pPr lvl="1">
@@ -6558,33 +6453,18 @@
               </a:lnSpc>
             </a:pPr>
             <a:r>
-              <a:rPr lang="en-US" dirty="0" smtClean="0"/>
-              <a:t>Problem </a:t>
-            </a:r>
-            <a:r>
               <a:rPr lang="en-US" dirty="0" err="1" smtClean="0"/>
-              <a:t>bei</a:t>
+              <a:t>Einfaches</a:t>
             </a:r>
             <a:r>
               <a:rPr lang="en-US" dirty="0" smtClean="0"/>
               <a:t> </a:t>
             </a:r>
             <a:r>
-              <a:rPr lang="en-US" dirty="0" err="1" smtClean="0"/>
-              <a:t>unmergebaren</a:t>
-            </a:r>
-            <a:r>
-              <a:rPr lang="en-US" dirty="0" smtClean="0"/>
-              <a:t> </a:t>
-            </a:r>
-            <a:r>
-              <a:rPr lang="en-US" dirty="0" err="1" smtClean="0"/>
-              <a:t>Dateien</a:t>
-            </a:r>
-            <a:r>
-              <a:rPr lang="en-US" dirty="0" smtClean="0"/>
-              <a:t> (Word, Excel, …)</a:t>
-            </a:r>
+              <a:rPr lang="en-US" sz="2400" dirty="0" err="1" smtClean="0"/>
+              <a:t>Objektmodell</a:t>
+            </a:r>
+            <a:endParaRPr lang="en-US" sz="2400" dirty="0"/>
           </a:p>
           <a:p>
             <a:pPr>
@@ -6593,30 +6473,38 @@
               </a:lnSpc>
             </a:pPr>
             <a:r>
-              <a:rPr lang="en-US" sz="3600" dirty="0" smtClean="0"/>
-              <a:t>Tools </a:t>
-            </a:r>
-            <a:r>
-              <a:rPr lang="en-US" sz="3600" dirty="0" err="1" smtClean="0"/>
-              <a:t>sind</a:t>
-            </a:r>
-            <a:r>
-              <a:rPr lang="en-US" sz="3600" dirty="0" smtClean="0"/>
-              <a:t> (</a:t>
-            </a:r>
-            <a:r>
-              <a:rPr lang="en-US" sz="3600" dirty="0" err="1" smtClean="0"/>
-              <a:t>meist</a:t>
-            </a:r>
-            <a:r>
-              <a:rPr lang="en-US" sz="3600" dirty="0" smtClean="0"/>
-              <a:t>) </a:t>
-            </a:r>
-            <a:r>
-              <a:rPr lang="en-US" sz="3600" dirty="0" err="1" smtClean="0"/>
-              <a:t>Kommandozeile</a:t>
-            </a:r>
-            <a:endParaRPr lang="en-US" sz="3600" dirty="0" smtClean="0"/>
+              <a:rPr lang="en-US" dirty="0" err="1" smtClean="0"/>
+              <a:t>Viele</a:t>
+            </a:r>
+            <a:r>
+              <a:rPr lang="en-US" dirty="0" smtClean="0"/>
+              <a:t> </a:t>
+            </a:r>
+            <a:r>
+              <a:rPr lang="en-US" dirty="0" err="1" smtClean="0"/>
+              <a:t>viele</a:t>
+            </a:r>
+            <a:r>
+              <a:rPr lang="en-US" dirty="0" smtClean="0"/>
+              <a:t> </a:t>
+            </a:r>
+            <a:r>
+              <a:rPr lang="en-US" dirty="0" err="1" smtClean="0"/>
+              <a:t>Nutzer</a:t>
+            </a:r>
+            <a:endParaRPr lang="en-US" dirty="0" smtClean="0"/>
+          </a:p>
+          <a:p>
+            <a:pPr>
+              <a:lnSpc>
+                <a:spcPct val="90000"/>
+              </a:lnSpc>
+            </a:pPr>
+            <a:r>
+              <a:rPr lang="en-US" dirty="0" err="1" smtClean="0"/>
+              <a:t>GitHub</a:t>
+            </a:r>
+            <a:endParaRPr lang="en-US" dirty="0"/>
           </a:p>
         </p:txBody>
       </p:sp>
@@ -6628,7 +6516,399 @@
   <p:timing>
     <p:tnLst>
       <p:par>
-        <p:cTn id="1" dur="indefinite" restart="never" nodeType="tmRoot"/>
+        <p:cTn id="1" dur="indefinite" restart="never" nodeType="tmRoot">
+          <p:childTnLst>
+            <p:seq concurrent="1" nextAc="seek">
+              <p:cTn id="2" dur="indefinite" nodeType="mainSeq">
+                <p:childTnLst>
+                  <p:par>
+                    <p:cTn id="3" fill="hold">
+                      <p:stCondLst>
+                        <p:cond delay="indefinite"/>
+                      </p:stCondLst>
+                      <p:childTnLst>
+                        <p:par>
+                          <p:cTn id="4" fill="hold">
+                            <p:stCondLst>
+                              <p:cond delay="0"/>
+                            </p:stCondLst>
+                            <p:childTnLst>
+                              <p:par>
+                                <p:cTn id="5" presetID="1" presetClass="entr" presetSubtype="0" fill="hold" nodeType="clickEffect">
+                                  <p:stCondLst>
+                                    <p:cond delay="0"/>
+                                  </p:stCondLst>
+                                  <p:childTnLst>
+                                    <p:set>
+                                      <p:cBhvr>
+                                        <p:cTn id="6" dur="1" fill="hold">
+                                          <p:stCondLst>
+                                            <p:cond delay="0"/>
+                                          </p:stCondLst>
+                                        </p:cTn>
+                                        <p:tgtEl>
+                                          <p:spTgt spid="21507">
+                                            <p:txEl>
+                                              <p:pRg st="0" end="0"/>
+                                            </p:txEl>
+                                          </p:spTgt>
+                                        </p:tgtEl>
+                                        <p:attrNameLst>
+                                          <p:attrName>style.visibility</p:attrName>
+                                        </p:attrNameLst>
+                                      </p:cBhvr>
+                                      <p:to>
+                                        <p:strVal val="visible"/>
+                                      </p:to>
+                                    </p:set>
+                                  </p:childTnLst>
+                                </p:cTn>
+                              </p:par>
+                              <p:par>
+                                <p:cTn id="7" presetID="1" presetClass="entr" presetSubtype="0" fill="hold" nodeType="withEffect">
+                                  <p:stCondLst>
+                                    <p:cond delay="0"/>
+                                  </p:stCondLst>
+                                  <p:childTnLst>
+                                    <p:set>
+                                      <p:cBhvr>
+                                        <p:cTn id="8" dur="1" fill="hold">
+                                          <p:stCondLst>
+                                            <p:cond delay="0"/>
+                                          </p:stCondLst>
+                                        </p:cTn>
+                                        <p:tgtEl>
+                                          <p:spTgt spid="21507">
+                                            <p:txEl>
+                                              <p:pRg st="1" end="1"/>
+                                            </p:txEl>
+                                          </p:spTgt>
+                                        </p:tgtEl>
+                                        <p:attrNameLst>
+                                          <p:attrName>style.visibility</p:attrName>
+                                        </p:attrNameLst>
+                                      </p:cBhvr>
+                                      <p:to>
+                                        <p:strVal val="visible"/>
+                                      </p:to>
+                                    </p:set>
+                                  </p:childTnLst>
+                                </p:cTn>
+                              </p:par>
+                            </p:childTnLst>
+                          </p:cTn>
+                        </p:par>
+                      </p:childTnLst>
+                    </p:cTn>
+                  </p:par>
+                  <p:par>
+                    <p:cTn id="9" fill="hold">
+                      <p:stCondLst>
+                        <p:cond delay="indefinite"/>
+                      </p:stCondLst>
+                      <p:childTnLst>
+                        <p:par>
+                          <p:cTn id="10" fill="hold">
+                            <p:stCondLst>
+                              <p:cond delay="0"/>
+                            </p:stCondLst>
+                            <p:childTnLst>
+                              <p:par>
+                                <p:cTn id="11" presetID="1" presetClass="entr" presetSubtype="0" fill="hold" nodeType="clickEffect">
+                                  <p:stCondLst>
+                                    <p:cond delay="0"/>
+                                  </p:stCondLst>
+                                  <p:childTnLst>
+                                    <p:set>
+                                      <p:cBhvr>
+                                        <p:cTn id="12" dur="1" fill="hold">
+                                          <p:stCondLst>
+                                            <p:cond delay="0"/>
+                                          </p:stCondLst>
+                                        </p:cTn>
+                                        <p:tgtEl>
+                                          <p:spTgt spid="21507">
+                                            <p:txEl>
+                                              <p:pRg st="2" end="2"/>
+                                            </p:txEl>
+                                          </p:spTgt>
+                                        </p:tgtEl>
+                                        <p:attrNameLst>
+                                          <p:attrName>style.visibility</p:attrName>
+                                        </p:attrNameLst>
+                                      </p:cBhvr>
+                                      <p:to>
+                                        <p:strVal val="visible"/>
+                                      </p:to>
+                                    </p:set>
+                                  </p:childTnLst>
+                                </p:cTn>
+                              </p:par>
+                              <p:par>
+                                <p:cTn id="13" presetID="1" presetClass="entr" presetSubtype="0" fill="hold" nodeType="withEffect">
+                                  <p:stCondLst>
+                                    <p:cond delay="0"/>
+                                  </p:stCondLst>
+                                  <p:childTnLst>
+                                    <p:set>
+                                      <p:cBhvr>
+                                        <p:cTn id="14" dur="1" fill="hold">
+                                          <p:stCondLst>
+                                            <p:cond delay="0"/>
+                                          </p:stCondLst>
+                                        </p:cTn>
+                                        <p:tgtEl>
+                                          <p:spTgt spid="21507">
+                                            <p:txEl>
+                                              <p:pRg st="3" end="3"/>
+                                            </p:txEl>
+                                          </p:spTgt>
+                                        </p:tgtEl>
+                                        <p:attrNameLst>
+                                          <p:attrName>style.visibility</p:attrName>
+                                        </p:attrNameLst>
+                                      </p:cBhvr>
+                                      <p:to>
+                                        <p:strVal val="visible"/>
+                                      </p:to>
+                                    </p:set>
+                                  </p:childTnLst>
+                                </p:cTn>
+                              </p:par>
+                              <p:par>
+                                <p:cTn id="15" presetID="1" presetClass="entr" presetSubtype="0" fill="hold" nodeType="withEffect">
+                                  <p:stCondLst>
+                                    <p:cond delay="0"/>
+                                  </p:stCondLst>
+                                  <p:childTnLst>
+                                    <p:set>
+                                      <p:cBhvr>
+                                        <p:cTn id="16" dur="1" fill="hold">
+                                          <p:stCondLst>
+                                            <p:cond delay="0"/>
+                                          </p:stCondLst>
+                                        </p:cTn>
+                                        <p:tgtEl>
+                                          <p:spTgt spid="21507">
+                                            <p:txEl>
+                                              <p:pRg st="4" end="4"/>
+                                            </p:txEl>
+                                          </p:spTgt>
+                                        </p:tgtEl>
+                                        <p:attrNameLst>
+                                          <p:attrName>style.visibility</p:attrName>
+                                        </p:attrNameLst>
+                                      </p:cBhvr>
+                                      <p:to>
+                                        <p:strVal val="visible"/>
+                                      </p:to>
+                                    </p:set>
+                                  </p:childTnLst>
+                                </p:cTn>
+                              </p:par>
+                            </p:childTnLst>
+                          </p:cTn>
+                        </p:par>
+                      </p:childTnLst>
+                    </p:cTn>
+                  </p:par>
+                  <p:par>
+                    <p:cTn id="17" fill="hold">
+                      <p:stCondLst>
+                        <p:cond delay="indefinite"/>
+                      </p:stCondLst>
+                      <p:childTnLst>
+                        <p:par>
+                          <p:cTn id="18" fill="hold">
+                            <p:stCondLst>
+                              <p:cond delay="0"/>
+                            </p:stCondLst>
+                            <p:childTnLst>
+                              <p:par>
+                                <p:cTn id="19" presetID="1" presetClass="entr" presetSubtype="0" fill="hold" nodeType="clickEffect">
+                                  <p:stCondLst>
+                                    <p:cond delay="0"/>
+                                  </p:stCondLst>
+                                  <p:childTnLst>
+                                    <p:set>
+                                      <p:cBhvr>
+                                        <p:cTn id="20" dur="1" fill="hold">
+                                          <p:stCondLst>
+                                            <p:cond delay="0"/>
+                                          </p:stCondLst>
+                                        </p:cTn>
+                                        <p:tgtEl>
+                                          <p:spTgt spid="21507">
+                                            <p:txEl>
+                                              <p:pRg st="5" end="5"/>
+                                            </p:txEl>
+                                          </p:spTgt>
+                                        </p:tgtEl>
+                                        <p:attrNameLst>
+                                          <p:attrName>style.visibility</p:attrName>
+                                        </p:attrNameLst>
+                                      </p:cBhvr>
+                                      <p:to>
+                                        <p:strVal val="visible"/>
+                                      </p:to>
+                                    </p:set>
+                                  </p:childTnLst>
+                                </p:cTn>
+                              </p:par>
+                              <p:par>
+                                <p:cTn id="21" presetID="1" presetClass="entr" presetSubtype="0" fill="hold" nodeType="withEffect">
+                                  <p:stCondLst>
+                                    <p:cond delay="0"/>
+                                  </p:stCondLst>
+                                  <p:childTnLst>
+                                    <p:set>
+                                      <p:cBhvr>
+                                        <p:cTn id="22" dur="1" fill="hold">
+                                          <p:stCondLst>
+                                            <p:cond delay="0"/>
+                                          </p:stCondLst>
+                                        </p:cTn>
+                                        <p:tgtEl>
+                                          <p:spTgt spid="21507">
+                                            <p:txEl>
+                                              <p:pRg st="6" end="6"/>
+                                            </p:txEl>
+                                          </p:spTgt>
+                                        </p:tgtEl>
+                                        <p:attrNameLst>
+                                          <p:attrName>style.visibility</p:attrName>
+                                        </p:attrNameLst>
+                                      </p:cBhvr>
+                                      <p:to>
+                                        <p:strVal val="visible"/>
+                                      </p:to>
+                                    </p:set>
+                                  </p:childTnLst>
+                                </p:cTn>
+                              </p:par>
+                            </p:childTnLst>
+                          </p:cTn>
+                        </p:par>
+                      </p:childTnLst>
+                    </p:cTn>
+                  </p:par>
+                  <p:par>
+                    <p:cTn id="23" fill="hold">
+                      <p:stCondLst>
+                        <p:cond delay="indefinite"/>
+                      </p:stCondLst>
+                      <p:childTnLst>
+                        <p:par>
+                          <p:cTn id="24" fill="hold">
+                            <p:stCondLst>
+                              <p:cond delay="0"/>
+                            </p:stCondLst>
+                            <p:childTnLst>
+                              <p:par>
+                                <p:cTn id="25" presetID="1" presetClass="entr" presetSubtype="0" fill="hold" nodeType="clickEffect">
+                                  <p:stCondLst>
+                                    <p:cond delay="0"/>
+                                  </p:stCondLst>
+                                  <p:childTnLst>
+                                    <p:set>
+                                      <p:cBhvr>
+                                        <p:cTn id="26" dur="1" fill="hold">
+                                          <p:stCondLst>
+                                            <p:cond delay="0"/>
+                                          </p:stCondLst>
+                                        </p:cTn>
+                                        <p:tgtEl>
+                                          <p:spTgt spid="21507">
+                                            <p:txEl>
+                                              <p:pRg st="7" end="7"/>
+                                            </p:txEl>
+                                          </p:spTgt>
+                                        </p:tgtEl>
+                                        <p:attrNameLst>
+                                          <p:attrName>style.visibility</p:attrName>
+                                        </p:attrNameLst>
+                                      </p:cBhvr>
+                                      <p:to>
+                                        <p:strVal val="visible"/>
+                                      </p:to>
+                                    </p:set>
+                                  </p:childTnLst>
+                                </p:cTn>
+                              </p:par>
+                            </p:childTnLst>
+                          </p:cTn>
+                        </p:par>
+                      </p:childTnLst>
+                    </p:cTn>
+                  </p:par>
+                  <p:par>
+                    <p:cTn id="27" fill="hold">
+                      <p:stCondLst>
+                        <p:cond delay="indefinite"/>
+                      </p:stCondLst>
+                      <p:childTnLst>
+                        <p:par>
+                          <p:cTn id="28" fill="hold">
+                            <p:stCondLst>
+                              <p:cond delay="0"/>
+                            </p:stCondLst>
+                            <p:childTnLst>
+                              <p:par>
+                                <p:cTn id="29" presetID="1" presetClass="entr" presetSubtype="0" fill="hold" nodeType="clickEffect">
+                                  <p:stCondLst>
+                                    <p:cond delay="0"/>
+                                  </p:stCondLst>
+                                  <p:childTnLst>
+                                    <p:set>
+                                      <p:cBhvr>
+                                        <p:cTn id="30" dur="1" fill="hold">
+                                          <p:stCondLst>
+                                            <p:cond delay="0"/>
+                                          </p:stCondLst>
+                                        </p:cTn>
+                                        <p:tgtEl>
+                                          <p:spTgt spid="21507">
+                                            <p:txEl>
+                                              <p:pRg st="8" end="8"/>
+                                            </p:txEl>
+                                          </p:spTgt>
+                                        </p:tgtEl>
+                                        <p:attrNameLst>
+                                          <p:attrName>style.visibility</p:attrName>
+                                        </p:attrNameLst>
+                                      </p:cBhvr>
+                                      <p:to>
+                                        <p:strVal val="visible"/>
+                                      </p:to>
+                                    </p:set>
+                                  </p:childTnLst>
+                                </p:cTn>
+                              </p:par>
+                            </p:childTnLst>
+                          </p:cTn>
+                        </p:par>
+                      </p:childTnLst>
+                    </p:cTn>
+                  </p:par>
+                </p:childTnLst>
+              </p:cTn>
+              <p:prevCondLst>
+                <p:cond evt="onPrev" delay="0">
+                  <p:tgtEl>
+                    <p:sldTgt/>
+                  </p:tgtEl>
+                </p:cond>
+              </p:prevCondLst>
+              <p:nextCondLst>
+                <p:cond evt="onNext" delay="0">
+                  <p:tgtEl>
+                    <p:sldTgt/>
+                  </p:tgtEl>
+                </p:cond>
+              </p:nextCondLst>
+            </p:seq>
+          </p:childTnLst>
+        </p:cTn>
       </p:par>
     </p:tnLst>
   </p:timing>
@@ -6654,7 +6934,7 @@
       </p:grpSpPr>
       <p:sp>
         <p:nvSpPr>
-          <p:cNvPr id="19458" name="Rectangle 2"/>
+          <p:cNvPr id="50178" name="Rectangle 2"/>
           <p:cNvSpPr>
             <a:spLocks noGrp="1" noChangeArrowheads="1"/>
           </p:cNvSpPr>
@@ -6668,32 +6948,15 @@
           <a:lstStyle/>
           <a:p>
             <a:r>
-              <a:rPr lang="en-US" dirty="0" err="1"/>
-              <a:t>Git</a:t>
-            </a:r>
-            <a:r>
               <a:rPr lang="en-US" dirty="0"/>
-              <a:t> </a:t>
-            </a:r>
-            <a:r>
-              <a:rPr lang="en-US" dirty="0" smtClean="0"/>
-              <a:t>Architecture (.</a:t>
-            </a:r>
-            <a:r>
-              <a:rPr lang="en-US" dirty="0" err="1" smtClean="0"/>
-              <a:t>git</a:t>
-            </a:r>
-            <a:r>
-              <a:rPr lang="en-US" dirty="0" smtClean="0"/>
-              <a:t>-Folder)</a:t>
-            </a:r>
-            <a:endParaRPr lang="en-US" dirty="0"/>
-          </a:p>
-        </p:txBody>
-      </p:sp>
-      <p:sp>
-        <p:nvSpPr>
-          <p:cNvPr id="19459" name="Rectangle 3"/>
+              <a:t>Some GIT Disadvantages</a:t>
+            </a:r>
+          </a:p>
+        </p:txBody>
+      </p:sp>
+      <p:sp>
+        <p:nvSpPr>
+          <p:cNvPr id="50179" name="Rectangle 3"/>
           <p:cNvSpPr>
             <a:spLocks noGrp="1" noChangeArrowheads="1"/>
           </p:cNvSpPr>
@@ -6703,7 +6966,9 @@
         </p:nvSpPr>
         <p:spPr/>
         <p:txBody>
-          <a:bodyPr/>
+          <a:bodyPr>
+            <a:normAutofit/>
+          </a:bodyPr>
           <a:lstStyle/>
           <a:p>
             <a:pPr>
@@ -6712,10 +6977,113 @@
               </a:lnSpc>
             </a:pPr>
             <a:r>
-              <a:rPr lang="en-US" sz="2800" dirty="0" smtClean="0"/>
-              <a:t>Index</a:t>
-            </a:r>
-            <a:endParaRPr lang="en-US" sz="2800" dirty="0"/>
+              <a:rPr lang="en-US" dirty="0" err="1" smtClean="0"/>
+              <a:t>Einstieg</a:t>
+            </a:r>
+            <a:r>
+              <a:rPr lang="en-US" dirty="0" smtClean="0"/>
+              <a:t> </a:t>
+            </a:r>
+            <a:r>
+              <a:rPr lang="en-US" dirty="0" err="1" smtClean="0"/>
+              <a:t>kann</a:t>
+            </a:r>
+            <a:r>
+              <a:rPr lang="en-US" dirty="0" smtClean="0"/>
+              <a:t> </a:t>
+            </a:r>
+            <a:r>
+              <a:rPr lang="en-US" dirty="0" err="1" smtClean="0"/>
+              <a:t>schwer</a:t>
+            </a:r>
+            <a:r>
+              <a:rPr lang="en-US" dirty="0" smtClean="0"/>
+              <a:t> fallen, </a:t>
+            </a:r>
+            <a:r>
+              <a:rPr lang="en-US" dirty="0" err="1" smtClean="0"/>
+              <a:t>besonders</a:t>
+            </a:r>
+            <a:r>
+              <a:rPr lang="en-US" dirty="0" smtClean="0"/>
+              <a:t> </a:t>
+            </a:r>
+            <a:r>
+              <a:rPr lang="en-US" dirty="0" err="1" smtClean="0"/>
+              <a:t>wenn</a:t>
+            </a:r>
+            <a:r>
+              <a:rPr lang="en-US" dirty="0" smtClean="0"/>
+              <a:t> man </a:t>
+            </a:r>
+            <a:r>
+              <a:rPr lang="en-US" dirty="0" err="1" smtClean="0"/>
+              <a:t>zentralisierte</a:t>
+            </a:r>
+            <a:r>
+              <a:rPr lang="en-US" dirty="0" smtClean="0"/>
+              <a:t> </a:t>
+            </a:r>
+            <a:r>
+              <a:rPr lang="en-US" dirty="0" err="1" smtClean="0"/>
+              <a:t>Umgebungen</a:t>
+            </a:r>
+            <a:r>
+              <a:rPr lang="en-US" dirty="0" smtClean="0"/>
+              <a:t> </a:t>
+            </a:r>
+            <a:r>
+              <a:rPr lang="en-US" dirty="0" err="1" smtClean="0"/>
+              <a:t>gewöhnt</a:t>
+            </a:r>
+            <a:r>
+              <a:rPr lang="en-US" dirty="0" smtClean="0"/>
+              <a:t> </a:t>
+            </a:r>
+            <a:r>
+              <a:rPr lang="en-US" dirty="0" err="1" smtClean="0"/>
+              <a:t>ist</a:t>
+            </a:r>
+            <a:endParaRPr lang="en-US" dirty="0" smtClean="0"/>
+          </a:p>
+          <a:p>
+            <a:pPr>
+              <a:lnSpc>
+                <a:spcPct val="90000"/>
+              </a:lnSpc>
+            </a:pPr>
+            <a:r>
+              <a:rPr lang="en-US" dirty="0" err="1" smtClean="0"/>
+              <a:t>Dokumentation</a:t>
+            </a:r>
+            <a:r>
+              <a:rPr lang="en-US" dirty="0" smtClean="0"/>
+              <a:t> </a:t>
+            </a:r>
+            <a:r>
+              <a:rPr lang="en-US" dirty="0" err="1" smtClean="0"/>
+              <a:t>meist</a:t>
+            </a:r>
+            <a:r>
+              <a:rPr lang="en-US" dirty="0" smtClean="0"/>
+              <a:t> </a:t>
+            </a:r>
+            <a:r>
+              <a:rPr lang="en-US" dirty="0" err="1" smtClean="0"/>
+              <a:t>über</a:t>
+            </a:r>
+            <a:r>
+              <a:rPr lang="en-US" dirty="0" smtClean="0"/>
+              <a:t> </a:t>
+            </a:r>
+            <a:r>
+              <a:rPr lang="en-US" dirty="0"/>
+              <a:t>man </a:t>
+            </a:r>
+            <a:r>
+              <a:rPr lang="en-US" dirty="0" smtClean="0"/>
+              <a:t>pages</a:t>
+            </a:r>
           </a:p>
           <a:p>
             <a:pPr lvl="1">
@@ -6724,58 +7092,34 @@
               </a:lnSpc>
             </a:pPr>
             <a:r>
-              <a:rPr lang="en-US" sz="2000" dirty="0" err="1" smtClean="0"/>
-              <a:t>Speicher</a:t>
-            </a:r>
-            <a:r>
-              <a:rPr lang="en-US" sz="2000" dirty="0" smtClean="0"/>
-              <a:t> </a:t>
-            </a:r>
-            <a:r>
-              <a:rPr lang="en-US" sz="2000" dirty="0" err="1" smtClean="0"/>
-              <a:t>Informationen</a:t>
-            </a:r>
-            <a:r>
-              <a:rPr lang="en-US" sz="2000" dirty="0" smtClean="0"/>
-              <a:t> </a:t>
-            </a:r>
-            <a:r>
-              <a:rPr lang="en-US" sz="2000" dirty="0" err="1" smtClean="0"/>
-              <a:t>über</a:t>
-            </a:r>
-            <a:r>
-              <a:rPr lang="en-US" sz="2000" dirty="0" smtClean="0"/>
-              <a:t> die </a:t>
-            </a:r>
-            <a:r>
-              <a:rPr lang="en-US" sz="2000" dirty="0" err="1" smtClean="0"/>
-              <a:t>aktuelle</a:t>
-            </a:r>
-            <a:r>
-              <a:rPr lang="en-US" sz="2000" dirty="0" smtClean="0"/>
-              <a:t> </a:t>
-            </a:r>
-            <a:r>
-              <a:rPr lang="en-US" sz="2000" dirty="0" err="1" smtClean="0"/>
-              <a:t>Arbeitskopie</a:t>
-            </a:r>
-            <a:r>
-              <a:rPr lang="en-US" sz="2000" dirty="0" smtClean="0"/>
-              <a:t> und </a:t>
-            </a:r>
-            <a:r>
-              <a:rPr lang="en-US" sz="2000" dirty="0" err="1" smtClean="0"/>
-              <a:t>deren</a:t>
-            </a:r>
-            <a:r>
-              <a:rPr lang="en-US" sz="2000" dirty="0" smtClean="0"/>
-              <a:t> </a:t>
-            </a:r>
-            <a:r>
-              <a:rPr lang="en-US" sz="2000" dirty="0" err="1" smtClean="0"/>
-              <a:t>Änderungen</a:t>
-            </a:r>
-            <a:endParaRPr lang="en-US" sz="2000" dirty="0" smtClean="0"/>
+              <a:rPr lang="en-US" dirty="0" smtClean="0"/>
+              <a:t>Blogs</a:t>
+            </a:r>
+            <a:r>
+              <a:rPr lang="en-US" dirty="0" smtClean="0"/>
+              <a:t>, </a:t>
+            </a:r>
+            <a:r>
+              <a:rPr lang="en-US" dirty="0"/>
+              <a:t>V</a:t>
+            </a:r>
+            <a:r>
+              <a:rPr lang="en-US" dirty="0" smtClean="0"/>
+              <a:t>ideos, </a:t>
+            </a:r>
+            <a:r>
+              <a:rPr lang="en-US" dirty="0" err="1" smtClean="0"/>
+              <a:t>Bücher</a:t>
+            </a:r>
+            <a:r>
+              <a:rPr lang="en-US" dirty="0" smtClean="0"/>
+              <a:t>, </a:t>
+            </a:r>
+            <a:r>
+              <a:rPr lang="en-US" dirty="0" smtClean="0"/>
+              <a:t>…</a:t>
+            </a:r>
+            <a:endParaRPr lang="en-US" dirty="0"/>
           </a:p>
           <a:p>
             <a:pPr>
@@ -6784,13 +7128,26 @@
               </a:lnSpc>
             </a:pPr>
             <a:r>
-              <a:rPr lang="en-US" sz="2800" dirty="0" smtClean="0"/>
-              <a:t>Object </a:t>
-            </a:r>
-            <a:r>
-              <a:rPr lang="en-US" sz="2800" dirty="0"/>
-              <a:t>Database</a:t>
-            </a:r>
+              <a:rPr lang="en-US" dirty="0" err="1" smtClean="0"/>
+              <a:t>Kein</a:t>
+            </a:r>
+            <a:r>
+              <a:rPr lang="en-US" dirty="0" smtClean="0"/>
+              <a:t> </a:t>
+            </a:r>
+            <a:r>
+              <a:rPr lang="en-US" dirty="0" err="1" smtClean="0"/>
+              <a:t>exklusives</a:t>
+            </a:r>
+            <a:r>
+              <a:rPr lang="en-US" dirty="0" smtClean="0"/>
+              <a:t> </a:t>
+            </a:r>
+            <a:r>
+              <a:rPr lang="en-US" dirty="0" err="1" smtClean="0"/>
+              <a:t>Ausschecken</a:t>
+            </a:r>
+            <a:endParaRPr lang="en-US" dirty="0" smtClean="0"/>
           </a:p>
           <a:p>
             <a:pPr lvl="1">
@@ -6799,9 +7156,34 @@
               </a:lnSpc>
             </a:pPr>
             <a:r>
-              <a:rPr lang="en-US" sz="2000" dirty="0"/>
-              <a:t>Blobs (files)</a:t>
-            </a:r>
+              <a:rPr lang="en-US" dirty="0" smtClean="0"/>
+              <a:t>Problem </a:t>
+            </a:r>
+            <a:r>
+              <a:rPr lang="en-US" dirty="0" err="1" smtClean="0"/>
+              <a:t>bei</a:t>
+            </a:r>
+            <a:r>
+              <a:rPr lang="en-US" dirty="0" smtClean="0"/>
+              <a:t> </a:t>
+            </a:r>
+            <a:r>
+              <a:rPr lang="en-US" dirty="0" err="1" smtClean="0"/>
+              <a:t>unmergebaren</a:t>
+            </a:r>
+            <a:r>
+              <a:rPr lang="en-US" dirty="0" smtClean="0"/>
+              <a:t> </a:t>
+            </a:r>
+            <a:r>
+              <a:rPr lang="en-US" dirty="0" err="1" smtClean="0"/>
+              <a:t>Dateien</a:t>
+            </a:r>
+            <a:r>
+              <a:rPr lang="en-US" dirty="0" smtClean="0"/>
+              <a:t> </a:t>
+            </a:r>
+            <a:endParaRPr lang="en-US" dirty="0" smtClean="0"/>
           </a:p>
           <a:p>
             <a:pPr lvl="2">
@@ -6810,156 +7192,45 @@
               </a:lnSpc>
             </a:pPr>
             <a:r>
-              <a:rPr lang="en-US" sz="1800" dirty="0" err="1" smtClean="0"/>
-              <a:t>Zu</a:t>
-            </a:r>
-            <a:r>
-              <a:rPr lang="en-US" sz="1800" dirty="0" smtClean="0"/>
-              <a:t> </a:t>
-            </a:r>
-            <a:r>
-              <a:rPr lang="en-US" sz="1800" dirty="0" err="1" smtClean="0"/>
-              <a:t>Finden</a:t>
-            </a:r>
-            <a:r>
-              <a:rPr lang="en-US" sz="1800" dirty="0" smtClean="0"/>
-              <a:t> in </a:t>
-            </a:r>
-            <a:r>
-              <a:rPr lang="en-US" sz="1800" dirty="0"/>
-              <a:t>.</a:t>
-            </a:r>
-            <a:r>
-              <a:rPr lang="en-US" sz="1800" dirty="0" err="1"/>
-              <a:t>git</a:t>
-            </a:r>
-            <a:r>
-              <a:rPr lang="en-US" sz="1800" dirty="0"/>
-              <a:t>/objects</a:t>
-            </a:r>
-          </a:p>
-          <a:p>
-            <a:pPr lvl="2">
+              <a:rPr lang="en-US" dirty="0" smtClean="0"/>
+              <a:t>(</a:t>
+            </a:r>
+            <a:r>
+              <a:rPr lang="en-US" dirty="0" smtClean="0"/>
+              <a:t>Word, Excel, …)</a:t>
+            </a:r>
+          </a:p>
+          <a:p>
+            <a:pPr>
               <a:lnSpc>
                 <a:spcPct val="90000"/>
               </a:lnSpc>
             </a:pPr>
             <a:r>
-              <a:rPr lang="en-US" sz="1800" dirty="0" err="1" smtClean="0"/>
-              <a:t>Indiziert</a:t>
-            </a:r>
-            <a:r>
-              <a:rPr lang="en-US" sz="1800" dirty="0" smtClean="0"/>
-              <a:t> </a:t>
-            </a:r>
-            <a:r>
-              <a:rPr lang="en-US" sz="1800" dirty="0" err="1" smtClean="0"/>
-              <a:t>über</a:t>
-            </a:r>
-            <a:r>
-              <a:rPr lang="en-US" sz="1800" dirty="0" smtClean="0"/>
-              <a:t> SHA1 hash</a:t>
-            </a:r>
-          </a:p>
-          <a:p>
-            <a:pPr lvl="1">
-              <a:lnSpc>
-                <a:spcPct val="90000"/>
-              </a:lnSpc>
-            </a:pPr>
-            <a:r>
-              <a:rPr lang="en-US" sz="2000" dirty="0" smtClean="0"/>
-              <a:t>Trees </a:t>
-            </a:r>
-            <a:r>
-              <a:rPr lang="en-US" sz="2000" dirty="0"/>
-              <a:t>(directories)</a:t>
-            </a:r>
-          </a:p>
-          <a:p>
-            <a:pPr lvl="1">
-              <a:lnSpc>
-                <a:spcPct val="90000"/>
-              </a:lnSpc>
-            </a:pPr>
-            <a:r>
-              <a:rPr lang="en-US" sz="2000" dirty="0"/>
-              <a:t>Commits</a:t>
-            </a:r>
-          </a:p>
-          <a:p>
-            <a:pPr lvl="2">
-              <a:lnSpc>
-                <a:spcPct val="90000"/>
-              </a:lnSpc>
-            </a:pPr>
-            <a:r>
-              <a:rPr lang="en-US" sz="1800" dirty="0" err="1" smtClean="0"/>
-              <a:t>Ein</a:t>
-            </a:r>
-            <a:r>
-              <a:rPr lang="en-US" sz="1800" dirty="0" smtClean="0"/>
-              <a:t> </a:t>
-            </a:r>
-            <a:r>
-              <a:rPr lang="en-US" sz="1800" dirty="0" err="1" smtClean="0"/>
-              <a:t>Objekt</a:t>
-            </a:r>
-            <a:r>
-              <a:rPr lang="en-US" sz="1800" dirty="0" smtClean="0"/>
-              <a:t> pro </a:t>
-            </a:r>
-            <a:r>
-              <a:rPr lang="en-US" sz="1800" dirty="0"/>
-              <a:t>commit</a:t>
-            </a:r>
-          </a:p>
-          <a:p>
-            <a:pPr lvl="2">
-              <a:lnSpc>
-                <a:spcPct val="90000"/>
-              </a:lnSpc>
-            </a:pPr>
-            <a:r>
-              <a:rPr lang="en-US" sz="1800" dirty="0" err="1" smtClean="0"/>
-              <a:t>Enthält</a:t>
-            </a:r>
-            <a:r>
-              <a:rPr lang="en-US" sz="1800" dirty="0" smtClean="0"/>
-              <a:t> hash von parent, </a:t>
-            </a:r>
-            <a:r>
-              <a:rPr lang="en-US" sz="1800" dirty="0" err="1" smtClean="0"/>
-              <a:t>Autor</a:t>
-            </a:r>
-            <a:r>
-              <a:rPr lang="en-US" sz="1800" dirty="0"/>
-              <a:t>, </a:t>
-            </a:r>
-            <a:r>
-              <a:rPr lang="en-US" sz="1800" dirty="0" err="1" smtClean="0"/>
-              <a:t>Zeit</a:t>
-            </a:r>
-            <a:r>
-              <a:rPr lang="en-US" sz="1800" dirty="0" smtClean="0"/>
-              <a:t> und hash des </a:t>
-            </a:r>
-            <a:r>
-              <a:rPr lang="en-US" sz="1800" dirty="0" err="1" smtClean="0"/>
-              <a:t>Verzeichnisses</a:t>
-            </a:r>
-            <a:endParaRPr lang="en-US" sz="1800" dirty="0"/>
-          </a:p>
-          <a:p>
-            <a:pPr lvl="1">
-              <a:lnSpc>
-                <a:spcPct val="90000"/>
-              </a:lnSpc>
-            </a:pPr>
-            <a:r>
-              <a:rPr lang="en-US" sz="2000" dirty="0"/>
-              <a:t>Tags</a:t>
-            </a:r>
+              <a:rPr lang="en-US" sz="3600" dirty="0" smtClean="0"/>
+              <a:t>Tools </a:t>
+            </a:r>
+            <a:r>
+              <a:rPr lang="en-US" sz="3600" dirty="0" err="1" smtClean="0"/>
+              <a:t>sind</a:t>
+            </a:r>
+            <a:r>
+              <a:rPr lang="en-US" sz="3600" dirty="0" smtClean="0"/>
+              <a:t> (</a:t>
+            </a:r>
+            <a:r>
+              <a:rPr lang="en-US" sz="3600" dirty="0" err="1" smtClean="0"/>
+              <a:t>meist</a:t>
+            </a:r>
+            <a:r>
+              <a:rPr lang="en-US" sz="3600" dirty="0" smtClean="0"/>
+              <a:t>) </a:t>
+            </a:r>
+            <a:r>
+              <a:rPr lang="en-US" sz="3600" dirty="0" err="1" smtClean="0"/>
+              <a:t>Kommandozeile</a:t>
+            </a:r>
+            <a:endParaRPr lang="en-US" sz="3600" dirty="0" smtClean="0"/>
           </a:p>
         </p:txBody>
       </p:sp>
@@ -6997,7 +7268,7 @@
       </p:grpSpPr>
       <p:sp>
         <p:nvSpPr>
-          <p:cNvPr id="15362" name="Rectangle 2"/>
+          <p:cNvPr id="29698" name="Rectangle 2"/>
           <p:cNvSpPr>
             <a:spLocks noGrp="1" noChangeArrowheads="1"/>
           </p:cNvSpPr>
@@ -7012,19 +7283,19 @@
           <a:p>
             <a:r>
               <a:rPr lang="en-US"/>
-              <a:t>Some Commands</a:t>
-            </a:r>
-          </a:p>
-        </p:txBody>
-      </p:sp>
-      <p:sp>
-        <p:nvSpPr>
-          <p:cNvPr id="15363" name="Rectangle 3"/>
+              <a:t>Key Git Files/Directories</a:t>
+            </a:r>
+          </a:p>
+        </p:txBody>
+      </p:sp>
+      <p:sp>
+        <p:nvSpPr>
+          <p:cNvPr id="29699" name="Rectangle 3"/>
           <p:cNvSpPr>
             <a:spLocks noGrp="1" noChangeArrowheads="1"/>
           </p:cNvSpPr>
           <p:nvPr>
-            <p:ph type="body" sz="half" idx="1"/>
+            <p:ph type="body" idx="1"/>
           </p:nvPr>
         </p:nvSpPr>
         <p:spPr/>
@@ -7033,106 +7304,136 @@
           <a:lstStyle/>
           <a:p>
             <a:r>
-              <a:rPr lang="en-US"/>
-              <a:t>Getting a Repository</a:t>
-            </a:r>
+              <a:rPr lang="en-US" dirty="0"/>
+              <a:t>~/.</a:t>
+            </a:r>
+            <a:r>
+              <a:rPr lang="en-US" dirty="0" err="1"/>
+              <a:t>gitconfig</a:t>
+            </a:r>
+            <a:endParaRPr lang="en-US" dirty="0"/>
+          </a:p>
+          <a:p>
+            <a:r>
+              <a:rPr lang="en-US" dirty="0"/>
+              <a:t>.</a:t>
+            </a:r>
+            <a:r>
+              <a:rPr lang="en-US" dirty="0" err="1"/>
+              <a:t>git</a:t>
+            </a:r>
+            <a:endParaRPr lang="en-US" dirty="0"/>
           </a:p>
           <a:p>
             <a:pPr lvl="1"/>
             <a:r>
-              <a:rPr lang="en-US"/>
-              <a:t>git init</a:t>
-            </a:r>
+              <a:rPr lang="en-US" dirty="0" err="1" smtClean="0"/>
+              <a:t>Im</a:t>
+            </a:r>
+            <a:r>
+              <a:rPr lang="en-US" dirty="0" smtClean="0"/>
+              <a:t> Top-Level-</a:t>
+            </a:r>
+            <a:r>
+              <a:rPr lang="en-US" dirty="0" err="1" smtClean="0"/>
+              <a:t>Verzeichnis</a:t>
+            </a:r>
+            <a:endParaRPr lang="en-US" dirty="0"/>
           </a:p>
           <a:p>
             <a:pPr lvl="1"/>
             <a:r>
-              <a:rPr lang="en-US"/>
-              <a:t>git clone</a:t>
-            </a:r>
-          </a:p>
-          <a:p>
-            <a:endParaRPr lang="en-US"/>
-          </a:p>
-          <a:p>
-            <a:r>
-              <a:rPr lang="en-US"/>
-              <a:t>Commits</a:t>
-            </a:r>
+              <a:rPr lang="en-US" dirty="0" err="1" smtClean="0"/>
+              <a:t>Enthält</a:t>
+            </a:r>
+            <a:r>
+              <a:rPr lang="en-US" dirty="0" smtClean="0"/>
+              <a:t> </a:t>
+            </a:r>
+            <a:r>
+              <a:rPr lang="en-US" dirty="0" err="1" smtClean="0"/>
+              <a:t>alle</a:t>
+            </a:r>
+            <a:r>
+              <a:rPr lang="en-US" dirty="0" smtClean="0"/>
+              <a:t> </a:t>
+            </a:r>
+            <a:r>
+              <a:rPr lang="en-US" dirty="0" err="1" smtClean="0"/>
+              <a:t>Objekte</a:t>
+            </a:r>
+            <a:r>
+              <a:rPr lang="en-US" dirty="0" smtClean="0"/>
+              <a:t>, </a:t>
+            </a:r>
+            <a:r>
+              <a:rPr lang="en-US" dirty="0"/>
+              <a:t>C</a:t>
+            </a:r>
+            <a:r>
+              <a:rPr lang="en-US" dirty="0" smtClean="0"/>
+              <a:t>ommits</a:t>
+            </a:r>
+            <a:r>
+              <a:rPr lang="en-US" dirty="0"/>
+              <a:t>, </a:t>
+            </a:r>
+            <a:r>
+              <a:rPr lang="en-US" dirty="0" err="1" smtClean="0"/>
+              <a:t>Konfigurationen</a:t>
+            </a:r>
+            <a:r>
+              <a:rPr lang="en-US" dirty="0" smtClean="0"/>
+              <a:t> </a:t>
+            </a:r>
+            <a:r>
+              <a:rPr lang="en-US" dirty="0" err="1" smtClean="0"/>
+              <a:t>für</a:t>
+            </a:r>
+            <a:r>
+              <a:rPr lang="en-US" dirty="0" smtClean="0"/>
+              <a:t> das </a:t>
+            </a:r>
+            <a:r>
+              <a:rPr lang="en-US" dirty="0" err="1" smtClean="0"/>
+              <a:t>Projekt</a:t>
+            </a:r>
+            <a:endParaRPr lang="en-US" dirty="0" smtClean="0"/>
+          </a:p>
+          <a:p>
+            <a:r>
+              <a:rPr lang="en-US" dirty="0" smtClean="0"/>
+              <a:t>.</a:t>
+            </a:r>
+            <a:r>
+              <a:rPr lang="en-US" dirty="0" err="1"/>
+              <a:t>gitignore</a:t>
+            </a:r>
+            <a:endParaRPr lang="en-US" dirty="0"/>
           </a:p>
           <a:p>
             <a:pPr lvl="1"/>
             <a:r>
-              <a:rPr lang="en-US"/>
-              <a:t>git add</a:t>
-            </a:r>
-          </a:p>
-          <a:p>
-            <a:pPr lvl="1"/>
-            <a:r>
-              <a:rPr lang="en-US"/>
-              <a:t>git commit</a:t>
-            </a:r>
-          </a:p>
-          <a:p>
-            <a:endParaRPr lang="en-US"/>
-          </a:p>
-        </p:txBody>
-      </p:sp>
-      <p:sp>
-        <p:nvSpPr>
-          <p:cNvPr id="15364" name="Rectangle 4"/>
-          <p:cNvSpPr>
-            <a:spLocks noGrp="1" noChangeArrowheads="1"/>
-          </p:cNvSpPr>
-          <p:nvPr>
-            <p:ph type="body" sz="half" idx="2"/>
-          </p:nvPr>
-        </p:nvSpPr>
-        <p:spPr/>
-        <p:txBody>
-          <a:bodyPr/>
-          <a:lstStyle/>
-          <a:p>
-            <a:r>
-              <a:rPr lang="en-US"/>
-              <a:t>Getting information</a:t>
-            </a:r>
-          </a:p>
-          <a:p>
-            <a:pPr lvl="1"/>
-            <a:r>
-              <a:rPr lang="en-US"/>
-              <a:t>git help</a:t>
-            </a:r>
-          </a:p>
-          <a:p>
-            <a:pPr lvl="1"/>
-            <a:r>
-              <a:rPr lang="en-US"/>
-              <a:t>git status</a:t>
-            </a:r>
-          </a:p>
-          <a:p>
-            <a:pPr lvl="1"/>
-            <a:r>
-              <a:rPr lang="en-US"/>
-              <a:t>git diff</a:t>
-            </a:r>
-          </a:p>
-          <a:p>
-            <a:pPr lvl="1"/>
-            <a:r>
-              <a:rPr lang="en-US"/>
-              <a:t>git log</a:t>
-            </a:r>
-          </a:p>
-          <a:p>
-            <a:pPr lvl="1"/>
-            <a:r>
-              <a:rPr lang="en-US"/>
-              <a:t>git show</a:t>
-            </a:r>
+              <a:rPr lang="en-US" dirty="0" err="1" smtClean="0"/>
+              <a:t>Datei</a:t>
+            </a:r>
+            <a:r>
+              <a:rPr lang="en-US" dirty="0" smtClean="0"/>
+              <a:t> </a:t>
+            </a:r>
+            <a:r>
+              <a:rPr lang="en-US" dirty="0" err="1" smtClean="0"/>
+              <a:t>mit</a:t>
+            </a:r>
+            <a:r>
+              <a:rPr lang="en-US" dirty="0" smtClean="0"/>
+              <a:t> </a:t>
+            </a:r>
+            <a:r>
+              <a:rPr lang="en-US" dirty="0" err="1" smtClean="0"/>
+              <a:t>Dateiausschlussfiltern</a:t>
+            </a:r>
+            <a:endParaRPr lang="en-US" dirty="0"/>
           </a:p>
         </p:txBody>
       </p:sp>
@@ -7170,7 +7471,7 @@
       </p:grpSpPr>
       <p:sp>
         <p:nvSpPr>
-          <p:cNvPr id="35842" name="Rectangle 2"/>
+          <p:cNvPr id="19458" name="Rectangle 2"/>
           <p:cNvSpPr>
             <a:spLocks noGrp="1" noChangeArrowheads="1"/>
           </p:cNvSpPr>
@@ -7184,15 +7485,32 @@
           <a:lstStyle/>
           <a:p>
             <a:r>
-              <a:rPr lang="en-US"/>
-              <a:t>Our First Git Repository</a:t>
-            </a:r>
-          </a:p>
-        </p:txBody>
-      </p:sp>
-      <p:sp>
-        <p:nvSpPr>
-          <p:cNvPr id="35846" name="Rectangle 6"/>
+              <a:rPr lang="en-US" dirty="0" err="1"/>
+              <a:t>Git</a:t>
+            </a:r>
+            <a:r>
+              <a:rPr lang="en-US" dirty="0"/>
+              <a:t> </a:t>
+            </a:r>
+            <a:r>
+              <a:rPr lang="en-US" dirty="0" smtClean="0"/>
+              <a:t>Architecture (.</a:t>
+            </a:r>
+            <a:r>
+              <a:rPr lang="en-US" dirty="0" err="1" smtClean="0"/>
+              <a:t>git</a:t>
+            </a:r>
+            <a:r>
+              <a:rPr lang="en-US" dirty="0" smtClean="0"/>
+              <a:t>-Folder)</a:t>
+            </a:r>
+            <a:endParaRPr lang="en-US" dirty="0"/>
+          </a:p>
+        </p:txBody>
+      </p:sp>
+      <p:sp>
+        <p:nvSpPr>
+          <p:cNvPr id="19459" name="Rectangle 3"/>
           <p:cNvSpPr>
             <a:spLocks noGrp="1" noChangeArrowheads="1"/>
           </p:cNvSpPr>
@@ -7202,7 +7520,9 @@
         </p:nvSpPr>
         <p:spPr/>
         <p:txBody>
-          <a:bodyPr/>
+          <a:bodyPr>
+            <a:noAutofit/>
+          </a:bodyPr>
           <a:lstStyle/>
           <a:p>
             <a:pPr>
@@ -7211,23 +7531,10 @@
               </a:lnSpc>
             </a:pPr>
             <a:r>
-              <a:rPr lang="en-US" sz="2800" i="1" dirty="0" err="1" smtClean="0">
-                <a:latin typeface="Courier" pitchFamily="-32" charset="0"/>
-              </a:rPr>
-              <a:t>git</a:t>
-            </a:r>
-            <a:r>
-              <a:rPr lang="en-US" sz="2800" i="1" dirty="0" smtClean="0">
-                <a:latin typeface="Courier" pitchFamily="-32" charset="0"/>
-              </a:rPr>
-              <a:t> </a:t>
-            </a:r>
-            <a:r>
-              <a:rPr lang="en-US" sz="2800" i="1" dirty="0">
-                <a:latin typeface="Courier" pitchFamily="-32" charset="0"/>
-              </a:rPr>
-              <a:t>init</a:t>
-            </a:r>
+              <a:rPr lang="en-US" dirty="0" smtClean="0"/>
+              <a:t>Index</a:t>
+            </a:r>
+            <a:endParaRPr lang="en-US" dirty="0"/>
           </a:p>
           <a:p>
             <a:pPr lvl="1">
@@ -7237,15 +7544,7 @@
             </a:pPr>
             <a:r>
               <a:rPr lang="en-US" sz="2400" dirty="0" err="1" smtClean="0"/>
-              <a:t>Initialisiert</a:t>
-            </a:r>
-            <a:r>
-              <a:rPr lang="en-US" sz="2400" dirty="0" smtClean="0"/>
-              <a:t> das .</a:t>
-            </a:r>
-            <a:r>
-              <a:rPr lang="en-US" sz="2400" dirty="0" err="1" smtClean="0"/>
-              <a:t>git</a:t>
+              <a:t>Speichert</a:t>
             </a:r>
             <a:r>
               <a:rPr lang="en-US" sz="2400" dirty="0" smtClean="0"/>
@@ -7253,7 +7552,47 @@
             </a:r>
             <a:r>
               <a:rPr lang="en-US" sz="2400" dirty="0" err="1" smtClean="0"/>
-              <a:t>Verzeichnis</a:t>
+              <a:t>Informationen</a:t>
+            </a:r>
+            <a:r>
+              <a:rPr lang="en-US" sz="2400" dirty="0" smtClean="0"/>
+              <a:t> </a:t>
+            </a:r>
+            <a:r>
+              <a:rPr lang="en-US" sz="2400" dirty="0" err="1" smtClean="0"/>
+              <a:t>über</a:t>
+            </a:r>
+            <a:r>
+              <a:rPr lang="en-US" sz="2400" dirty="0" smtClean="0"/>
+              <a:t> die </a:t>
+            </a:r>
+            <a:r>
+              <a:rPr lang="en-US" sz="2400" dirty="0" err="1" smtClean="0"/>
+              <a:t>aktuelle</a:t>
+            </a:r>
+            <a:r>
+              <a:rPr lang="en-US" sz="2400" dirty="0" smtClean="0"/>
+              <a:t> </a:t>
+            </a:r>
+            <a:r>
+              <a:rPr lang="en-US" sz="2400" dirty="0" err="1" smtClean="0"/>
+              <a:t>Arbeitskopie</a:t>
+            </a:r>
+            <a:r>
+              <a:rPr lang="en-US" sz="2400" dirty="0" smtClean="0"/>
+              <a:t> und </a:t>
+            </a:r>
+            <a:r>
+              <a:rPr lang="en-US" sz="2400" dirty="0" err="1" smtClean="0"/>
+              <a:t>deren</a:t>
+            </a:r>
+            <a:r>
+              <a:rPr lang="en-US" sz="2400" dirty="0" smtClean="0"/>
+              <a:t> </a:t>
+            </a:r>
+            <a:r>
+              <a:rPr lang="en-US" sz="2400" dirty="0" err="1" smtClean="0"/>
+              <a:t>Änderungen</a:t>
             </a:r>
             <a:endParaRPr lang="en-US" sz="2400" dirty="0" smtClean="0"/>
           </a:p>
@@ -7264,20 +7603,12 @@
               </a:lnSpc>
             </a:pPr>
             <a:r>
-              <a:rPr lang="en-US" dirty="0" err="1" smtClean="0"/>
-              <a:t>git</a:t>
-            </a:r>
-            <a:r>
               <a:rPr lang="en-US" dirty="0" smtClean="0"/>
-              <a:t> clone [</a:t>
-            </a:r>
-            <a:r>
-              <a:rPr lang="en-US" dirty="0" err="1" smtClean="0"/>
-              <a:t>url</a:t>
-            </a:r>
-            <a:r>
-              <a:rPr lang="en-US" dirty="0" smtClean="0"/>
-              <a:t>] </a:t>
+              <a:t>Object </a:t>
+            </a:r>
+            <a:r>
+              <a:rPr lang="en-US" dirty="0"/>
+              <a:t>Database</a:t>
             </a:r>
           </a:p>
           <a:p>
@@ -7287,54 +7618,80 @@
               </a:lnSpc>
             </a:pPr>
             <a:r>
-              <a:rPr lang="en-US" dirty="0" err="1" smtClean="0"/>
-              <a:t>Kopie</a:t>
-            </a:r>
-            <a:r>
-              <a:rPr lang="en-US" dirty="0" smtClean="0"/>
-              <a:t> </a:t>
-            </a:r>
-            <a:r>
-              <a:rPr lang="en-US" dirty="0" err="1" smtClean="0"/>
-              <a:t>eines</a:t>
-            </a:r>
-            <a:r>
-              <a:rPr lang="en-US" dirty="0" smtClean="0"/>
-              <a:t> Repository</a:t>
-            </a:r>
-            <a:endParaRPr lang="en-US" dirty="0"/>
-          </a:p>
-          <a:p>
-            <a:pPr>
+              <a:rPr lang="en-US" sz="2400" dirty="0"/>
+              <a:t>Blobs (files)</a:t>
+            </a:r>
+          </a:p>
+          <a:p>
+            <a:pPr lvl="2">
               <a:lnSpc>
                 <a:spcPct val="90000"/>
               </a:lnSpc>
             </a:pPr>
             <a:r>
-              <a:rPr lang="en-US" sz="2800" i="1" dirty="0">
-                <a:latin typeface="Courier" pitchFamily="-32" charset="0"/>
-              </a:rPr>
-              <a:t>echo “Hello World” &gt; hello.txt</a:t>
-            </a:r>
-          </a:p>
-          <a:p>
-            <a:pPr>
+              <a:rPr lang="en-US" sz="2000" dirty="0" err="1" smtClean="0"/>
+              <a:t>Zu</a:t>
+            </a:r>
+            <a:r>
+              <a:rPr lang="en-US" sz="2000" dirty="0" smtClean="0"/>
+              <a:t> </a:t>
+            </a:r>
+            <a:r>
+              <a:rPr lang="en-US" sz="2000" dirty="0" err="1"/>
+              <a:t>f</a:t>
+            </a:r>
+            <a:r>
+              <a:rPr lang="en-US" sz="2000" dirty="0" err="1" smtClean="0"/>
+              <a:t>inden</a:t>
+            </a:r>
+            <a:r>
+              <a:rPr lang="en-US" sz="2000" dirty="0" smtClean="0"/>
+              <a:t> </a:t>
+            </a:r>
+            <a:r>
+              <a:rPr lang="en-US" sz="2000" dirty="0" smtClean="0"/>
+              <a:t>in </a:t>
+            </a:r>
+            <a:r>
+              <a:rPr lang="en-US" sz="2000" dirty="0"/>
+              <a:t>.</a:t>
+            </a:r>
+            <a:r>
+              <a:rPr lang="en-US" sz="2000" dirty="0" err="1"/>
+              <a:t>git</a:t>
+            </a:r>
+            <a:r>
+              <a:rPr lang="en-US" sz="2000" dirty="0"/>
+              <a:t>/objects</a:t>
+            </a:r>
+          </a:p>
+          <a:p>
+            <a:pPr lvl="2">
               <a:lnSpc>
                 <a:spcPct val="90000"/>
               </a:lnSpc>
             </a:pPr>
             <a:r>
-              <a:rPr lang="en-US" sz="2800" i="1" dirty="0" err="1">
-                <a:latin typeface="Courier" pitchFamily="-32" charset="0"/>
-              </a:rPr>
-              <a:t>git</a:t>
-            </a:r>
-            <a:r>
-              <a:rPr lang="en-US" sz="2800" i="1" dirty="0">
-                <a:latin typeface="Courier" pitchFamily="-32" charset="0"/>
-              </a:rPr>
-              <a:t> add .</a:t>
-            </a:r>
+              <a:rPr lang="en-US" sz="2000" dirty="0" err="1" smtClean="0"/>
+              <a:t>Indiziert</a:t>
+            </a:r>
+            <a:r>
+              <a:rPr lang="en-US" sz="2000" dirty="0" smtClean="0"/>
+              <a:t> </a:t>
+            </a:r>
+            <a:r>
+              <a:rPr lang="en-US" sz="2000" dirty="0" err="1" smtClean="0"/>
+              <a:t>über</a:t>
+            </a:r>
+            <a:r>
+              <a:rPr lang="en-US" sz="2000" dirty="0" smtClean="0"/>
+              <a:t> SHA1 </a:t>
+            </a:r>
+            <a:r>
+              <a:rPr lang="en-US" sz="2000" dirty="0" smtClean="0"/>
+              <a:t>Hash</a:t>
+            </a:r>
+            <a:endParaRPr lang="en-US" sz="2000" dirty="0" smtClean="0"/>
           </a:p>
           <a:p>
             <a:pPr lvl="1">
@@ -7343,78 +7700,126 @@
               </a:lnSpc>
             </a:pPr>
             <a:r>
-              <a:rPr lang="en-US" sz="2400" dirty="0" err="1" smtClean="0"/>
-              <a:t>Fügt</a:t>
-            </a:r>
-            <a:r>
               <a:rPr lang="en-US" sz="2400" dirty="0" smtClean="0"/>
-              <a:t> </a:t>
-            </a:r>
-            <a:r>
-              <a:rPr lang="en-US" sz="2400" dirty="0" err="1" smtClean="0"/>
-              <a:t>alle</a:t>
-            </a:r>
-            <a:r>
-              <a:rPr lang="en-US" sz="2400" dirty="0" smtClean="0"/>
-              <a:t> </a:t>
-            </a:r>
-            <a:r>
-              <a:rPr lang="en-US" sz="2400" dirty="0" err="1" smtClean="0"/>
-              <a:t>Dateien</a:t>
-            </a:r>
-            <a:r>
-              <a:rPr lang="en-US" sz="2400" dirty="0" smtClean="0"/>
-              <a:t> </a:t>
-            </a:r>
-            <a:r>
-              <a:rPr lang="en-US" sz="2400" dirty="0" err="1" smtClean="0"/>
-              <a:t>zum</a:t>
-            </a:r>
-            <a:r>
-              <a:rPr lang="en-US" sz="2400" dirty="0" smtClean="0"/>
-              <a:t> Index </a:t>
-            </a:r>
-            <a:r>
-              <a:rPr lang="en-US" sz="2400" dirty="0" err="1" smtClean="0"/>
-              <a:t>hinzu</a:t>
-            </a:r>
-            <a:r>
-              <a:rPr lang="en-US" sz="2400" dirty="0" smtClean="0"/>
-              <a:t> (“</a:t>
-            </a:r>
-            <a:r>
-              <a:rPr lang="en-US" sz="2400" dirty="0" err="1" smtClean="0"/>
-              <a:t>Stagin</a:t>
-            </a:r>
-            <a:r>
-              <a:rPr lang="en-US" sz="2400" dirty="0" smtClean="0"/>
-              <a:t>”)</a:t>
-            </a:r>
-            <a:endParaRPr lang="en-US" sz="2400" dirty="0"/>
-          </a:p>
-          <a:p>
-            <a:pPr>
+              <a:t>Trees </a:t>
+            </a:r>
+            <a:r>
+              <a:rPr lang="en-US" sz="2400" dirty="0"/>
+              <a:t>(directories)</a:t>
+            </a:r>
+          </a:p>
+          <a:p>
+            <a:pPr lvl="1">
               <a:lnSpc>
                 <a:spcPct val="90000"/>
               </a:lnSpc>
             </a:pPr>
             <a:r>
-              <a:rPr lang="en-US" sz="2800" i="1" dirty="0" err="1" smtClean="0">
-                <a:latin typeface="Courier" pitchFamily="-32" charset="0"/>
-              </a:rPr>
-              <a:t>git</a:t>
-            </a:r>
-            <a:r>
-              <a:rPr lang="en-US" sz="2800" i="1" dirty="0" smtClean="0">
-                <a:latin typeface="Courier" pitchFamily="-32" charset="0"/>
-              </a:rPr>
-              <a:t> commit </a:t>
-            </a:r>
-            <a:r>
-              <a:rPr lang="en-US" sz="2800" i="1" dirty="0">
-                <a:latin typeface="Courier" pitchFamily="-32" charset="0"/>
-              </a:rPr>
-              <a:t>-m ‘Check in number one’</a:t>
+              <a:rPr lang="en-US" sz="2400" dirty="0"/>
+              <a:t>Commits</a:t>
+            </a:r>
+          </a:p>
+          <a:p>
+            <a:pPr lvl="2">
+              <a:lnSpc>
+                <a:spcPct val="90000"/>
+              </a:lnSpc>
+            </a:pPr>
+            <a:r>
+              <a:rPr lang="en-US" sz="2000" dirty="0" err="1" smtClean="0"/>
+              <a:t>Ein</a:t>
+            </a:r>
+            <a:r>
+              <a:rPr lang="en-US" sz="2000" dirty="0" smtClean="0"/>
+              <a:t> </a:t>
+            </a:r>
+            <a:r>
+              <a:rPr lang="en-US" sz="2000" dirty="0" err="1" smtClean="0"/>
+              <a:t>Objekt</a:t>
+            </a:r>
+            <a:r>
+              <a:rPr lang="en-US" sz="2000" dirty="0" smtClean="0"/>
+              <a:t> pro </a:t>
+            </a:r>
+            <a:r>
+              <a:rPr lang="en-US" sz="2000" dirty="0" smtClean="0"/>
+              <a:t>Commit</a:t>
+            </a:r>
+            <a:endParaRPr lang="en-US" sz="2000" dirty="0"/>
+          </a:p>
+          <a:p>
+            <a:pPr lvl="2">
+              <a:lnSpc>
+                <a:spcPct val="90000"/>
+              </a:lnSpc>
+            </a:pPr>
+            <a:r>
+              <a:rPr lang="en-US" sz="2000" dirty="0" err="1" smtClean="0"/>
+              <a:t>Enthält</a:t>
+            </a:r>
+            <a:r>
+              <a:rPr lang="en-US" sz="2000" dirty="0" smtClean="0"/>
+              <a:t> </a:t>
+            </a:r>
+            <a:r>
+              <a:rPr lang="en-US" sz="2000" dirty="0" smtClean="0"/>
+              <a:t>Hash </a:t>
+            </a:r>
+            <a:r>
+              <a:rPr lang="en-US" sz="2000" dirty="0" smtClean="0"/>
+              <a:t>von </a:t>
+            </a:r>
+            <a:r>
+              <a:rPr lang="en-US" sz="2000" dirty="0"/>
+              <a:t>P</a:t>
+            </a:r>
+            <a:r>
+              <a:rPr lang="en-US" sz="2000" dirty="0" smtClean="0"/>
+              <a:t>arent</a:t>
+            </a:r>
+            <a:r>
+              <a:rPr lang="en-US" sz="2000" dirty="0" smtClean="0"/>
+              <a:t>, </a:t>
+            </a:r>
+            <a:r>
+              <a:rPr lang="en-US" sz="2000" dirty="0" err="1" smtClean="0"/>
+              <a:t>Autor</a:t>
+            </a:r>
+            <a:r>
+              <a:rPr lang="en-US" sz="2000" dirty="0"/>
+              <a:t>, </a:t>
+            </a:r>
+            <a:r>
+              <a:rPr lang="en-US" sz="2000" dirty="0" err="1" smtClean="0"/>
+              <a:t>Zeit</a:t>
+            </a:r>
+            <a:r>
+              <a:rPr lang="en-US" sz="2000" dirty="0" smtClean="0"/>
+              <a:t> und </a:t>
+            </a:r>
+            <a:r>
+              <a:rPr lang="en-US" sz="2000" dirty="0" smtClean="0"/>
+              <a:t>Hash </a:t>
+            </a:r>
+            <a:r>
+              <a:rPr lang="en-US" sz="2000" dirty="0" smtClean="0"/>
+              <a:t>des </a:t>
+            </a:r>
+            <a:r>
+              <a:rPr lang="en-US" sz="2000" dirty="0" err="1" smtClean="0"/>
+              <a:t>Verzeichnisses</a:t>
+            </a:r>
+            <a:endParaRPr lang="en-US" sz="2000" dirty="0"/>
+          </a:p>
+          <a:p>
+            <a:pPr lvl="1">
+              <a:lnSpc>
+                <a:spcPct val="90000"/>
+              </a:lnSpc>
+            </a:pPr>
+            <a:r>
+              <a:rPr lang="en-US" sz="2400" dirty="0"/>
+              <a:t>Tags</a:t>
             </a:r>
           </a:p>
         </p:txBody>
@@ -7453,7 +7858,7 @@
       </p:grpSpPr>
       <p:sp>
         <p:nvSpPr>
-          <p:cNvPr id="29698" name="Rectangle 2"/>
+          <p:cNvPr id="35842" name="Rectangle 2"/>
           <p:cNvSpPr>
             <a:spLocks noGrp="1" noChangeArrowheads="1"/>
           </p:cNvSpPr>
@@ -7468,14 +7873,14 @@
           <a:p>
             <a:r>
               <a:rPr lang="en-US"/>
-              <a:t>Key Git Files/Directories</a:t>
-            </a:r>
-          </a:p>
-        </p:txBody>
-      </p:sp>
-      <p:sp>
-        <p:nvSpPr>
-          <p:cNvPr id="29699" name="Rectangle 3"/>
+              <a:t>Our First Git Repository</a:t>
+            </a:r>
+          </a:p>
+        </p:txBody>
+      </p:sp>
+      <p:sp>
+        <p:nvSpPr>
+          <p:cNvPr id="35846" name="Rectangle 6"/>
           <p:cNvSpPr>
             <a:spLocks noGrp="1" noChangeArrowheads="1"/>
           </p:cNvSpPr>
@@ -7488,48 +7893,90 @@
           <a:bodyPr/>
           <a:lstStyle/>
           <a:p>
-            <a:r>
-              <a:rPr lang="en-US" dirty="0"/>
-              <a:t>~/.</a:t>
-            </a:r>
-            <a:r>
-              <a:rPr lang="en-US" dirty="0" err="1"/>
-              <a:t>gitconfig</a:t>
-            </a:r>
-            <a:endParaRPr lang="en-US" dirty="0"/>
-          </a:p>
-          <a:p>
-            <a:r>
-              <a:rPr lang="en-US" dirty="0"/>
-              <a:t>.</a:t>
-            </a:r>
-            <a:r>
-              <a:rPr lang="en-US" dirty="0" err="1"/>
+            <a:pPr>
+              <a:lnSpc>
+                <a:spcPct val="90000"/>
+              </a:lnSpc>
+            </a:pPr>
+            <a:r>
+              <a:rPr lang="en-US" sz="2800" i="1" dirty="0" err="1" smtClean="0">
+                <a:latin typeface="Courier" pitchFamily="-32" charset="0"/>
+              </a:rPr>
               <a:t>git</a:t>
             </a:r>
-            <a:endParaRPr lang="en-US" dirty="0"/>
-          </a:p>
-          <a:p>
-            <a:pPr lvl="1"/>
+            <a:r>
+              <a:rPr lang="en-US" sz="2800" i="1" dirty="0" smtClean="0">
+                <a:latin typeface="Courier" pitchFamily="-32" charset="0"/>
+              </a:rPr>
+              <a:t> </a:t>
+            </a:r>
+            <a:r>
+              <a:rPr lang="en-US" sz="2800" i="1" dirty="0">
+                <a:latin typeface="Courier" pitchFamily="-32" charset="0"/>
+              </a:rPr>
+              <a:t>init</a:t>
+            </a:r>
+          </a:p>
+          <a:p>
+            <a:pPr lvl="1">
+              <a:lnSpc>
+                <a:spcPct val="90000"/>
+              </a:lnSpc>
+            </a:pPr>
+            <a:r>
+              <a:rPr lang="en-US" sz="2400" dirty="0" err="1" smtClean="0"/>
+              <a:t>Initialisiert</a:t>
+            </a:r>
+            <a:r>
+              <a:rPr lang="en-US" sz="2400" dirty="0" smtClean="0"/>
+              <a:t> das .</a:t>
+            </a:r>
+            <a:r>
+              <a:rPr lang="en-US" sz="2400" dirty="0" err="1" smtClean="0"/>
+              <a:t>git</a:t>
+            </a:r>
+            <a:r>
+              <a:rPr lang="en-US" sz="2400" dirty="0" smtClean="0"/>
+              <a:t> </a:t>
+            </a:r>
+            <a:r>
+              <a:rPr lang="en-US" sz="2400" dirty="0" err="1" smtClean="0"/>
+              <a:t>Verzeichnis</a:t>
+            </a:r>
+            <a:endParaRPr lang="en-US" sz="2400" dirty="0" smtClean="0"/>
+          </a:p>
+          <a:p>
+            <a:pPr>
+              <a:lnSpc>
+                <a:spcPct val="90000"/>
+              </a:lnSpc>
+            </a:pPr>
             <a:r>
               <a:rPr lang="en-US" dirty="0" err="1" smtClean="0"/>
-              <a:t>Im</a:t>
+              <a:t>git</a:t>
             </a:r>
             <a:r>
               <a:rPr lang="en-US" dirty="0" smtClean="0"/>
-              <a:t> Top-Level-</a:t>
+              <a:t> clone [</a:t>
             </a:r>
             <a:r>
               <a:rPr lang="en-US" dirty="0" err="1" smtClean="0"/>
-              <a:t>Verzeichnis</a:t>
-            </a:r>
-            <a:endParaRPr lang="en-US" dirty="0"/>
-          </a:p>
-          <a:p>
-            <a:pPr lvl="1"/>
+              <a:t>url</a:t>
+            </a:r>
+            <a:r>
+              <a:rPr lang="en-US" dirty="0" smtClean="0"/>
+              <a:t>] </a:t>
+            </a:r>
+          </a:p>
+          <a:p>
+            <a:pPr lvl="1">
+              <a:lnSpc>
+                <a:spcPct val="90000"/>
+              </a:lnSpc>
+            </a:pPr>
             <a:r>
               <a:rPr lang="en-US" dirty="0" err="1" smtClean="0"/>
-              <a:t>Enthält</a:t>
+              <a:t>Kopie</a:t>
             </a:r>
             <a:r>
               <a:rPr lang="en-US" dirty="0" smtClean="0"/>
@@ -7537,88 +7984,122 @@
             </a:r>
             <a:r>
               <a:rPr lang="en-US" dirty="0" err="1" smtClean="0"/>
+              <a:t>eines</a:t>
+            </a:r>
+            <a:r>
+              <a:rPr lang="en-US" dirty="0" smtClean="0"/>
+              <a:t> Repository</a:t>
+            </a:r>
+            <a:endParaRPr lang="en-US" dirty="0"/>
+          </a:p>
+          <a:p>
+            <a:pPr>
+              <a:lnSpc>
+                <a:spcPct val="90000"/>
+              </a:lnSpc>
+            </a:pPr>
+            <a:r>
+              <a:rPr lang="en-US" sz="2800" i="1" dirty="0">
+                <a:latin typeface="Courier" pitchFamily="-32" charset="0"/>
+              </a:rPr>
+              <a:t>echo “Hello World” &gt; hello.txt</a:t>
+            </a:r>
+          </a:p>
+          <a:p>
+            <a:pPr>
+              <a:lnSpc>
+                <a:spcPct val="90000"/>
+              </a:lnSpc>
+            </a:pPr>
+            <a:r>
+              <a:rPr lang="en-US" sz="2800" i="1" dirty="0" err="1">
+                <a:latin typeface="Courier" pitchFamily="-32" charset="0"/>
+              </a:rPr>
+              <a:t>git</a:t>
+            </a:r>
+            <a:r>
+              <a:rPr lang="en-US" sz="2800" i="1" dirty="0">
+                <a:latin typeface="Courier" pitchFamily="-32" charset="0"/>
+              </a:rPr>
+              <a:t> add .</a:t>
+            </a:r>
+          </a:p>
+          <a:p>
+            <a:pPr lvl="1">
+              <a:lnSpc>
+                <a:spcPct val="90000"/>
+              </a:lnSpc>
+            </a:pPr>
+            <a:r>
+              <a:rPr lang="en-US" sz="2400" dirty="0" err="1" smtClean="0"/>
+              <a:t>Fügt</a:t>
+            </a:r>
+            <a:r>
+              <a:rPr lang="en-US" sz="2400" dirty="0" smtClean="0"/>
+              <a:t> </a:t>
+            </a:r>
+            <a:r>
+              <a:rPr lang="en-US" sz="2400" dirty="0" err="1" smtClean="0"/>
               <a:t>alle</a:t>
             </a:r>
             <a:r>
-              <a:rPr lang="en-US" dirty="0" smtClean="0"/>
+              <a:rPr lang="en-US" sz="2400" dirty="0" smtClean="0"/>
               <a:t> </a:t>
             </a:r>
             <a:r>
-              <a:rPr lang="en-US" dirty="0" err="1" smtClean="0"/>
-              <a:t>Objekte</a:t>
-            </a:r>
-            <a:r>
-              <a:rPr lang="en-US" dirty="0" smtClean="0"/>
-              <a:t>, </a:t>
-            </a:r>
-            <a:r>
-              <a:rPr lang="en-US" dirty="0"/>
-              <a:t>C</a:t>
-            </a:r>
-            <a:r>
-              <a:rPr lang="en-US" dirty="0" smtClean="0"/>
-              <a:t>ommits</a:t>
-            </a:r>
-            <a:r>
-              <a:rPr lang="en-US" dirty="0"/>
-              <a:t>, </a:t>
-            </a:r>
-            <a:r>
-              <a:rPr lang="en-US" dirty="0" err="1" smtClean="0"/>
-              <a:t>Konfigurationen</a:t>
-            </a:r>
-            <a:r>
-              <a:rPr lang="en-US" dirty="0" smtClean="0"/>
+              <a:rPr lang="en-US" sz="2400" dirty="0" err="1" smtClean="0"/>
+              <a:t>Dateien</a:t>
+            </a:r>
+            <a:r>
+              <a:rPr lang="en-US" sz="2400" dirty="0" smtClean="0"/>
               <a:t> </a:t>
             </a:r>
             <a:r>
-              <a:rPr lang="en-US" dirty="0" err="1" smtClean="0"/>
-              <a:t>für</a:t>
-            </a:r>
-            <a:r>
-              <a:rPr lang="en-US" dirty="0" smtClean="0"/>
-              <a:t> das </a:t>
-            </a:r>
-            <a:r>
-              <a:rPr lang="en-US" dirty="0" err="1" smtClean="0"/>
-              <a:t>Projekt</a:t>
-            </a:r>
-            <a:endParaRPr lang="en-US" dirty="0" smtClean="0"/>
-          </a:p>
-          <a:p>
-            <a:r>
-              <a:rPr lang="en-US" dirty="0" smtClean="0"/>
-              <a:t>.</a:t>
-            </a:r>
-            <a:r>
-              <a:rPr lang="en-US" dirty="0" err="1"/>
-              <a:t>gitignore</a:t>
-            </a:r>
-            <a:endParaRPr lang="en-US" dirty="0"/>
-          </a:p>
-          <a:p>
-            <a:pPr lvl="1"/>
-            <a:r>
-              <a:rPr lang="en-US" dirty="0" err="1" smtClean="0"/>
-              <a:t>Datei</a:t>
-            </a:r>
-            <a:r>
-              <a:rPr lang="en-US" dirty="0" smtClean="0"/>
-              <a:t> </a:t>
-            </a:r>
-            <a:r>
-              <a:rPr lang="en-US" dirty="0" err="1" smtClean="0"/>
-              <a:t>mit</a:t>
-            </a:r>
-            <a:r>
-              <a:rPr lang="en-US" dirty="0" smtClean="0"/>
-              <a:t> </a:t>
-            </a:r>
-            <a:r>
-              <a:rPr lang="en-US" dirty="0" err="1" smtClean="0"/>
-              <a:t>Dateiausschlussfiltern</a:t>
-            </a:r>
-            <a:endParaRPr lang="en-US" dirty="0"/>
+              <a:rPr lang="en-US" sz="2400" dirty="0" err="1" smtClean="0"/>
+              <a:t>zum</a:t>
+            </a:r>
+            <a:r>
+              <a:rPr lang="en-US" sz="2400" dirty="0" smtClean="0"/>
+              <a:t> Index </a:t>
+            </a:r>
+            <a:r>
+              <a:rPr lang="en-US" sz="2400" dirty="0" err="1" smtClean="0"/>
+              <a:t>hinzu</a:t>
+            </a:r>
+            <a:r>
+              <a:rPr lang="en-US" sz="2400" dirty="0" smtClean="0"/>
+              <a:t> (“</a:t>
+            </a:r>
+            <a:r>
+              <a:rPr lang="en-US" sz="2400" dirty="0" smtClean="0"/>
+              <a:t>Staging”)</a:t>
+            </a:r>
+            <a:endParaRPr lang="en-US" sz="2400" dirty="0"/>
+          </a:p>
+          <a:p>
+            <a:pPr>
+              <a:lnSpc>
+                <a:spcPct val="90000"/>
+              </a:lnSpc>
+            </a:pPr>
+            <a:r>
+              <a:rPr lang="en-US" sz="2800" i="1" dirty="0" err="1" smtClean="0">
+                <a:latin typeface="Courier" pitchFamily="-32" charset="0"/>
+              </a:rPr>
+              <a:t>git</a:t>
+            </a:r>
+            <a:r>
+              <a:rPr lang="en-US" sz="2800" i="1" dirty="0" smtClean="0">
+                <a:latin typeface="Courier" pitchFamily="-32" charset="0"/>
+              </a:rPr>
+              <a:t> commit </a:t>
+            </a:r>
+            <a:r>
+              <a:rPr lang="en-US" sz="2800" i="1" dirty="0">
+                <a:latin typeface="Courier" pitchFamily="-32" charset="0"/>
+              </a:rPr>
+              <a:t>-m ‘Check in number one’</a:t>
+            </a:r>
           </a:p>
         </p:txBody>
       </p:sp>
@@ -8001,16 +8482,28 @@
               </a:lnSpc>
             </a:pPr>
             <a:r>
-              <a:rPr lang="en-US" sz="2400" i="1" dirty="0" err="1">
+              <a:rPr lang="en-US" sz="2400" i="1" dirty="0" err="1" smtClean="0">
                 <a:latin typeface="Courier" pitchFamily="-32" charset="0"/>
               </a:rPr>
               <a:t>git</a:t>
             </a:r>
             <a:r>
+              <a:rPr lang="en-US" sz="2400" i="1" dirty="0" smtClean="0">
+                <a:latin typeface="Courier" pitchFamily="-32" charset="0"/>
+              </a:rPr>
+              <a:t> </a:t>
+            </a:r>
+            <a:r>
               <a:rPr lang="en-US" sz="2400" i="1" dirty="0">
                 <a:latin typeface="Courier" pitchFamily="-32" charset="0"/>
               </a:rPr>
-              <a:t> status</a:t>
+              <a:t>commit -m ‘Second commit</a:t>
+            </a:r>
+            <a:r>
+              <a:rPr lang="en-US" sz="2400" i="1" dirty="0" smtClean="0">
+                <a:latin typeface="Courier" pitchFamily="-32" charset="0"/>
+              </a:rPr>
+              <a:t>’</a:t>
             </a:r>
           </a:p>
           <a:p>
@@ -8020,16 +8513,16 @@
               </a:lnSpc>
             </a:pPr>
             <a:r>
-              <a:rPr lang="en-US" sz="2400" i="1" dirty="0" err="1">
+              <a:rPr lang="en-US" sz="2400" i="1" dirty="0" err="1" smtClean="0">
                 <a:latin typeface="Courier" pitchFamily="-32" charset="0"/>
               </a:rPr>
               <a:t>git</a:t>
             </a:r>
             <a:r>
-              <a:rPr lang="en-US" sz="2400" i="1" dirty="0">
+              <a:rPr lang="en-US" sz="2400" i="1" dirty="0" smtClean="0">
                 <a:latin typeface="Courier" pitchFamily="-32" charset="0"/>
               </a:rPr>
-              <a:t> commit -m ‘Second commit’</a:t>
+              <a:t> log</a:t>
             </a:r>
             <a:endParaRPr lang="en-US" sz="2400" dirty="0"/>
           </a:p>
@@ -8069,7 +8562,7 @@
       </p:grpSpPr>
       <p:sp>
         <p:nvSpPr>
-          <p:cNvPr id="40962" name="Rectangle 2"/>
+          <p:cNvPr id="17410" name="Rectangle 2"/>
           <p:cNvSpPr>
             <a:spLocks noGrp="1" noChangeArrowheads="1"/>
           </p:cNvSpPr>
@@ -8083,15 +8576,16 @@
           <a:lstStyle/>
           <a:p>
             <a:r>
-              <a:rPr lang="en-US" dirty="0"/>
-              <a:t>Viewing What Has Changed</a:t>
-            </a:r>
-          </a:p>
-        </p:txBody>
-      </p:sp>
-      <p:sp>
-        <p:nvSpPr>
-          <p:cNvPr id="40963" name="Rectangle 3"/>
+              <a:rPr lang="en-US" dirty="0" smtClean="0"/>
+              <a:t>Branching &amp; Merging</a:t>
+            </a:r>
+            <a:endParaRPr lang="en-US" dirty="0"/>
+          </a:p>
+        </p:txBody>
+      </p:sp>
+      <p:sp>
+        <p:nvSpPr>
+          <p:cNvPr id="17411" name="Rectangle 3"/>
           <p:cNvSpPr>
             <a:spLocks noGrp="1" noChangeArrowheads="1"/>
           </p:cNvSpPr>
@@ -8102,108 +8596,221 @@
         <p:spPr/>
         <p:txBody>
           <a:bodyPr>
-            <a:normAutofit/>
+            <a:normAutofit fontScale="92500" lnSpcReduction="20000"/>
           </a:bodyPr>
           <a:lstStyle/>
           <a:p>
-            <a:r>
-              <a:rPr lang="en-US" sz="4000" i="1" dirty="0" err="1">
+            <a:pPr>
+              <a:lnSpc>
+                <a:spcPct val="90000"/>
+              </a:lnSpc>
+            </a:pPr>
+            <a:r>
+              <a:rPr lang="en-US" sz="3600" dirty="0" err="1"/>
+              <a:t>Git</a:t>
+            </a:r>
+            <a:r>
+              <a:rPr lang="en-US" sz="3600" dirty="0"/>
+              <a:t> </a:t>
+            </a:r>
+            <a:r>
+              <a:rPr lang="en-US" sz="3600" dirty="0" smtClean="0"/>
+              <a:t>hat </a:t>
+            </a:r>
+            <a:r>
+              <a:rPr lang="en-US" sz="3600" dirty="0" err="1" smtClean="0"/>
+              <a:t>leichtgewichtige</a:t>
+            </a:r>
+            <a:r>
+              <a:rPr lang="en-US" sz="3600" dirty="0" smtClean="0"/>
+              <a:t> Branches</a:t>
+            </a:r>
+          </a:p>
+          <a:p>
+            <a:pPr>
+              <a:lnSpc>
+                <a:spcPct val="90000"/>
+              </a:lnSpc>
+            </a:pPr>
+            <a:r>
+              <a:rPr lang="en-US" sz="3600" dirty="0" err="1" smtClean="0"/>
+              <a:t>Unterscheidung</a:t>
+            </a:r>
+            <a:r>
+              <a:rPr lang="en-US" sz="3600" dirty="0" smtClean="0"/>
+              <a:t> der Branches in </a:t>
+            </a:r>
+            <a:r>
+              <a:rPr lang="en-US" sz="3600" dirty="0"/>
+              <a:t>local </a:t>
+            </a:r>
+            <a:r>
+              <a:rPr lang="en-US" sz="3600" dirty="0" smtClean="0"/>
+              <a:t>und </a:t>
+            </a:r>
+            <a:r>
+              <a:rPr lang="en-US" sz="3600" dirty="0" smtClean="0"/>
+              <a:t>remote</a:t>
+            </a:r>
+          </a:p>
+          <a:p>
+            <a:pPr>
+              <a:lnSpc>
+                <a:spcPct val="90000"/>
+              </a:lnSpc>
+            </a:pPr>
+            <a:r>
+              <a:rPr lang="en-US" sz="3600" i="1" dirty="0" err="1">
                 <a:latin typeface="Courier" pitchFamily="-32" charset="0"/>
               </a:rPr>
               <a:t>git</a:t>
             </a:r>
             <a:r>
-              <a:rPr lang="en-US" sz="4000" i="1" dirty="0">
+              <a:rPr lang="en-US" sz="3600" i="1" dirty="0">
                 <a:latin typeface="Courier" pitchFamily="-32" charset="0"/>
               </a:rPr>
-              <a:t> log</a:t>
-            </a:r>
-            <a:endParaRPr lang="en-US" sz="4000" dirty="0"/>
-          </a:p>
-          <a:p>
-            <a:pPr lvl="1"/>
-            <a:r>
-              <a:rPr lang="en-US" sz="3600" dirty="0" smtClean="0"/>
-              <a:t>Man </a:t>
-            </a:r>
-            <a:r>
-              <a:rPr lang="en-US" sz="3600" dirty="0" err="1" smtClean="0"/>
-              <a:t>beachte</a:t>
-            </a:r>
-            <a:r>
-              <a:rPr lang="en-US" sz="3600" dirty="0" smtClean="0"/>
-              <a:t> den Hash pro Commit.</a:t>
-            </a:r>
-          </a:p>
-          <a:p>
-            <a:r>
-              <a:rPr lang="en-US" sz="4000" i="1" dirty="0" err="1" smtClean="0">
+              <a:t> checkout -b branch</a:t>
+            </a:r>
+          </a:p>
+          <a:p>
+            <a:pPr>
+              <a:lnSpc>
+                <a:spcPct val="90000"/>
+              </a:lnSpc>
+            </a:pPr>
+            <a:r>
+              <a:rPr lang="en-US" sz="3600" i="1" dirty="0" err="1">
                 <a:latin typeface="Courier" pitchFamily="-32" charset="0"/>
               </a:rPr>
               <a:t>git</a:t>
             </a:r>
             <a:r>
-              <a:rPr lang="en-US" sz="4000" i="1" dirty="0" smtClean="0">
+              <a:rPr lang="en-US" sz="3600" i="1" dirty="0">
                 <a:latin typeface="Courier" pitchFamily="-32" charset="0"/>
               </a:rPr>
+              <a:t> branch</a:t>
+            </a:r>
+            <a:endParaRPr lang="en-US" sz="3600" dirty="0"/>
+          </a:p>
+          <a:p>
+            <a:pPr lvl="1">
+              <a:lnSpc>
+                <a:spcPct val="90000"/>
+              </a:lnSpc>
+            </a:pPr>
+            <a:r>
+              <a:rPr lang="en-US" sz="3200" dirty="0" err="1"/>
+              <a:t>Auflisten</a:t>
+            </a:r>
+            <a:r>
+              <a:rPr lang="en-US" sz="3200" dirty="0"/>
               <a:t> </a:t>
             </a:r>
             <a:r>
-              <a:rPr lang="en-US" sz="4000" i="1" dirty="0">
-                <a:latin typeface="Courier" pitchFamily="-32" charset="0"/>
-              </a:rPr>
-              <a:t>show &lt;OBJECT&gt;</a:t>
-            </a:r>
-            <a:endParaRPr lang="en-US" sz="4000" dirty="0"/>
-          </a:p>
-          <a:p>
-            <a:r>
-              <a:rPr lang="en-US" sz="4000" i="1" dirty="0" err="1" smtClean="0">
-                <a:latin typeface="Courier" pitchFamily="-32" charset="0"/>
-              </a:rPr>
+              <a:rPr lang="en-US" sz="3200" dirty="0" err="1"/>
+              <a:t>aller</a:t>
+            </a:r>
+            <a:r>
+              <a:rPr lang="en-US" sz="3200" dirty="0"/>
+              <a:t> Branches</a:t>
+            </a:r>
+          </a:p>
+          <a:p>
+            <a:pPr>
+              <a:lnSpc>
+                <a:spcPct val="90000"/>
+              </a:lnSpc>
+            </a:pPr>
+            <a:r>
+              <a:rPr lang="en-US" sz="3600" dirty="0" err="1"/>
+              <a:t>Änderungen</a:t>
+            </a:r>
+            <a:r>
+              <a:rPr lang="en-US" sz="3600" dirty="0"/>
+              <a:t> </a:t>
+            </a:r>
+            <a:r>
+              <a:rPr lang="en-US" sz="3600" dirty="0" err="1"/>
+              <a:t>können</a:t>
+            </a:r>
+            <a:r>
+              <a:rPr lang="en-US" sz="3600" dirty="0"/>
+              <a:t> in </a:t>
+            </a:r>
+            <a:r>
+              <a:rPr lang="en-US" sz="3600" dirty="0" err="1"/>
+              <a:t>andere</a:t>
+            </a:r>
+            <a:r>
+              <a:rPr lang="en-US" sz="3600" dirty="0"/>
+              <a:t> Branches </a:t>
+            </a:r>
+            <a:r>
+              <a:rPr lang="en-US" sz="3600" dirty="0" err="1"/>
+              <a:t>übernommen</a:t>
+            </a:r>
+            <a:r>
+              <a:rPr lang="en-US" sz="3600" dirty="0"/>
+              <a:t> </a:t>
+            </a:r>
+            <a:r>
+              <a:rPr lang="en-US" sz="3600" dirty="0" err="1"/>
+              <a:t>werden</a:t>
+            </a:r>
+            <a:r>
+              <a:rPr lang="en-US" sz="3600" dirty="0"/>
+              <a:t>:</a:t>
+            </a:r>
+          </a:p>
+          <a:p>
+            <a:pPr lvl="1">
+              <a:lnSpc>
+                <a:spcPct val="90000"/>
+              </a:lnSpc>
+            </a:pPr>
+            <a:r>
+              <a:rPr lang="en-US" sz="3200" dirty="0" err="1"/>
               <a:t>git</a:t>
             </a:r>
             <a:r>
-              <a:rPr lang="en-US" sz="4000" i="1" dirty="0" smtClean="0">
-                <a:latin typeface="Courier" pitchFamily="-32" charset="0"/>
-              </a:rPr>
+              <a:rPr lang="en-US" sz="3200" dirty="0"/>
+              <a:t> merge</a:t>
+            </a:r>
+          </a:p>
+          <a:p>
+            <a:pPr lvl="1">
+              <a:lnSpc>
+                <a:spcPct val="90000"/>
+              </a:lnSpc>
+            </a:pPr>
+            <a:r>
+              <a:rPr lang="en-US" sz="3200" dirty="0" err="1"/>
+              <a:t>git</a:t>
+            </a:r>
+            <a:r>
+              <a:rPr lang="en-US" sz="3200" dirty="0"/>
               <a:t> </a:t>
             </a:r>
             <a:r>
-              <a:rPr lang="en-US" sz="4000" i="1" dirty="0" err="1">
-                <a:latin typeface="Courier" pitchFamily="-32" charset="0"/>
-              </a:rPr>
-              <a:t>reflog</a:t>
-            </a:r>
-            <a:r>
-              <a:rPr lang="en-US" sz="4000" dirty="0"/>
-              <a:t> </a:t>
-            </a:r>
-            <a:endParaRPr lang="en-US" sz="4000" dirty="0" smtClean="0"/>
-          </a:p>
-          <a:p>
-            <a:pPr lvl="1"/>
-            <a:r>
-              <a:rPr lang="en-US" sz="3600" dirty="0" err="1" smtClean="0"/>
-              <a:t>Zeigt</a:t>
-            </a:r>
-            <a:r>
-              <a:rPr lang="en-US" sz="3600" dirty="0" smtClean="0"/>
-              <a:t> </a:t>
-            </a:r>
-            <a:r>
-              <a:rPr lang="en-US" sz="3600" dirty="0" err="1" smtClean="0"/>
-              <a:t>alle</a:t>
-            </a:r>
-            <a:r>
-              <a:rPr lang="en-US" sz="3600" dirty="0" smtClean="0"/>
-              <a:t> </a:t>
-            </a:r>
-            <a:r>
-              <a:rPr lang="en-US" sz="3600" dirty="0" err="1" smtClean="0"/>
-              <a:t>Änderungen</a:t>
-            </a:r>
-            <a:endParaRPr lang="en-US" sz="3600" dirty="0"/>
+              <a:rPr lang="en-US" sz="3200" dirty="0" smtClean="0"/>
+              <a:t>cherry-pick</a:t>
+            </a:r>
+          </a:p>
+          <a:p>
+            <a:pPr lvl="1">
+              <a:lnSpc>
+                <a:spcPct val="90000"/>
+              </a:lnSpc>
+            </a:pPr>
+            <a:r>
+              <a:rPr lang="en-US" sz="3200" dirty="0" err="1" smtClean="0"/>
+              <a:t>git</a:t>
+            </a:r>
+            <a:r>
+              <a:rPr lang="en-US" sz="3200" dirty="0" smtClean="0"/>
+              <a:t> rebase</a:t>
+            </a:r>
+            <a:endParaRPr lang="en-US" sz="3200" dirty="0"/>
           </a:p>
         </p:txBody>
       </p:sp>
@@ -8241,7 +8848,7 @@
       </p:grpSpPr>
       <p:sp>
         <p:nvSpPr>
-          <p:cNvPr id="41986" name="Rectangle 2"/>
+          <p:cNvPr id="59394" name="Rectangle 2"/>
           <p:cNvSpPr>
             <a:spLocks noGrp="1" noChangeArrowheads="1"/>
           </p:cNvSpPr>
@@ -8256,14 +8863,14 @@
           <a:p>
             <a:r>
               <a:rPr lang="en-US"/>
-              <a:t>Git and Patch files</a:t>
-            </a:r>
-          </a:p>
-        </p:txBody>
-      </p:sp>
-      <p:sp>
-        <p:nvSpPr>
-          <p:cNvPr id="41987" name="Rectangle 3"/>
+              <a:t>Git and Tagging</a:t>
+            </a:r>
+          </a:p>
+        </p:txBody>
+      </p:sp>
+      <p:sp>
+        <p:nvSpPr>
+          <p:cNvPr id="59395" name="Rectangle 3"/>
           <p:cNvSpPr>
             <a:spLocks noGrp="1" noChangeArrowheads="1"/>
           </p:cNvSpPr>
@@ -8273,170 +8880,78 @@
         </p:nvSpPr>
         <p:spPr/>
         <p:txBody>
-          <a:bodyPr>
-            <a:normAutofit/>
-          </a:bodyPr>
+          <a:bodyPr/>
           <a:lstStyle/>
           <a:p>
-            <a:pPr>
-              <a:lnSpc>
-                <a:spcPct val="90000"/>
-              </a:lnSpc>
-            </a:pPr>
-            <a:r>
-              <a:rPr lang="en-US" i="1" dirty="0" err="1">
-                <a:latin typeface="Courier" pitchFamily="-32" charset="0"/>
-              </a:rPr>
+            <a:r>
+              <a:rPr lang="en-US" dirty="0"/>
+              <a:t>Tags </a:t>
+            </a:r>
+            <a:r>
+              <a:rPr lang="en-US" dirty="0" err="1" smtClean="0"/>
+              <a:t>sind</a:t>
+            </a:r>
+            <a:r>
+              <a:rPr lang="en-US" dirty="0" smtClean="0"/>
+              <a:t> </a:t>
+            </a:r>
+            <a:r>
+              <a:rPr lang="en-US" dirty="0" err="1" smtClean="0"/>
+              <a:t>nur</a:t>
+            </a:r>
+            <a:r>
+              <a:rPr lang="en-US" dirty="0" smtClean="0"/>
+              <a:t> </a:t>
+            </a:r>
+            <a:r>
+              <a:rPr lang="en-US" dirty="0" err="1" smtClean="0"/>
+              <a:t>besser</a:t>
+            </a:r>
+            <a:r>
+              <a:rPr lang="en-US" dirty="0" smtClean="0"/>
+              <a:t> </a:t>
+            </a:r>
+            <a:r>
+              <a:rPr lang="en-US" dirty="0" err="1" smtClean="0"/>
+              <a:t>lesbare</a:t>
+            </a:r>
+            <a:r>
+              <a:rPr lang="en-US" dirty="0" smtClean="0"/>
+              <a:t> </a:t>
+            </a:r>
+            <a:r>
+              <a:rPr lang="en-US" dirty="0" err="1" smtClean="0"/>
+              <a:t>Namen</a:t>
+            </a:r>
+            <a:r>
+              <a:rPr lang="en-US" dirty="0" smtClean="0"/>
+              <a:t> </a:t>
+            </a:r>
+            <a:r>
+              <a:rPr lang="en-US" dirty="0" err="1" smtClean="0"/>
+              <a:t>für</a:t>
+            </a:r>
+            <a:r>
+              <a:rPr lang="en-US" dirty="0" smtClean="0"/>
+              <a:t> commit hashes</a:t>
+            </a:r>
+            <a:endParaRPr lang="en-US" dirty="0"/>
+          </a:p>
+          <a:p>
+            <a:r>
+              <a:rPr lang="en-US" i="1" dirty="0" err="1" smtClean="0"/>
               <a:t>git</a:t>
             </a:r>
             <a:r>
-              <a:rPr lang="en-US" i="1" dirty="0">
-                <a:latin typeface="Courier" pitchFamily="-32" charset="0"/>
-              </a:rPr>
-              <a:t> diff HEAD^^</a:t>
-            </a:r>
-          </a:p>
-          <a:p>
-            <a:pPr lvl="1">
-              <a:lnSpc>
-                <a:spcPct val="90000"/>
-              </a:lnSpc>
-            </a:pPr>
-            <a:r>
-              <a:rPr lang="en-US" dirty="0" smtClean="0"/>
-              <a:t>Was hat </a:t>
-            </a:r>
-            <a:r>
-              <a:rPr lang="en-US" dirty="0" err="1" smtClean="0"/>
-              <a:t>sich</a:t>
-            </a:r>
-            <a:r>
-              <a:rPr lang="en-US" dirty="0" smtClean="0"/>
-              <a:t> in den </a:t>
-            </a:r>
-            <a:r>
-              <a:rPr lang="en-US" dirty="0" err="1" smtClean="0"/>
-              <a:t>letzten</a:t>
-            </a:r>
-            <a:r>
-              <a:rPr lang="en-US" dirty="0" smtClean="0"/>
-              <a:t> 2 Commits </a:t>
-            </a:r>
-            <a:r>
-              <a:rPr lang="en-US" dirty="0" err="1" smtClean="0"/>
-              <a:t>geändert</a:t>
-            </a:r>
-            <a:r>
-              <a:rPr lang="en-US" dirty="0" smtClean="0"/>
-              <a:t>?</a:t>
-            </a:r>
-            <a:endParaRPr lang="en-US" dirty="0"/>
-          </a:p>
-          <a:p>
-            <a:pPr>
-              <a:lnSpc>
-                <a:spcPct val="90000"/>
-              </a:lnSpc>
-            </a:pPr>
-            <a:r>
-              <a:rPr lang="en-US" i="1" dirty="0" err="1"/>
-              <a:t>git</a:t>
+              <a:rPr lang="en-US" i="1" dirty="0" smtClean="0"/>
+              <a:t> </a:t>
             </a:r>
             <a:r>
               <a:rPr lang="en-US" i="1" dirty="0"/>
-              <a:t> diff HEAD~10..HEAD~2</a:t>
-            </a:r>
-            <a:endParaRPr lang="en-US" dirty="0"/>
-          </a:p>
-          <a:p>
-            <a:pPr>
-              <a:lnSpc>
-                <a:spcPct val="90000"/>
-              </a:lnSpc>
-            </a:pPr>
-            <a:r>
-              <a:rPr lang="en-US" i="1" dirty="0" err="1" smtClean="0">
-                <a:latin typeface="Courier" pitchFamily="-32" charset="0"/>
-              </a:rPr>
-              <a:t>git</a:t>
-            </a:r>
-            <a:r>
-              <a:rPr lang="en-US" i="1" dirty="0" smtClean="0">
-                <a:latin typeface="Courier" pitchFamily="-32" charset="0"/>
-              </a:rPr>
-              <a:t> </a:t>
-            </a:r>
-            <a:r>
-              <a:rPr lang="en-US" i="1" dirty="0">
-                <a:latin typeface="Courier" pitchFamily="-32" charset="0"/>
-              </a:rPr>
-              <a:t>format-patch HEAD^^..HEAD</a:t>
-            </a:r>
-            <a:endParaRPr lang="en-US" dirty="0"/>
-          </a:p>
-          <a:p>
-            <a:pPr lvl="1">
-              <a:lnSpc>
-                <a:spcPct val="90000"/>
-              </a:lnSpc>
-            </a:pPr>
-            <a:r>
-              <a:rPr lang="en-US" dirty="0" err="1" smtClean="0"/>
-              <a:t>Erzeugt</a:t>
-            </a:r>
-            <a:r>
-              <a:rPr lang="en-US" dirty="0" smtClean="0"/>
-              <a:t> patch files</a:t>
-            </a:r>
-            <a:endParaRPr lang="en-US" dirty="0"/>
-          </a:p>
-          <a:p>
-            <a:pPr>
-              <a:lnSpc>
-                <a:spcPct val="90000"/>
-              </a:lnSpc>
-            </a:pPr>
-            <a:r>
-              <a:rPr lang="en-US" i="1" dirty="0" err="1">
-                <a:latin typeface="Courier" pitchFamily="-32" charset="0"/>
-              </a:rPr>
-              <a:t>git</a:t>
-            </a:r>
-            <a:r>
-              <a:rPr lang="en-US" i="1" dirty="0">
-                <a:latin typeface="Courier" pitchFamily="-32" charset="0"/>
-              </a:rPr>
-              <a:t> </a:t>
-            </a:r>
-            <a:r>
-              <a:rPr lang="en-US" i="1" dirty="0" smtClean="0">
-                <a:latin typeface="Courier" pitchFamily="-32" charset="0"/>
-              </a:rPr>
-              <a:t>apply	</a:t>
-            </a:r>
-          </a:p>
-          <a:p>
-            <a:pPr lvl="1">
-              <a:lnSpc>
-                <a:spcPct val="90000"/>
-              </a:lnSpc>
-            </a:pPr>
-            <a:r>
-              <a:rPr lang="en-US" dirty="0" err="1" smtClean="0"/>
-              <a:t>Wendet</a:t>
-            </a:r>
-            <a:r>
-              <a:rPr lang="en-US" dirty="0" smtClean="0"/>
-              <a:t> patches auf den </a:t>
-            </a:r>
-            <a:r>
-              <a:rPr lang="en-US" dirty="0" err="1" smtClean="0"/>
-              <a:t>aktuellen</a:t>
-            </a:r>
-            <a:r>
-              <a:rPr lang="en-US" dirty="0" smtClean="0"/>
-              <a:t> Branch an </a:t>
-            </a:r>
+              <a:t>tag &lt;tag-name&gt;</a:t>
+            </a:r>
+          </a:p>
+          <a:p>
             <a:endParaRPr lang="en-US" dirty="0"/>
           </a:p>
         </p:txBody>
@@ -8517,11 +9032,17 @@
           <a:p>
             <a:r>
               <a:rPr lang="de-DE" sz="3600" dirty="0" smtClean="0"/>
-              <a:t>Probleme mit </a:t>
-            </a:r>
-            <a:r>
-              <a:rPr lang="de-DE" sz="3600" smtClean="0"/>
-              <a:t>zentralisierten Versionskontrollsystemen</a:t>
+              <a:t>Warum machen wir Versionskontrolle?</a:t>
+            </a:r>
+          </a:p>
+          <a:p>
+            <a:r>
+              <a:rPr lang="de-DE" sz="3600" dirty="0" smtClean="0"/>
+              <a:t>Probleme </a:t>
+            </a:r>
+            <a:r>
+              <a:rPr lang="de-DE" sz="3600" dirty="0" smtClean="0"/>
+              <a:t>mit zentralisierten Versionskontrollsystemen</a:t>
             </a:r>
           </a:p>
           <a:p>
@@ -8570,9 +9091,9 @@
       </p:grpSpPr>
       <p:sp>
         <p:nvSpPr>
-          <p:cNvPr id="59394" name="Rectangle 2"/>
-          <p:cNvSpPr>
-            <a:spLocks noGrp="1" noChangeArrowheads="1"/>
+          <p:cNvPr id="2" name="Titel 1"/>
+          <p:cNvSpPr>
+            <a:spLocks noGrp="1"/>
           </p:cNvSpPr>
           <p:nvPr>
             <p:ph type="title"/>
@@ -8584,105 +9105,96 @@
           <a:lstStyle/>
           <a:p>
             <a:r>
-              <a:rPr lang="en-US"/>
-              <a:t>Git and Tagging</a:t>
-            </a:r>
-          </a:p>
-        </p:txBody>
-      </p:sp>
-      <p:sp>
-        <p:nvSpPr>
-          <p:cNvPr id="59395" name="Rectangle 3"/>
-          <p:cNvSpPr>
-            <a:spLocks noGrp="1" noChangeArrowheads="1"/>
-          </p:cNvSpPr>
-          <p:nvPr>
-            <p:ph type="body" idx="1"/>
+              <a:rPr lang="de-DE" dirty="0" err="1" smtClean="0"/>
+              <a:t>Collaboration</a:t>
+            </a:r>
+            <a:endParaRPr lang="de-DE" dirty="0"/>
+          </a:p>
+        </p:txBody>
+      </p:sp>
+      <p:sp>
+        <p:nvSpPr>
+          <p:cNvPr id="3" name="Inhaltsplatzhalter 2"/>
+          <p:cNvSpPr>
+            <a:spLocks noGrp="1"/>
+          </p:cNvSpPr>
+          <p:nvPr>
+            <p:ph idx="1"/>
           </p:nvPr>
         </p:nvSpPr>
         <p:spPr/>
         <p:txBody>
-          <a:bodyPr/>
+          <a:bodyPr>
+            <a:normAutofit/>
+          </a:bodyPr>
           <a:lstStyle/>
           <a:p>
             <a:r>
-              <a:rPr lang="en-US" dirty="0"/>
-              <a:t>Tags </a:t>
-            </a:r>
-            <a:r>
-              <a:rPr lang="en-US" dirty="0" err="1" smtClean="0"/>
-              <a:t>sind</a:t>
-            </a:r>
-            <a:r>
-              <a:rPr lang="en-US" dirty="0" smtClean="0"/>
+              <a:rPr lang="de-DE" sz="5400" dirty="0" err="1" smtClean="0"/>
+              <a:t>git</a:t>
+            </a:r>
+            <a:r>
+              <a:rPr lang="de-DE" sz="5400" dirty="0" smtClean="0"/>
               <a:t> </a:t>
             </a:r>
             <a:r>
-              <a:rPr lang="en-US" dirty="0" err="1" smtClean="0"/>
-              <a:t>nur</a:t>
-            </a:r>
-            <a:r>
-              <a:rPr lang="en-US" dirty="0" smtClean="0"/>
-              <a:t> </a:t>
-            </a:r>
-            <a:r>
-              <a:rPr lang="en-US" dirty="0" err="1" smtClean="0"/>
-              <a:t>besser</a:t>
-            </a:r>
-            <a:r>
-              <a:rPr lang="en-US" dirty="0" smtClean="0"/>
-              <a:t> </a:t>
-            </a:r>
-            <a:r>
-              <a:rPr lang="en-US" dirty="0" err="1" smtClean="0"/>
-              <a:t>lesbare</a:t>
-            </a:r>
-            <a:r>
-              <a:rPr lang="en-US" dirty="0" smtClean="0"/>
-              <a:t> </a:t>
-            </a:r>
-            <a:r>
-              <a:rPr lang="en-US" dirty="0" err="1" smtClean="0"/>
-              <a:t>Namen</a:t>
-            </a:r>
-            <a:r>
-              <a:rPr lang="en-US" dirty="0" smtClean="0"/>
-              <a:t> </a:t>
-            </a:r>
-            <a:r>
-              <a:rPr lang="en-US" dirty="0" err="1" smtClean="0"/>
-              <a:t>für</a:t>
-            </a:r>
-            <a:r>
-              <a:rPr lang="en-US" dirty="0"/>
-              <a:t> </a:t>
-            </a:r>
-            <a:r>
-              <a:rPr lang="en-US" dirty="0" smtClean="0"/>
-              <a:t>hashes</a:t>
-            </a:r>
-            <a:endParaRPr lang="en-US" dirty="0"/>
-          </a:p>
-          <a:p>
-            <a:r>
-              <a:rPr lang="en-US" i="1" dirty="0" err="1" smtClean="0"/>
+              <a:rPr lang="de-DE" sz="5400" dirty="0" err="1" smtClean="0"/>
+              <a:t>fetch</a:t>
+            </a:r>
+            <a:r>
+              <a:rPr lang="de-DE" sz="5400" dirty="0" smtClean="0"/>
+              <a:t> [remote]</a:t>
+            </a:r>
+          </a:p>
+          <a:p>
+            <a:r>
+              <a:rPr lang="de-DE" sz="5400" dirty="0" err="1" smtClean="0"/>
               <a:t>git</a:t>
             </a:r>
             <a:r>
-              <a:rPr lang="en-US" i="1" dirty="0" smtClean="0"/>
-              <a:t> </a:t>
-            </a:r>
-            <a:r>
-              <a:rPr lang="en-US" i="1" dirty="0"/>
-              <a:t>tag &lt;tag-name&gt;</a:t>
-            </a:r>
-          </a:p>
-          <a:p>
-            <a:endParaRPr lang="en-US" dirty="0"/>
+              <a:rPr lang="de-DE" sz="5400" dirty="0" smtClean="0"/>
+              <a:t> pull [remote] [</a:t>
+            </a:r>
+            <a:r>
+              <a:rPr lang="de-DE" sz="5400" dirty="0" err="1" smtClean="0"/>
+              <a:t>branch</a:t>
+            </a:r>
+            <a:r>
+              <a:rPr lang="de-DE" sz="5400" dirty="0" smtClean="0"/>
+              <a:t>]</a:t>
+            </a:r>
+          </a:p>
+          <a:p>
+            <a:r>
+              <a:rPr lang="de-DE" sz="5400" dirty="0" err="1" smtClean="0"/>
+              <a:t>git</a:t>
+            </a:r>
+            <a:r>
+              <a:rPr lang="de-DE" sz="5400" dirty="0" smtClean="0"/>
+              <a:t> push</a:t>
+            </a:r>
+            <a:r>
+              <a:rPr lang="de-DE" sz="5400" dirty="0"/>
+              <a:t> [remote] [</a:t>
+            </a:r>
+            <a:r>
+              <a:rPr lang="de-DE" sz="5400" dirty="0" err="1"/>
+              <a:t>branch</a:t>
+            </a:r>
+            <a:r>
+              <a:rPr lang="de-DE" sz="5400" dirty="0" smtClean="0"/>
+              <a:t>]</a:t>
+            </a:r>
+            <a:endParaRPr lang="de-DE" sz="5400" dirty="0"/>
           </a:p>
         </p:txBody>
       </p:sp>
     </p:spTree>
+    <p:extLst>
+      <p:ext uri="{BB962C8B-B14F-4D97-AF65-F5344CB8AC3E}">
+        <p14:creationId xmlns:p14="http://schemas.microsoft.com/office/powerpoint/2010/main" val="312255566"/>
+      </p:ext>
+    </p:extLst>
   </p:cSld>
   <p:clrMapOvr>
     <a:masterClrMapping/>
@@ -8690,7 +9202,177 @@
   <p:timing>
     <p:tnLst>
       <p:par>
-        <p:cTn id="1" dur="indefinite" restart="never" nodeType="tmRoot"/>
+        <p:cTn id="1" dur="indefinite" restart="never" nodeType="tmRoot">
+          <p:childTnLst>
+            <p:seq concurrent="1" nextAc="seek">
+              <p:cTn id="2" dur="indefinite" nodeType="mainSeq">
+                <p:childTnLst>
+                  <p:par>
+                    <p:cTn id="3" fill="hold">
+                      <p:stCondLst>
+                        <p:cond delay="indefinite"/>
+                      </p:stCondLst>
+                      <p:childTnLst>
+                        <p:par>
+                          <p:cTn id="4" fill="hold">
+                            <p:stCondLst>
+                              <p:cond delay="0"/>
+                            </p:stCondLst>
+                            <p:childTnLst>
+                              <p:par>
+                                <p:cTn id="5" presetID="1" presetClass="entr" presetSubtype="0" fill="hold" nodeType="clickEffect">
+                                  <p:stCondLst>
+                                    <p:cond delay="0"/>
+                                  </p:stCondLst>
+                                  <p:childTnLst>
+                                    <p:set>
+                                      <p:cBhvr>
+                                        <p:cTn id="6" dur="1" fill="hold">
+                                          <p:stCondLst>
+                                            <p:cond delay="0"/>
+                                          </p:stCondLst>
+                                        </p:cTn>
+                                        <p:tgtEl>
+                                          <p:spTgt spid="3">
+                                            <p:txEl>
+                                              <p:pRg st="0" end="0"/>
+                                            </p:txEl>
+                                          </p:spTgt>
+                                        </p:tgtEl>
+                                        <p:attrNameLst>
+                                          <p:attrName>style.visibility</p:attrName>
+                                        </p:attrNameLst>
+                                      </p:cBhvr>
+                                      <p:to>
+                                        <p:strVal val="visible"/>
+                                      </p:to>
+                                    </p:set>
+                                  </p:childTnLst>
+                                </p:cTn>
+                              </p:par>
+                            </p:childTnLst>
+                          </p:cTn>
+                        </p:par>
+                      </p:childTnLst>
+                    </p:cTn>
+                  </p:par>
+                  <p:par>
+                    <p:cTn id="7" fill="hold">
+                      <p:stCondLst>
+                        <p:cond delay="indefinite"/>
+                      </p:stCondLst>
+                      <p:childTnLst>
+                        <p:par>
+                          <p:cTn id="8" fill="hold">
+                            <p:stCondLst>
+                              <p:cond delay="0"/>
+                            </p:stCondLst>
+                            <p:childTnLst>
+                              <p:par>
+                                <p:cTn id="9" presetID="1" presetClass="entr" presetSubtype="0" fill="hold" nodeType="clickEffect">
+                                  <p:stCondLst>
+                                    <p:cond delay="0"/>
+                                  </p:stCondLst>
+                                  <p:childTnLst>
+                                    <p:set>
+                                      <p:cBhvr>
+                                        <p:cTn id="10" dur="1" fill="hold">
+                                          <p:stCondLst>
+                                            <p:cond delay="0"/>
+                                          </p:stCondLst>
+                                        </p:cTn>
+                                        <p:tgtEl>
+                                          <p:spTgt spid="3">
+                                            <p:txEl>
+                                              <p:pRg st="1" end="1"/>
+                                            </p:txEl>
+                                          </p:spTgt>
+                                        </p:tgtEl>
+                                        <p:attrNameLst>
+                                          <p:attrName>style.visibility</p:attrName>
+                                        </p:attrNameLst>
+                                      </p:cBhvr>
+                                      <p:to>
+                                        <p:strVal val="visible"/>
+                                      </p:to>
+                                    </p:set>
+                                  </p:childTnLst>
+                                </p:cTn>
+                              </p:par>
+                            </p:childTnLst>
+                          </p:cTn>
+                        </p:par>
+                      </p:childTnLst>
+                    </p:cTn>
+                  </p:par>
+                  <p:par>
+                    <p:cTn id="11" fill="hold">
+                      <p:stCondLst>
+                        <p:cond delay="indefinite"/>
+                      </p:stCondLst>
+                      <p:childTnLst>
+                        <p:par>
+                          <p:cTn id="12" fill="hold">
+                            <p:stCondLst>
+                              <p:cond delay="0"/>
+                            </p:stCondLst>
+                            <p:childTnLst>
+                              <p:par>
+                                <p:cTn id="13" presetID="1" presetClass="entr" presetSubtype="0" fill="hold" nodeType="clickEffect">
+                                  <p:stCondLst>
+                                    <p:cond delay="0"/>
+                                  </p:stCondLst>
+                                  <p:childTnLst>
+                                    <p:set>
+                                      <p:cBhvr>
+                                        <p:cTn id="14" dur="1" fill="hold">
+                                          <p:stCondLst>
+                                            <p:cond delay="0"/>
+                                          </p:stCondLst>
+                                        </p:cTn>
+                                        <p:tgtEl>
+                                          <p:spTgt spid="3">
+                                            <p:txEl>
+                                              <p:pRg st="2" end="2"/>
+                                            </p:txEl>
+                                          </p:spTgt>
+                                        </p:tgtEl>
+                                        <p:attrNameLst>
+                                          <p:attrName>style.visibility</p:attrName>
+                                        </p:attrNameLst>
+                                      </p:cBhvr>
+                                      <p:to>
+                                        <p:strVal val="visible"/>
+                                      </p:to>
+                                    </p:set>
+                                  </p:childTnLst>
+                                </p:cTn>
+                              </p:par>
+                            </p:childTnLst>
+                          </p:cTn>
+                        </p:par>
+                      </p:childTnLst>
+                    </p:cTn>
+                  </p:par>
+                </p:childTnLst>
+              </p:cTn>
+              <p:prevCondLst>
+                <p:cond evt="onPrev" delay="0">
+                  <p:tgtEl>
+                    <p:sldTgt/>
+                  </p:tgtEl>
+                </p:cond>
+              </p:prevCondLst>
+              <p:nextCondLst>
+                <p:cond evt="onNext" delay="0">
+                  <p:tgtEl>
+                    <p:sldTgt/>
+                  </p:tgtEl>
+                </p:cond>
+              </p:nextCondLst>
+            </p:seq>
+          </p:childTnLst>
+        </p:cTn>
       </p:par>
     </p:tnLst>
   </p:timing>
@@ -8716,9 +9398,9 @@
       </p:grpSpPr>
       <p:sp>
         <p:nvSpPr>
-          <p:cNvPr id="17410" name="Rectangle 2"/>
-          <p:cNvSpPr>
-            <a:spLocks noGrp="1" noChangeArrowheads="1"/>
+          <p:cNvPr id="2" name="Titel 1"/>
+          <p:cNvSpPr>
+            <a:spLocks noGrp="1"/>
           </p:cNvSpPr>
           <p:nvPr>
             <p:ph type="title"/>
@@ -8730,20 +9412,29 @@
           <a:lstStyle/>
           <a:p>
             <a:r>
-              <a:rPr lang="en-US"/>
-              <a:t>Branching</a:t>
-            </a:r>
-          </a:p>
-        </p:txBody>
-      </p:sp>
-      <p:sp>
-        <p:nvSpPr>
-          <p:cNvPr id="17411" name="Rectangle 3"/>
-          <p:cNvSpPr>
-            <a:spLocks noGrp="1" noChangeArrowheads="1"/>
-          </p:cNvSpPr>
-          <p:nvPr>
-            <p:ph type="body" idx="1"/>
+              <a:rPr lang="de-DE" dirty="0" err="1" smtClean="0"/>
+              <a:t>Rewriting</a:t>
+            </a:r>
+            <a:r>
+              <a:rPr lang="de-DE" dirty="0" smtClean="0"/>
+              <a:t> </a:t>
+            </a:r>
+            <a:r>
+              <a:rPr lang="de-DE" dirty="0" err="1" smtClean="0"/>
+              <a:t>history</a:t>
+            </a:r>
+            <a:endParaRPr lang="de-DE" dirty="0"/>
+          </a:p>
+        </p:txBody>
+      </p:sp>
+      <p:sp>
+        <p:nvSpPr>
+          <p:cNvPr id="3" name="Inhaltsplatzhalter 2"/>
+          <p:cNvSpPr>
+            <a:spLocks noGrp="1"/>
+          </p:cNvSpPr>
+          <p:nvPr>
+            <p:ph idx="1"/>
           </p:nvPr>
         </p:nvSpPr>
         <p:spPr/>
@@ -8753,128 +9444,57 @@
           </a:bodyPr>
           <a:lstStyle/>
           <a:p>
-            <a:pPr>
-              <a:lnSpc>
-                <a:spcPct val="90000"/>
-              </a:lnSpc>
-            </a:pPr>
-            <a:r>
-              <a:rPr lang="en-US" sz="3600" dirty="0" err="1"/>
-              <a:t>Git</a:t>
-            </a:r>
-            <a:r>
-              <a:rPr lang="en-US" sz="3600" dirty="0"/>
+            <a:r>
+              <a:rPr lang="de-DE" sz="4800" dirty="0" err="1" smtClean="0"/>
+              <a:t>git</a:t>
+            </a:r>
+            <a:r>
+              <a:rPr lang="de-DE" sz="4800" dirty="0" smtClean="0"/>
               <a:t> </a:t>
             </a:r>
             <a:r>
-              <a:rPr lang="en-US" sz="3600" dirty="0" smtClean="0"/>
-              <a:t>hat </a:t>
-            </a:r>
-            <a:r>
-              <a:rPr lang="en-US" sz="3600" dirty="0" err="1" smtClean="0"/>
-              <a:t>leichtgewichtige</a:t>
-            </a:r>
-            <a:r>
-              <a:rPr lang="en-US" sz="3600" dirty="0" smtClean="0"/>
-              <a:t> Branches</a:t>
-            </a:r>
-          </a:p>
-          <a:p>
-            <a:pPr>
-              <a:lnSpc>
-                <a:spcPct val="90000"/>
-              </a:lnSpc>
-            </a:pPr>
-            <a:r>
-              <a:rPr lang="en-US" sz="3600" dirty="0" err="1" smtClean="0"/>
-              <a:t>Unterscheidung</a:t>
-            </a:r>
-            <a:r>
-              <a:rPr lang="en-US" sz="3600" dirty="0" smtClean="0"/>
-              <a:t> der Branches in </a:t>
-            </a:r>
-            <a:r>
-              <a:rPr lang="en-US" sz="3600" dirty="0"/>
-              <a:t>local </a:t>
-            </a:r>
-            <a:r>
-              <a:rPr lang="en-US" sz="3600" dirty="0" smtClean="0"/>
-              <a:t>und </a:t>
-            </a:r>
-            <a:r>
-              <a:rPr lang="en-US" sz="3600" dirty="0"/>
-              <a:t>remote</a:t>
-            </a:r>
-          </a:p>
-          <a:p>
-            <a:pPr>
-              <a:lnSpc>
-                <a:spcPct val="90000"/>
-              </a:lnSpc>
-            </a:pPr>
-            <a:r>
-              <a:rPr lang="en-US" sz="3600" dirty="0"/>
-              <a:t>Key </a:t>
-            </a:r>
-            <a:r>
-              <a:rPr lang="en-US" sz="3600" dirty="0" smtClean="0"/>
-              <a:t>commands:</a:t>
-            </a:r>
-            <a:endParaRPr lang="en-US" sz="3600" dirty="0"/>
-          </a:p>
-          <a:p>
-            <a:pPr lvl="1">
-              <a:lnSpc>
-                <a:spcPct val="90000"/>
-              </a:lnSpc>
-            </a:pPr>
-            <a:r>
-              <a:rPr lang="en-US" sz="3200" dirty="0" err="1"/>
+              <a:rPr lang="de-DE" sz="4800" dirty="0" err="1" smtClean="0"/>
+              <a:t>commit</a:t>
+            </a:r>
+            <a:r>
+              <a:rPr lang="de-DE" sz="4800" dirty="0" smtClean="0"/>
+              <a:t> -a</a:t>
+            </a:r>
+          </a:p>
+          <a:p>
+            <a:r>
+              <a:rPr lang="de-DE" sz="4800" dirty="0" err="1" smtClean="0"/>
               <a:t>git</a:t>
             </a:r>
             <a:r>
-              <a:rPr lang="en-US" sz="3200" dirty="0"/>
-              <a:t> branch</a:t>
-            </a:r>
-          </a:p>
-          <a:p>
-            <a:pPr lvl="1">
-              <a:lnSpc>
-                <a:spcPct val="90000"/>
-              </a:lnSpc>
-            </a:pPr>
-            <a:r>
-              <a:rPr lang="en-US" sz="3200" dirty="0" err="1"/>
-              <a:t>git</a:t>
-            </a:r>
-            <a:r>
-              <a:rPr lang="en-US" sz="3200" dirty="0"/>
-              <a:t> merge</a:t>
-            </a:r>
-          </a:p>
-          <a:p>
-            <a:pPr lvl="1">
-              <a:lnSpc>
-                <a:spcPct val="90000"/>
-              </a:lnSpc>
-            </a:pPr>
-            <a:r>
-              <a:rPr lang="en-US" sz="3200" dirty="0" err="1"/>
-              <a:t>git</a:t>
-            </a:r>
-            <a:r>
-              <a:rPr lang="en-US" sz="3200" dirty="0"/>
+              <a:rPr lang="de-DE" sz="4800" dirty="0" smtClean="0"/>
               <a:t> </a:t>
             </a:r>
             <a:r>
-              <a:rPr lang="en-US" sz="3200" dirty="0" smtClean="0"/>
-              <a:t>cherry-pick</a:t>
-            </a:r>
-            <a:endParaRPr lang="en-US" sz="3200" dirty="0"/>
+              <a:rPr lang="de-DE" sz="4800" dirty="0" err="1" smtClean="0"/>
+              <a:t>rebase</a:t>
+            </a:r>
+            <a:r>
+              <a:rPr lang="de-DE" sz="4800" dirty="0" smtClean="0"/>
+              <a:t> –</a:t>
+            </a:r>
+            <a:r>
+              <a:rPr lang="de-DE" sz="4800" dirty="0" err="1" smtClean="0"/>
+              <a:t>interactive</a:t>
+            </a:r>
+            <a:r>
+              <a:rPr lang="de-DE" sz="4800" dirty="0" smtClean="0"/>
+              <a:t> head~3</a:t>
+            </a:r>
           </a:p>
         </p:txBody>
       </p:sp>
     </p:spTree>
+    <p:extLst>
+      <p:ext uri="{BB962C8B-B14F-4D97-AF65-F5344CB8AC3E}">
+        <p14:creationId xmlns:p14="http://schemas.microsoft.com/office/powerpoint/2010/main" val="852055106"/>
+      </p:ext>
+    </p:extLst>
   </p:cSld>
   <p:clrMapOvr>
     <a:masterClrMapping/>
@@ -8882,7 +9502,128 @@
   <p:timing>
     <p:tnLst>
       <p:par>
-        <p:cTn id="1" dur="indefinite" restart="never" nodeType="tmRoot"/>
+        <p:cTn id="1" dur="indefinite" restart="never" nodeType="tmRoot">
+          <p:childTnLst>
+            <p:seq concurrent="1" nextAc="seek">
+              <p:cTn id="2" dur="indefinite" nodeType="mainSeq">
+                <p:childTnLst>
+                  <p:par>
+                    <p:cTn id="3" fill="hold">
+                      <p:stCondLst>
+                        <p:cond delay="indefinite"/>
+                      </p:stCondLst>
+                      <p:childTnLst>
+                        <p:par>
+                          <p:cTn id="4" fill="hold">
+                            <p:stCondLst>
+                              <p:cond delay="0"/>
+                            </p:stCondLst>
+                            <p:childTnLst>
+                              <p:par>
+                                <p:cTn id="5" presetID="1" presetClass="entr" presetSubtype="0" fill="hold" nodeType="clickEffect">
+                                  <p:stCondLst>
+                                    <p:cond delay="0"/>
+                                  </p:stCondLst>
+                                  <p:childTnLst>
+                                    <p:set>
+                                      <p:cBhvr>
+                                        <p:cTn id="6" dur="1" fill="hold">
+                                          <p:stCondLst>
+                                            <p:cond delay="0"/>
+                                          </p:stCondLst>
+                                        </p:cTn>
+                                        <p:tgtEl>
+                                          <p:spTgt spid="3">
+                                            <p:txEl>
+                                              <p:pRg st="0" end="0"/>
+                                            </p:txEl>
+                                          </p:spTgt>
+                                        </p:tgtEl>
+                                        <p:attrNameLst>
+                                          <p:attrName>style.visibility</p:attrName>
+                                        </p:attrNameLst>
+                                      </p:cBhvr>
+                                      <p:to>
+                                        <p:strVal val="visible"/>
+                                      </p:to>
+                                    </p:set>
+                                  </p:childTnLst>
+                                </p:cTn>
+                              </p:par>
+                            </p:childTnLst>
+                          </p:cTn>
+                        </p:par>
+                      </p:childTnLst>
+                    </p:cTn>
+                  </p:par>
+                  <p:par>
+                    <p:cTn id="7" fill="hold">
+                      <p:stCondLst>
+                        <p:cond delay="indefinite"/>
+                      </p:stCondLst>
+                      <p:childTnLst>
+                        <p:par>
+                          <p:cTn id="8" fill="hold">
+                            <p:stCondLst>
+                              <p:cond delay="0"/>
+                            </p:stCondLst>
+                            <p:childTnLst>
+                              <p:par>
+                                <p:cTn id="9" presetID="1" presetClass="entr" presetSubtype="0" fill="hold" nodeType="clickEffect">
+                                  <p:stCondLst>
+                                    <p:cond delay="0"/>
+                                  </p:stCondLst>
+                                  <p:childTnLst>
+                                    <p:set>
+                                      <p:cBhvr>
+                                        <p:cTn id="10" dur="1" fill="hold">
+                                          <p:stCondLst>
+                                            <p:cond delay="0"/>
+                                          </p:stCondLst>
+                                        </p:cTn>
+                                        <p:tgtEl>
+                                          <p:spTgt spid="3">
+                                            <p:txEl>
+                                              <p:pRg st="1" end="1"/>
+                                            </p:txEl>
+                                          </p:spTgt>
+                                        </p:tgtEl>
+                                        <p:attrNameLst>
+                                          <p:attrName>style.visibility</p:attrName>
+                                        </p:attrNameLst>
+                                      </p:cBhvr>
+                                      <p:to>
+                                        <p:strVal val="visible"/>
+                                      </p:to>
+                                    </p:set>
+                                  </p:childTnLst>
+                                </p:cTn>
+                              </p:par>
+                            </p:childTnLst>
+                          </p:cTn>
+                        </p:par>
+                      </p:childTnLst>
+                    </p:cTn>
+                  </p:par>
+                </p:childTnLst>
+              </p:cTn>
+              <p:prevCondLst>
+                <p:cond evt="onPrev" delay="0">
+                  <p:tgtEl>
+                    <p:sldTgt/>
+                  </p:tgtEl>
+                </p:cond>
+              </p:prevCondLst>
+              <p:nextCondLst>
+                <p:cond evt="onNext" delay="0">
+                  <p:tgtEl>
+                    <p:sldTgt/>
+                  </p:tgtEl>
+                </p:cond>
+              </p:nextCondLst>
+            </p:seq>
+          </p:childTnLst>
+        </p:cTn>
       </p:par>
     </p:tnLst>
   </p:timing>
@@ -8890,414 +9631,6 @@
 </file>
 
 <file path=ppt/slides/slide22.xml><?xml version="1.0" encoding="utf-8"?>
-<p:sld xmlns:a="http://schemas.openxmlformats.org/drawingml/2006/main" xmlns:r="http://schemas.openxmlformats.org/officeDocument/2006/relationships" xmlns:p="http://schemas.openxmlformats.org/presentationml/2006/main">
-  <p:cSld>
-    <p:spTree>
-      <p:nvGrpSpPr>
-        <p:cNvPr id="1" name=""/>
-        <p:cNvGrpSpPr/>
-        <p:nvPr/>
-      </p:nvGrpSpPr>
-      <p:grpSpPr>
-        <a:xfrm>
-          <a:off x="0" y="0"/>
-          <a:ext cx="0" cy="0"/>
-          <a:chOff x="0" y="0"/>
-          <a:chExt cx="0" cy="0"/>
-        </a:xfrm>
-      </p:grpSpPr>
-      <p:sp>
-        <p:nvSpPr>
-          <p:cNvPr id="47106" name="Rectangle 2"/>
-          <p:cNvSpPr>
-            <a:spLocks noGrp="1" noChangeArrowheads="1"/>
-          </p:cNvSpPr>
-          <p:nvPr>
-            <p:ph type="title"/>
-          </p:nvPr>
-        </p:nvSpPr>
-        <p:spPr/>
-        <p:txBody>
-          <a:bodyPr/>
-          <a:lstStyle/>
-          <a:p>
-            <a:r>
-              <a:rPr lang="en-US"/>
-              <a:t>Using Branches</a:t>
-            </a:r>
-          </a:p>
-        </p:txBody>
-      </p:sp>
-      <p:sp>
-        <p:nvSpPr>
-          <p:cNvPr id="47107" name="Rectangle 3"/>
-          <p:cNvSpPr>
-            <a:spLocks noGrp="1" noChangeArrowheads="1"/>
-          </p:cNvSpPr>
-          <p:nvPr>
-            <p:ph type="body" idx="1"/>
-          </p:nvPr>
-        </p:nvSpPr>
-        <p:spPr/>
-        <p:txBody>
-          <a:bodyPr/>
-          <a:lstStyle/>
-          <a:p>
-            <a:pPr>
-              <a:lnSpc>
-                <a:spcPct val="90000"/>
-              </a:lnSpc>
-            </a:pPr>
-            <a:r>
-              <a:rPr lang="en-US" i="1" dirty="0" err="1">
-                <a:latin typeface="Courier" pitchFamily="-32" charset="0"/>
-              </a:rPr>
-              <a:t>git</a:t>
-            </a:r>
-            <a:r>
-              <a:rPr lang="en-US" i="1" dirty="0">
-                <a:latin typeface="Courier" pitchFamily="-32" charset="0"/>
-              </a:rPr>
-              <a:t> checkout -b branch</a:t>
-            </a:r>
-          </a:p>
-          <a:p>
-            <a:pPr>
-              <a:lnSpc>
-                <a:spcPct val="90000"/>
-              </a:lnSpc>
-            </a:pPr>
-            <a:r>
-              <a:rPr lang="en-US" i="1" dirty="0" err="1">
-                <a:latin typeface="Courier" pitchFamily="-32" charset="0"/>
-              </a:rPr>
-              <a:t>git</a:t>
-            </a:r>
-            <a:r>
-              <a:rPr lang="en-US" i="1" dirty="0">
-                <a:latin typeface="Courier" pitchFamily="-32" charset="0"/>
-              </a:rPr>
-              <a:t> checkout -b </a:t>
-            </a:r>
-            <a:r>
-              <a:rPr lang="en-US" i="1" dirty="0" err="1">
-                <a:latin typeface="Courier" pitchFamily="-32" charset="0"/>
-              </a:rPr>
-              <a:t>devel</a:t>
-            </a:r>
-            <a:r>
-              <a:rPr lang="en-US" i="1" dirty="0">
-                <a:latin typeface="Courier" pitchFamily="-32" charset="0"/>
-              </a:rPr>
-              <a:t>/branch</a:t>
-            </a:r>
-          </a:p>
-          <a:p>
-            <a:pPr>
-              <a:lnSpc>
-                <a:spcPct val="90000"/>
-              </a:lnSpc>
-            </a:pPr>
-            <a:r>
-              <a:rPr lang="en-US" i="1" dirty="0" err="1">
-                <a:latin typeface="Courier" pitchFamily="-32" charset="0"/>
-              </a:rPr>
-              <a:t>git</a:t>
-            </a:r>
-            <a:r>
-              <a:rPr lang="en-US" i="1" dirty="0">
-                <a:latin typeface="Courier" pitchFamily="-32" charset="0"/>
-              </a:rPr>
-              <a:t> branch</a:t>
-            </a:r>
-            <a:endParaRPr lang="en-US" dirty="0"/>
-          </a:p>
-          <a:p>
-            <a:pPr lvl="1">
-              <a:lnSpc>
-                <a:spcPct val="90000"/>
-              </a:lnSpc>
-            </a:pPr>
-            <a:r>
-              <a:rPr lang="en-US" dirty="0" err="1" smtClean="0"/>
-              <a:t>Auflisten</a:t>
-            </a:r>
-            <a:r>
-              <a:rPr lang="en-US" dirty="0" smtClean="0"/>
-              <a:t> </a:t>
-            </a:r>
-            <a:r>
-              <a:rPr lang="en-US" dirty="0" err="1" smtClean="0"/>
-              <a:t>aller</a:t>
-            </a:r>
-            <a:r>
-              <a:rPr lang="en-US" dirty="0" smtClean="0"/>
-              <a:t> Branches</a:t>
-            </a:r>
-            <a:endParaRPr lang="en-US" dirty="0"/>
-          </a:p>
-          <a:p>
-            <a:pPr>
-              <a:lnSpc>
-                <a:spcPct val="90000"/>
-              </a:lnSpc>
-            </a:pPr>
-            <a:r>
-              <a:rPr lang="en-US" dirty="0" err="1" smtClean="0"/>
-              <a:t>Änderungen</a:t>
-            </a:r>
-            <a:r>
-              <a:rPr lang="en-US" dirty="0" smtClean="0"/>
-              <a:t> </a:t>
-            </a:r>
-            <a:r>
-              <a:rPr lang="en-US" dirty="0" err="1" smtClean="0"/>
-              <a:t>können</a:t>
-            </a:r>
-            <a:r>
-              <a:rPr lang="en-US" dirty="0" smtClean="0"/>
-              <a:t> in </a:t>
-            </a:r>
-            <a:r>
-              <a:rPr lang="en-US" dirty="0" err="1" smtClean="0"/>
-              <a:t>andere</a:t>
-            </a:r>
-            <a:r>
-              <a:rPr lang="en-US" dirty="0" smtClean="0"/>
-              <a:t> Branches </a:t>
-            </a:r>
-            <a:r>
-              <a:rPr lang="en-US" dirty="0" err="1" smtClean="0"/>
-              <a:t>übernommen</a:t>
-            </a:r>
-            <a:r>
-              <a:rPr lang="en-US" dirty="0" smtClean="0"/>
-              <a:t> </a:t>
-            </a:r>
-            <a:r>
-              <a:rPr lang="en-US" dirty="0" err="1" smtClean="0"/>
-              <a:t>werden</a:t>
-            </a:r>
-            <a:r>
-              <a:rPr lang="en-US" dirty="0" smtClean="0"/>
-              <a:t>:</a:t>
-            </a:r>
-            <a:endParaRPr lang="en-US" dirty="0"/>
-          </a:p>
-          <a:p>
-            <a:pPr lvl="1">
-              <a:lnSpc>
-                <a:spcPct val="90000"/>
-              </a:lnSpc>
-            </a:pPr>
-            <a:r>
-              <a:rPr lang="en-US" dirty="0" err="1"/>
-              <a:t>git</a:t>
-            </a:r>
-            <a:r>
-              <a:rPr lang="en-US" dirty="0"/>
-              <a:t> merge</a:t>
-            </a:r>
-          </a:p>
-          <a:p>
-            <a:pPr lvl="1">
-              <a:lnSpc>
-                <a:spcPct val="90000"/>
-              </a:lnSpc>
-            </a:pPr>
-            <a:r>
-              <a:rPr lang="en-US" dirty="0" err="1"/>
-              <a:t>git</a:t>
-            </a:r>
-            <a:r>
-              <a:rPr lang="en-US" dirty="0"/>
-              <a:t> cherry-pick</a:t>
-            </a:r>
-          </a:p>
-        </p:txBody>
-      </p:sp>
-    </p:spTree>
-  </p:cSld>
-  <p:clrMapOvr>
-    <a:masterClrMapping/>
-  </p:clrMapOvr>
-</p:sld>
-</file>
-
-<file path=ppt/slides/slide23.xml><?xml version="1.0" encoding="utf-8"?>
-<p:sld xmlns:a="http://schemas.openxmlformats.org/drawingml/2006/main" xmlns:r="http://schemas.openxmlformats.org/officeDocument/2006/relationships" xmlns:p="http://schemas.openxmlformats.org/presentationml/2006/main">
-  <p:cSld>
-    <p:spTree>
-      <p:nvGrpSpPr>
-        <p:cNvPr id="1" name=""/>
-        <p:cNvGrpSpPr/>
-        <p:nvPr/>
-      </p:nvGrpSpPr>
-      <p:grpSpPr>
-        <a:xfrm>
-          <a:off x="0" y="0"/>
-          <a:ext cx="0" cy="0"/>
-          <a:chOff x="0" y="0"/>
-          <a:chExt cx="0" cy="0"/>
-        </a:xfrm>
-      </p:grpSpPr>
-      <p:sp>
-        <p:nvSpPr>
-          <p:cNvPr id="28674" name="Rectangle 2"/>
-          <p:cNvSpPr>
-            <a:spLocks noGrp="1" noChangeArrowheads="1"/>
-          </p:cNvSpPr>
-          <p:nvPr>
-            <p:ph type="title"/>
-          </p:nvPr>
-        </p:nvSpPr>
-        <p:spPr/>
-        <p:txBody>
-          <a:bodyPr/>
-          <a:lstStyle/>
-          <a:p>
-            <a:r>
-              <a:rPr lang="en-US"/>
-              <a:t>Using Remote </a:t>
-            </a:r>
-          </a:p>
-        </p:txBody>
-      </p:sp>
-      <p:sp>
-        <p:nvSpPr>
-          <p:cNvPr id="28675" name="Rectangle 3"/>
-          <p:cNvSpPr>
-            <a:spLocks noGrp="1" noChangeArrowheads="1"/>
-          </p:cNvSpPr>
-          <p:nvPr>
-            <p:ph type="body" sz="half" idx="1"/>
-          </p:nvPr>
-        </p:nvSpPr>
-        <p:spPr/>
-        <p:txBody>
-          <a:bodyPr/>
-          <a:lstStyle/>
-          <a:p>
-            <a:r>
-              <a:rPr lang="en-US" sz="2400"/>
-              <a:t>Use git clone to replicate repository</a:t>
-            </a:r>
-          </a:p>
-          <a:p>
-            <a:endParaRPr lang="en-US" sz="2400"/>
-          </a:p>
-          <a:p>
-            <a:r>
-              <a:rPr lang="en-US" sz="2400"/>
-              <a:t>Get changes with </a:t>
-            </a:r>
-          </a:p>
-          <a:p>
-            <a:pPr lvl="1"/>
-            <a:r>
-              <a:rPr lang="en-US" sz="2000"/>
-              <a:t>git fetch (fetches and merges)</a:t>
-            </a:r>
-          </a:p>
-          <a:p>
-            <a:pPr lvl="1"/>
-            <a:r>
-              <a:rPr lang="en-US" sz="2000"/>
-              <a:t>git pull</a:t>
-            </a:r>
-          </a:p>
-          <a:p>
-            <a:pPr lvl="1"/>
-            <a:endParaRPr lang="en-US" sz="2000"/>
-          </a:p>
-          <a:p>
-            <a:r>
-              <a:rPr lang="en-US" sz="2400"/>
-              <a:t>Propagate changes with</a:t>
-            </a:r>
-          </a:p>
-          <a:p>
-            <a:pPr lvl="1"/>
-            <a:r>
-              <a:rPr lang="en-US" sz="2000"/>
-              <a:t>git push</a:t>
-            </a:r>
-          </a:p>
-        </p:txBody>
-      </p:sp>
-      <p:sp>
-        <p:nvSpPr>
-          <p:cNvPr id="28676" name="Rectangle 4"/>
-          <p:cNvSpPr>
-            <a:spLocks noGrp="1" noChangeArrowheads="1"/>
-          </p:cNvSpPr>
-          <p:nvPr>
-            <p:ph type="body" sz="half" idx="2"/>
-          </p:nvPr>
-        </p:nvSpPr>
-        <p:spPr/>
-        <p:txBody>
-          <a:bodyPr/>
-          <a:lstStyle/>
-          <a:p>
-            <a:r>
-              <a:rPr lang="en-US"/>
-              <a:t>Protocols</a:t>
-            </a:r>
-          </a:p>
-          <a:p>
-            <a:pPr lvl="1"/>
-            <a:r>
-              <a:rPr lang="en-US"/>
-              <a:t>Local filesystem</a:t>
-            </a:r>
-          </a:p>
-          <a:p>
-            <a:pPr lvl="1"/>
-            <a:r>
-              <a:rPr lang="en-US"/>
-              <a:t>SSH</a:t>
-            </a:r>
-          </a:p>
-          <a:p>
-            <a:pPr lvl="1"/>
-            <a:r>
-              <a:rPr lang="en-US"/>
-              <a:t>Rsync</a:t>
-            </a:r>
-          </a:p>
-          <a:p>
-            <a:pPr lvl="1"/>
-            <a:r>
-              <a:rPr lang="en-US"/>
-              <a:t>HTTP</a:t>
-            </a:r>
-          </a:p>
-          <a:p>
-            <a:pPr lvl="1"/>
-            <a:r>
-              <a:rPr lang="en-US"/>
-              <a:t>Git protocol</a:t>
-            </a:r>
-          </a:p>
-        </p:txBody>
-      </p:sp>
-    </p:spTree>
-  </p:cSld>
-  <p:clrMapOvr>
-    <a:masterClrMapping/>
-  </p:clrMapOvr>
-  <p:timing>
-    <p:tnLst>
-      <p:par>
-        <p:cTn id="1" dur="indefinite" restart="never" nodeType="tmRoot"/>
-      </p:par>
-    </p:tnLst>
-  </p:timing>
-</p:sld>
-</file>
-
-<file path=ppt/slides/slide24.xml><?xml version="1.0" encoding="utf-8"?>
 <p:sld xmlns:a="http://schemas.openxmlformats.org/drawingml/2006/main" xmlns:r="http://schemas.openxmlformats.org/officeDocument/2006/relationships" xmlns:p="http://schemas.openxmlformats.org/presentationml/2006/main">
   <p:cSld>
     <p:spTree>
@@ -9380,6 +9713,230 @@
         </p:txBody>
       </p:sp>
     </p:spTree>
+  </p:cSld>
+  <p:clrMapOvr>
+    <a:masterClrMapping/>
+  </p:clrMapOvr>
+  <p:timing>
+    <p:tnLst>
+      <p:par>
+        <p:cTn id="1" dur="indefinite" restart="never" nodeType="tmRoot"/>
+      </p:par>
+    </p:tnLst>
+  </p:timing>
+</p:sld>
+</file>
+
+<file path=ppt/slides/slide23.xml><?xml version="1.0" encoding="utf-8"?>
+<p:sld xmlns:a="http://schemas.openxmlformats.org/drawingml/2006/main" xmlns:r="http://schemas.openxmlformats.org/officeDocument/2006/relationships" xmlns:p="http://schemas.openxmlformats.org/presentationml/2006/main">
+  <p:cSld>
+    <p:spTree>
+      <p:nvGrpSpPr>
+        <p:cNvPr id="1" name=""/>
+        <p:cNvGrpSpPr/>
+        <p:nvPr/>
+      </p:nvGrpSpPr>
+      <p:grpSpPr>
+        <a:xfrm>
+          <a:off x="0" y="0"/>
+          <a:ext cx="0" cy="0"/>
+          <a:chOff x="0" y="0"/>
+          <a:chExt cx="0" cy="0"/>
+        </a:xfrm>
+      </p:grpSpPr>
+      <p:sp>
+        <p:nvSpPr>
+          <p:cNvPr id="2" name="Titel 1"/>
+          <p:cNvSpPr>
+            <a:spLocks noGrp="1"/>
+          </p:cNvSpPr>
+          <p:nvPr>
+            <p:ph type="title"/>
+          </p:nvPr>
+        </p:nvSpPr>
+        <p:spPr/>
+        <p:txBody>
+          <a:bodyPr/>
+          <a:lstStyle/>
+          <a:p>
+            <a:r>
+              <a:rPr lang="de-DE" dirty="0" smtClean="0"/>
+              <a:t>Was nicht gesagt wurde</a:t>
+            </a:r>
+            <a:endParaRPr lang="de-DE" dirty="0"/>
+          </a:p>
+        </p:txBody>
+      </p:sp>
+      <p:sp>
+        <p:nvSpPr>
+          <p:cNvPr id="3" name="Inhaltsplatzhalter 2"/>
+          <p:cNvSpPr>
+            <a:spLocks noGrp="1"/>
+          </p:cNvSpPr>
+          <p:nvPr>
+            <p:ph idx="1"/>
+          </p:nvPr>
+        </p:nvSpPr>
+        <p:spPr/>
+        <p:txBody>
+          <a:bodyPr/>
+          <a:lstStyle/>
+          <a:p>
+            <a:r>
+              <a:rPr lang="de-DE" dirty="0" smtClean="0"/>
+              <a:t>Signierte </a:t>
+            </a:r>
+            <a:r>
+              <a:rPr lang="de-DE" dirty="0"/>
+              <a:t>Tags</a:t>
+            </a:r>
+          </a:p>
+          <a:p>
+            <a:r>
+              <a:rPr lang="de-DE" dirty="0" smtClean="0"/>
+              <a:t>Eigene </a:t>
+            </a:r>
+            <a:r>
+              <a:rPr lang="de-DE" dirty="0" err="1"/>
+              <a:t>merge</a:t>
+            </a:r>
+            <a:r>
+              <a:rPr lang="de-DE" dirty="0"/>
+              <a:t> und </a:t>
+            </a:r>
+            <a:r>
+              <a:rPr lang="de-DE" dirty="0" err="1"/>
+              <a:t>diff</a:t>
+            </a:r>
+            <a:r>
+              <a:rPr lang="de-DE" dirty="0"/>
+              <a:t> </a:t>
+            </a:r>
+            <a:r>
+              <a:rPr lang="de-DE" dirty="0" err="1" smtClean="0"/>
+              <a:t>Engines</a:t>
+            </a:r>
+            <a:endParaRPr lang="de-DE" dirty="0" smtClean="0"/>
+          </a:p>
+          <a:p>
+            <a:r>
+              <a:rPr lang="de-DE" dirty="0" err="1" smtClean="0"/>
+              <a:t>Grep</a:t>
+            </a:r>
+            <a:r>
+              <a:rPr lang="de-DE" dirty="0" smtClean="0"/>
+              <a:t> in </a:t>
+            </a:r>
+            <a:r>
+              <a:rPr lang="de-DE" dirty="0" err="1" smtClean="0"/>
+              <a:t>History</a:t>
+            </a:r>
+            <a:endParaRPr lang="de-DE" dirty="0"/>
+          </a:p>
+          <a:p>
+            <a:r>
+              <a:rPr lang="de-DE" dirty="0" smtClean="0"/>
+              <a:t>Bugs </a:t>
+            </a:r>
+            <a:r>
+              <a:rPr lang="de-DE" dirty="0"/>
+              <a:t>mit “</a:t>
+            </a:r>
+            <a:r>
+              <a:rPr lang="de-DE" dirty="0" err="1"/>
+              <a:t>git</a:t>
+            </a:r>
+            <a:r>
+              <a:rPr lang="de-DE" dirty="0"/>
+              <a:t> </a:t>
+            </a:r>
+            <a:r>
+              <a:rPr lang="de-DE" dirty="0" err="1"/>
+              <a:t>bisect</a:t>
+            </a:r>
+            <a:r>
+              <a:rPr lang="de-DE" dirty="0"/>
+              <a:t>” halbautomatisch </a:t>
+            </a:r>
+            <a:r>
+              <a:rPr lang="de-DE" dirty="0" err="1"/>
+              <a:t>ﬁnden</a:t>
+            </a:r>
+            <a:endParaRPr lang="de-DE" dirty="0"/>
+          </a:p>
+          <a:p>
+            <a:r>
+              <a:rPr lang="de-DE" dirty="0" err="1" smtClean="0"/>
+              <a:t>Recovery</a:t>
+            </a:r>
+            <a:r>
+              <a:rPr lang="de-DE" dirty="0" smtClean="0"/>
+              <a:t> </a:t>
+            </a:r>
+            <a:r>
+              <a:rPr lang="de-DE" dirty="0"/>
+              <a:t>mit “</a:t>
+            </a:r>
+            <a:r>
+              <a:rPr lang="de-DE" dirty="0" err="1"/>
+              <a:t>revlog</a:t>
+            </a:r>
+            <a:r>
+              <a:rPr lang="de-DE" dirty="0" smtClean="0"/>
+              <a:t>”</a:t>
+            </a:r>
+          </a:p>
+          <a:p>
+            <a:r>
+              <a:rPr lang="de-DE" dirty="0" err="1" smtClean="0"/>
+              <a:t>Blame</a:t>
+            </a:r>
+            <a:endParaRPr lang="de-DE" dirty="0"/>
+          </a:p>
+          <a:p>
+            <a:r>
+              <a:rPr lang="de-DE" dirty="0" err="1" smtClean="0"/>
+              <a:t>gitk</a:t>
+            </a:r>
+            <a:r>
+              <a:rPr lang="de-DE" dirty="0" smtClean="0"/>
+              <a:t> </a:t>
+            </a:r>
+            <a:r>
+              <a:rPr lang="de-DE" dirty="0"/>
+              <a:t>und </a:t>
+            </a:r>
+            <a:r>
+              <a:rPr lang="de-DE" dirty="0" err="1" smtClean="0"/>
+              <a:t>gitweb</a:t>
+            </a:r>
+            <a:endParaRPr lang="de-DE" dirty="0" smtClean="0"/>
+          </a:p>
+          <a:p>
+            <a:r>
+              <a:rPr lang="de-DE" dirty="0" err="1" smtClean="0"/>
+              <a:t>git-svn</a:t>
+            </a:r>
+            <a:endParaRPr lang="de-DE" dirty="0"/>
+          </a:p>
+          <a:p>
+            <a:r>
+              <a:rPr lang="de-DE" dirty="0" smtClean="0"/>
+              <a:t>... </a:t>
+            </a:r>
+            <a:r>
+              <a:rPr lang="de-DE" dirty="0"/>
+              <a:t>viele andere Features</a:t>
+            </a:r>
+          </a:p>
+        </p:txBody>
+      </p:sp>
+    </p:spTree>
+    <p:extLst>
+      <p:ext uri="{BB962C8B-B14F-4D97-AF65-F5344CB8AC3E}">
+        <p14:creationId xmlns:p14="http://schemas.microsoft.com/office/powerpoint/2010/main" val="333084945"/>
+      </p:ext>
+    </p:extLst>
   </p:cSld>
   <p:clrMapOvr>
     <a:masterClrMapping/>
@@ -9413,9 +9970,9 @@
       </p:grpSpPr>
       <p:sp>
         <p:nvSpPr>
-          <p:cNvPr id="26626" name="Rectangle 2"/>
-          <p:cNvSpPr>
-            <a:spLocks noGrp="1" noChangeArrowheads="1"/>
+          <p:cNvPr id="2" name="Titel 1"/>
+          <p:cNvSpPr>
+            <a:spLocks noGrp="1"/>
           </p:cNvSpPr>
           <p:nvPr>
             <p:ph type="title"/>
@@ -9427,29 +9984,21 @@
           <a:lstStyle/>
           <a:p>
             <a:r>
-              <a:rPr lang="en-US" dirty="0" err="1" smtClean="0"/>
-              <a:t>Zentralisierte</a:t>
-            </a:r>
-            <a:r>
-              <a:rPr lang="en-US" dirty="0" smtClean="0"/>
-              <a:t> </a:t>
-            </a:r>
-            <a:r>
-              <a:rPr lang="en-US" dirty="0" err="1" smtClean="0"/>
+              <a:rPr lang="de-DE" dirty="0" smtClean="0"/>
               <a:t>Versionskontrolle</a:t>
             </a:r>
-            <a:endParaRPr lang="en-US" dirty="0"/>
-          </a:p>
-        </p:txBody>
-      </p:sp>
-      <p:sp>
-        <p:nvSpPr>
-          <p:cNvPr id="26627" name="Rectangle 3"/>
-          <p:cNvSpPr>
-            <a:spLocks noGrp="1" noChangeArrowheads="1"/>
-          </p:cNvSpPr>
-          <p:nvPr>
-            <p:ph type="body" idx="1"/>
+            <a:endParaRPr lang="de-DE" dirty="0"/>
+          </a:p>
+        </p:txBody>
+      </p:sp>
+      <p:sp>
+        <p:nvSpPr>
+          <p:cNvPr id="3" name="Inhaltsplatzhalter 2"/>
+          <p:cNvSpPr>
+            <a:spLocks noGrp="1"/>
+          </p:cNvSpPr>
+          <p:nvPr>
+            <p:ph idx="1"/>
           </p:nvPr>
         </p:nvSpPr>
         <p:spPr/>
@@ -9459,148 +10008,88 @@
           </a:bodyPr>
           <a:lstStyle/>
           <a:p>
-            <a:pPr>
-              <a:lnSpc>
-                <a:spcPct val="90000"/>
-              </a:lnSpc>
-            </a:pPr>
-            <a:r>
-              <a:rPr lang="en-US" dirty="0" err="1" smtClean="0"/>
-              <a:t>Traditionelle</a:t>
-            </a:r>
-            <a:r>
-              <a:rPr lang="en-US" dirty="0" smtClean="0"/>
-              <a:t> Client/Server-</a:t>
-            </a:r>
-            <a:r>
-              <a:rPr lang="en-US" dirty="0" err="1" smtClean="0"/>
-              <a:t>Architektur</a:t>
-            </a:r>
-            <a:endParaRPr lang="en-US" dirty="0"/>
-          </a:p>
-          <a:p>
-            <a:pPr lvl="1">
-              <a:lnSpc>
-                <a:spcPct val="90000"/>
-              </a:lnSpc>
-            </a:pPr>
-            <a:r>
-              <a:rPr lang="en-US" dirty="0"/>
-              <a:t>Server </a:t>
-            </a:r>
-            <a:r>
-              <a:rPr lang="en-US" dirty="0" err="1" smtClean="0"/>
-              <a:t>mit</a:t>
-            </a:r>
-            <a:r>
-              <a:rPr lang="en-US" dirty="0" smtClean="0"/>
-              <a:t> </a:t>
-            </a:r>
-            <a:r>
-              <a:rPr lang="en-US" dirty="0" err="1" smtClean="0"/>
-              <a:t>Datenbank</a:t>
-            </a:r>
-            <a:endParaRPr lang="en-US" dirty="0"/>
-          </a:p>
-          <a:p>
-            <a:pPr lvl="1">
-              <a:lnSpc>
-                <a:spcPct val="90000"/>
-              </a:lnSpc>
-            </a:pPr>
-            <a:r>
-              <a:rPr lang="en-US" dirty="0"/>
-              <a:t>Clients </a:t>
-            </a:r>
-            <a:r>
-              <a:rPr lang="en-US" dirty="0" err="1" smtClean="0"/>
-              <a:t>haben</a:t>
-            </a:r>
-            <a:r>
-              <a:rPr lang="en-US" dirty="0" smtClean="0"/>
-              <a:t> </a:t>
-            </a:r>
-            <a:r>
-              <a:rPr lang="en-US" dirty="0" err="1" smtClean="0"/>
-              <a:t>eine</a:t>
-            </a:r>
-            <a:r>
-              <a:rPr lang="en-US" dirty="0" smtClean="0"/>
-              <a:t> </a:t>
-            </a:r>
-            <a:r>
-              <a:rPr lang="en-US" dirty="0" err="1" smtClean="0"/>
-              <a:t>Arbeitskopie</a:t>
-            </a:r>
-            <a:endParaRPr lang="en-US" dirty="0" smtClean="0"/>
-          </a:p>
-          <a:p>
-            <a:pPr>
-              <a:lnSpc>
-                <a:spcPct val="90000"/>
-              </a:lnSpc>
-            </a:pPr>
-            <a:r>
-              <a:rPr lang="en-US" sz="3600" dirty="0" err="1" smtClean="0"/>
-              <a:t>Beispiele</a:t>
-            </a:r>
-            <a:endParaRPr lang="en-US" sz="3600" dirty="0"/>
-          </a:p>
-          <a:p>
-            <a:pPr lvl="1">
-              <a:lnSpc>
-                <a:spcPct val="90000"/>
-              </a:lnSpc>
-            </a:pPr>
-            <a:r>
-              <a:rPr lang="en-US" dirty="0"/>
-              <a:t>CVS</a:t>
-            </a:r>
-          </a:p>
-          <a:p>
-            <a:pPr lvl="1">
-              <a:lnSpc>
-                <a:spcPct val="90000"/>
-              </a:lnSpc>
-            </a:pPr>
-            <a:r>
-              <a:rPr lang="en-US" dirty="0"/>
-              <a:t>Subversion</a:t>
-            </a:r>
-          </a:p>
-          <a:p>
-            <a:pPr lvl="1">
-              <a:lnSpc>
-                <a:spcPct val="90000"/>
-              </a:lnSpc>
-            </a:pPr>
-            <a:r>
-              <a:rPr lang="en-US" dirty="0"/>
-              <a:t>Visual Source </a:t>
-            </a:r>
-            <a:r>
-              <a:rPr lang="en-US" dirty="0" smtClean="0"/>
-              <a:t>Safe</a:t>
-            </a:r>
-          </a:p>
-          <a:p>
-            <a:pPr lvl="1">
-              <a:lnSpc>
-                <a:spcPct val="90000"/>
-              </a:lnSpc>
-            </a:pPr>
-            <a:r>
-              <a:rPr lang="en-US" dirty="0" smtClean="0"/>
-              <a:t>Team Foundation Server</a:t>
-            </a:r>
-            <a:endParaRPr lang="en-US" dirty="0"/>
+            <a:r>
+              <a:rPr lang="de-DE" sz="3600" dirty="0"/>
+              <a:t>Verwaltung und Historie eines Projekts</a:t>
+            </a:r>
+          </a:p>
+          <a:p>
+            <a:pPr lvl="1"/>
+            <a:r>
+              <a:rPr lang="de-DE" sz="3200" dirty="0" smtClean="0"/>
+              <a:t>Was </a:t>
+            </a:r>
+            <a:r>
+              <a:rPr lang="de-DE" sz="3200" dirty="0"/>
+              <a:t>wurde </a:t>
+            </a:r>
+            <a:r>
+              <a:rPr lang="de-DE" sz="3200" dirty="0" smtClean="0"/>
+              <a:t>geändert?</a:t>
+            </a:r>
+            <a:endParaRPr lang="de-DE" sz="3200" dirty="0"/>
+          </a:p>
+          <a:p>
+            <a:pPr lvl="1"/>
+            <a:r>
+              <a:rPr lang="de-DE" sz="3200" dirty="0" smtClean="0"/>
+              <a:t>Wer </a:t>
+            </a:r>
+            <a:r>
+              <a:rPr lang="de-DE" sz="3200" dirty="0"/>
+              <a:t>hat was </a:t>
+            </a:r>
+            <a:r>
+              <a:rPr lang="de-DE" sz="3200" dirty="0" smtClean="0"/>
+              <a:t>geändert?</a:t>
+            </a:r>
+            <a:endParaRPr lang="de-DE" sz="3200" dirty="0"/>
+          </a:p>
+          <a:p>
+            <a:pPr lvl="1"/>
+            <a:r>
+              <a:rPr lang="de-DE" sz="3200" dirty="0" smtClean="0"/>
+              <a:t>Wann </a:t>
+            </a:r>
+            <a:r>
+              <a:rPr lang="de-DE" sz="3200" dirty="0"/>
+              <a:t>wurde die Änderung </a:t>
+            </a:r>
+            <a:r>
+              <a:rPr lang="de-DE" sz="3200" dirty="0" smtClean="0"/>
+              <a:t>vorgenommen?</a:t>
+            </a:r>
+            <a:endParaRPr lang="de-DE" sz="3200" dirty="0"/>
+          </a:p>
+          <a:p>
+            <a:pPr lvl="1"/>
+            <a:r>
+              <a:rPr lang="de-DE" sz="3200" dirty="0" smtClean="0"/>
+              <a:t>Warum </a:t>
+            </a:r>
+            <a:r>
+              <a:rPr lang="de-DE" sz="3200" dirty="0"/>
+              <a:t>wurde die Änderung </a:t>
+            </a:r>
+            <a:r>
+              <a:rPr lang="de-DE" sz="3200" dirty="0" smtClean="0"/>
+              <a:t>gemacht?</a:t>
+            </a:r>
+          </a:p>
+          <a:p>
+            <a:pPr lvl="1"/>
+            <a:r>
+              <a:rPr lang="de-DE" sz="3200" dirty="0" smtClean="0"/>
+              <a:t>Kontrolliertes Rückgängigmachen von Änderungen</a:t>
+            </a:r>
+            <a:endParaRPr lang="de-DE" sz="3200" dirty="0"/>
           </a:p>
         </p:txBody>
       </p:sp>
     </p:spTree>
     <p:extLst>
       <p:ext uri="{BB962C8B-B14F-4D97-AF65-F5344CB8AC3E}">
-        <p14:creationId xmlns:p14="http://schemas.microsoft.com/office/powerpoint/2010/main" val="1287980087"/>
+        <p14:creationId xmlns:p14="http://schemas.microsoft.com/office/powerpoint/2010/main" val="1901330953"/>
       </p:ext>
     </p:extLst>
   </p:cSld>
@@ -9610,7 +10099,275 @@
   <p:timing>
     <p:tnLst>
       <p:par>
-        <p:cTn id="1" dur="indefinite" restart="never" nodeType="tmRoot"/>
+        <p:cTn id="1" dur="indefinite" restart="never" nodeType="tmRoot">
+          <p:childTnLst>
+            <p:seq concurrent="1" nextAc="seek">
+              <p:cTn id="2" dur="indefinite" nodeType="mainSeq">
+                <p:childTnLst>
+                  <p:par>
+                    <p:cTn id="3" fill="hold">
+                      <p:stCondLst>
+                        <p:cond delay="indefinite"/>
+                      </p:stCondLst>
+                      <p:childTnLst>
+                        <p:par>
+                          <p:cTn id="4" fill="hold">
+                            <p:stCondLst>
+                              <p:cond delay="0"/>
+                            </p:stCondLst>
+                            <p:childTnLst>
+                              <p:par>
+                                <p:cTn id="5" presetID="1" presetClass="entr" presetSubtype="0" fill="hold" nodeType="clickEffect">
+                                  <p:stCondLst>
+                                    <p:cond delay="0"/>
+                                  </p:stCondLst>
+                                  <p:childTnLst>
+                                    <p:set>
+                                      <p:cBhvr>
+                                        <p:cTn id="6" dur="1" fill="hold">
+                                          <p:stCondLst>
+                                            <p:cond delay="0"/>
+                                          </p:stCondLst>
+                                        </p:cTn>
+                                        <p:tgtEl>
+                                          <p:spTgt spid="3">
+                                            <p:txEl>
+                                              <p:pRg st="1" end="1"/>
+                                            </p:txEl>
+                                          </p:spTgt>
+                                        </p:tgtEl>
+                                        <p:attrNameLst>
+                                          <p:attrName>style.visibility</p:attrName>
+                                        </p:attrNameLst>
+                                      </p:cBhvr>
+                                      <p:to>
+                                        <p:strVal val="visible"/>
+                                      </p:to>
+                                    </p:set>
+                                  </p:childTnLst>
+                                </p:cTn>
+                              </p:par>
+                            </p:childTnLst>
+                          </p:cTn>
+                        </p:par>
+                      </p:childTnLst>
+                    </p:cTn>
+                  </p:par>
+                  <p:par>
+                    <p:cTn id="7" fill="hold">
+                      <p:stCondLst>
+                        <p:cond delay="indefinite"/>
+                      </p:stCondLst>
+                      <p:childTnLst>
+                        <p:par>
+                          <p:cTn id="8" fill="hold">
+                            <p:stCondLst>
+                              <p:cond delay="0"/>
+                            </p:stCondLst>
+                            <p:childTnLst>
+                              <p:par>
+                                <p:cTn id="9" presetID="1" presetClass="entr" presetSubtype="0" fill="hold" nodeType="clickEffect">
+                                  <p:stCondLst>
+                                    <p:cond delay="0"/>
+                                  </p:stCondLst>
+                                  <p:childTnLst>
+                                    <p:set>
+                                      <p:cBhvr>
+                                        <p:cTn id="10" dur="1" fill="hold">
+                                          <p:stCondLst>
+                                            <p:cond delay="0"/>
+                                          </p:stCondLst>
+                                        </p:cTn>
+                                        <p:tgtEl>
+                                          <p:spTgt spid="3">
+                                            <p:txEl>
+                                              <p:pRg st="2" end="2"/>
+                                            </p:txEl>
+                                          </p:spTgt>
+                                        </p:tgtEl>
+                                        <p:attrNameLst>
+                                          <p:attrName>style.visibility</p:attrName>
+                                        </p:attrNameLst>
+                                      </p:cBhvr>
+                                      <p:to>
+                                        <p:strVal val="visible"/>
+                                      </p:to>
+                                    </p:set>
+                                  </p:childTnLst>
+                                </p:cTn>
+                              </p:par>
+                            </p:childTnLst>
+                          </p:cTn>
+                        </p:par>
+                      </p:childTnLst>
+                    </p:cTn>
+                  </p:par>
+                  <p:par>
+                    <p:cTn id="11" fill="hold">
+                      <p:stCondLst>
+                        <p:cond delay="indefinite"/>
+                      </p:stCondLst>
+                      <p:childTnLst>
+                        <p:par>
+                          <p:cTn id="12" fill="hold">
+                            <p:stCondLst>
+                              <p:cond delay="0"/>
+                            </p:stCondLst>
+                            <p:childTnLst>
+                              <p:par>
+                                <p:cTn id="13" presetID="1" presetClass="entr" presetSubtype="0" fill="hold" nodeType="clickEffect">
+                                  <p:stCondLst>
+                                    <p:cond delay="0"/>
+                                  </p:stCondLst>
+                                  <p:childTnLst>
+                                    <p:set>
+                                      <p:cBhvr>
+                                        <p:cTn id="14" dur="1" fill="hold">
+                                          <p:stCondLst>
+                                            <p:cond delay="0"/>
+                                          </p:stCondLst>
+                                        </p:cTn>
+                                        <p:tgtEl>
+                                          <p:spTgt spid="3">
+                                            <p:txEl>
+                                              <p:pRg st="3" end="3"/>
+                                            </p:txEl>
+                                          </p:spTgt>
+                                        </p:tgtEl>
+                                        <p:attrNameLst>
+                                          <p:attrName>style.visibility</p:attrName>
+                                        </p:attrNameLst>
+                                      </p:cBhvr>
+                                      <p:to>
+                                        <p:strVal val="visible"/>
+                                      </p:to>
+                                    </p:set>
+                                  </p:childTnLst>
+                                </p:cTn>
+                              </p:par>
+                            </p:childTnLst>
+                          </p:cTn>
+                        </p:par>
+                      </p:childTnLst>
+                    </p:cTn>
+                  </p:par>
+                  <p:par>
+                    <p:cTn id="15" fill="hold">
+                      <p:stCondLst>
+                        <p:cond delay="indefinite"/>
+                      </p:stCondLst>
+                      <p:childTnLst>
+                        <p:par>
+                          <p:cTn id="16" fill="hold">
+                            <p:stCondLst>
+                              <p:cond delay="0"/>
+                            </p:stCondLst>
+                            <p:childTnLst>
+                              <p:par>
+                                <p:cTn id="17" presetID="1" presetClass="entr" presetSubtype="0" fill="hold" nodeType="clickEffect">
+                                  <p:stCondLst>
+                                    <p:cond delay="0"/>
+                                  </p:stCondLst>
+                                  <p:childTnLst>
+                                    <p:set>
+                                      <p:cBhvr>
+                                        <p:cTn id="18" dur="1" fill="hold">
+                                          <p:stCondLst>
+                                            <p:cond delay="0"/>
+                                          </p:stCondLst>
+                                        </p:cTn>
+                                        <p:tgtEl>
+                                          <p:spTgt spid="3">
+                                            <p:txEl>
+                                              <p:pRg st="4" end="4"/>
+                                            </p:txEl>
+                                          </p:spTgt>
+                                        </p:tgtEl>
+                                        <p:attrNameLst>
+                                          <p:attrName>style.visibility</p:attrName>
+                                        </p:attrNameLst>
+                                      </p:cBhvr>
+                                      <p:to>
+                                        <p:strVal val="visible"/>
+                                      </p:to>
+                                    </p:set>
+                                  </p:childTnLst>
+                                </p:cTn>
+                              </p:par>
+                            </p:childTnLst>
+                          </p:cTn>
+                        </p:par>
+                      </p:childTnLst>
+                    </p:cTn>
+                  </p:par>
+                  <p:par>
+                    <p:cTn id="19" fill="hold">
+                      <p:stCondLst>
+                        <p:cond delay="indefinite"/>
+                      </p:stCondLst>
+                      <p:childTnLst>
+                        <p:par>
+                          <p:cTn id="20" fill="hold">
+                            <p:stCondLst>
+                              <p:cond delay="0"/>
+                            </p:stCondLst>
+                            <p:childTnLst>
+                              <p:par>
+                                <p:cTn id="21" presetID="1" presetClass="entr" presetSubtype="0" fill="hold" nodeType="clickEffect">
+                                  <p:stCondLst>
+                                    <p:cond delay="0"/>
+                                  </p:stCondLst>
+                                  <p:childTnLst>
+                                    <p:set>
+                                      <p:cBhvr>
+                                        <p:cTn id="22" dur="1" fill="hold">
+                                          <p:stCondLst>
+                                            <p:cond delay="0"/>
+                                          </p:stCondLst>
+                                        </p:cTn>
+                                        <p:tgtEl>
+                                          <p:spTgt spid="3">
+                                            <p:txEl>
+                                              <p:pRg st="5" end="5"/>
+                                            </p:txEl>
+                                          </p:spTgt>
+                                        </p:tgtEl>
+                                        <p:attrNameLst>
+                                          <p:attrName>style.visibility</p:attrName>
+                                        </p:attrNameLst>
+                                      </p:cBhvr>
+                                      <p:to>
+                                        <p:strVal val="visible"/>
+                                      </p:to>
+                                    </p:set>
+                                  </p:childTnLst>
+                                </p:cTn>
+                              </p:par>
+                            </p:childTnLst>
+                          </p:cTn>
+                        </p:par>
+                      </p:childTnLst>
+                    </p:cTn>
+                  </p:par>
+                </p:childTnLst>
+              </p:cTn>
+              <p:prevCondLst>
+                <p:cond evt="onPrev" delay="0">
+                  <p:tgtEl>
+                    <p:sldTgt/>
+                  </p:tgtEl>
+                </p:cond>
+              </p:prevCondLst>
+              <p:nextCondLst>
+                <p:cond evt="onNext" delay="0">
+                  <p:tgtEl>
+                    <p:sldTgt/>
+                  </p:tgtEl>
+                </p:cond>
+              </p:nextCondLst>
+            </p:seq>
+          </p:childTnLst>
+        </p:cTn>
       </p:par>
     </p:tnLst>
   </p:timing>
@@ -9636,96 +10393,196 @@
       </p:grpSpPr>
       <p:sp>
         <p:nvSpPr>
-          <p:cNvPr id="2" name="Titel 1"/>
-          <p:cNvSpPr>
-            <a:spLocks noGrp="1"/>
+          <p:cNvPr id="26626" name="Rectangle 2"/>
+          <p:cNvSpPr>
+            <a:spLocks noGrp="1" noChangeArrowheads="1"/>
           </p:cNvSpPr>
           <p:nvPr>
             <p:ph type="title"/>
           </p:nvPr>
         </p:nvSpPr>
-        <p:spPr>
-          <a:xfrm>
-            <a:off x="457200" y="155448"/>
-            <a:ext cx="8229600" cy="1113312"/>
-          </a:xfrm>
-        </p:spPr>
+        <p:spPr/>
+        <p:txBody>
+          <a:bodyPr/>
+          <a:lstStyle/>
+          <a:p>
+            <a:r>
+              <a:rPr lang="en-US" dirty="0" err="1" smtClean="0"/>
+              <a:t>Zentralisierte</a:t>
+            </a:r>
+            <a:r>
+              <a:rPr lang="en-US" dirty="0" smtClean="0"/>
+              <a:t> </a:t>
+            </a:r>
+            <a:r>
+              <a:rPr lang="en-US" dirty="0" err="1" smtClean="0"/>
+              <a:t>Versionskontrolle</a:t>
+            </a:r>
+            <a:endParaRPr lang="en-US" dirty="0"/>
+          </a:p>
+        </p:txBody>
+      </p:sp>
+      <p:sp>
+        <p:nvSpPr>
+          <p:cNvPr id="26627" name="Rectangle 3"/>
+          <p:cNvSpPr>
+            <a:spLocks noGrp="1" noChangeArrowheads="1"/>
+          </p:cNvSpPr>
+          <p:nvPr>
+            <p:ph type="body" idx="1"/>
+          </p:nvPr>
+        </p:nvSpPr>
+        <p:spPr/>
         <p:txBody>
           <a:bodyPr>
-            <a:noAutofit/>
+            <a:normAutofit/>
           </a:bodyPr>
           <a:lstStyle/>
           <a:p>
-            <a:r>
-              <a:rPr lang="de-DE" sz="4800" dirty="0" smtClean="0"/>
-              <a:t>Probleme mit </a:t>
-            </a:r>
-            <a:br>
-              <a:rPr lang="de-DE" sz="4800" dirty="0" smtClean="0"/>
-            </a:br>
-            <a:r>
-              <a:rPr lang="de-DE" sz="4800" dirty="0" smtClean="0"/>
-              <a:t>zentralisierten Systemen</a:t>
-            </a:r>
-            <a:endParaRPr lang="de-DE" sz="4800" dirty="0"/>
-          </a:p>
-        </p:txBody>
-      </p:sp>
-      <p:sp>
-        <p:nvSpPr>
-          <p:cNvPr id="3" name="Inhaltsplatzhalter 2"/>
-          <p:cNvSpPr>
-            <a:spLocks noGrp="1"/>
-          </p:cNvSpPr>
-          <p:nvPr>
-            <p:ph idx="1"/>
-          </p:nvPr>
-        </p:nvSpPr>
-        <p:spPr/>
-        <p:txBody>
-          <a:bodyPr>
-            <a:noAutofit/>
-          </a:bodyPr>
-          <a:lstStyle/>
-          <a:p>
-            <a:r>
-              <a:rPr lang="de-DE" sz="4400" dirty="0" smtClean="0"/>
-              <a:t>Exklusives Auschecken</a:t>
-            </a:r>
-          </a:p>
-          <a:p>
-            <a:pPr lvl="1"/>
-            <a:r>
-              <a:rPr lang="de-DE" sz="4000" dirty="0" smtClean="0"/>
-              <a:t>Paralleles Arbeiten an einer Datei schwierig</a:t>
-            </a:r>
-          </a:p>
-          <a:p>
-            <a:r>
-              <a:rPr lang="de-DE" sz="4000" dirty="0"/>
-              <a:t>Einchecken in zentralen </a:t>
-            </a:r>
-            <a:r>
-              <a:rPr lang="de-DE" sz="4000" dirty="0" smtClean="0"/>
-              <a:t>Entwicklungszweig</a:t>
-            </a:r>
-            <a:endParaRPr lang="de-DE" sz="4000" dirty="0"/>
-          </a:p>
-          <a:p>
-            <a:pPr lvl="1"/>
-            <a:r>
-              <a:rPr lang="de-DE" sz="3600" dirty="0"/>
-              <a:t>Änderungen werden sofort an alle Entwickler </a:t>
-            </a:r>
-            <a:r>
-              <a:rPr lang="de-DE" sz="3600" dirty="0" smtClean="0"/>
-              <a:t>verteilt</a:t>
-            </a:r>
-            <a:endParaRPr lang="de-DE" sz="3600" dirty="0"/>
+            <a:pPr>
+              <a:lnSpc>
+                <a:spcPct val="90000"/>
+              </a:lnSpc>
+            </a:pPr>
+            <a:r>
+              <a:rPr lang="en-US" dirty="0" err="1" smtClean="0"/>
+              <a:t>Traditionelle</a:t>
+            </a:r>
+            <a:r>
+              <a:rPr lang="en-US" dirty="0" smtClean="0"/>
+              <a:t> Client/Server-</a:t>
+            </a:r>
+            <a:r>
+              <a:rPr lang="en-US" dirty="0" err="1" smtClean="0"/>
+              <a:t>Architektur</a:t>
+            </a:r>
+            <a:endParaRPr lang="en-US" dirty="0"/>
+          </a:p>
+          <a:p>
+            <a:pPr lvl="1">
+              <a:lnSpc>
+                <a:spcPct val="90000"/>
+              </a:lnSpc>
+            </a:pPr>
+            <a:r>
+              <a:rPr lang="en-US" dirty="0"/>
+              <a:t>Server </a:t>
+            </a:r>
+            <a:r>
+              <a:rPr lang="en-US" dirty="0" err="1" smtClean="0"/>
+              <a:t>mit</a:t>
+            </a:r>
+            <a:r>
+              <a:rPr lang="en-US" dirty="0" smtClean="0"/>
+              <a:t> </a:t>
+            </a:r>
+            <a:r>
+              <a:rPr lang="en-US" dirty="0" err="1" smtClean="0"/>
+              <a:t>Datenbank</a:t>
+            </a:r>
+            <a:endParaRPr lang="en-US" dirty="0"/>
+          </a:p>
+          <a:p>
+            <a:pPr lvl="1">
+              <a:lnSpc>
+                <a:spcPct val="90000"/>
+              </a:lnSpc>
+            </a:pPr>
+            <a:r>
+              <a:rPr lang="en-US" dirty="0"/>
+              <a:t>Clients </a:t>
+            </a:r>
+            <a:r>
+              <a:rPr lang="en-US" dirty="0" err="1" smtClean="0"/>
+              <a:t>haben</a:t>
+            </a:r>
+            <a:r>
+              <a:rPr lang="en-US" dirty="0" smtClean="0"/>
+              <a:t> </a:t>
+            </a:r>
+            <a:r>
+              <a:rPr lang="en-US" dirty="0" err="1" smtClean="0"/>
+              <a:t>eine</a:t>
+            </a:r>
+            <a:r>
+              <a:rPr lang="en-US" dirty="0" smtClean="0"/>
+              <a:t> </a:t>
+            </a:r>
+            <a:r>
+              <a:rPr lang="en-US" dirty="0" err="1" smtClean="0"/>
+              <a:t>Arbeitskopie</a:t>
+            </a:r>
+            <a:endParaRPr lang="en-US" dirty="0" smtClean="0"/>
+          </a:p>
+          <a:p>
+            <a:pPr>
+              <a:lnSpc>
+                <a:spcPct val="90000"/>
+              </a:lnSpc>
+            </a:pPr>
+            <a:r>
+              <a:rPr lang="en-US" sz="3600" dirty="0" err="1" smtClean="0"/>
+              <a:t>Beispiele</a:t>
+            </a:r>
+            <a:endParaRPr lang="en-US" sz="3600" dirty="0"/>
+          </a:p>
+          <a:p>
+            <a:pPr lvl="1">
+              <a:lnSpc>
+                <a:spcPct val="90000"/>
+              </a:lnSpc>
+            </a:pPr>
+            <a:r>
+              <a:rPr lang="en-US" dirty="0"/>
+              <a:t>CVS</a:t>
+            </a:r>
+          </a:p>
+          <a:p>
+            <a:pPr lvl="1">
+              <a:lnSpc>
+                <a:spcPct val="90000"/>
+              </a:lnSpc>
+            </a:pPr>
+            <a:r>
+              <a:rPr lang="en-US" dirty="0"/>
+              <a:t>Subversion</a:t>
+            </a:r>
+          </a:p>
+          <a:p>
+            <a:pPr lvl="1">
+              <a:lnSpc>
+                <a:spcPct val="90000"/>
+              </a:lnSpc>
+            </a:pPr>
+            <a:r>
+              <a:rPr lang="en-US" dirty="0"/>
+              <a:t>Visual Source </a:t>
+            </a:r>
+            <a:r>
+              <a:rPr lang="en-US" dirty="0" smtClean="0"/>
+              <a:t>Safe</a:t>
+            </a:r>
+          </a:p>
+          <a:p>
+            <a:pPr lvl="1">
+              <a:lnSpc>
+                <a:spcPct val="90000"/>
+              </a:lnSpc>
+            </a:pPr>
+            <a:r>
+              <a:rPr lang="en-US" dirty="0" smtClean="0"/>
+              <a:t>Team Foundation Server</a:t>
+            </a:r>
+            <a:endParaRPr lang="en-US" dirty="0"/>
           </a:p>
         </p:txBody>
       </p:sp>
     </p:spTree>
+    <p:extLst>
+      <p:ext uri="{BB962C8B-B14F-4D97-AF65-F5344CB8AC3E}">
+        <p14:creationId xmlns:p14="http://schemas.microsoft.com/office/powerpoint/2010/main" val="1190509764"/>
+      </p:ext>
+    </p:extLst>
   </p:cSld>
   <p:clrMapOvr>
     <a:masterClrMapping/>
@@ -9767,38 +10624,12 @@
             <p:ph type="title"/>
           </p:nvPr>
         </p:nvSpPr>
-        <p:spPr/>
-        <p:txBody>
-          <a:bodyPr>
-            <a:normAutofit fontScale="90000"/>
-          </a:bodyPr>
-          <a:lstStyle/>
-          <a:p>
-            <a:r>
-              <a:rPr lang="de-DE" sz="6000" dirty="0"/>
-              <a:t>Probleme mit </a:t>
-            </a:r>
-            <a:br>
-              <a:rPr lang="de-DE" sz="6000" dirty="0"/>
-            </a:br>
-            <a:r>
-              <a:rPr lang="de-DE" sz="6000" dirty="0"/>
-              <a:t>zentralisierten Systemen</a:t>
-            </a:r>
-          </a:p>
-        </p:txBody>
-      </p:sp>
-      <p:sp>
-        <p:nvSpPr>
-          <p:cNvPr id="3" name="Inhaltsplatzhalter 2"/>
-          <p:cNvSpPr>
-            <a:spLocks noGrp="1"/>
-          </p:cNvSpPr>
-          <p:nvPr>
-            <p:ph idx="1"/>
-          </p:nvPr>
-        </p:nvSpPr>
-        <p:spPr/>
+        <p:spPr>
+          <a:xfrm>
+            <a:off x="457200" y="155448"/>
+            <a:ext cx="8229600" cy="1113312"/>
+          </a:xfrm>
+        </p:spPr>
         <p:txBody>
           <a:bodyPr>
             <a:noAutofit/>
@@ -9806,38 +10637,71 @@
           <a:lstStyle/>
           <a:p>
             <a:r>
+              <a:rPr lang="de-DE" sz="4800" dirty="0" smtClean="0"/>
+              <a:t>Probleme mit </a:t>
+            </a:r>
+            <a:br>
+              <a:rPr lang="de-DE" sz="4800" dirty="0" smtClean="0"/>
+            </a:br>
+            <a:r>
+              <a:rPr lang="de-DE" sz="4800" dirty="0" smtClean="0"/>
+              <a:t>zentralisierten Systemen</a:t>
+            </a:r>
+            <a:endParaRPr lang="de-DE" sz="4800" dirty="0"/>
+          </a:p>
+        </p:txBody>
+      </p:sp>
+      <p:sp>
+        <p:nvSpPr>
+          <p:cNvPr id="3" name="Inhaltsplatzhalter 2"/>
+          <p:cNvSpPr>
+            <a:spLocks noGrp="1"/>
+          </p:cNvSpPr>
+          <p:nvPr>
+            <p:ph idx="1"/>
+          </p:nvPr>
+        </p:nvSpPr>
+        <p:spPr/>
+        <p:txBody>
+          <a:bodyPr>
+            <a:noAutofit/>
+          </a:bodyPr>
+          <a:lstStyle/>
+          <a:p>
+            <a:r>
+              <a:rPr lang="de-DE" sz="4400" dirty="0" smtClean="0"/>
+              <a:t>Exklusives Auschecken</a:t>
+            </a:r>
+          </a:p>
+          <a:p>
+            <a:pPr lvl="1"/>
+            <a:r>
+              <a:rPr lang="de-DE" sz="4000" dirty="0" smtClean="0"/>
+              <a:t>Paralleles Arbeiten an einer Datei schwierig</a:t>
+            </a:r>
+          </a:p>
+          <a:p>
+            <a:r>
+              <a:rPr lang="de-DE" sz="4000" dirty="0"/>
+              <a:t>Einchecken in zentralen </a:t>
+            </a:r>
+            <a:r>
+              <a:rPr lang="de-DE" sz="4000" dirty="0" smtClean="0"/>
+              <a:t>Entwicklungszweig</a:t>
+            </a:r>
+            <a:endParaRPr lang="de-DE" sz="4000" dirty="0"/>
+          </a:p>
+          <a:p>
+            <a:pPr lvl="1"/>
+            <a:r>
+              <a:rPr lang="de-DE" sz="3600" dirty="0"/>
+              <a:t>Änderungen werden sofort an alle Entwickler </a:t>
+            </a:r>
+            <a:r>
               <a:rPr lang="de-DE" sz="3600" dirty="0" smtClean="0"/>
-              <a:t>Jeder Commit geht direkt ins nächste Release</a:t>
-            </a:r>
-          </a:p>
-          <a:p>
-            <a:pPr lvl="1"/>
-            <a:r>
-              <a:rPr lang="de-DE" sz="3200" dirty="0" smtClean="0"/>
-              <a:t>Kein „Reifeprozess“ für Features die kurz vor dem Release eingecheckt werden</a:t>
-            </a:r>
-          </a:p>
-          <a:p>
-            <a:pPr lvl="1"/>
-            <a:r>
-              <a:rPr lang="de-DE" sz="3200" dirty="0" smtClean="0"/>
-              <a:t>Release nicht zu jedem Zeitpunkt möglich</a:t>
-            </a:r>
-          </a:p>
-          <a:p>
-            <a:pPr lvl="1"/>
-            <a:r>
-              <a:rPr lang="de-DE" sz="3200" dirty="0" smtClean="0"/>
-              <a:t>Kein „Cherry-</a:t>
-            </a:r>
-            <a:r>
-              <a:rPr lang="de-DE" sz="3200" dirty="0" err="1" smtClean="0"/>
-              <a:t>picking</a:t>
-            </a:r>
-            <a:r>
-              <a:rPr lang="de-DE" sz="3200" dirty="0" smtClean="0"/>
-              <a:t>“</a:t>
-            </a:r>
+              <a:t>verteilt</a:t>
+            </a:r>
+            <a:endParaRPr lang="de-DE" sz="3600" dirty="0"/>
           </a:p>
         </p:txBody>
       </p:sp>
@@ -9886,19 +10750,19 @@
         <p:spPr/>
         <p:txBody>
           <a:bodyPr>
-            <a:normAutofit fontScale="90000"/>
+            <a:noAutofit/>
           </a:bodyPr>
           <a:lstStyle/>
           <a:p>
             <a:r>
-              <a:rPr lang="de-DE" sz="6000" dirty="0"/>
+              <a:rPr lang="de-DE" sz="4800" dirty="0"/>
               <a:t>Probleme mit </a:t>
             </a:r>
             <a:br>
-              <a:rPr lang="de-DE" sz="6000" dirty="0"/>
+              <a:rPr lang="de-DE" sz="4800" dirty="0"/>
             </a:br>
             <a:r>
-              <a:rPr lang="de-DE" sz="6000" dirty="0"/>
+              <a:rPr lang="de-DE" sz="4800" dirty="0"/>
               <a:t>zentralisierten Systemen</a:t>
             </a:r>
           </a:p>
@@ -9922,57 +10786,37 @@
           <a:lstStyle/>
           <a:p>
             <a:r>
-              <a:rPr lang="de-DE" sz="4400" dirty="0" smtClean="0"/>
-              <a:t>Versionshistorie (VSS):</a:t>
+              <a:rPr lang="de-DE" sz="3600" dirty="0" smtClean="0"/>
+              <a:t>Jeder Commit geht direkt ins nächste Release</a:t>
             </a:r>
           </a:p>
           <a:p>
             <a:pPr lvl="1"/>
             <a:r>
-              <a:rPr lang="de-DE" sz="3600" dirty="0" err="1" smtClean="0"/>
-              <a:t>Commits</a:t>
-            </a:r>
-            <a:r>
-              <a:rPr lang="de-DE" sz="3600" dirty="0" smtClean="0"/>
-              <a:t> kommen nicht in jedem Fall so raus wie eingecheckt</a:t>
-            </a:r>
-          </a:p>
-          <a:p>
-            <a:pPr lvl="2"/>
-            <a:r>
               <a:rPr lang="de-DE" sz="3200" dirty="0" smtClean="0"/>
-              <a:t>„</a:t>
+              <a:t>Kein „Reifeprozess“ für Features die kurz vor dem Release eingecheckt werden</a:t>
+            </a:r>
+          </a:p>
+          <a:p>
+            <a:pPr lvl="1"/>
+            <a:r>
+              <a:rPr lang="de-DE" sz="3200" dirty="0" smtClean="0"/>
+              <a:t>Release nicht zu jedem Zeitpunkt möglich</a:t>
+            </a:r>
+          </a:p>
+          <a:p>
+            <a:pPr lvl="1"/>
+            <a:r>
+              <a:rPr lang="de-DE" sz="3200" dirty="0" smtClean="0"/>
+              <a:t>Kein „Cherry-</a:t>
             </a:r>
             <a:r>
               <a:rPr lang="de-DE" sz="3200" dirty="0" err="1" smtClean="0"/>
-              <a:t>Destroy</a:t>
+              <a:t>picking</a:t>
             </a:r>
             <a:r>
               <a:rPr lang="de-DE" sz="3200" dirty="0" smtClean="0"/>
-              <a:t> </a:t>
-            </a:r>
-            <a:r>
-              <a:rPr lang="de-DE" sz="3200" dirty="0" err="1" smtClean="0"/>
-              <a:t>permanently</a:t>
-            </a:r>
-            <a:r>
-              <a:rPr lang="de-DE" sz="3200" dirty="0" smtClean="0"/>
-              <a:t>“ </a:t>
-            </a:r>
-            <a:r>
-              <a:rPr lang="de-DE" sz="3200" dirty="0" smtClean="0">
-                <a:sym typeface="Wingdings" pitchFamily="2" charset="2"/>
-              </a:rPr>
-              <a:t>Beeinflusst alle Labels</a:t>
-            </a:r>
-          </a:p>
-          <a:p>
-            <a:pPr lvl="2"/>
-            <a:r>
-              <a:rPr lang="de-DE" sz="3200" dirty="0" smtClean="0">
-                <a:sym typeface="Wingdings" pitchFamily="2" charset="2"/>
-              </a:rPr>
-              <a:t>Commit-Messages können geändert werden</a:t>
+              <a:t>“</a:t>
             </a:r>
           </a:p>
         </p:txBody>
@@ -10022,19 +10866,19 @@
         <p:spPr/>
         <p:txBody>
           <a:bodyPr>
-            <a:normAutofit fontScale="90000"/>
+            <a:noAutofit/>
           </a:bodyPr>
           <a:lstStyle/>
           <a:p>
             <a:r>
-              <a:rPr lang="de-DE" sz="6000" dirty="0"/>
+              <a:rPr lang="de-DE" sz="4800" dirty="0"/>
               <a:t>Probleme mit </a:t>
             </a:r>
             <a:br>
-              <a:rPr lang="de-DE" sz="6000" dirty="0"/>
+              <a:rPr lang="de-DE" sz="4800" dirty="0"/>
             </a:br>
             <a:r>
-              <a:rPr lang="de-DE" sz="6000" dirty="0"/>
+              <a:rPr lang="de-DE" sz="4800" dirty="0"/>
               <a:t>zentralisierten Systemen</a:t>
             </a:r>
           </a:p>
@@ -10058,32 +10902,83 @@
           <a:lstStyle/>
           <a:p>
             <a:r>
-              <a:rPr lang="de-DE" sz="4400" dirty="0" smtClean="0"/>
-              <a:t>Stabilität (VSS):</a:t>
-            </a:r>
+              <a:rPr lang="de-DE" sz="4000" dirty="0" err="1" smtClean="0"/>
+              <a:t>Commits</a:t>
+            </a:r>
+            <a:r>
+              <a:rPr lang="de-DE" sz="4000" dirty="0" smtClean="0"/>
+              <a:t> </a:t>
+            </a:r>
+            <a:r>
+              <a:rPr lang="de-DE" sz="4000" dirty="0" smtClean="0"/>
+              <a:t>kommen nicht in jedem Fall so raus wie </a:t>
+            </a:r>
+            <a:r>
+              <a:rPr lang="de-DE" sz="4000" dirty="0"/>
+              <a:t>eingecheckt (VSS)</a:t>
+            </a:r>
+            <a:endParaRPr lang="de-DE" sz="4000" dirty="0" smtClean="0"/>
           </a:p>
           <a:p>
             <a:pPr lvl="1"/>
             <a:r>
               <a:rPr lang="de-DE" sz="3600" dirty="0" smtClean="0"/>
-              <a:t>Viele kleine Files </a:t>
+              <a:t>„</a:t>
+            </a:r>
+            <a:r>
+              <a:rPr lang="de-DE" sz="3600" dirty="0" err="1" smtClean="0"/>
+              <a:t>Destroy</a:t>
+            </a:r>
+            <a:r>
+              <a:rPr lang="de-DE" sz="3600" dirty="0" smtClean="0"/>
+              <a:t> </a:t>
+            </a:r>
+            <a:r>
+              <a:rPr lang="de-DE" sz="3600" dirty="0" err="1" smtClean="0"/>
+              <a:t>permanently</a:t>
+            </a:r>
+            <a:r>
+              <a:rPr lang="de-DE" sz="3600" dirty="0" smtClean="0"/>
+              <a:t>“ </a:t>
             </a:r>
             <a:r>
               <a:rPr lang="de-DE" sz="3600" dirty="0" smtClean="0">
                 <a:sym typeface="Wingdings" pitchFamily="2" charset="2"/>
               </a:rPr>
-              <a:t></a:t>
-            </a:r>
-            <a:r>
-              <a:rPr lang="de-DE" sz="3600" dirty="0" smtClean="0"/>
-              <a:t> bei Remote-Zugriff hohe Chance für kaputte Files</a:t>
+              <a:t>Beeinflusst alle Labels</a:t>
             </a:r>
           </a:p>
           <a:p>
             <a:pPr lvl="1"/>
             <a:r>
-              <a:rPr lang="de-DE" sz="3600" dirty="0" smtClean="0"/>
-              <a:t>Zur Wartung müssen alle Entwickler aus dem VSS raus</a:t>
+              <a:rPr lang="de-DE" sz="3600" dirty="0" smtClean="0">
+                <a:sym typeface="Wingdings" pitchFamily="2" charset="2"/>
+              </a:rPr>
+              <a:t>Commit-Messages </a:t>
+            </a:r>
+            <a:r>
+              <a:rPr lang="de-DE" sz="3600" dirty="0" smtClean="0">
+                <a:sym typeface="Wingdings" pitchFamily="2" charset="2"/>
+              </a:rPr>
+              <a:t>(und </a:t>
+            </a:r>
+            <a:r>
+              <a:rPr lang="de-DE" sz="3600" dirty="0" err="1" smtClean="0">
+                <a:sym typeface="Wingdings" pitchFamily="2" charset="2"/>
+              </a:rPr>
+              <a:t>Commits</a:t>
+            </a:r>
+            <a:r>
+              <a:rPr lang="de-DE" sz="3600" dirty="0" smtClean="0">
+                <a:sym typeface="Wingdings" pitchFamily="2" charset="2"/>
+              </a:rPr>
+              <a:t>) können </a:t>
+            </a:r>
+            <a:r>
+              <a:rPr lang="de-DE" sz="3600" dirty="0" smtClean="0">
+                <a:sym typeface="Wingdings" pitchFamily="2" charset="2"/>
+              </a:rPr>
+              <a:t>geändert werden</a:t>
             </a:r>
           </a:p>
         </p:txBody>
@@ -10122,9 +11017,9 @@
       </p:grpSpPr>
       <p:sp>
         <p:nvSpPr>
-          <p:cNvPr id="26626" name="Rectangle 2"/>
-          <p:cNvSpPr>
-            <a:spLocks noGrp="1" noChangeArrowheads="1"/>
+          <p:cNvPr id="2" name="Titel 1"/>
+          <p:cNvSpPr>
+            <a:spLocks noGrp="1"/>
           </p:cNvSpPr>
           <p:nvPr>
             <p:ph type="title"/>
@@ -10132,186 +11027,115 @@
         </p:nvSpPr>
         <p:spPr/>
         <p:txBody>
-          <a:bodyPr/>
-          <a:lstStyle/>
-          <a:p>
-            <a:r>
-              <a:rPr lang="en-US" dirty="0" err="1" smtClean="0"/>
-              <a:t>Zentralisierte</a:t>
-            </a:r>
-            <a:r>
-              <a:rPr lang="en-US" dirty="0" smtClean="0"/>
-              <a:t> </a:t>
-            </a:r>
-            <a:r>
-              <a:rPr lang="en-US" dirty="0" err="1" smtClean="0"/>
-              <a:t>Versionskontrolle</a:t>
-            </a:r>
-            <a:endParaRPr lang="en-US" dirty="0"/>
-          </a:p>
-        </p:txBody>
-      </p:sp>
-      <p:sp>
-        <p:nvSpPr>
-          <p:cNvPr id="26627" name="Rectangle 3"/>
-          <p:cNvSpPr>
-            <a:spLocks noGrp="1" noChangeArrowheads="1"/>
-          </p:cNvSpPr>
-          <p:nvPr>
-            <p:ph type="body" idx="1"/>
-          </p:nvPr>
-        </p:nvSpPr>
-        <p:spPr/>
-        <p:txBody>
           <a:bodyPr>
-            <a:normAutofit/>
+            <a:noAutofit/>
           </a:bodyPr>
           <a:lstStyle/>
           <a:p>
-            <a:pPr>
-              <a:lnSpc>
-                <a:spcPct val="90000"/>
-              </a:lnSpc>
-            </a:pPr>
-            <a:r>
-              <a:rPr lang="en-US" dirty="0" err="1" smtClean="0"/>
-              <a:t>Traditionelle</a:t>
-            </a:r>
-            <a:r>
-              <a:rPr lang="en-US" dirty="0" smtClean="0"/>
-              <a:t> Client/Server-</a:t>
-            </a:r>
-            <a:r>
-              <a:rPr lang="en-US" dirty="0" err="1" smtClean="0"/>
-              <a:t>Architektur</a:t>
-            </a:r>
-            <a:endParaRPr lang="en-US" dirty="0"/>
-          </a:p>
-          <a:p>
-            <a:pPr lvl="1">
-              <a:lnSpc>
-                <a:spcPct val="90000"/>
-              </a:lnSpc>
-            </a:pPr>
-            <a:r>
-              <a:rPr lang="en-US" dirty="0"/>
-              <a:t>Server </a:t>
-            </a:r>
-            <a:r>
-              <a:rPr lang="en-US" dirty="0" err="1" smtClean="0"/>
-              <a:t>mit</a:t>
-            </a:r>
-            <a:r>
-              <a:rPr lang="en-US" dirty="0" smtClean="0"/>
+            <a:r>
+              <a:rPr lang="de-DE" sz="4800" dirty="0"/>
+              <a:t>Probleme mit </a:t>
+            </a:r>
+            <a:br>
+              <a:rPr lang="de-DE" sz="4800" dirty="0"/>
+            </a:br>
+            <a:r>
+              <a:rPr lang="de-DE" sz="4800" dirty="0"/>
+              <a:t>zentralisierten Systemen</a:t>
+            </a:r>
+          </a:p>
+        </p:txBody>
+      </p:sp>
+      <p:sp>
+        <p:nvSpPr>
+          <p:cNvPr id="3" name="Inhaltsplatzhalter 2"/>
+          <p:cNvSpPr>
+            <a:spLocks noGrp="1"/>
+          </p:cNvSpPr>
+          <p:nvPr>
+            <p:ph idx="1"/>
+          </p:nvPr>
+        </p:nvSpPr>
+        <p:spPr/>
+        <p:txBody>
+          <a:bodyPr>
+            <a:noAutofit/>
+          </a:bodyPr>
+          <a:lstStyle/>
+          <a:p>
+            <a:r>
+              <a:rPr lang="de-DE" sz="4400" dirty="0" smtClean="0"/>
+              <a:t>Stabilität (VSS):</a:t>
+            </a:r>
+          </a:p>
+          <a:p>
+            <a:pPr lvl="1"/>
+            <a:r>
+              <a:rPr lang="de-DE" sz="3600" dirty="0" smtClean="0"/>
+              <a:t>Viele kleine Files </a:t>
+            </a:r>
+            <a:r>
+              <a:rPr lang="de-DE" sz="3600" dirty="0" smtClean="0">
+                <a:sym typeface="Wingdings" pitchFamily="2" charset="2"/>
+              </a:rPr>
+              <a:t></a:t>
+            </a:r>
+            <a:r>
+              <a:rPr lang="de-DE" sz="3600" dirty="0" smtClean="0"/>
+              <a:t> bei Remote-Zugriff hohe Chance für </a:t>
+            </a:r>
+            <a:r>
+              <a:rPr lang="de-DE" sz="3600" dirty="0" smtClean="0"/>
+              <a:t>korrupte Files</a:t>
+            </a:r>
+            <a:endParaRPr lang="de-DE" sz="3600" dirty="0" smtClean="0"/>
+          </a:p>
+          <a:p>
+            <a:pPr lvl="1"/>
+            <a:r>
+              <a:rPr lang="de-DE" sz="3600" dirty="0" smtClean="0"/>
+              <a:t>Zur Wartung müssen alle Entwickler aus dem VSS </a:t>
+            </a:r>
+            <a:r>
+              <a:rPr lang="de-DE" sz="3600" dirty="0" smtClean="0"/>
+              <a:t>raus</a:t>
+            </a:r>
+          </a:p>
+          <a:p>
+            <a:pPr lvl="2"/>
+            <a:r>
+              <a:rPr lang="de-DE" sz="3200" dirty="0" err="1" smtClean="0"/>
+              <a:t>single</a:t>
+            </a:r>
+            <a:r>
+              <a:rPr lang="de-DE" sz="3200" dirty="0" smtClean="0"/>
               <a:t> </a:t>
             </a:r>
             <a:r>
-              <a:rPr lang="en-US" dirty="0" err="1" smtClean="0"/>
-              <a:t>Datenbank</a:t>
-            </a:r>
-            <a:endParaRPr lang="en-US" dirty="0"/>
-          </a:p>
-          <a:p>
-            <a:pPr lvl="1">
-              <a:lnSpc>
-                <a:spcPct val="90000"/>
-              </a:lnSpc>
-            </a:pPr>
-            <a:r>
-              <a:rPr lang="en-US" dirty="0"/>
-              <a:t>Clients </a:t>
-            </a:r>
-            <a:r>
-              <a:rPr lang="en-US" dirty="0" err="1" smtClean="0"/>
-              <a:t>haben</a:t>
-            </a:r>
-            <a:r>
-              <a:rPr lang="en-US" dirty="0" smtClean="0"/>
+              <a:rPr lang="de-DE" sz="3200" dirty="0" err="1" smtClean="0"/>
+              <a:t>point</a:t>
+            </a:r>
+            <a:r>
+              <a:rPr lang="de-DE" sz="3200" dirty="0" smtClean="0"/>
               <a:t> </a:t>
             </a:r>
             <a:r>
-              <a:rPr lang="en-US" dirty="0" err="1" smtClean="0"/>
-              <a:t>eine</a:t>
-            </a:r>
-            <a:r>
-              <a:rPr lang="en-US" dirty="0" smtClean="0"/>
+              <a:rPr lang="de-DE" sz="3200" dirty="0" err="1" smtClean="0"/>
+              <a:t>of</a:t>
+            </a:r>
+            <a:r>
+              <a:rPr lang="de-DE" sz="3200" dirty="0" smtClean="0"/>
               <a:t> </a:t>
             </a:r>
             <a:r>
-              <a:rPr lang="en-US" dirty="0" err="1" smtClean="0"/>
-              <a:t>Arbeitskopie</a:t>
-            </a:r>
-            <a:endParaRPr lang="en-US" dirty="0" smtClean="0"/>
-          </a:p>
-          <a:p>
-            <a:pPr>
-              <a:lnSpc>
-                <a:spcPct val="90000"/>
-              </a:lnSpc>
-            </a:pPr>
-            <a:r>
-              <a:rPr lang="en-US" sz="3600" dirty="0" err="1" smtClean="0"/>
-              <a:t>Beispiele</a:t>
-            </a:r>
-            <a:endParaRPr lang="en-US" sz="3600" dirty="0"/>
-          </a:p>
-          <a:p>
-            <a:pPr lvl="1">
-              <a:lnSpc>
-                <a:spcPct val="90000"/>
-              </a:lnSpc>
-            </a:pPr>
-            <a:r>
-              <a:rPr lang="en-US" dirty="0"/>
-              <a:t>CVS</a:t>
-            </a:r>
-          </a:p>
-          <a:p>
-            <a:pPr lvl="1">
-              <a:lnSpc>
-                <a:spcPct val="90000"/>
-              </a:lnSpc>
-            </a:pPr>
-            <a:r>
-              <a:rPr lang="en-US" dirty="0"/>
-              <a:t>Subversion</a:t>
-            </a:r>
-          </a:p>
-          <a:p>
-            <a:pPr lvl="1">
-              <a:lnSpc>
-                <a:spcPct val="90000"/>
-              </a:lnSpc>
-            </a:pPr>
-            <a:r>
-              <a:rPr lang="en-US" dirty="0"/>
-              <a:t>Visual Source </a:t>
-            </a:r>
-            <a:r>
-              <a:rPr lang="en-US" dirty="0" smtClean="0"/>
-              <a:t>Safe</a:t>
-            </a:r>
-          </a:p>
-          <a:p>
-            <a:pPr lvl="1">
-              <a:lnSpc>
-                <a:spcPct val="90000"/>
-              </a:lnSpc>
-            </a:pPr>
-            <a:r>
-              <a:rPr lang="en-US" dirty="0" smtClean="0"/>
-              <a:t>Team Foundation Server</a:t>
-            </a:r>
-            <a:endParaRPr lang="en-US" dirty="0"/>
+              <a:rPr lang="de-DE" sz="3200" dirty="0" err="1" smtClean="0"/>
+              <a:t>failure</a:t>
+            </a:r>
+            <a:endParaRPr lang="de-DE" sz="3200" dirty="0" smtClean="0"/>
           </a:p>
         </p:txBody>
       </p:sp>
     </p:spTree>
-    <p:extLst>
-      <p:ext uri="{BB962C8B-B14F-4D97-AF65-F5344CB8AC3E}">
-        <p14:creationId xmlns:p14="http://schemas.microsoft.com/office/powerpoint/2010/main" val="3482105240"/>
-      </p:ext>
-    </p:extLst>
   </p:cSld>
   <p:clrMapOvr>
     <a:masterClrMapping/>
@@ -10345,194 +11169,67 @@
       </p:grpSpPr>
       <p:sp>
         <p:nvSpPr>
-          <p:cNvPr id="20482" name="Rectangle 2"/>
-          <p:cNvSpPr>
-            <a:spLocks noGrp="1" noChangeArrowheads="1"/>
-          </p:cNvSpPr>
-          <p:nvPr>
-            <p:ph type="title"/>
-          </p:nvPr>
-        </p:nvSpPr>
-        <p:spPr/>
-        <p:txBody>
-          <a:bodyPr/>
+          <p:cNvPr id="4" name="Rechteck 3"/>
+          <p:cNvSpPr/>
+          <p:nvPr/>
+        </p:nvSpPr>
+        <p:spPr>
+          <a:xfrm>
+            <a:off x="161509" y="2399400"/>
+            <a:ext cx="8865985" cy="1569660"/>
+          </a:xfrm>
+          <a:prstGeom prst="rect">
+            <a:avLst/>
+          </a:prstGeom>
+        </p:spPr>
+        <p:txBody>
+          <a:bodyPr wrap="square">
+            <a:spAutoFit/>
+          </a:bodyPr>
           <a:lstStyle/>
           <a:p>
-            <a:r>
-              <a:rPr lang="en-US" dirty="0"/>
-              <a:t>Distributed Version Control</a:t>
-            </a:r>
-          </a:p>
-        </p:txBody>
-      </p:sp>
-      <p:sp>
-        <p:nvSpPr>
-          <p:cNvPr id="20483" name="Rectangle 3"/>
-          <p:cNvSpPr>
-            <a:spLocks noGrp="1" noChangeArrowheads="1"/>
-          </p:cNvSpPr>
-          <p:nvPr>
-            <p:ph type="body" sz="half" idx="1"/>
-          </p:nvPr>
-        </p:nvSpPr>
-        <p:spPr/>
-        <p:txBody>
-          <a:bodyPr/>
-          <a:lstStyle/>
-          <a:p>
-            <a:pPr>
-              <a:lnSpc>
-                <a:spcPct val="90000"/>
-              </a:lnSpc>
+            <a:pPr marL="118872" indent="0">
+              <a:buNone/>
             </a:pPr>
             <a:r>
-              <a:rPr lang="en-US" dirty="0" err="1" smtClean="0"/>
-              <a:t>Jeder</a:t>
-            </a:r>
-            <a:r>
-              <a:rPr lang="en-US" dirty="0" smtClean="0"/>
-              <a:t> hat </a:t>
-            </a:r>
-            <a:r>
-              <a:rPr lang="en-US" dirty="0" err="1" smtClean="0"/>
-              <a:t>sein</a:t>
-            </a:r>
-            <a:r>
-              <a:rPr lang="en-US" dirty="0" smtClean="0"/>
-              <a:t> </a:t>
-            </a:r>
-            <a:r>
-              <a:rPr lang="en-US" dirty="0" err="1" smtClean="0"/>
-              <a:t>eigenes</a:t>
-            </a:r>
-            <a:r>
-              <a:rPr lang="en-US" dirty="0" smtClean="0"/>
-              <a:t> Repository</a:t>
-            </a:r>
-          </a:p>
-          <a:p>
-            <a:pPr>
-              <a:lnSpc>
-                <a:spcPct val="90000"/>
-              </a:lnSpc>
+              <a:rPr lang="en-US" sz="3200" dirty="0"/>
+              <a:t>“And then realize that nothing is perfect. </a:t>
+            </a:r>
+            <a:r>
+              <a:rPr lang="en-US" sz="3200" dirty="0" err="1"/>
+              <a:t>Git</a:t>
+            </a:r>
+            <a:r>
+              <a:rPr lang="en-US" sz="3200" dirty="0"/>
+              <a:t> is just *closer* to perfect than any other SCM out there.”</a:t>
+            </a:r>
+          </a:p>
+          <a:p>
+            <a:pPr marL="118872" indent="0">
+              <a:buNone/>
             </a:pPr>
             <a:r>
-              <a:rPr lang="en-US" dirty="0" smtClean="0"/>
-              <a:t>Server by Convention</a:t>
-            </a:r>
-            <a:endParaRPr lang="en-US" dirty="0"/>
-          </a:p>
-          <a:p>
-            <a:pPr>
-              <a:lnSpc>
-                <a:spcPct val="90000"/>
-              </a:lnSpc>
-            </a:pPr>
-            <a:r>
-              <a:rPr lang="en-US" dirty="0" err="1" smtClean="0"/>
-              <a:t>Versionskontrolle</a:t>
-            </a:r>
-            <a:r>
-              <a:rPr lang="en-US" dirty="0" smtClean="0"/>
-              <a:t> </a:t>
-            </a:r>
-            <a:r>
-              <a:rPr lang="en-US" dirty="0" err="1" smtClean="0"/>
-              <a:t>auch</a:t>
-            </a:r>
-            <a:r>
-              <a:rPr lang="en-US" dirty="0" smtClean="0"/>
-              <a:t> offline</a:t>
-            </a:r>
-          </a:p>
-          <a:p>
-            <a:pPr>
-              <a:lnSpc>
-                <a:spcPct val="90000"/>
-              </a:lnSpc>
-            </a:pPr>
-            <a:r>
-              <a:rPr lang="en-US" dirty="0" smtClean="0"/>
-              <a:t>Backups </a:t>
-            </a:r>
-            <a:r>
-              <a:rPr lang="en-US" dirty="0" err="1" smtClean="0"/>
-              <a:t>werden</a:t>
-            </a:r>
-            <a:r>
-              <a:rPr lang="en-US" dirty="0" smtClean="0"/>
-              <a:t> trivial</a:t>
-            </a:r>
-            <a:endParaRPr lang="en-US" dirty="0"/>
-          </a:p>
-        </p:txBody>
-      </p:sp>
-      <p:sp>
-        <p:nvSpPr>
-          <p:cNvPr id="20485" name="Rectangle 5"/>
-          <p:cNvSpPr>
-            <a:spLocks noGrp="1" noChangeArrowheads="1"/>
-          </p:cNvSpPr>
-          <p:nvPr>
-            <p:ph type="body" sz="half" idx="2"/>
-          </p:nvPr>
-        </p:nvSpPr>
-        <p:spPr/>
-        <p:txBody>
-          <a:bodyPr/>
-          <a:lstStyle/>
-          <a:p>
-            <a:r>
-              <a:rPr lang="en-US" dirty="0" err="1" smtClean="0"/>
-              <a:t>Weitere</a:t>
-            </a:r>
-            <a:r>
-              <a:rPr lang="en-US" dirty="0" smtClean="0"/>
-              <a:t> </a:t>
-            </a:r>
-            <a:r>
-              <a:rPr lang="en-US" dirty="0" err="1" smtClean="0"/>
-              <a:t>Beispiele</a:t>
-            </a:r>
-            <a:r>
-              <a:rPr lang="en-US" dirty="0" smtClean="0"/>
-              <a:t>:</a:t>
-            </a:r>
-            <a:endParaRPr lang="en-US" dirty="0"/>
-          </a:p>
-          <a:p>
-            <a:pPr lvl="1"/>
-            <a:r>
-              <a:rPr lang="en-US" dirty="0"/>
-              <a:t>Mercurial</a:t>
-            </a:r>
-          </a:p>
-          <a:p>
-            <a:pPr lvl="1"/>
-            <a:r>
-              <a:rPr lang="en-US" dirty="0" err="1"/>
-              <a:t>BitKeeper</a:t>
-            </a:r>
-            <a:endParaRPr lang="en-US" dirty="0"/>
-          </a:p>
-          <a:p>
-            <a:pPr lvl="1"/>
-            <a:r>
-              <a:rPr lang="en-US" dirty="0" err="1"/>
-              <a:t>Darcs</a:t>
-            </a:r>
-            <a:endParaRPr lang="en-US" dirty="0"/>
-          </a:p>
-          <a:p>
-            <a:pPr lvl="1"/>
-            <a:r>
-              <a:rPr lang="en-US" dirty="0" smtClean="0"/>
-              <a:t>Bazaar</a:t>
-            </a:r>
+              <a:rPr lang="en-US" sz="3200" dirty="0"/>
+              <a:t>	</a:t>
+            </a:r>
+            <a:r>
+              <a:rPr lang="en-US" sz="3200" dirty="0" smtClean="0"/>
+              <a:t>					Linus </a:t>
+            </a:r>
+            <a:r>
+              <a:rPr lang="en-US" sz="3200" dirty="0"/>
+              <a:t>Torvalds</a:t>
+            </a:r>
+            <a:endParaRPr lang="de-DE" sz="3200" dirty="0"/>
           </a:p>
         </p:txBody>
       </p:sp>
     </p:spTree>
+    <p:extLst>
+      <p:ext uri="{BB962C8B-B14F-4D97-AF65-F5344CB8AC3E}">
+        <p14:creationId xmlns:p14="http://schemas.microsoft.com/office/powerpoint/2010/main" val="3351725396"/>
+      </p:ext>
+    </p:extLst>
   </p:cSld>
   <p:clrMapOvr>
     <a:masterClrMapping/>

--- a/GitTalk.pptx
+++ b/GitTalk.pptx
@@ -8281,10 +8281,10 @@
               <a:t> </a:t>
             </a:r>
             <a:r>
-              <a:rPr lang="en-US" sz="2400" dirty="0" err="1" smtClean="0"/>
+              <a:rPr lang="en-US" dirty="0" err="1" smtClean="0"/>
               <a:t>Objektmodell</a:t>
             </a:r>
-            <a:endParaRPr lang="en-US" sz="2400" dirty="0"/>
+            <a:endParaRPr lang="en-US" dirty="0"/>
           </a:p>
           <a:p>
             <a:pPr>
@@ -9339,9 +9339,12 @@
             </a:pPr>
             <a:r>
               <a:rPr lang="en-US" dirty="0" smtClean="0"/>
-              <a:t>Index</a:t>
-            </a:r>
-            <a:endParaRPr lang="en-US" dirty="0"/>
+              <a:t>Object </a:t>
+            </a:r>
+            <a:r>
+              <a:rPr lang="en-US" dirty="0"/>
+              <a:t>Database</a:t>
+            </a:r>
           </a:p>
           <a:p>
             <a:pPr lvl="1">
@@ -9350,58 +9353,176 @@
               </a:lnSpc>
             </a:pPr>
             <a:r>
-              <a:rPr lang="en-US" sz="2400" dirty="0" err="1" smtClean="0"/>
-              <a:t>Speichert</a:t>
-            </a:r>
+              <a:rPr lang="en-US" sz="2400" dirty="0"/>
+              <a:t>Blobs (files)</a:t>
+            </a:r>
+          </a:p>
+          <a:p>
+            <a:pPr lvl="2">
+              <a:lnSpc>
+                <a:spcPct val="90000"/>
+              </a:lnSpc>
+            </a:pPr>
+            <a:r>
+              <a:rPr lang="en-US" sz="2000" dirty="0" err="1" smtClean="0"/>
+              <a:t>Zu</a:t>
+            </a:r>
+            <a:r>
+              <a:rPr lang="en-US" sz="2000" dirty="0" smtClean="0"/>
+              <a:t> </a:t>
+            </a:r>
+            <a:r>
+              <a:rPr lang="en-US" sz="2000" dirty="0" err="1"/>
+              <a:t>f</a:t>
+            </a:r>
+            <a:r>
+              <a:rPr lang="en-US" sz="2000" dirty="0" err="1" smtClean="0"/>
+              <a:t>inden</a:t>
+            </a:r>
+            <a:r>
+              <a:rPr lang="en-US" sz="2000" dirty="0" smtClean="0"/>
+              <a:t> in </a:t>
+            </a:r>
+            <a:r>
+              <a:rPr lang="en-US" sz="2000" dirty="0"/>
+              <a:t>.</a:t>
+            </a:r>
+            <a:r>
+              <a:rPr lang="en-US" sz="2000" dirty="0" err="1"/>
+              <a:t>git</a:t>
+            </a:r>
+            <a:r>
+              <a:rPr lang="en-US" sz="2000" dirty="0"/>
+              <a:t>/objects</a:t>
+            </a:r>
+          </a:p>
+          <a:p>
+            <a:pPr lvl="2">
+              <a:lnSpc>
+                <a:spcPct val="90000"/>
+              </a:lnSpc>
+            </a:pPr>
+            <a:r>
+              <a:rPr lang="en-US" sz="2000" dirty="0" err="1" smtClean="0"/>
+              <a:t>Indiziert</a:t>
+            </a:r>
+            <a:r>
+              <a:rPr lang="en-US" sz="2000" dirty="0" smtClean="0"/>
+              <a:t> </a:t>
+            </a:r>
+            <a:r>
+              <a:rPr lang="en-US" sz="2000" dirty="0" err="1" smtClean="0"/>
+              <a:t>über</a:t>
+            </a:r>
+            <a:r>
+              <a:rPr lang="en-US" sz="2000" dirty="0" smtClean="0"/>
+              <a:t> SHA1 Hash</a:t>
+            </a:r>
+          </a:p>
+          <a:p>
+            <a:pPr lvl="1">
+              <a:lnSpc>
+                <a:spcPct val="90000"/>
+              </a:lnSpc>
+            </a:pPr>
             <a:r>
               <a:rPr lang="en-US" sz="2400" dirty="0" smtClean="0"/>
+              <a:t>Trees </a:t>
+            </a:r>
+            <a:r>
+              <a:rPr lang="en-US" sz="2400" dirty="0"/>
+              <a:t>(directories)</a:t>
+            </a:r>
+          </a:p>
+          <a:p>
+            <a:pPr lvl="1">
+              <a:lnSpc>
+                <a:spcPct val="90000"/>
+              </a:lnSpc>
+            </a:pPr>
+            <a:r>
+              <a:rPr lang="en-US" sz="2400" dirty="0"/>
+              <a:t>Commits</a:t>
+            </a:r>
+          </a:p>
+          <a:p>
+            <a:pPr lvl="2">
+              <a:lnSpc>
+                <a:spcPct val="90000"/>
+              </a:lnSpc>
+            </a:pPr>
+            <a:r>
+              <a:rPr lang="en-US" sz="2000" dirty="0" err="1" smtClean="0"/>
+              <a:t>Ein</a:t>
+            </a:r>
+            <a:r>
+              <a:rPr lang="en-US" sz="2000" dirty="0" smtClean="0"/>
               <a:t> </a:t>
             </a:r>
             <a:r>
-              <a:rPr lang="en-US" sz="2400" dirty="0" err="1" smtClean="0"/>
-              <a:t>Informationen</a:t>
-            </a:r>
+              <a:rPr lang="en-US" sz="2000" dirty="0" err="1" smtClean="0"/>
+              <a:t>Objekt</a:t>
+            </a:r>
+            <a:r>
+              <a:rPr lang="en-US" sz="2000" dirty="0" smtClean="0"/>
+              <a:t> pro Commit</a:t>
+            </a:r>
+            <a:endParaRPr lang="en-US" sz="2000" dirty="0"/>
+          </a:p>
+          <a:p>
+            <a:pPr lvl="2">
+              <a:lnSpc>
+                <a:spcPct val="90000"/>
+              </a:lnSpc>
+            </a:pPr>
+            <a:r>
+              <a:rPr lang="en-US" sz="2000" dirty="0" err="1" smtClean="0"/>
+              <a:t>Enthält</a:t>
+            </a:r>
+            <a:r>
+              <a:rPr lang="en-US" sz="2000" dirty="0" smtClean="0"/>
+              <a:t> Hash von </a:t>
+            </a:r>
+            <a:r>
+              <a:rPr lang="en-US" sz="2000" dirty="0"/>
+              <a:t>P</a:t>
+            </a:r>
+            <a:r>
+              <a:rPr lang="en-US" sz="2000" dirty="0" smtClean="0"/>
+              <a:t>arent, </a:t>
+            </a:r>
+            <a:r>
+              <a:rPr lang="en-US" sz="2000" dirty="0" err="1" smtClean="0"/>
+              <a:t>Autor</a:t>
+            </a:r>
+            <a:r>
+              <a:rPr lang="en-US" sz="2000" dirty="0"/>
+              <a:t>, </a:t>
+            </a:r>
+            <a:r>
+              <a:rPr lang="en-US" sz="2000" dirty="0" err="1" smtClean="0"/>
+              <a:t>Zeit</a:t>
+            </a:r>
+            <a:r>
+              <a:rPr lang="en-US" sz="2000" dirty="0" smtClean="0"/>
+              <a:t> und Hash des </a:t>
+            </a:r>
+            <a:r>
+              <a:rPr lang="en-US" sz="2000" dirty="0" err="1" smtClean="0"/>
+              <a:t>Verzeichnisses</a:t>
+            </a:r>
+            <a:endParaRPr lang="en-US" sz="2000" dirty="0"/>
+          </a:p>
+          <a:p>
+            <a:pPr lvl="1">
+              <a:lnSpc>
+                <a:spcPct val="90000"/>
+              </a:lnSpc>
+            </a:pPr>
             <a:r>
               <a:rPr lang="en-US" sz="2400" dirty="0" smtClean="0"/>
-              <a:t> </a:t>
-            </a:r>
-            <a:r>
-              <a:rPr lang="en-US" sz="2400" dirty="0" err="1" smtClean="0"/>
-              <a:t>über</a:t>
-            </a:r>
-            <a:r>
-              <a:rPr lang="en-US" sz="2400" dirty="0" smtClean="0"/>
-              <a:t> die </a:t>
-            </a:r>
-            <a:r>
-              <a:rPr lang="en-US" sz="2400" dirty="0" err="1" smtClean="0"/>
-              <a:t>aktuelle</a:t>
-            </a:r>
-            <a:r>
-              <a:rPr lang="en-US" sz="2400" dirty="0" smtClean="0"/>
-              <a:t> </a:t>
-            </a:r>
-            <a:r>
-              <a:rPr lang="en-US" sz="2400" dirty="0" err="1" smtClean="0"/>
-              <a:t>Arbeitskopie</a:t>
-            </a:r>
-            <a:r>
-              <a:rPr lang="en-US" sz="2400" dirty="0" smtClean="0"/>
-              <a:t> und </a:t>
-            </a:r>
-            <a:r>
-              <a:rPr lang="en-US" sz="2400" dirty="0" err="1" smtClean="0"/>
-              <a:t>deren</a:t>
-            </a:r>
-            <a:r>
-              <a:rPr lang="en-US" sz="2400" dirty="0" smtClean="0"/>
-              <a:t> </a:t>
-            </a:r>
-            <a:r>
-              <a:rPr lang="en-US" sz="2400" dirty="0" err="1" smtClean="0"/>
-              <a:t>Änderungen</a:t>
-            </a:r>
-            <a:endParaRPr lang="en-US" sz="2400" dirty="0" smtClean="0"/>
+              <a:t>Tags</a:t>
+            </a:r>
           </a:p>
           <a:p>
             <a:pPr>
@@ -9410,12 +9531,8 @@
               </a:lnSpc>
             </a:pPr>
             <a:r>
-              <a:rPr lang="en-US" dirty="0" smtClean="0"/>
-              <a:t>Object </a:t>
-            </a:r>
-            <a:r>
               <a:rPr lang="en-US" dirty="0"/>
-              <a:t>Database</a:t>
+              <a:t>Index</a:t>
             </a:r>
           </a:p>
           <a:p>
@@ -9425,176 +9542,58 @@
               </a:lnSpc>
             </a:pPr>
             <a:r>
+              <a:rPr lang="en-US" sz="2400" dirty="0" err="1"/>
+              <a:t>Speichert</a:t>
+            </a:r>
+            <a:r>
               <a:rPr lang="en-US" sz="2400" dirty="0"/>
-              <a:t>Blobs (files)</a:t>
-            </a:r>
-          </a:p>
-          <a:p>
-            <a:pPr lvl="2">
-              <a:lnSpc>
-                <a:spcPct val="90000"/>
-              </a:lnSpc>
-            </a:pPr>
-            <a:r>
-              <a:rPr lang="en-US" sz="2000" dirty="0" err="1" smtClean="0"/>
-              <a:t>Zu</a:t>
-            </a:r>
-            <a:r>
-              <a:rPr lang="en-US" sz="2000" dirty="0" smtClean="0"/>
               <a:t> </a:t>
             </a:r>
             <a:r>
-              <a:rPr lang="en-US" sz="2000" dirty="0" err="1"/>
-              <a:t>f</a:t>
-            </a:r>
-            <a:r>
-              <a:rPr lang="en-US" sz="2000" dirty="0" err="1" smtClean="0"/>
-              <a:t>inden</a:t>
-            </a:r>
-            <a:r>
-              <a:rPr lang="en-US" sz="2000" dirty="0" smtClean="0"/>
-              <a:t> in </a:t>
-            </a:r>
-            <a:r>
-              <a:rPr lang="en-US" sz="2000" dirty="0"/>
-              <a:t>.</a:t>
-            </a:r>
-            <a:r>
-              <a:rPr lang="en-US" sz="2000" dirty="0" err="1"/>
-              <a:t>git</a:t>
-            </a:r>
-            <a:r>
-              <a:rPr lang="en-US" sz="2000" dirty="0"/>
-              <a:t>/objects</a:t>
-            </a:r>
-          </a:p>
-          <a:p>
-            <a:pPr lvl="2">
-              <a:lnSpc>
-                <a:spcPct val="90000"/>
-              </a:lnSpc>
-            </a:pPr>
-            <a:r>
-              <a:rPr lang="en-US" sz="2000" dirty="0" err="1" smtClean="0"/>
-              <a:t>Indiziert</a:t>
-            </a:r>
-            <a:r>
-              <a:rPr lang="en-US" sz="2000" dirty="0" smtClean="0"/>
+              <a:rPr lang="en-US" sz="2400" dirty="0" err="1"/>
+              <a:t>Informationen</a:t>
+            </a:r>
+            <a:r>
+              <a:rPr lang="en-US" sz="2400" dirty="0"/>
               <a:t> </a:t>
             </a:r>
             <a:r>
-              <a:rPr lang="en-US" sz="2000" dirty="0" err="1" smtClean="0"/>
+              <a:rPr lang="en-US" sz="2400" dirty="0" err="1"/>
               <a:t>über</a:t>
             </a:r>
             <a:r>
-              <a:rPr lang="en-US" sz="2000" dirty="0" smtClean="0"/>
-              <a:t> SHA1 Hash</a:t>
-            </a:r>
-          </a:p>
-          <a:p>
-            <a:pPr lvl="1">
-              <a:lnSpc>
-                <a:spcPct val="90000"/>
-              </a:lnSpc>
-            </a:pPr>
-            <a:r>
-              <a:rPr lang="en-US" sz="2400" dirty="0" smtClean="0"/>
-              <a:t>Trees </a:t>
-            </a:r>
-            <a:r>
               <a:rPr lang="en-US" sz="2400" dirty="0"/>
-              <a:t>(directories)</a:t>
-            </a:r>
-          </a:p>
-          <a:p>
-            <a:pPr lvl="1">
-              <a:lnSpc>
-                <a:spcPct val="90000"/>
-              </a:lnSpc>
-            </a:pPr>
+              <a:t> die </a:t>
+            </a:r>
+            <a:r>
+              <a:rPr lang="en-US" sz="2400" dirty="0" err="1"/>
+              <a:t>aktuelle</a:t>
+            </a:r>
             <a:r>
               <a:rPr lang="en-US" sz="2400" dirty="0"/>
-              <a:t>Commits</a:t>
-            </a:r>
-          </a:p>
-          <a:p>
-            <a:pPr lvl="2">
-              <a:lnSpc>
-                <a:spcPct val="90000"/>
-              </a:lnSpc>
-            </a:pPr>
-            <a:r>
-              <a:rPr lang="en-US" sz="2000" dirty="0" err="1" smtClean="0"/>
-              <a:t>Ein</a:t>
-            </a:r>
-            <a:r>
-              <a:rPr lang="en-US" sz="2000" dirty="0" smtClean="0"/>
               <a:t> </a:t>
             </a:r>
             <a:r>
-              <a:rPr lang="en-US" sz="2000" dirty="0" err="1" smtClean="0"/>
-              <a:t>Objekt</a:t>
-            </a:r>
-            <a:r>
-              <a:rPr lang="en-US" sz="2000" dirty="0" smtClean="0"/>
-              <a:t> pro Commit</a:t>
-            </a:r>
-            <a:endParaRPr lang="en-US" sz="2000" dirty="0"/>
-          </a:p>
-          <a:p>
-            <a:pPr lvl="2">
-              <a:lnSpc>
-                <a:spcPct val="90000"/>
-              </a:lnSpc>
-            </a:pPr>
-            <a:r>
-              <a:rPr lang="en-US" sz="2000" dirty="0" err="1" smtClean="0"/>
-              <a:t>Enthält</a:t>
-            </a:r>
-            <a:r>
-              <a:rPr lang="en-US" sz="2000" dirty="0" smtClean="0"/>
-              <a:t> Hash von </a:t>
-            </a:r>
-            <a:r>
-              <a:rPr lang="en-US" sz="2000" dirty="0"/>
-              <a:t>P</a:t>
-            </a:r>
-            <a:r>
-              <a:rPr lang="en-US" sz="2000" dirty="0" smtClean="0"/>
-              <a:t>arent, </a:t>
-            </a:r>
-            <a:r>
-              <a:rPr lang="en-US" sz="2000" dirty="0" err="1" smtClean="0"/>
-              <a:t>Autor</a:t>
-            </a:r>
-            <a:r>
-              <a:rPr lang="en-US" sz="2000" dirty="0"/>
-              <a:t>, </a:t>
-            </a:r>
-            <a:r>
-              <a:rPr lang="en-US" sz="2000" dirty="0" err="1" smtClean="0"/>
-              <a:t>Zeit</a:t>
-            </a:r>
-            <a:r>
-              <a:rPr lang="en-US" sz="2000" dirty="0" smtClean="0"/>
-              <a:t> und Hash des </a:t>
-            </a:r>
-            <a:r>
-              <a:rPr lang="en-US" sz="2000" dirty="0" err="1" smtClean="0"/>
-              <a:t>Verzeichnisses</a:t>
-            </a:r>
-            <a:endParaRPr lang="en-US" sz="2000" dirty="0"/>
-          </a:p>
-          <a:p>
-            <a:pPr lvl="1">
-              <a:lnSpc>
-                <a:spcPct val="90000"/>
-              </a:lnSpc>
-            </a:pPr>
+              <a:rPr lang="en-US" sz="2400" dirty="0" err="1"/>
+              <a:t>Arbeitskopie</a:t>
+            </a:r>
             <a:r>
               <a:rPr lang="en-US" sz="2400" dirty="0"/>
-              <a:t>Tags</a:t>
-            </a:r>
+              <a:t> und </a:t>
+            </a:r>
+            <a:r>
+              <a:rPr lang="en-US" sz="2400" dirty="0" err="1"/>
+              <a:t>deren</a:t>
+            </a:r>
+            <a:r>
+              <a:rPr lang="en-US" sz="2400" dirty="0"/>
+              <a:t> </a:t>
+            </a:r>
+            <a:r>
+              <a:rPr lang="en-US" sz="2400" dirty="0" err="1" smtClean="0"/>
+              <a:t>Änderungen</a:t>
+            </a:r>
+            <a:endParaRPr lang="en-US" sz="2400" dirty="0"/>
           </a:p>
         </p:txBody>
       </p:sp>
@@ -9674,19 +9673,19 @@
             </a:pPr>
             <a:r>
               <a:rPr lang="en-US" sz="2800" i="1" dirty="0" err="1" smtClean="0">
-                <a:latin typeface="Courier" pitchFamily="-32" charset="0"/>
+                <a:latin typeface="Courier"/>
               </a:rPr>
               <a:t>git</a:t>
             </a:r>
             <a:r>
               <a:rPr lang="en-US" sz="2800" i="1" dirty="0" smtClean="0">
-                <a:latin typeface="Courier" pitchFamily="-32" charset="0"/>
+                <a:latin typeface="Courier"/>
               </a:rPr>
               <a:t> </a:t>
             </a:r>
             <a:r>
               <a:rPr lang="en-US" sz="2800" i="1" dirty="0">
-                <a:latin typeface="Courier" pitchFamily="-32" charset="0"/>
+                <a:latin typeface="Courier"/>
               </a:rPr>
               <a:t>init</a:t>
             </a:r>
@@ -9726,19 +9725,27 @@
               </a:lnSpc>
             </a:pPr>
             <a:r>
-              <a:rPr lang="en-US" dirty="0" err="1" smtClean="0"/>
+              <a:rPr lang="en-US" sz="2800" i="1" dirty="0" err="1" smtClean="0">
+                <a:latin typeface="Courier"/>
+              </a:rPr>
               <a:t>git</a:t>
             </a:r>
             <a:r>
-              <a:rPr lang="en-US" dirty="0" smtClean="0"/>
+              <a:rPr lang="en-US" sz="2800" i="1" dirty="0" smtClean="0">
+                <a:latin typeface="Courier"/>
+              </a:rPr>
               <a:t> clone [</a:t>
             </a:r>
             <a:r>
-              <a:rPr lang="en-US" dirty="0" err="1" smtClean="0"/>
+              <a:rPr lang="en-US" sz="2800" i="1" dirty="0" err="1" smtClean="0">
+                <a:latin typeface="Courier"/>
+              </a:rPr>
               <a:t>url</a:t>
             </a:r>
             <a:r>
-              <a:rPr lang="en-US" dirty="0" smtClean="0"/>
+              <a:rPr lang="en-US" sz="2800" i="1" dirty="0" smtClean="0">
+                <a:latin typeface="Courier"/>
+              </a:rPr>
               <a:t>] </a:t>
             </a:r>
           </a:p>
@@ -10672,8 +10679,19 @@
             </a:r>
             <a:r>
               <a:rPr lang="de-DE" sz="3600" dirty="0" smtClean="0"/>
-              <a:t> als Lösung?!</a:t>
-            </a:r>
+              <a:t> als Lösung</a:t>
+            </a:r>
+            <a:r>
+              <a:rPr lang="de-DE" sz="3600" dirty="0" smtClean="0"/>
+              <a:t>?!</a:t>
+            </a:r>
+          </a:p>
+          <a:p>
+            <a:r>
+              <a:rPr lang="de-DE" sz="3600" dirty="0" smtClean="0"/>
+              <a:t>Praxisteil mit Fragen</a:t>
+            </a:r>
+            <a:endParaRPr lang="de-DE" sz="3600" dirty="0" smtClean="0"/>
           </a:p>
         </p:txBody>
       </p:sp>
@@ -11564,14 +11582,21 @@
                 <a:latin typeface="Consolas" pitchFamily="49" charset="0"/>
                 <a:cs typeface="Consolas" pitchFamily="49" charset="0"/>
               </a:rPr>
-              <a:t>chekout</a:t>
+              <a:t>checkout</a:t>
             </a:r>
             <a:r>
               <a:rPr lang="de-DE" sz="2800" dirty="0" smtClean="0">
                 <a:latin typeface="Consolas" pitchFamily="49" charset="0"/>
                 <a:cs typeface="Consolas" pitchFamily="49" charset="0"/>
               </a:rPr>
-              <a:t> –b fix</a:t>
+              <a:t> </a:t>
+            </a:r>
+            <a:r>
+              <a:rPr lang="de-DE" sz="2800" dirty="0" smtClean="0">
+                <a:latin typeface="Consolas" pitchFamily="49" charset="0"/>
+                <a:cs typeface="Consolas" pitchFamily="49" charset="0"/>
+              </a:rPr>
+              <a:t>–b fix</a:t>
             </a:r>
             <a:endParaRPr lang="de-DE" sz="2800" dirty="0">
               <a:latin typeface="Consolas" pitchFamily="49" charset="0"/>
@@ -12260,7 +12285,6 @@
               <a:rPr lang="de-DE" b="1" dirty="0"/>
               <a:t>C</a:t>
             </a:r>
-            <a:endParaRPr lang="de-DE" b="1" dirty="0"/>
           </a:p>
         </p:txBody>
       </p:sp>
@@ -12859,7 +12883,6 @@
               <a:rPr lang="de-DE" b="1" dirty="0"/>
               <a:t>C</a:t>
             </a:r>
-            <a:endParaRPr lang="de-DE" b="1" dirty="0"/>
           </a:p>
         </p:txBody>
       </p:sp>
@@ -13548,7 +13571,6 @@
               <a:rPr lang="de-DE" b="1" dirty="0"/>
               <a:t>C</a:t>
             </a:r>
-            <a:endParaRPr lang="de-DE" b="1" dirty="0"/>
           </a:p>
         </p:txBody>
       </p:sp>
@@ -14307,7 +14329,6 @@
               <a:rPr lang="de-DE" b="1" dirty="0"/>
               <a:t>C</a:t>
             </a:r>
-            <a:endParaRPr lang="de-DE" b="1" dirty="0"/>
           </a:p>
         </p:txBody>
       </p:sp>
@@ -15144,7 +15165,6 @@
               <a:rPr lang="de-DE" b="1" dirty="0"/>
               <a:t>C</a:t>
             </a:r>
-            <a:endParaRPr lang="de-DE" b="1" dirty="0"/>
           </a:p>
         </p:txBody>
       </p:sp>
@@ -16055,7 +16075,6 @@
               <a:rPr lang="de-DE" b="1" dirty="0"/>
               <a:t>C</a:t>
             </a:r>
-            <a:endParaRPr lang="de-DE" b="1" dirty="0"/>
           </a:p>
         </p:txBody>
       </p:sp>
@@ -16966,11 +16985,7 @@
             <a:pPr lvl="1"/>
             <a:r>
               <a:rPr lang="de-DE" sz="3200" dirty="0" smtClean="0"/>
-              <a:t>Kontrolliertes </a:t>
-            </a:r>
-            <a:r>
-              <a:rPr lang="de-DE" sz="3200" dirty="0" smtClean="0"/>
-              <a:t>Rückgängigmachen von Änderungen</a:t>
+              <a:t>Kontrolliertes Rückgängigmachen von Änderungen</a:t>
             </a:r>
             <a:endParaRPr lang="de-DE" sz="3200" dirty="0"/>
           </a:p>
@@ -17437,7 +17452,6 @@
               <a:rPr lang="de-DE" b="1" dirty="0"/>
               <a:t>C</a:t>
             </a:r>
-            <a:endParaRPr lang="de-DE" b="1" dirty="0"/>
           </a:p>
         </p:txBody>
       </p:sp>
@@ -18440,7 +18454,6 @@
               <a:rPr lang="de-DE" b="1" dirty="0"/>
               <a:t>C</a:t>
             </a:r>
-            <a:endParaRPr lang="de-DE" b="1" dirty="0"/>
           </a:p>
         </p:txBody>
       </p:sp>
@@ -19443,7 +19456,6 @@
               <a:rPr lang="de-DE" b="1" dirty="0"/>
               <a:t>C</a:t>
             </a:r>
-            <a:endParaRPr lang="de-DE" b="1" dirty="0"/>
           </a:p>
         </p:txBody>
       </p:sp>
@@ -19568,7 +19580,6 @@
               <a:rPr lang="de-DE" b="1" dirty="0"/>
               <a:t>G</a:t>
             </a:r>
-            <a:endParaRPr lang="de-DE" b="1" dirty="0"/>
           </a:p>
         </p:txBody>
       </p:sp>
@@ -20524,7 +20535,6 @@
               <a:rPr lang="de-DE" b="1" dirty="0"/>
               <a:t>C</a:t>
             </a:r>
-            <a:endParaRPr lang="de-DE" b="1" dirty="0"/>
           </a:p>
         </p:txBody>
       </p:sp>
@@ -20649,7 +20659,6 @@
               <a:rPr lang="de-DE" b="1" dirty="0"/>
               <a:t>G</a:t>
             </a:r>
-            <a:endParaRPr lang="de-DE" b="1" dirty="0"/>
           </a:p>
         </p:txBody>
       </p:sp>
@@ -21774,7 +21783,6 @@
               <a:rPr lang="de-DE" b="1" dirty="0"/>
               <a:t>C</a:t>
             </a:r>
-            <a:endParaRPr lang="de-DE" b="1" dirty="0"/>
           </a:p>
         </p:txBody>
       </p:sp>
@@ -21899,7 +21907,6 @@
               <a:rPr lang="de-DE" b="1" dirty="0"/>
               <a:t>G</a:t>
             </a:r>
-            <a:endParaRPr lang="de-DE" b="1" dirty="0"/>
           </a:p>
         </p:txBody>
       </p:sp>
@@ -22883,7 +22890,6 @@
               <a:rPr lang="de-DE" b="1" dirty="0"/>
               <a:t>C</a:t>
             </a:r>
-            <a:endParaRPr lang="de-DE" b="1" dirty="0"/>
           </a:p>
         </p:txBody>
       </p:sp>
@@ -23008,7 +23014,6 @@
               <a:rPr lang="de-DE" b="1" dirty="0"/>
               <a:t>G</a:t>
             </a:r>
-            <a:endParaRPr lang="de-DE" b="1" dirty="0"/>
           </a:p>
         </p:txBody>
       </p:sp>
@@ -24042,7 +24047,6 @@
               <a:rPr lang="de-DE" b="1" dirty="0"/>
               <a:t>C</a:t>
             </a:r>
-            <a:endParaRPr lang="de-DE" b="1" dirty="0"/>
           </a:p>
         </p:txBody>
       </p:sp>
@@ -24167,7 +24171,6 @@
               <a:rPr lang="de-DE" b="1" dirty="0"/>
               <a:t>G</a:t>
             </a:r>
-            <a:endParaRPr lang="de-DE" b="1" dirty="0"/>
           </a:p>
         </p:txBody>
       </p:sp>
@@ -24939,7 +24942,7 @@
         </p:nvSpPr>
         <p:spPr>
           <a:xfrm>
-            <a:off x="4977045" y="593683"/>
+            <a:off x="4977045" y="1898830"/>
             <a:ext cx="945105" cy="303459"/>
           </a:xfrm>
           <a:prstGeom prst="snip2SameRect">
@@ -24978,14 +24981,14 @@
           <p:cNvPr id="55" name="Gerade Verbindung mit Pfeil 54"/>
           <p:cNvCxnSpPr>
             <a:stCxn id="54" idx="1"/>
-            <a:endCxn id="29" idx="1"/>
+            <a:endCxn id="10" idx="2"/>
           </p:cNvCxnSpPr>
           <p:nvPr/>
         </p:nvCxnSpPr>
         <p:spPr>
           <a:xfrm>
-            <a:off x="5449598" y="897142"/>
-            <a:ext cx="1000877" cy="452933"/>
+            <a:off x="5449598" y="2202289"/>
+            <a:ext cx="937612" cy="515656"/>
           </a:xfrm>
           <a:prstGeom prst="straightConnector1">
             <a:avLst/>
@@ -25237,7 +25240,6 @@
               <a:rPr lang="de-DE" b="1" dirty="0"/>
               <a:t>C</a:t>
             </a:r>
-            <a:endParaRPr lang="de-DE" b="1" dirty="0"/>
           </a:p>
         </p:txBody>
       </p:sp>
@@ -25362,7 +25364,6 @@
               <a:rPr lang="de-DE" b="1" dirty="0"/>
               <a:t>G</a:t>
             </a:r>
-            <a:endParaRPr lang="de-DE" b="1" dirty="0"/>
           </a:p>
         </p:txBody>
       </p:sp>
@@ -26557,11 +26558,7 @@
             </a:r>
             <a:r>
               <a:rPr lang="de-DE" sz="4400" dirty="0" smtClean="0"/>
-              <a:t> </a:t>
-            </a:r>
-            <a:r>
-              <a:rPr lang="de-DE" sz="4400" dirty="0" smtClean="0"/>
-              <a:t>--</a:t>
+              <a:t> --</a:t>
             </a:r>
             <a:r>
               <a:rPr lang="de-DE" sz="4400" dirty="0" err="1" smtClean="0"/>
@@ -26584,11 +26581,7 @@
             </a:r>
             <a:r>
               <a:rPr lang="de-DE" sz="4400" dirty="0" smtClean="0"/>
-              <a:t> </a:t>
-            </a:r>
-            <a:r>
-              <a:rPr lang="de-DE" sz="4400" dirty="0" smtClean="0"/>
-              <a:t>--</a:t>
+              <a:t> --</a:t>
             </a:r>
             <a:r>
               <a:rPr lang="de-DE" sz="4400" dirty="0" err="1" smtClean="0"/>
@@ -26596,11 +26589,7 @@
             </a:r>
             <a:r>
               <a:rPr lang="de-DE" sz="4400" dirty="0" smtClean="0"/>
-              <a:t> </a:t>
-            </a:r>
-            <a:r>
-              <a:rPr lang="de-DE" sz="4400" dirty="0" smtClean="0"/>
-              <a:t>head~3</a:t>
+              <a:t> head~3</a:t>
             </a:r>
           </a:p>
         </p:txBody>
@@ -27112,7 +27101,6 @@
               <a:rPr lang="de-DE" b="1" dirty="0"/>
               <a:t>C</a:t>
             </a:r>
-            <a:endParaRPr lang="de-DE" b="1" dirty="0"/>
           </a:p>
         </p:txBody>
       </p:sp>
@@ -27237,7 +27225,6 @@
               <a:rPr lang="de-DE" b="1" dirty="0"/>
               <a:t>G</a:t>
             </a:r>
-            <a:endParaRPr lang="de-DE" b="1" dirty="0"/>
           </a:p>
         </p:txBody>
       </p:sp>
@@ -27927,13 +27914,13 @@
   <p:clrMapOvr>
     <a:masterClrMapping/>
   </p:clrMapOvr>
-  <mc:AlternateContent xmlns:mc="http://schemas.openxmlformats.org/markup-compatibility/2006">
-    <mc:Choice xmlns:p14="http://schemas.microsoft.com/office/powerpoint/2010/main" Requires="p14">
+  <mc:AlternateContent xmlns:mc="http://schemas.openxmlformats.org/markup-compatibility/2006" xmlns:p14="http://schemas.microsoft.com/office/powerpoint/2010/main">
+    <mc:Choice Requires="p14">
       <p:transition spd="slow" p14:dur="800">
         <p:circle/>
       </p:transition>
     </mc:Choice>
-    <mc:Fallback>
+    <mc:Fallback xmlns="">
       <p:transition spd="slow">
         <p:circle/>
       </p:transition>
@@ -28088,7 +28075,6 @@
               <a:rPr lang="de-DE" b="1" dirty="0"/>
               <a:t>C</a:t>
             </a:r>
-            <a:endParaRPr lang="de-DE" b="1" dirty="0"/>
           </a:p>
         </p:txBody>
       </p:sp>
@@ -28213,7 +28199,6 @@
               <a:rPr lang="de-DE" b="1" dirty="0"/>
               <a:t>G</a:t>
             </a:r>
-            <a:endParaRPr lang="de-DE" b="1" dirty="0"/>
           </a:p>
         </p:txBody>
       </p:sp>
@@ -29051,11 +29036,11 @@
   <p:clrMapOvr>
     <a:masterClrMapping/>
   </p:clrMapOvr>
-  <mc:AlternateContent xmlns:mc="http://schemas.openxmlformats.org/markup-compatibility/2006">
-    <mc:Choice xmlns:p14="http://schemas.microsoft.com/office/powerpoint/2010/main" Requires="p14">
+  <mc:AlternateContent xmlns:mc="http://schemas.openxmlformats.org/markup-compatibility/2006" xmlns:p14="http://schemas.microsoft.com/office/powerpoint/2010/main">
+    <mc:Choice Requires="p14">
       <p:transition p14:dur="0"/>
     </mc:Choice>
-    <mc:Fallback>
+    <mc:Fallback xmlns="">
       <p:transition/>
     </mc:Fallback>
   </mc:AlternateContent>

--- a/GitTalk.pptx
+++ b/GitTalk.pptx
@@ -238,7 +238,7 @@
             <a:fld id="{4180EC96-23B5-4301-8B91-BF70EABF146D}" type="datetimeFigureOut">
               <a:rPr lang="en-US" smtClean="0"/>
               <a:pPr/>
-              <a:t>2/1/2011</a:t>
+              <a:t>2/2/2011</a:t>
             </a:fld>
             <a:endParaRPr lang="en-US" dirty="0"/>
           </a:p>
@@ -405,7 +405,7 @@
             <a:fld id="{7A94D76D-ACEA-4E66-9040-0707EFD59D28}" type="datetimeFigureOut">
               <a:rPr lang="en-US" smtClean="0"/>
               <a:pPr/>
-              <a:t>2/1/2011</a:t>
+              <a:t>2/2/2011</a:t>
             </a:fld>
             <a:endParaRPr lang="en-US"/>
           </a:p>
@@ -4806,7 +4806,7 @@
             <a:fld id="{75429ADD-C5BF-4814-8EAF-17BB58E1B0D2}" type="datetimeFigureOut">
               <a:rPr lang="en-US" smtClean="0"/>
               <a:pPr/>
-              <a:t>2/1/2011</a:t>
+              <a:t>2/2/2011</a:t>
             </a:fld>
             <a:endParaRPr lang="en-US" dirty="0"/>
           </a:p>
@@ -10679,11 +10679,7 @@
             </a:r>
             <a:r>
               <a:rPr lang="de-DE" sz="3600" dirty="0" smtClean="0"/>
-              <a:t> als Lösung</a:t>
-            </a:r>
-            <a:r>
-              <a:rPr lang="de-DE" sz="3600" dirty="0" smtClean="0"/>
-              <a:t>?!</a:t>
+              <a:t> als Lösung?!</a:t>
             </a:r>
           </a:p>
           <a:p>
@@ -10691,7 +10687,6 @@
               <a:rPr lang="de-DE" sz="3600" dirty="0" smtClean="0"/>
               <a:t>Praxisteil mit Fragen</a:t>
             </a:r>
-            <a:endParaRPr lang="de-DE" sz="3600" dirty="0" smtClean="0"/>
           </a:p>
         </p:txBody>
       </p:sp>
@@ -11589,14 +11584,7 @@
                 <a:latin typeface="Consolas" pitchFamily="49" charset="0"/>
                 <a:cs typeface="Consolas" pitchFamily="49" charset="0"/>
               </a:rPr>
-              <a:t> </a:t>
-            </a:r>
-            <a:r>
-              <a:rPr lang="de-DE" sz="2800" dirty="0" smtClean="0">
-                <a:latin typeface="Consolas" pitchFamily="49" charset="0"/>
-                <a:cs typeface="Consolas" pitchFamily="49" charset="0"/>
-              </a:rPr>
-              <a:t>–b fix</a:t>
+              <a:t> –b fix</a:t>
             </a:r>
             <a:endParaRPr lang="de-DE" sz="2800" dirty="0">
               <a:latin typeface="Consolas" pitchFamily="49" charset="0"/>
@@ -29090,8 +29078,8 @@
         </p:blipFill>
         <p:spPr bwMode="auto">
           <a:xfrm>
-            <a:off x="2166937" y="143635"/>
-            <a:ext cx="4627563" cy="6172200"/>
+            <a:off x="2284697" y="143635"/>
+            <a:ext cx="4267523" cy="5691982"/>
           </a:xfrm>
           <a:prstGeom prst="rect">
             <a:avLst/>
@@ -29131,6 +29119,37 @@
                 <a:hlinkClick r:id="rId4"/>
               </a:rPr>
               <a:t>http://nvie.com/posts/a-successful-git-branching-model/</a:t>
+            </a:r>
+            <a:endParaRPr lang="de-DE" dirty="0"/>
+          </a:p>
+        </p:txBody>
+      </p:sp>
+      <p:sp>
+        <p:nvSpPr>
+          <p:cNvPr id="2" name="Rechteck 1"/>
+          <p:cNvSpPr/>
+          <p:nvPr/>
+        </p:nvSpPr>
+        <p:spPr>
+          <a:xfrm>
+            <a:off x="116505" y="5932890"/>
+            <a:ext cx="6561475" cy="369332"/>
+          </a:xfrm>
+          <a:prstGeom prst="rect">
+            <a:avLst/>
+          </a:prstGeom>
+        </p:spPr>
+        <p:txBody>
+          <a:bodyPr wrap="square">
+            <a:spAutoFit/>
+          </a:bodyPr>
+          <a:lstStyle/>
+          <a:p>
+            <a:r>
+              <a:rPr lang="de-DE" dirty="0">
+                <a:hlinkClick r:id="rId5"/>
+              </a:rPr>
+              <a:t>http://online-usergroup.de/termine.20110131.ashx</a:t>
             </a:r>
             <a:endParaRPr lang="de-DE" dirty="0"/>
           </a:p>

--- a/GitTalk.pptx
+++ b/GitTalk.pptx
@@ -5,10 +5,10 @@
     <p:sldMasterId id="2147483660" r:id="rId1"/>
   </p:sldMasterIdLst>
   <p:notesMasterIdLst>
-    <p:notesMasterId r:id="rId45"/>
+    <p:notesMasterId r:id="rId46"/>
   </p:notesMasterIdLst>
   <p:handoutMasterIdLst>
-    <p:handoutMasterId r:id="rId46"/>
+    <p:handoutMasterId r:id="rId47"/>
   </p:handoutMasterIdLst>
   <p:sldIdLst>
     <p:sldId id="374" r:id="rId2"/>
@@ -49,11 +49,12 @@
     <p:sldId id="391" r:id="rId37"/>
     <p:sldId id="390" r:id="rId38"/>
     <p:sldId id="384" r:id="rId39"/>
-    <p:sldId id="385" r:id="rId40"/>
-    <p:sldId id="408" r:id="rId41"/>
-    <p:sldId id="409" r:id="rId42"/>
-    <p:sldId id="369" r:id="rId43"/>
-    <p:sldId id="381" r:id="rId44"/>
+    <p:sldId id="410" r:id="rId40"/>
+    <p:sldId id="385" r:id="rId41"/>
+    <p:sldId id="408" r:id="rId42"/>
+    <p:sldId id="409" r:id="rId43"/>
+    <p:sldId id="369" r:id="rId44"/>
+    <p:sldId id="381" r:id="rId45"/>
   </p:sldIdLst>
   <p:sldSz cx="9144000" cy="6858000" type="screen4x3"/>
   <p:notesSz cx="6858000" cy="9144000"/>
@@ -3447,7 +3448,7 @@
             <a:fld id="{FE5C90B4-74E4-420E-9E3F-548EA925D0FC}" type="slidenum">
               <a:rPr lang="en-US" smtClean="0"/>
               <a:pPr/>
-              <a:t>39</a:t>
+              <a:t>40</a:t>
             </a:fld>
             <a:endParaRPr lang="en-US"/>
           </a:p>
@@ -3616,7 +3617,7 @@
             <a:fld id="{FE5C90B4-74E4-420E-9E3F-548EA925D0FC}" type="slidenum">
               <a:rPr lang="en-US" smtClean="0"/>
               <a:pPr/>
-              <a:t>40</a:t>
+              <a:t>41</a:t>
             </a:fld>
             <a:endParaRPr lang="en-US"/>
           </a:p>
@@ -3701,7 +3702,7 @@
             <a:fld id="{FE5C90B4-74E4-420E-9E3F-548EA925D0FC}" type="slidenum">
               <a:rPr lang="en-US" smtClean="0"/>
               <a:pPr/>
-              <a:t>41</a:t>
+              <a:t>42</a:t>
             </a:fld>
             <a:endParaRPr lang="en-US"/>
           </a:p>
@@ -3786,7 +3787,7 @@
             <a:fld id="{FE5C90B4-74E4-420E-9E3F-548EA925D0FC}" type="slidenum">
               <a:rPr lang="en-US" smtClean="0"/>
               <a:pPr/>
-              <a:t>42</a:t>
+              <a:t>43</a:t>
             </a:fld>
             <a:endParaRPr lang="en-US"/>
           </a:p>
@@ -3871,7 +3872,7 @@
             <a:fld id="{FE5C90B4-74E4-420E-9E3F-548EA925D0FC}" type="slidenum">
               <a:rPr lang="en-US" smtClean="0"/>
               <a:pPr/>
-              <a:t>43</a:t>
+              <a:t>44</a:t>
             </a:fld>
             <a:endParaRPr lang="en-US"/>
           </a:p>
@@ -7697,8 +7698,20 @@
               </a:lnSpc>
             </a:pPr>
             <a:r>
+              <a:rPr lang="en-US" sz="4000" dirty="0" err="1" smtClean="0"/>
+              <a:t>Versionskontrolle</a:t>
+            </a:r>
+            <a:r>
+              <a:rPr lang="en-US" sz="4000" dirty="0" smtClean="0"/>
+              <a:t> </a:t>
+            </a:r>
+            <a:r>
+              <a:rPr lang="en-US" sz="4000" dirty="0" err="1"/>
+              <a:t>auch</a:t>
+            </a:r>
+            <a:r>
               <a:rPr lang="en-US" sz="4000" dirty="0"/>
-              <a:t>Server by Convention</a:t>
+              <a:t> offline</a:t>
             </a:r>
           </a:p>
           <a:p>
@@ -7708,21 +7721,14 @@
               </a:lnSpc>
             </a:pPr>
             <a:r>
-              <a:rPr lang="en-US" sz="4000" dirty="0" err="1"/>
-              <a:t>Versionskontrolle</a:t>
-            </a:r>
-            <a:r>
               <a:rPr lang="en-US" sz="4000" dirty="0"/>
-              <a:t> </a:t>
-            </a:r>
-            <a:r>
-              <a:rPr lang="en-US" sz="4000" dirty="0" err="1"/>
-              <a:t>auch</a:t>
-            </a:r>
-            <a:r>
-              <a:rPr lang="en-US" sz="4000" dirty="0"/>
-              <a:t> offline</a:t>
-            </a:r>
+              <a:t>Server by </a:t>
+            </a:r>
+            <a:r>
+              <a:rPr lang="en-US" sz="4000" dirty="0" smtClean="0"/>
+              <a:t>Convention</a:t>
+            </a:r>
+            <a:endParaRPr lang="en-US" sz="4000" dirty="0" smtClean="0"/>
           </a:p>
           <a:p>
             <a:pPr>
@@ -7731,7 +7737,7 @@
               </a:lnSpc>
             </a:pPr>
             <a:r>
-              <a:rPr lang="en-US" sz="4000" dirty="0"/>
+              <a:rPr lang="en-US" sz="4000" dirty="0" smtClean="0"/>
               <a:t>Backups </a:t>
             </a:r>
             <a:r>
@@ -7827,7 +7833,355 @@
   <p:timing>
     <p:tnLst>
       <p:par>
-        <p:cTn id="1" dur="indefinite" restart="never" nodeType="tmRoot"/>
+        <p:cTn id="1" dur="indefinite" restart="never" nodeType="tmRoot">
+          <p:childTnLst>
+            <p:seq concurrent="1" nextAc="seek">
+              <p:cTn id="2" dur="indefinite" nodeType="mainSeq">
+                <p:childTnLst>
+                  <p:par>
+                    <p:cTn id="3" fill="hold">
+                      <p:stCondLst>
+                        <p:cond delay="indefinite"/>
+                      </p:stCondLst>
+                      <p:childTnLst>
+                        <p:par>
+                          <p:cTn id="4" fill="hold">
+                            <p:stCondLst>
+                              <p:cond delay="0"/>
+                            </p:stCondLst>
+                            <p:childTnLst>
+                              <p:par>
+                                <p:cTn id="5" presetID="1" presetClass="entr" presetSubtype="0" fill="hold" nodeType="clickEffect">
+                                  <p:stCondLst>
+                                    <p:cond delay="0"/>
+                                  </p:stCondLst>
+                                  <p:childTnLst>
+                                    <p:set>
+                                      <p:cBhvr>
+                                        <p:cTn id="6" dur="1" fill="hold">
+                                          <p:stCondLst>
+                                            <p:cond delay="0"/>
+                                          </p:stCondLst>
+                                        </p:cTn>
+                                        <p:tgtEl>
+                                          <p:spTgt spid="26627">
+                                            <p:txEl>
+                                              <p:pRg st="0" end="0"/>
+                                            </p:txEl>
+                                          </p:spTgt>
+                                        </p:tgtEl>
+                                        <p:attrNameLst>
+                                          <p:attrName>style.visibility</p:attrName>
+                                        </p:attrNameLst>
+                                      </p:cBhvr>
+                                      <p:to>
+                                        <p:strVal val="visible"/>
+                                      </p:to>
+                                    </p:set>
+                                  </p:childTnLst>
+                                </p:cTn>
+                              </p:par>
+                            </p:childTnLst>
+                          </p:cTn>
+                        </p:par>
+                      </p:childTnLst>
+                    </p:cTn>
+                  </p:par>
+                  <p:par>
+                    <p:cTn id="7" fill="hold">
+                      <p:stCondLst>
+                        <p:cond delay="indefinite"/>
+                      </p:stCondLst>
+                      <p:childTnLst>
+                        <p:par>
+                          <p:cTn id="8" fill="hold">
+                            <p:stCondLst>
+                              <p:cond delay="0"/>
+                            </p:stCondLst>
+                            <p:childTnLst>
+                              <p:par>
+                                <p:cTn id="9" presetID="1" presetClass="entr" presetSubtype="0" fill="hold" nodeType="clickEffect">
+                                  <p:stCondLst>
+                                    <p:cond delay="0"/>
+                                  </p:stCondLst>
+                                  <p:childTnLst>
+                                    <p:set>
+                                      <p:cBhvr>
+                                        <p:cTn id="10" dur="1" fill="hold">
+                                          <p:stCondLst>
+                                            <p:cond delay="0"/>
+                                          </p:stCondLst>
+                                        </p:cTn>
+                                        <p:tgtEl>
+                                          <p:spTgt spid="26627">
+                                            <p:txEl>
+                                              <p:pRg st="1" end="1"/>
+                                            </p:txEl>
+                                          </p:spTgt>
+                                        </p:tgtEl>
+                                        <p:attrNameLst>
+                                          <p:attrName>style.visibility</p:attrName>
+                                        </p:attrNameLst>
+                                      </p:cBhvr>
+                                      <p:to>
+                                        <p:strVal val="visible"/>
+                                      </p:to>
+                                    </p:set>
+                                  </p:childTnLst>
+                                </p:cTn>
+                              </p:par>
+                            </p:childTnLst>
+                          </p:cTn>
+                        </p:par>
+                      </p:childTnLst>
+                    </p:cTn>
+                  </p:par>
+                  <p:par>
+                    <p:cTn id="11" fill="hold">
+                      <p:stCondLst>
+                        <p:cond delay="indefinite"/>
+                      </p:stCondLst>
+                      <p:childTnLst>
+                        <p:par>
+                          <p:cTn id="12" fill="hold">
+                            <p:stCondLst>
+                              <p:cond delay="0"/>
+                            </p:stCondLst>
+                            <p:childTnLst>
+                              <p:par>
+                                <p:cTn id="13" presetID="1" presetClass="entr" presetSubtype="0" fill="hold" nodeType="clickEffect">
+                                  <p:stCondLst>
+                                    <p:cond delay="0"/>
+                                  </p:stCondLst>
+                                  <p:childTnLst>
+                                    <p:set>
+                                      <p:cBhvr>
+                                        <p:cTn id="14" dur="1" fill="hold">
+                                          <p:stCondLst>
+                                            <p:cond delay="0"/>
+                                          </p:stCondLst>
+                                        </p:cTn>
+                                        <p:tgtEl>
+                                          <p:spTgt spid="26627">
+                                            <p:txEl>
+                                              <p:pRg st="2" end="2"/>
+                                            </p:txEl>
+                                          </p:spTgt>
+                                        </p:tgtEl>
+                                        <p:attrNameLst>
+                                          <p:attrName>style.visibility</p:attrName>
+                                        </p:attrNameLst>
+                                      </p:cBhvr>
+                                      <p:to>
+                                        <p:strVal val="visible"/>
+                                      </p:to>
+                                    </p:set>
+                                  </p:childTnLst>
+                                </p:cTn>
+                              </p:par>
+                            </p:childTnLst>
+                          </p:cTn>
+                        </p:par>
+                      </p:childTnLst>
+                    </p:cTn>
+                  </p:par>
+                  <p:par>
+                    <p:cTn id="15" fill="hold">
+                      <p:stCondLst>
+                        <p:cond delay="indefinite"/>
+                      </p:stCondLst>
+                      <p:childTnLst>
+                        <p:par>
+                          <p:cTn id="16" fill="hold">
+                            <p:stCondLst>
+                              <p:cond delay="0"/>
+                            </p:stCondLst>
+                            <p:childTnLst>
+                              <p:par>
+                                <p:cTn id="17" presetID="1" presetClass="entr" presetSubtype="0" fill="hold" nodeType="clickEffect">
+                                  <p:stCondLst>
+                                    <p:cond delay="0"/>
+                                  </p:stCondLst>
+                                  <p:childTnLst>
+                                    <p:set>
+                                      <p:cBhvr>
+                                        <p:cTn id="18" dur="1" fill="hold">
+                                          <p:stCondLst>
+                                            <p:cond delay="0"/>
+                                          </p:stCondLst>
+                                        </p:cTn>
+                                        <p:tgtEl>
+                                          <p:spTgt spid="26627">
+                                            <p:txEl>
+                                              <p:pRg st="3" end="3"/>
+                                            </p:txEl>
+                                          </p:spTgt>
+                                        </p:tgtEl>
+                                        <p:attrNameLst>
+                                          <p:attrName>style.visibility</p:attrName>
+                                        </p:attrNameLst>
+                                      </p:cBhvr>
+                                      <p:to>
+                                        <p:strVal val="visible"/>
+                                      </p:to>
+                                    </p:set>
+                                  </p:childTnLst>
+                                </p:cTn>
+                              </p:par>
+                            </p:childTnLst>
+                          </p:cTn>
+                        </p:par>
+                      </p:childTnLst>
+                    </p:cTn>
+                  </p:par>
+                  <p:par>
+                    <p:cTn id="19" fill="hold">
+                      <p:stCondLst>
+                        <p:cond delay="indefinite"/>
+                      </p:stCondLst>
+                      <p:childTnLst>
+                        <p:par>
+                          <p:cTn id="20" fill="hold">
+                            <p:stCondLst>
+                              <p:cond delay="0"/>
+                            </p:stCondLst>
+                            <p:childTnLst>
+                              <p:par>
+                                <p:cTn id="21" presetID="1" presetClass="entr" presetSubtype="0" fill="hold" nodeType="clickEffect">
+                                  <p:stCondLst>
+                                    <p:cond delay="0"/>
+                                  </p:stCondLst>
+                                  <p:childTnLst>
+                                    <p:set>
+                                      <p:cBhvr>
+                                        <p:cTn id="22" dur="1" fill="hold">
+                                          <p:stCondLst>
+                                            <p:cond delay="0"/>
+                                          </p:stCondLst>
+                                        </p:cTn>
+                                        <p:tgtEl>
+                                          <p:spTgt spid="26627">
+                                            <p:txEl>
+                                              <p:pRg st="4" end="4"/>
+                                            </p:txEl>
+                                          </p:spTgt>
+                                        </p:tgtEl>
+                                        <p:attrNameLst>
+                                          <p:attrName>style.visibility</p:attrName>
+                                        </p:attrNameLst>
+                                      </p:cBhvr>
+                                      <p:to>
+                                        <p:strVal val="visible"/>
+                                      </p:to>
+                                    </p:set>
+                                  </p:childTnLst>
+                                </p:cTn>
+                              </p:par>
+                            </p:childTnLst>
+                          </p:cTn>
+                        </p:par>
+                      </p:childTnLst>
+                    </p:cTn>
+                  </p:par>
+                  <p:par>
+                    <p:cTn id="23" fill="hold">
+                      <p:stCondLst>
+                        <p:cond delay="indefinite"/>
+                      </p:stCondLst>
+                      <p:childTnLst>
+                        <p:par>
+                          <p:cTn id="24" fill="hold">
+                            <p:stCondLst>
+                              <p:cond delay="0"/>
+                            </p:stCondLst>
+                            <p:childTnLst>
+                              <p:par>
+                                <p:cTn id="25" presetID="1" presetClass="entr" presetSubtype="0" fill="hold" nodeType="clickEffect">
+                                  <p:stCondLst>
+                                    <p:cond delay="0"/>
+                                  </p:stCondLst>
+                                  <p:childTnLst>
+                                    <p:set>
+                                      <p:cBhvr>
+                                        <p:cTn id="26" dur="1" fill="hold">
+                                          <p:stCondLst>
+                                            <p:cond delay="0"/>
+                                          </p:stCondLst>
+                                        </p:cTn>
+                                        <p:tgtEl>
+                                          <p:spTgt spid="26627">
+                                            <p:txEl>
+                                              <p:pRg st="5" end="5"/>
+                                            </p:txEl>
+                                          </p:spTgt>
+                                        </p:tgtEl>
+                                        <p:attrNameLst>
+                                          <p:attrName>style.visibility</p:attrName>
+                                        </p:attrNameLst>
+                                      </p:cBhvr>
+                                      <p:to>
+                                        <p:strVal val="visible"/>
+                                      </p:to>
+                                    </p:set>
+                                  </p:childTnLst>
+                                </p:cTn>
+                              </p:par>
+                              <p:par>
+                                <p:cTn id="27" presetID="1" presetClass="entr" presetSubtype="0" fill="hold" nodeType="withEffect">
+                                  <p:stCondLst>
+                                    <p:cond delay="0"/>
+                                  </p:stCondLst>
+                                  <p:childTnLst>
+                                    <p:set>
+                                      <p:cBhvr>
+                                        <p:cTn id="28" dur="1" fill="hold">
+                                          <p:stCondLst>
+                                            <p:cond delay="0"/>
+                                          </p:stCondLst>
+                                        </p:cTn>
+                                        <p:tgtEl>
+                                          <p:spTgt spid="26627">
+                                            <p:txEl>
+                                              <p:pRg st="6" end="6"/>
+                                            </p:txEl>
+                                          </p:spTgt>
+                                        </p:tgtEl>
+                                        <p:attrNameLst>
+                                          <p:attrName>style.visibility</p:attrName>
+                                        </p:attrNameLst>
+                                      </p:cBhvr>
+                                      <p:to>
+                                        <p:strVal val="visible"/>
+                                      </p:to>
+                                    </p:set>
+                                  </p:childTnLst>
+                                </p:cTn>
+                              </p:par>
+                            </p:childTnLst>
+                          </p:cTn>
+                        </p:par>
+                      </p:childTnLst>
+                    </p:cTn>
+                  </p:par>
+                </p:childTnLst>
+              </p:cTn>
+              <p:prevCondLst>
+                <p:cond evt="onPrev" delay="0">
+                  <p:tgtEl>
+                    <p:sldTgt/>
+                  </p:tgtEl>
+                </p:cond>
+              </p:prevCondLst>
+              <p:nextCondLst>
+                <p:cond evt="onNext" delay="0">
+                  <p:tgtEl>
+                    <p:sldTgt/>
+                  </p:tgtEl>
+                </p:cond>
+              </p:nextCondLst>
+            </p:seq>
+          </p:childTnLst>
+        </p:cTn>
       </p:par>
     </p:tnLst>
   </p:timing>
@@ -10685,8 +11039,9 @@
           <a:p>
             <a:r>
               <a:rPr lang="de-DE" sz="3600" dirty="0" smtClean="0"/>
-              <a:t>Praxisteil mit Fragen</a:t>
-            </a:r>
+              <a:t>Praxisteil</a:t>
+            </a:r>
+            <a:endParaRPr lang="de-DE" sz="3600" dirty="0" smtClean="0"/>
           </a:p>
         </p:txBody>
       </p:sp>
@@ -26501,6 +26856,326 @@
           <a:p>
             <a:r>
               <a:rPr lang="de-DE" dirty="0" err="1" smtClean="0"/>
+              <a:t>Local</a:t>
+            </a:r>
+            <a:r>
+              <a:rPr lang="de-DE" dirty="0" smtClean="0"/>
+              <a:t> vs. Remote</a:t>
+            </a:r>
+            <a:endParaRPr lang="de-DE" dirty="0"/>
+          </a:p>
+        </p:txBody>
+      </p:sp>
+      <p:pic>
+        <p:nvPicPr>
+          <p:cNvPr id="6" name="Inhaltsplatzhalter 5"/>
+          <p:cNvPicPr>
+            <a:picLocks noGrp="1" noChangeAspect="1"/>
+          </p:cNvPicPr>
+          <p:nvPr>
+            <p:ph idx="1"/>
+          </p:nvPr>
+        </p:nvPicPr>
+        <p:blipFill>
+          <a:blip r:embed="rId2">
+            <a:extLst>
+              <a:ext uri="{28A0092B-C50C-407E-A947-70E740481C1C}">
+                <a14:useLocalDpi xmlns:a14="http://schemas.microsoft.com/office/drawing/2010/main" val="0"/>
+              </a:ext>
+            </a:extLst>
+          </a:blip>
+          <a:stretch>
+            <a:fillRect/>
+          </a:stretch>
+        </p:blipFill>
+        <p:spPr>
+          <a:xfrm>
+            <a:off x="1630204" y="1774825"/>
+            <a:ext cx="5883592" cy="4625975"/>
+          </a:xfrm>
+        </p:spPr>
+      </p:pic>
+    </p:spTree>
+    <p:extLst>
+      <p:ext uri="{BB962C8B-B14F-4D97-AF65-F5344CB8AC3E}">
+        <p14:creationId xmlns:p14="http://schemas.microsoft.com/office/powerpoint/2010/main" val="1483094037"/>
+      </p:ext>
+    </p:extLst>
+  </p:cSld>
+  <p:clrMapOvr>
+    <a:masterClrMapping/>
+  </p:clrMapOvr>
+  <p:timing>
+    <p:tnLst>
+      <p:par>
+        <p:cTn id="1" dur="indefinite" restart="never" nodeType="tmRoot"/>
+      </p:par>
+    </p:tnLst>
+  </p:timing>
+</p:sld>
+</file>
+
+<file path=ppt/slides/slide4.xml><?xml version="1.0" encoding="utf-8"?>
+<p:sld xmlns:a="http://schemas.openxmlformats.org/drawingml/2006/main" xmlns:r="http://schemas.openxmlformats.org/officeDocument/2006/relationships" xmlns:p="http://schemas.openxmlformats.org/presentationml/2006/main">
+  <p:cSld>
+    <p:spTree>
+      <p:nvGrpSpPr>
+        <p:cNvPr id="1" name=""/>
+        <p:cNvGrpSpPr/>
+        <p:nvPr/>
+      </p:nvGrpSpPr>
+      <p:grpSpPr>
+        <a:xfrm>
+          <a:off x="0" y="0"/>
+          <a:ext cx="0" cy="0"/>
+          <a:chOff x="0" y="0"/>
+          <a:chExt cx="0" cy="0"/>
+        </a:xfrm>
+      </p:grpSpPr>
+      <p:sp>
+        <p:nvSpPr>
+          <p:cNvPr id="26626" name="Rectangle 2"/>
+          <p:cNvSpPr>
+            <a:spLocks noGrp="1" noChangeArrowheads="1"/>
+          </p:cNvSpPr>
+          <p:nvPr>
+            <p:ph type="title"/>
+          </p:nvPr>
+        </p:nvSpPr>
+        <p:spPr/>
+        <p:txBody>
+          <a:bodyPr/>
+          <a:lstStyle/>
+          <a:p>
+            <a:r>
+              <a:rPr lang="en-US" dirty="0" err="1" smtClean="0"/>
+              <a:t>Zentralisierte</a:t>
+            </a:r>
+            <a:r>
+              <a:rPr lang="en-US" dirty="0" smtClean="0"/>
+              <a:t> </a:t>
+            </a:r>
+            <a:r>
+              <a:rPr lang="en-US" dirty="0" err="1" smtClean="0"/>
+              <a:t>Versionskontrolle</a:t>
+            </a:r>
+            <a:endParaRPr lang="en-US" dirty="0"/>
+          </a:p>
+        </p:txBody>
+      </p:sp>
+      <p:sp>
+        <p:nvSpPr>
+          <p:cNvPr id="26627" name="Rectangle 3"/>
+          <p:cNvSpPr>
+            <a:spLocks noGrp="1" noChangeArrowheads="1"/>
+          </p:cNvSpPr>
+          <p:nvPr>
+            <p:ph type="body" idx="1"/>
+          </p:nvPr>
+        </p:nvSpPr>
+        <p:spPr/>
+        <p:txBody>
+          <a:bodyPr>
+            <a:normAutofit/>
+          </a:bodyPr>
+          <a:lstStyle/>
+          <a:p>
+            <a:pPr>
+              <a:lnSpc>
+                <a:spcPct val="90000"/>
+              </a:lnSpc>
+            </a:pPr>
+            <a:r>
+              <a:rPr lang="en-US" dirty="0" err="1" smtClean="0"/>
+              <a:t>Traditionelle</a:t>
+            </a:r>
+            <a:r>
+              <a:rPr lang="en-US" dirty="0" smtClean="0"/>
+              <a:t> Client/Server-</a:t>
+            </a:r>
+            <a:r>
+              <a:rPr lang="en-US" dirty="0" err="1" smtClean="0"/>
+              <a:t>Architektur</a:t>
+            </a:r>
+            <a:endParaRPr lang="en-US" dirty="0"/>
+          </a:p>
+          <a:p>
+            <a:pPr lvl="1">
+              <a:lnSpc>
+                <a:spcPct val="90000"/>
+              </a:lnSpc>
+            </a:pPr>
+            <a:r>
+              <a:rPr lang="en-US" dirty="0"/>
+              <a:t>Server </a:t>
+            </a:r>
+            <a:r>
+              <a:rPr lang="en-US" dirty="0" err="1" smtClean="0"/>
+              <a:t>mit</a:t>
+            </a:r>
+            <a:r>
+              <a:rPr lang="en-US" dirty="0" smtClean="0"/>
+              <a:t> </a:t>
+            </a:r>
+            <a:r>
+              <a:rPr lang="en-US" dirty="0" err="1" smtClean="0"/>
+              <a:t>Datenbank</a:t>
+            </a:r>
+            <a:endParaRPr lang="en-US" dirty="0"/>
+          </a:p>
+          <a:p>
+            <a:pPr lvl="1">
+              <a:lnSpc>
+                <a:spcPct val="90000"/>
+              </a:lnSpc>
+            </a:pPr>
+            <a:r>
+              <a:rPr lang="en-US" dirty="0"/>
+              <a:t>Clients </a:t>
+            </a:r>
+            <a:r>
+              <a:rPr lang="en-US" dirty="0" err="1" smtClean="0"/>
+              <a:t>haben</a:t>
+            </a:r>
+            <a:r>
+              <a:rPr lang="en-US" dirty="0" smtClean="0"/>
+              <a:t> </a:t>
+            </a:r>
+            <a:r>
+              <a:rPr lang="en-US" dirty="0" err="1" smtClean="0"/>
+              <a:t>eine</a:t>
+            </a:r>
+            <a:r>
+              <a:rPr lang="en-US" dirty="0" smtClean="0"/>
+              <a:t> </a:t>
+            </a:r>
+            <a:r>
+              <a:rPr lang="en-US" dirty="0" err="1" smtClean="0"/>
+              <a:t>Arbeitskopie</a:t>
+            </a:r>
+            <a:endParaRPr lang="en-US" dirty="0" smtClean="0"/>
+          </a:p>
+          <a:p>
+            <a:pPr>
+              <a:lnSpc>
+                <a:spcPct val="90000"/>
+              </a:lnSpc>
+            </a:pPr>
+            <a:r>
+              <a:rPr lang="en-US" sz="3600" dirty="0" err="1" smtClean="0"/>
+              <a:t>Beispiele</a:t>
+            </a:r>
+            <a:r>
+              <a:rPr lang="en-US" sz="3600" dirty="0" smtClean="0"/>
+              <a:t>:</a:t>
+            </a:r>
+            <a:endParaRPr lang="en-US" sz="3600" dirty="0"/>
+          </a:p>
+          <a:p>
+            <a:pPr lvl="1">
+              <a:lnSpc>
+                <a:spcPct val="90000"/>
+              </a:lnSpc>
+            </a:pPr>
+            <a:r>
+              <a:rPr lang="en-US" dirty="0"/>
+              <a:t>CVS</a:t>
+            </a:r>
+          </a:p>
+          <a:p>
+            <a:pPr lvl="1">
+              <a:lnSpc>
+                <a:spcPct val="90000"/>
+              </a:lnSpc>
+            </a:pPr>
+            <a:r>
+              <a:rPr lang="en-US" dirty="0"/>
+              <a:t>Subversion</a:t>
+            </a:r>
+          </a:p>
+          <a:p>
+            <a:pPr lvl="1">
+              <a:lnSpc>
+                <a:spcPct val="90000"/>
+              </a:lnSpc>
+            </a:pPr>
+            <a:r>
+              <a:rPr lang="en-US" dirty="0"/>
+              <a:t>Visual Source </a:t>
+            </a:r>
+            <a:r>
+              <a:rPr lang="en-US" dirty="0" smtClean="0"/>
+              <a:t>Safe</a:t>
+            </a:r>
+          </a:p>
+          <a:p>
+            <a:pPr lvl="1">
+              <a:lnSpc>
+                <a:spcPct val="90000"/>
+              </a:lnSpc>
+            </a:pPr>
+            <a:r>
+              <a:rPr lang="en-US" dirty="0" smtClean="0"/>
+              <a:t>Team Foundation Server</a:t>
+            </a:r>
+            <a:endParaRPr lang="en-US" dirty="0"/>
+          </a:p>
+        </p:txBody>
+      </p:sp>
+    </p:spTree>
+    <p:extLst>
+      <p:ext uri="{BB962C8B-B14F-4D97-AF65-F5344CB8AC3E}">
+        <p14:creationId xmlns:p14="http://schemas.microsoft.com/office/powerpoint/2010/main" val="1190509764"/>
+      </p:ext>
+    </p:extLst>
+  </p:cSld>
+  <p:clrMapOvr>
+    <a:masterClrMapping/>
+  </p:clrMapOvr>
+  <p:timing>
+    <p:tnLst>
+      <p:par>
+        <p:cTn id="1" dur="indefinite" restart="never" nodeType="tmRoot"/>
+      </p:par>
+    </p:tnLst>
+  </p:timing>
+</p:sld>
+</file>
+
+<file path=ppt/slides/slide40.xml><?xml version="1.0" encoding="utf-8"?>
+<p:sld xmlns:a="http://schemas.openxmlformats.org/drawingml/2006/main" xmlns:r="http://schemas.openxmlformats.org/officeDocument/2006/relationships" xmlns:p="http://schemas.openxmlformats.org/presentationml/2006/main">
+  <p:cSld>
+    <p:spTree>
+      <p:nvGrpSpPr>
+        <p:cNvPr id="1" name=""/>
+        <p:cNvGrpSpPr/>
+        <p:nvPr/>
+      </p:nvGrpSpPr>
+      <p:grpSpPr>
+        <a:xfrm>
+          <a:off x="0" y="0"/>
+          <a:ext cx="0" cy="0"/>
+          <a:chOff x="0" y="0"/>
+          <a:chExt cx="0" cy="0"/>
+        </a:xfrm>
+      </p:grpSpPr>
+      <p:sp>
+        <p:nvSpPr>
+          <p:cNvPr id="2" name="Titel 1"/>
+          <p:cNvSpPr>
+            <a:spLocks noGrp="1"/>
+          </p:cNvSpPr>
+          <p:nvPr>
+            <p:ph type="title"/>
+          </p:nvPr>
+        </p:nvSpPr>
+        <p:spPr/>
+        <p:txBody>
+          <a:bodyPr/>
+          <a:lstStyle/>
+          <a:p>
+            <a:r>
+              <a:rPr lang="de-DE" dirty="0" err="1" smtClean="0"/>
               <a:t>Rewriting</a:t>
             </a:r>
             <a:r>
@@ -26723,234 +27398,7 @@
 </p:sld>
 </file>
 
-<file path=ppt/slides/slide4.xml><?xml version="1.0" encoding="utf-8"?>
-<p:sld xmlns:a="http://schemas.openxmlformats.org/drawingml/2006/main" xmlns:r="http://schemas.openxmlformats.org/officeDocument/2006/relationships" xmlns:p="http://schemas.openxmlformats.org/presentationml/2006/main">
-  <p:cSld>
-    <p:spTree>
-      <p:nvGrpSpPr>
-        <p:cNvPr id="1" name=""/>
-        <p:cNvGrpSpPr/>
-        <p:nvPr/>
-      </p:nvGrpSpPr>
-      <p:grpSpPr>
-        <a:xfrm>
-          <a:off x="0" y="0"/>
-          <a:ext cx="0" cy="0"/>
-          <a:chOff x="0" y="0"/>
-          <a:chExt cx="0" cy="0"/>
-        </a:xfrm>
-      </p:grpSpPr>
-      <p:sp>
-        <p:nvSpPr>
-          <p:cNvPr id="26626" name="Rectangle 2"/>
-          <p:cNvSpPr>
-            <a:spLocks noGrp="1" noChangeArrowheads="1"/>
-          </p:cNvSpPr>
-          <p:nvPr>
-            <p:ph type="title"/>
-          </p:nvPr>
-        </p:nvSpPr>
-        <p:spPr/>
-        <p:txBody>
-          <a:bodyPr/>
-          <a:lstStyle/>
-          <a:p>
-            <a:r>
-              <a:rPr lang="en-US" dirty="0" err="1" smtClean="0"/>
-              <a:t>Zentralisierte</a:t>
-            </a:r>
-            <a:r>
-              <a:rPr lang="en-US" dirty="0" smtClean="0"/>
-              <a:t> </a:t>
-            </a:r>
-            <a:r>
-              <a:rPr lang="en-US" dirty="0" err="1" smtClean="0"/>
-              <a:t>Versionskontrolle</a:t>
-            </a:r>
-            <a:endParaRPr lang="en-US" dirty="0"/>
-          </a:p>
-        </p:txBody>
-      </p:sp>
-      <p:sp>
-        <p:nvSpPr>
-          <p:cNvPr id="26627" name="Rectangle 3"/>
-          <p:cNvSpPr>
-            <a:spLocks noGrp="1" noChangeArrowheads="1"/>
-          </p:cNvSpPr>
-          <p:nvPr>
-            <p:ph type="body" idx="1"/>
-          </p:nvPr>
-        </p:nvSpPr>
-        <p:spPr/>
-        <p:txBody>
-          <a:bodyPr>
-            <a:normAutofit/>
-          </a:bodyPr>
-          <a:lstStyle/>
-          <a:p>
-            <a:pPr>
-              <a:lnSpc>
-                <a:spcPct val="90000"/>
-              </a:lnSpc>
-            </a:pPr>
-            <a:r>
-              <a:rPr lang="en-US" dirty="0" err="1" smtClean="0"/>
-              <a:t>Traditionelle</a:t>
-            </a:r>
-            <a:r>
-              <a:rPr lang="en-US" dirty="0" smtClean="0"/>
-              <a:t> Client/Server-</a:t>
-            </a:r>
-            <a:r>
-              <a:rPr lang="en-US" dirty="0" err="1" smtClean="0"/>
-              <a:t>Architektur</a:t>
-            </a:r>
-            <a:endParaRPr lang="en-US" dirty="0"/>
-          </a:p>
-          <a:p>
-            <a:pPr lvl="1">
-              <a:lnSpc>
-                <a:spcPct val="90000"/>
-              </a:lnSpc>
-            </a:pPr>
-            <a:r>
-              <a:rPr lang="en-US" dirty="0"/>
-              <a:t>Server </a:t>
-            </a:r>
-            <a:r>
-              <a:rPr lang="en-US" dirty="0" err="1" smtClean="0"/>
-              <a:t>mit</a:t>
-            </a:r>
-            <a:r>
-              <a:rPr lang="en-US" dirty="0" smtClean="0"/>
-              <a:t> </a:t>
-            </a:r>
-            <a:r>
-              <a:rPr lang="en-US" dirty="0" err="1" smtClean="0"/>
-              <a:t>Datenbank</a:t>
-            </a:r>
-            <a:endParaRPr lang="en-US" dirty="0"/>
-          </a:p>
-          <a:p>
-            <a:pPr lvl="1">
-              <a:lnSpc>
-                <a:spcPct val="90000"/>
-              </a:lnSpc>
-            </a:pPr>
-            <a:r>
-              <a:rPr lang="en-US" dirty="0"/>
-              <a:t>Clients </a:t>
-            </a:r>
-            <a:r>
-              <a:rPr lang="en-US" dirty="0" err="1" smtClean="0"/>
-              <a:t>haben</a:t>
-            </a:r>
-            <a:r>
-              <a:rPr lang="en-US" dirty="0" smtClean="0"/>
-              <a:t> </a:t>
-            </a:r>
-            <a:r>
-              <a:rPr lang="en-US" dirty="0" err="1" smtClean="0"/>
-              <a:t>eine</a:t>
-            </a:r>
-            <a:r>
-              <a:rPr lang="en-US" dirty="0" smtClean="0"/>
-              <a:t> </a:t>
-            </a:r>
-            <a:r>
-              <a:rPr lang="en-US" dirty="0" err="1" smtClean="0"/>
-              <a:t>Arbeitskopie</a:t>
-            </a:r>
-            <a:endParaRPr lang="en-US" dirty="0" smtClean="0"/>
-          </a:p>
-          <a:p>
-            <a:pPr>
-              <a:lnSpc>
-                <a:spcPct val="90000"/>
-              </a:lnSpc>
-            </a:pPr>
-            <a:r>
-              <a:rPr lang="en-US" sz="3600" dirty="0" err="1" smtClean="0"/>
-              <a:t>Beispiele</a:t>
-            </a:r>
-            <a:r>
-              <a:rPr lang="en-US" sz="3600" dirty="0" smtClean="0"/>
-              <a:t>:</a:t>
-            </a:r>
-            <a:endParaRPr lang="en-US" sz="3600" dirty="0"/>
-          </a:p>
-          <a:p>
-            <a:pPr lvl="1">
-              <a:lnSpc>
-                <a:spcPct val="90000"/>
-              </a:lnSpc>
-            </a:pPr>
-            <a:r>
-              <a:rPr lang="en-US" dirty="0"/>
-              <a:t>CVS</a:t>
-            </a:r>
-          </a:p>
-          <a:p>
-            <a:pPr lvl="1">
-              <a:lnSpc>
-                <a:spcPct val="90000"/>
-              </a:lnSpc>
-            </a:pPr>
-            <a:r>
-              <a:rPr lang="en-US" dirty="0"/>
-              <a:t>Subversion</a:t>
-            </a:r>
-          </a:p>
-          <a:p>
-            <a:pPr lvl="1">
-              <a:lnSpc>
-                <a:spcPct val="90000"/>
-              </a:lnSpc>
-            </a:pPr>
-            <a:r>
-              <a:rPr lang="en-US" dirty="0"/>
-              <a:t>Visual Source </a:t>
-            </a:r>
-            <a:r>
-              <a:rPr lang="en-US" dirty="0" smtClean="0"/>
-              <a:t>Safe</a:t>
-            </a:r>
-          </a:p>
-          <a:p>
-            <a:pPr lvl="1">
-              <a:lnSpc>
-                <a:spcPct val="90000"/>
-              </a:lnSpc>
-            </a:pPr>
-            <a:r>
-              <a:rPr lang="en-US" dirty="0" smtClean="0"/>
-              <a:t>Team Foundation Server</a:t>
-            </a:r>
-            <a:endParaRPr lang="en-US" dirty="0"/>
-          </a:p>
-        </p:txBody>
-      </p:sp>
-    </p:spTree>
-    <p:extLst>
-      <p:ext uri="{BB962C8B-B14F-4D97-AF65-F5344CB8AC3E}">
-        <p14:creationId xmlns:p14="http://schemas.microsoft.com/office/powerpoint/2010/main" val="1190509764"/>
-      </p:ext>
-    </p:extLst>
-  </p:cSld>
-  <p:clrMapOvr>
-    <a:masterClrMapping/>
-  </p:clrMapOvr>
-  <p:timing>
-    <p:tnLst>
-      <p:par>
-        <p:cTn id="1" dur="indefinite" restart="never" nodeType="tmRoot"/>
-      </p:par>
-    </p:tnLst>
-  </p:timing>
-</p:sld>
-</file>
-
-<file path=ppt/slides/slide40.xml><?xml version="1.0" encoding="utf-8"?>
+<file path=ppt/slides/slide41.xml><?xml version="1.0" encoding="utf-8"?>
 <p:sld xmlns:a="http://schemas.openxmlformats.org/drawingml/2006/main" xmlns:r="http://schemas.openxmlformats.org/officeDocument/2006/relationships" xmlns:p="http://schemas.openxmlformats.org/presentationml/2006/main">
   <p:cSld>
     <p:spTree>
@@ -27924,7 +28372,7 @@
 </p:sld>
 </file>
 
-<file path=ppt/slides/slide41.xml><?xml version="1.0" encoding="utf-8"?>
+<file path=ppt/slides/slide42.xml><?xml version="1.0" encoding="utf-8"?>
 <p:sld xmlns:a="http://schemas.openxmlformats.org/drawingml/2006/main" xmlns:r="http://schemas.openxmlformats.org/officeDocument/2006/relationships" xmlns:p="http://schemas.openxmlformats.org/presentationml/2006/main">
   <p:cSld>
     <p:spTree>
@@ -29042,7 +29490,7 @@
 </p:sld>
 </file>
 
-<file path=ppt/slides/slide42.xml><?xml version="1.0" encoding="utf-8"?>
+<file path=ppt/slides/slide43.xml><?xml version="1.0" encoding="utf-8"?>
 <p:sld xmlns:a="http://schemas.openxmlformats.org/drawingml/2006/main" xmlns:r="http://schemas.openxmlformats.org/officeDocument/2006/relationships" xmlns:p="http://schemas.openxmlformats.org/presentationml/2006/main">
   <p:cSld>
     <p:spTree>
@@ -29170,7 +29618,7 @@
 </p:sld>
 </file>
 
-<file path=ppt/slides/slide43.xml><?xml version="1.0" encoding="utf-8"?>
+<file path=ppt/slides/slide44.xml><?xml version="1.0" encoding="utf-8"?>
 <p:sld xmlns:a="http://schemas.openxmlformats.org/drawingml/2006/main" xmlns:r="http://schemas.openxmlformats.org/officeDocument/2006/relationships" xmlns:p="http://schemas.openxmlformats.org/presentationml/2006/main">
   <p:cSld>
     <p:spTree>
@@ -29510,7 +29958,190 @@
   <p:timing>
     <p:tnLst>
       <p:par>
-        <p:cTn id="1" dur="indefinite" restart="never" nodeType="tmRoot"/>
+        <p:cTn id="1" dur="indefinite" restart="never" nodeType="tmRoot">
+          <p:childTnLst>
+            <p:seq concurrent="1" nextAc="seek">
+              <p:cTn id="2" dur="indefinite" nodeType="mainSeq">
+                <p:childTnLst>
+                  <p:par>
+                    <p:cTn id="3" fill="hold">
+                      <p:stCondLst>
+                        <p:cond delay="indefinite"/>
+                      </p:stCondLst>
+                      <p:childTnLst>
+                        <p:par>
+                          <p:cTn id="4" fill="hold">
+                            <p:stCondLst>
+                              <p:cond delay="0"/>
+                            </p:stCondLst>
+                            <p:childTnLst>
+                              <p:par>
+                                <p:cTn id="5" presetID="1" presetClass="entr" presetSubtype="0" fill="hold" nodeType="clickEffect">
+                                  <p:stCondLst>
+                                    <p:cond delay="0"/>
+                                  </p:stCondLst>
+                                  <p:childTnLst>
+                                    <p:set>
+                                      <p:cBhvr>
+                                        <p:cTn id="6" dur="1" fill="hold">
+                                          <p:stCondLst>
+                                            <p:cond delay="0"/>
+                                          </p:stCondLst>
+                                        </p:cTn>
+                                        <p:tgtEl>
+                                          <p:spTgt spid="3">
+                                            <p:txEl>
+                                              <p:pRg st="0" end="0"/>
+                                            </p:txEl>
+                                          </p:spTgt>
+                                        </p:tgtEl>
+                                        <p:attrNameLst>
+                                          <p:attrName>style.visibility</p:attrName>
+                                        </p:attrNameLst>
+                                      </p:cBhvr>
+                                      <p:to>
+                                        <p:strVal val="visible"/>
+                                      </p:to>
+                                    </p:set>
+                                  </p:childTnLst>
+                                </p:cTn>
+                              </p:par>
+                              <p:par>
+                                <p:cTn id="7" presetID="1" presetClass="entr" presetSubtype="0" fill="hold" nodeType="withEffect">
+                                  <p:stCondLst>
+                                    <p:cond delay="0"/>
+                                  </p:stCondLst>
+                                  <p:childTnLst>
+                                    <p:set>
+                                      <p:cBhvr>
+                                        <p:cTn id="8" dur="1" fill="hold">
+                                          <p:stCondLst>
+                                            <p:cond delay="0"/>
+                                          </p:stCondLst>
+                                        </p:cTn>
+                                        <p:tgtEl>
+                                          <p:spTgt spid="3">
+                                            <p:txEl>
+                                              <p:pRg st="1" end="1"/>
+                                            </p:txEl>
+                                          </p:spTgt>
+                                        </p:tgtEl>
+                                        <p:attrNameLst>
+                                          <p:attrName>style.visibility</p:attrName>
+                                        </p:attrNameLst>
+                                      </p:cBhvr>
+                                      <p:to>
+                                        <p:strVal val="visible"/>
+                                      </p:to>
+                                    </p:set>
+                                  </p:childTnLst>
+                                </p:cTn>
+                              </p:par>
+                            </p:childTnLst>
+                          </p:cTn>
+                        </p:par>
+                      </p:childTnLst>
+                    </p:cTn>
+                  </p:par>
+                  <p:par>
+                    <p:cTn id="9" fill="hold">
+                      <p:stCondLst>
+                        <p:cond delay="indefinite"/>
+                      </p:stCondLst>
+                      <p:childTnLst>
+                        <p:par>
+                          <p:cTn id="10" fill="hold">
+                            <p:stCondLst>
+                              <p:cond delay="0"/>
+                            </p:stCondLst>
+                            <p:childTnLst>
+                              <p:par>
+                                <p:cTn id="11" presetID="1" presetClass="entr" presetSubtype="0" fill="hold" nodeType="clickEffect">
+                                  <p:stCondLst>
+                                    <p:cond delay="0"/>
+                                  </p:stCondLst>
+                                  <p:childTnLst>
+                                    <p:set>
+                                      <p:cBhvr>
+                                        <p:cTn id="12" dur="1" fill="hold">
+                                          <p:stCondLst>
+                                            <p:cond delay="0"/>
+                                          </p:stCondLst>
+                                        </p:cTn>
+                                        <p:tgtEl>
+                                          <p:spTgt spid="3">
+                                            <p:txEl>
+                                              <p:pRg st="2" end="2"/>
+                                            </p:txEl>
+                                          </p:spTgt>
+                                        </p:tgtEl>
+                                        <p:attrNameLst>
+                                          <p:attrName>style.visibility</p:attrName>
+                                        </p:attrNameLst>
+                                      </p:cBhvr>
+                                      <p:to>
+                                        <p:strVal val="visible"/>
+                                      </p:to>
+                                    </p:set>
+                                  </p:childTnLst>
+                                </p:cTn>
+                              </p:par>
+                              <p:par>
+                                <p:cTn id="13" presetID="1" presetClass="entr" presetSubtype="0" fill="hold" nodeType="withEffect">
+                                  <p:stCondLst>
+                                    <p:cond delay="0"/>
+                                  </p:stCondLst>
+                                  <p:childTnLst>
+                                    <p:set>
+                                      <p:cBhvr>
+                                        <p:cTn id="14" dur="1" fill="hold">
+                                          <p:stCondLst>
+                                            <p:cond delay="0"/>
+                                          </p:stCondLst>
+                                        </p:cTn>
+                                        <p:tgtEl>
+                                          <p:spTgt spid="3">
+                                            <p:txEl>
+                                              <p:pRg st="3" end="3"/>
+                                            </p:txEl>
+                                          </p:spTgt>
+                                        </p:tgtEl>
+                                        <p:attrNameLst>
+                                          <p:attrName>style.visibility</p:attrName>
+                                        </p:attrNameLst>
+                                      </p:cBhvr>
+                                      <p:to>
+                                        <p:strVal val="visible"/>
+                                      </p:to>
+                                    </p:set>
+                                  </p:childTnLst>
+                                </p:cTn>
+                              </p:par>
+                            </p:childTnLst>
+                          </p:cTn>
+                        </p:par>
+                      </p:childTnLst>
+                    </p:cTn>
+                  </p:par>
+                </p:childTnLst>
+              </p:cTn>
+              <p:prevCondLst>
+                <p:cond evt="onPrev" delay="0">
+                  <p:tgtEl>
+                    <p:sldTgt/>
+                  </p:tgtEl>
+                </p:cond>
+              </p:prevCondLst>
+              <p:nextCondLst>
+                <p:cond evt="onNext" delay="0">
+                  <p:tgtEl>
+                    <p:sldTgt/>
+                  </p:tgtEl>
+                </p:cond>
+              </p:nextCondLst>
+            </p:seq>
+          </p:childTnLst>
+        </p:cTn>
       </p:par>
     </p:tnLst>
   </p:timing>
@@ -29598,23 +30229,28 @@
             <a:pPr lvl="1"/>
             <a:r>
               <a:rPr lang="de-DE" sz="3200" dirty="0" smtClean="0"/>
-              <a:t>Release nicht zu jedem Zeitpunkt möglich</a:t>
+              <a:t>Release </a:t>
+            </a:r>
+            <a:r>
+              <a:rPr lang="de-DE" sz="3200" dirty="0" smtClean="0"/>
+              <a:t>möglicherweise nicht </a:t>
+            </a:r>
+            <a:r>
+              <a:rPr lang="de-DE" sz="3200" dirty="0" smtClean="0"/>
+              <a:t>zu jedem Zeitpunkt </a:t>
+            </a:r>
+            <a:r>
+              <a:rPr lang="de-DE" sz="3200" dirty="0" smtClean="0"/>
+              <a:t>möglich</a:t>
             </a:r>
           </a:p>
           <a:p>
             <a:pPr lvl="1"/>
             <a:r>
               <a:rPr lang="de-DE" sz="3200" dirty="0" smtClean="0"/>
-              <a:t>Kein „Cherry-</a:t>
-            </a:r>
-            <a:r>
-              <a:rPr lang="de-DE" sz="3200" dirty="0" err="1" smtClean="0"/>
-              <a:t>picking</a:t>
-            </a:r>
-            <a:r>
-              <a:rPr lang="de-DE" sz="3200" dirty="0" smtClean="0"/>
-              <a:t>“</a:t>
-            </a:r>
+              <a:t>Nicht unbedingt Problem vom VCS sondern eher vom Workflow</a:t>
+            </a:r>
+            <a:endParaRPr lang="de-DE" sz="3200" dirty="0" smtClean="0"/>
           </a:p>
         </p:txBody>
       </p:sp>
@@ -29626,7 +30262,79 @@
   <p:timing>
     <p:tnLst>
       <p:par>
-        <p:cTn id="1" dur="indefinite" restart="never" nodeType="tmRoot"/>
+        <p:cTn id="1" dur="indefinite" restart="never" nodeType="tmRoot">
+          <p:childTnLst>
+            <p:seq concurrent="1" nextAc="seek">
+              <p:cTn id="2" dur="indefinite" nodeType="mainSeq">
+                <p:childTnLst>
+                  <p:par>
+                    <p:cTn id="3" fill="hold">
+                      <p:stCondLst>
+                        <p:cond delay="indefinite"/>
+                      </p:stCondLst>
+                      <p:childTnLst>
+                        <p:par>
+                          <p:cTn id="4" fill="hold">
+                            <p:stCondLst>
+                              <p:cond delay="0"/>
+                            </p:stCondLst>
+                            <p:childTnLst>
+                              <p:par>
+                                <p:cTn id="5" presetID="1" presetClass="entr" presetSubtype="0" fill="hold" nodeType="clickEffect">
+                                  <p:stCondLst>
+                                    <p:cond delay="0"/>
+                                  </p:stCondLst>
+                                  <p:childTnLst>
+                                    <p:set>
+                                      <p:cBhvr>
+                                        <p:cTn id="6" dur="1" fill="hold">
+                                          <p:stCondLst>
+                                            <p:cond delay="0"/>
+                                          </p:stCondLst>
+                                        </p:cTn>
+                                        <p:tgtEl>
+                                          <p:spTgt spid="3">
+                                            <p:txEl>
+                                              <p:pRg st="3" end="3"/>
+                                            </p:txEl>
+                                          </p:spTgt>
+                                        </p:tgtEl>
+                                        <p:attrNameLst>
+                                          <p:attrName>style.visibility</p:attrName>
+                                        </p:attrNameLst>
+                                      </p:cBhvr>
+                                      <p:to>
+                                        <p:strVal val="visible"/>
+                                      </p:to>
+                                    </p:set>
+                                  </p:childTnLst>
+                                </p:cTn>
+                              </p:par>
+                            </p:childTnLst>
+                          </p:cTn>
+                        </p:par>
+                      </p:childTnLst>
+                    </p:cTn>
+                  </p:par>
+                </p:childTnLst>
+              </p:cTn>
+              <p:prevCondLst>
+                <p:cond evt="onPrev" delay="0">
+                  <p:tgtEl>
+                    <p:sldTgt/>
+                  </p:tgtEl>
+                </p:cond>
+              </p:prevCondLst>
+              <p:nextCondLst>
+                <p:cond evt="onNext" delay="0">
+                  <p:tgtEl>
+                    <p:sldTgt/>
+                  </p:tgtEl>
+                </p:cond>
+              </p:nextCondLst>
+            </p:seq>
+          </p:childTnLst>
+        </p:cTn>
       </p:par>
     </p:tnLst>
   </p:timing>
@@ -29759,7 +30467,13 @@
               <a:rPr lang="de-DE" sz="3600" dirty="0" smtClean="0">
                 <a:sym typeface="Wingdings" pitchFamily="2" charset="2"/>
               </a:rPr>
-              <a:t>) können geändert werden</a:t>
+              <a:t>) können geändert </a:t>
+            </a:r>
+            <a:r>
+              <a:rPr lang="de-DE" sz="3600" dirty="0" smtClean="0">
+                <a:sym typeface="Wingdings" pitchFamily="2" charset="2"/>
+              </a:rPr>
+              <a:t>werden</a:t>
             </a:r>
           </a:p>
         </p:txBody>
@@ -29874,36 +30588,36 @@
             </a:r>
           </a:p>
           <a:p>
-            <a:pPr lvl="2"/>
-            <a:r>
-              <a:rPr lang="de-DE" sz="3200" dirty="0" err="1" smtClean="0"/>
+            <a:pPr lvl="1"/>
+            <a:r>
+              <a:rPr lang="de-DE" sz="3600" dirty="0" err="1" smtClean="0"/>
               <a:t>single</a:t>
             </a:r>
             <a:r>
-              <a:rPr lang="de-DE" sz="3200" dirty="0" smtClean="0"/>
+              <a:rPr lang="de-DE" sz="3600" dirty="0" smtClean="0"/>
               <a:t> </a:t>
             </a:r>
             <a:r>
-              <a:rPr lang="de-DE" sz="3200" dirty="0" err="1" smtClean="0"/>
+              <a:rPr lang="de-DE" sz="3600" dirty="0" err="1" smtClean="0"/>
               <a:t>point</a:t>
             </a:r>
             <a:r>
-              <a:rPr lang="de-DE" sz="3200" dirty="0" smtClean="0"/>
+              <a:rPr lang="de-DE" sz="3600" dirty="0" smtClean="0"/>
               <a:t> </a:t>
             </a:r>
             <a:r>
-              <a:rPr lang="de-DE" sz="3200" dirty="0" err="1" smtClean="0"/>
+              <a:rPr lang="de-DE" sz="3600" dirty="0" err="1" smtClean="0"/>
               <a:t>of</a:t>
             </a:r>
             <a:r>
-              <a:rPr lang="de-DE" sz="3200" dirty="0" smtClean="0"/>
+              <a:rPr lang="de-DE" sz="3600" dirty="0" smtClean="0"/>
               <a:t> </a:t>
             </a:r>
             <a:r>
-              <a:rPr lang="de-DE" sz="3200" dirty="0" err="1" smtClean="0"/>
+              <a:rPr lang="de-DE" sz="3600" dirty="0" err="1" smtClean="0"/>
               <a:t>failure</a:t>
             </a:r>
-            <a:endParaRPr lang="de-DE" sz="3200" dirty="0" smtClean="0"/>
+            <a:endParaRPr lang="de-DE" sz="3600" dirty="0" smtClean="0"/>
           </a:p>
         </p:txBody>
       </p:sp>
@@ -29915,7 +30629,79 @@
   <p:timing>
     <p:tnLst>
       <p:par>
-        <p:cTn id="1" dur="indefinite" restart="never" nodeType="tmRoot"/>
+        <p:cTn id="1" dur="indefinite" restart="never" nodeType="tmRoot">
+          <p:childTnLst>
+            <p:seq concurrent="1" nextAc="seek">
+              <p:cTn id="2" dur="indefinite" nodeType="mainSeq">
+                <p:childTnLst>
+                  <p:par>
+                    <p:cTn id="3" fill="hold">
+                      <p:stCondLst>
+                        <p:cond delay="indefinite"/>
+                      </p:stCondLst>
+                      <p:childTnLst>
+                        <p:par>
+                          <p:cTn id="4" fill="hold">
+                            <p:stCondLst>
+                              <p:cond delay="0"/>
+                            </p:stCondLst>
+                            <p:childTnLst>
+                              <p:par>
+                                <p:cTn id="5" presetID="1" presetClass="entr" presetSubtype="0" fill="hold" nodeType="clickEffect">
+                                  <p:stCondLst>
+                                    <p:cond delay="0"/>
+                                  </p:stCondLst>
+                                  <p:childTnLst>
+                                    <p:set>
+                                      <p:cBhvr>
+                                        <p:cTn id="6" dur="1" fill="hold">
+                                          <p:stCondLst>
+                                            <p:cond delay="0"/>
+                                          </p:stCondLst>
+                                        </p:cTn>
+                                        <p:tgtEl>
+                                          <p:spTgt spid="3">
+                                            <p:txEl>
+                                              <p:pRg st="3" end="3"/>
+                                            </p:txEl>
+                                          </p:spTgt>
+                                        </p:tgtEl>
+                                        <p:attrNameLst>
+                                          <p:attrName>style.visibility</p:attrName>
+                                        </p:attrNameLst>
+                                      </p:cBhvr>
+                                      <p:to>
+                                        <p:strVal val="visible"/>
+                                      </p:to>
+                                    </p:set>
+                                  </p:childTnLst>
+                                </p:cTn>
+                              </p:par>
+                            </p:childTnLst>
+                          </p:cTn>
+                        </p:par>
+                      </p:childTnLst>
+                    </p:cTn>
+                  </p:par>
+                </p:childTnLst>
+              </p:cTn>
+              <p:prevCondLst>
+                <p:cond evt="onPrev" delay="0">
+                  <p:tgtEl>
+                    <p:sldTgt/>
+                  </p:tgtEl>
+                </p:cond>
+              </p:prevCondLst>
+              <p:nextCondLst>
+                <p:cond evt="onNext" delay="0">
+                  <p:tgtEl>
+                    <p:sldTgt/>
+                  </p:tgtEl>
+                </p:cond>
+              </p:nextCondLst>
+            </p:seq>
+          </p:childTnLst>
+        </p:cTn>
       </p:par>
     </p:tnLst>
   </p:timing>

--- a/GitTalk.pptx
+++ b/GitTalk.pptx
@@ -10135,7 +10135,319 @@
   <p:timing>
     <p:tnLst>
       <p:par>
-        <p:cTn id="1" dur="indefinite" restart="never" nodeType="tmRoot"/>
+        <p:cTn id="1" dur="indefinite" restart="never" nodeType="tmRoot">
+          <p:childTnLst>
+            <p:seq concurrent="1" nextAc="seek">
+              <p:cTn id="2" dur="indefinite" nodeType="mainSeq">
+                <p:childTnLst>
+                  <p:par>
+                    <p:cTn id="3" fill="hold">
+                      <p:stCondLst>
+                        <p:cond delay="indefinite"/>
+                      </p:stCondLst>
+                      <p:childTnLst>
+                        <p:par>
+                          <p:cTn id="4" fill="hold">
+                            <p:stCondLst>
+                              <p:cond delay="0"/>
+                            </p:stCondLst>
+                            <p:childTnLst>
+                              <p:par>
+                                <p:cTn id="5" presetID="1" presetClass="entr" presetSubtype="0" fill="hold" nodeType="clickEffect">
+                                  <p:stCondLst>
+                                    <p:cond delay="0"/>
+                                  </p:stCondLst>
+                                  <p:childTnLst>
+                                    <p:set>
+                                      <p:cBhvr>
+                                        <p:cTn id="6" dur="1" fill="hold">
+                                          <p:stCondLst>
+                                            <p:cond delay="0"/>
+                                          </p:stCondLst>
+                                        </p:cTn>
+                                        <p:tgtEl>
+                                          <p:spTgt spid="50179">
+                                            <p:txEl>
+                                              <p:pRg st="0" end="0"/>
+                                            </p:txEl>
+                                          </p:spTgt>
+                                        </p:tgtEl>
+                                        <p:attrNameLst>
+                                          <p:attrName>style.visibility</p:attrName>
+                                        </p:attrNameLst>
+                                      </p:cBhvr>
+                                      <p:to>
+                                        <p:strVal val="visible"/>
+                                      </p:to>
+                                    </p:set>
+                                  </p:childTnLst>
+                                </p:cTn>
+                              </p:par>
+                            </p:childTnLst>
+                          </p:cTn>
+                        </p:par>
+                      </p:childTnLst>
+                    </p:cTn>
+                  </p:par>
+                  <p:par>
+                    <p:cTn id="7" fill="hold">
+                      <p:stCondLst>
+                        <p:cond delay="indefinite"/>
+                      </p:stCondLst>
+                      <p:childTnLst>
+                        <p:par>
+                          <p:cTn id="8" fill="hold">
+                            <p:stCondLst>
+                              <p:cond delay="0"/>
+                            </p:stCondLst>
+                            <p:childTnLst>
+                              <p:par>
+                                <p:cTn id="9" presetID="1" presetClass="entr" presetSubtype="0" fill="hold" nodeType="clickEffect">
+                                  <p:stCondLst>
+                                    <p:cond delay="0"/>
+                                  </p:stCondLst>
+                                  <p:childTnLst>
+                                    <p:set>
+                                      <p:cBhvr>
+                                        <p:cTn id="10" dur="1" fill="hold">
+                                          <p:stCondLst>
+                                            <p:cond delay="0"/>
+                                          </p:stCondLst>
+                                        </p:cTn>
+                                        <p:tgtEl>
+                                          <p:spTgt spid="50179">
+                                            <p:txEl>
+                                              <p:pRg st="1" end="1"/>
+                                            </p:txEl>
+                                          </p:spTgt>
+                                        </p:tgtEl>
+                                        <p:attrNameLst>
+                                          <p:attrName>style.visibility</p:attrName>
+                                        </p:attrNameLst>
+                                      </p:cBhvr>
+                                      <p:to>
+                                        <p:strVal val="visible"/>
+                                      </p:to>
+                                    </p:set>
+                                  </p:childTnLst>
+                                </p:cTn>
+                              </p:par>
+                              <p:par>
+                                <p:cTn id="11" presetID="1" presetClass="entr" presetSubtype="0" fill="hold" nodeType="withEffect">
+                                  <p:stCondLst>
+                                    <p:cond delay="0"/>
+                                  </p:stCondLst>
+                                  <p:childTnLst>
+                                    <p:set>
+                                      <p:cBhvr>
+                                        <p:cTn id="12" dur="1" fill="hold">
+                                          <p:stCondLst>
+                                            <p:cond delay="0"/>
+                                          </p:stCondLst>
+                                        </p:cTn>
+                                        <p:tgtEl>
+                                          <p:spTgt spid="50179">
+                                            <p:txEl>
+                                              <p:pRg st="2" end="2"/>
+                                            </p:txEl>
+                                          </p:spTgt>
+                                        </p:tgtEl>
+                                        <p:attrNameLst>
+                                          <p:attrName>style.visibility</p:attrName>
+                                        </p:attrNameLst>
+                                      </p:cBhvr>
+                                      <p:to>
+                                        <p:strVal val="visible"/>
+                                      </p:to>
+                                    </p:set>
+                                  </p:childTnLst>
+                                </p:cTn>
+                              </p:par>
+                            </p:childTnLst>
+                          </p:cTn>
+                        </p:par>
+                      </p:childTnLst>
+                    </p:cTn>
+                  </p:par>
+                  <p:par>
+                    <p:cTn id="13" fill="hold">
+                      <p:stCondLst>
+                        <p:cond delay="indefinite"/>
+                      </p:stCondLst>
+                      <p:childTnLst>
+                        <p:par>
+                          <p:cTn id="14" fill="hold">
+                            <p:stCondLst>
+                              <p:cond delay="0"/>
+                            </p:stCondLst>
+                            <p:childTnLst>
+                              <p:par>
+                                <p:cTn id="15" presetID="1" presetClass="entr" presetSubtype="0" fill="hold" nodeType="clickEffect">
+                                  <p:stCondLst>
+                                    <p:cond delay="0"/>
+                                  </p:stCondLst>
+                                  <p:childTnLst>
+                                    <p:set>
+                                      <p:cBhvr>
+                                        <p:cTn id="16" dur="1" fill="hold">
+                                          <p:stCondLst>
+                                            <p:cond delay="0"/>
+                                          </p:stCondLst>
+                                        </p:cTn>
+                                        <p:tgtEl>
+                                          <p:spTgt spid="50179">
+                                            <p:txEl>
+                                              <p:pRg st="3" end="3"/>
+                                            </p:txEl>
+                                          </p:spTgt>
+                                        </p:tgtEl>
+                                        <p:attrNameLst>
+                                          <p:attrName>style.visibility</p:attrName>
+                                        </p:attrNameLst>
+                                      </p:cBhvr>
+                                      <p:to>
+                                        <p:strVal val="visible"/>
+                                      </p:to>
+                                    </p:set>
+                                  </p:childTnLst>
+                                </p:cTn>
+                              </p:par>
+                              <p:par>
+                                <p:cTn id="17" presetID="1" presetClass="entr" presetSubtype="0" fill="hold" nodeType="withEffect">
+                                  <p:stCondLst>
+                                    <p:cond delay="0"/>
+                                  </p:stCondLst>
+                                  <p:childTnLst>
+                                    <p:set>
+                                      <p:cBhvr>
+                                        <p:cTn id="18" dur="1" fill="hold">
+                                          <p:stCondLst>
+                                            <p:cond delay="0"/>
+                                          </p:stCondLst>
+                                        </p:cTn>
+                                        <p:tgtEl>
+                                          <p:spTgt spid="50179">
+                                            <p:txEl>
+                                              <p:pRg st="4" end="4"/>
+                                            </p:txEl>
+                                          </p:spTgt>
+                                        </p:tgtEl>
+                                        <p:attrNameLst>
+                                          <p:attrName>style.visibility</p:attrName>
+                                        </p:attrNameLst>
+                                      </p:cBhvr>
+                                      <p:to>
+                                        <p:strVal val="visible"/>
+                                      </p:to>
+                                    </p:set>
+                                  </p:childTnLst>
+                                </p:cTn>
+                              </p:par>
+                              <p:par>
+                                <p:cTn id="19" presetID="1" presetClass="entr" presetSubtype="0" fill="hold" nodeType="withEffect">
+                                  <p:stCondLst>
+                                    <p:cond delay="0"/>
+                                  </p:stCondLst>
+                                  <p:childTnLst>
+                                    <p:set>
+                                      <p:cBhvr>
+                                        <p:cTn id="20" dur="1" fill="hold">
+                                          <p:stCondLst>
+                                            <p:cond delay="0"/>
+                                          </p:stCondLst>
+                                        </p:cTn>
+                                        <p:tgtEl>
+                                          <p:spTgt spid="50179">
+                                            <p:txEl>
+                                              <p:pRg st="5" end="5"/>
+                                            </p:txEl>
+                                          </p:spTgt>
+                                        </p:tgtEl>
+                                        <p:attrNameLst>
+                                          <p:attrName>style.visibility</p:attrName>
+                                        </p:attrNameLst>
+                                      </p:cBhvr>
+                                      <p:to>
+                                        <p:strVal val="visible"/>
+                                      </p:to>
+                                    </p:set>
+                                  </p:childTnLst>
+                                </p:cTn>
+                              </p:par>
+                            </p:childTnLst>
+                          </p:cTn>
+                        </p:par>
+                      </p:childTnLst>
+                    </p:cTn>
+                  </p:par>
+                  <p:par>
+                    <p:cTn id="21" fill="hold">
+                      <p:stCondLst>
+                        <p:cond delay="indefinite"/>
+                      </p:stCondLst>
+                      <p:childTnLst>
+                        <p:par>
+                          <p:cTn id="22" fill="hold">
+                            <p:stCondLst>
+                              <p:cond delay="0"/>
+                            </p:stCondLst>
+                            <p:childTnLst>
+                              <p:par>
+                                <p:cTn id="23" presetID="1" presetClass="entr" presetSubtype="0" fill="hold" nodeType="clickEffect">
+                                  <p:stCondLst>
+                                    <p:cond delay="0"/>
+                                  </p:stCondLst>
+                                  <p:childTnLst>
+                                    <p:set>
+                                      <p:cBhvr>
+                                        <p:cTn id="24" dur="1" fill="hold">
+                                          <p:stCondLst>
+                                            <p:cond delay="0"/>
+                                          </p:stCondLst>
+                                        </p:cTn>
+                                        <p:tgtEl>
+                                          <p:spTgt spid="50179">
+                                            <p:txEl>
+                                              <p:pRg st="6" end="6"/>
+                                            </p:txEl>
+                                          </p:spTgt>
+                                        </p:tgtEl>
+                                        <p:attrNameLst>
+                                          <p:attrName>style.visibility</p:attrName>
+                                        </p:attrNameLst>
+                                      </p:cBhvr>
+                                      <p:to>
+                                        <p:strVal val="visible"/>
+                                      </p:to>
+                                    </p:set>
+                                  </p:childTnLst>
+                                </p:cTn>
+                              </p:par>
+                            </p:childTnLst>
+                          </p:cTn>
+                        </p:par>
+                      </p:childTnLst>
+                    </p:cTn>
+                  </p:par>
+                </p:childTnLst>
+              </p:cTn>
+              <p:prevCondLst>
+                <p:cond evt="onPrev" delay="0">
+                  <p:tgtEl>
+                    <p:sldTgt/>
+                  </p:tgtEl>
+                </p:cond>
+              </p:prevCondLst>
+              <p:nextCondLst>
+                <p:cond evt="onNext" delay="0">
+                  <p:tgtEl>
+                    <p:sldTgt/>
+                  </p:tgtEl>
+                </p:cond>
+              </p:nextCondLst>
+            </p:seq>
+          </p:childTnLst>
+        </p:cTn>
       </p:par>
     </p:tnLst>
   </p:timing>
@@ -11077,7 +11389,368 @@
   <p:timing>
     <p:tnLst>
       <p:par>
-        <p:cTn id="1" dur="indefinite" restart="never" nodeType="tmRoot"/>
+        <p:cTn id="1" dur="indefinite" restart="never" nodeType="tmRoot">
+          <p:childTnLst>
+            <p:seq concurrent="1" nextAc="seek">
+              <p:cTn id="2" dur="indefinite" nodeType="mainSeq">
+                <p:childTnLst>
+                  <p:par>
+                    <p:cTn id="3" fill="hold">
+                      <p:stCondLst>
+                        <p:cond delay="indefinite"/>
+                      </p:stCondLst>
+                      <p:childTnLst>
+                        <p:par>
+                          <p:cTn id="4" fill="hold">
+                            <p:stCondLst>
+                              <p:cond delay="0"/>
+                            </p:stCondLst>
+                            <p:childTnLst>
+                              <p:par>
+                                <p:cTn id="5" presetID="1" presetClass="entr" presetSubtype="0" fill="hold" nodeType="clickEffect">
+                                  <p:stCondLst>
+                                    <p:cond delay="0"/>
+                                  </p:stCondLst>
+                                  <p:childTnLst>
+                                    <p:set>
+                                      <p:cBhvr>
+                                        <p:cTn id="6" dur="1" fill="hold">
+                                          <p:stCondLst>
+                                            <p:cond delay="0"/>
+                                          </p:stCondLst>
+                                        </p:cTn>
+                                        <p:tgtEl>
+                                          <p:spTgt spid="35846">
+                                            <p:txEl>
+                                              <p:pRg st="0" end="0"/>
+                                            </p:txEl>
+                                          </p:spTgt>
+                                        </p:tgtEl>
+                                        <p:attrNameLst>
+                                          <p:attrName>style.visibility</p:attrName>
+                                        </p:attrNameLst>
+                                      </p:cBhvr>
+                                      <p:to>
+                                        <p:strVal val="visible"/>
+                                      </p:to>
+                                    </p:set>
+                                  </p:childTnLst>
+                                </p:cTn>
+                              </p:par>
+                              <p:par>
+                                <p:cTn id="7" presetID="1" presetClass="entr" presetSubtype="0" fill="hold" nodeType="withEffect">
+                                  <p:stCondLst>
+                                    <p:cond delay="0"/>
+                                  </p:stCondLst>
+                                  <p:childTnLst>
+                                    <p:set>
+                                      <p:cBhvr>
+                                        <p:cTn id="8" dur="1" fill="hold">
+                                          <p:stCondLst>
+                                            <p:cond delay="0"/>
+                                          </p:stCondLst>
+                                        </p:cTn>
+                                        <p:tgtEl>
+                                          <p:spTgt spid="35846">
+                                            <p:txEl>
+                                              <p:pRg st="1" end="1"/>
+                                            </p:txEl>
+                                          </p:spTgt>
+                                        </p:tgtEl>
+                                        <p:attrNameLst>
+                                          <p:attrName>style.visibility</p:attrName>
+                                        </p:attrNameLst>
+                                      </p:cBhvr>
+                                      <p:to>
+                                        <p:strVal val="visible"/>
+                                      </p:to>
+                                    </p:set>
+                                  </p:childTnLst>
+                                </p:cTn>
+                              </p:par>
+                            </p:childTnLst>
+                          </p:cTn>
+                        </p:par>
+                      </p:childTnLst>
+                    </p:cTn>
+                  </p:par>
+                  <p:par>
+                    <p:cTn id="9" fill="hold">
+                      <p:stCondLst>
+                        <p:cond delay="indefinite"/>
+                      </p:stCondLst>
+                      <p:childTnLst>
+                        <p:par>
+                          <p:cTn id="10" fill="hold">
+                            <p:stCondLst>
+                              <p:cond delay="0"/>
+                            </p:stCondLst>
+                            <p:childTnLst>
+                              <p:par>
+                                <p:cTn id="11" presetID="1" presetClass="entr" presetSubtype="0" fill="hold" nodeType="clickEffect">
+                                  <p:stCondLst>
+                                    <p:cond delay="0"/>
+                                  </p:stCondLst>
+                                  <p:childTnLst>
+                                    <p:set>
+                                      <p:cBhvr>
+                                        <p:cTn id="12" dur="1" fill="hold">
+                                          <p:stCondLst>
+                                            <p:cond delay="0"/>
+                                          </p:stCondLst>
+                                        </p:cTn>
+                                        <p:tgtEl>
+                                          <p:spTgt spid="35846">
+                                            <p:txEl>
+                                              <p:pRg st="2" end="2"/>
+                                            </p:txEl>
+                                          </p:spTgt>
+                                        </p:tgtEl>
+                                        <p:attrNameLst>
+                                          <p:attrName>style.visibility</p:attrName>
+                                        </p:attrNameLst>
+                                      </p:cBhvr>
+                                      <p:to>
+                                        <p:strVal val="visible"/>
+                                      </p:to>
+                                    </p:set>
+                                  </p:childTnLst>
+                                </p:cTn>
+                              </p:par>
+                              <p:par>
+                                <p:cTn id="13" presetID="1" presetClass="entr" presetSubtype="0" fill="hold" nodeType="withEffect">
+                                  <p:stCondLst>
+                                    <p:cond delay="0"/>
+                                  </p:stCondLst>
+                                  <p:childTnLst>
+                                    <p:set>
+                                      <p:cBhvr>
+                                        <p:cTn id="14" dur="1" fill="hold">
+                                          <p:stCondLst>
+                                            <p:cond delay="0"/>
+                                          </p:stCondLst>
+                                        </p:cTn>
+                                        <p:tgtEl>
+                                          <p:spTgt spid="35846">
+                                            <p:txEl>
+                                              <p:pRg st="3" end="3"/>
+                                            </p:txEl>
+                                          </p:spTgt>
+                                        </p:tgtEl>
+                                        <p:attrNameLst>
+                                          <p:attrName>style.visibility</p:attrName>
+                                        </p:attrNameLst>
+                                      </p:cBhvr>
+                                      <p:to>
+                                        <p:strVal val="visible"/>
+                                      </p:to>
+                                    </p:set>
+                                  </p:childTnLst>
+                                </p:cTn>
+                              </p:par>
+                            </p:childTnLst>
+                          </p:cTn>
+                        </p:par>
+                      </p:childTnLst>
+                    </p:cTn>
+                  </p:par>
+                  <p:par>
+                    <p:cTn id="15" fill="hold">
+                      <p:stCondLst>
+                        <p:cond delay="indefinite"/>
+                      </p:stCondLst>
+                      <p:childTnLst>
+                        <p:par>
+                          <p:cTn id="16" fill="hold">
+                            <p:stCondLst>
+                              <p:cond delay="0"/>
+                            </p:stCondLst>
+                            <p:childTnLst>
+                              <p:par>
+                                <p:cTn id="17" presetID="1" presetClass="entr" presetSubtype="0" fill="hold" nodeType="clickEffect">
+                                  <p:stCondLst>
+                                    <p:cond delay="0"/>
+                                  </p:stCondLst>
+                                  <p:childTnLst>
+                                    <p:set>
+                                      <p:cBhvr>
+                                        <p:cTn id="18" dur="1" fill="hold">
+                                          <p:stCondLst>
+                                            <p:cond delay="0"/>
+                                          </p:stCondLst>
+                                        </p:cTn>
+                                        <p:tgtEl>
+                                          <p:spTgt spid="35846">
+                                            <p:txEl>
+                                              <p:pRg st="4" end="4"/>
+                                            </p:txEl>
+                                          </p:spTgt>
+                                        </p:tgtEl>
+                                        <p:attrNameLst>
+                                          <p:attrName>style.visibility</p:attrName>
+                                        </p:attrNameLst>
+                                      </p:cBhvr>
+                                      <p:to>
+                                        <p:strVal val="visible"/>
+                                      </p:to>
+                                    </p:set>
+                                  </p:childTnLst>
+                                </p:cTn>
+                              </p:par>
+                            </p:childTnLst>
+                          </p:cTn>
+                        </p:par>
+                      </p:childTnLst>
+                    </p:cTn>
+                  </p:par>
+                  <p:par>
+                    <p:cTn id="19" fill="hold">
+                      <p:stCondLst>
+                        <p:cond delay="indefinite"/>
+                      </p:stCondLst>
+                      <p:childTnLst>
+                        <p:par>
+                          <p:cTn id="20" fill="hold">
+                            <p:stCondLst>
+                              <p:cond delay="0"/>
+                            </p:stCondLst>
+                            <p:childTnLst>
+                              <p:par>
+                                <p:cTn id="21" presetID="1" presetClass="entr" presetSubtype="0" fill="hold" nodeType="clickEffect">
+                                  <p:stCondLst>
+                                    <p:cond delay="0"/>
+                                  </p:stCondLst>
+                                  <p:childTnLst>
+                                    <p:set>
+                                      <p:cBhvr>
+                                        <p:cTn id="22" dur="1" fill="hold">
+                                          <p:stCondLst>
+                                            <p:cond delay="0"/>
+                                          </p:stCondLst>
+                                        </p:cTn>
+                                        <p:tgtEl>
+                                          <p:spTgt spid="35846">
+                                            <p:txEl>
+                                              <p:pRg st="5" end="5"/>
+                                            </p:txEl>
+                                          </p:spTgt>
+                                        </p:tgtEl>
+                                        <p:attrNameLst>
+                                          <p:attrName>style.visibility</p:attrName>
+                                        </p:attrNameLst>
+                                      </p:cBhvr>
+                                      <p:to>
+                                        <p:strVal val="visible"/>
+                                      </p:to>
+                                    </p:set>
+                                  </p:childTnLst>
+                                </p:cTn>
+                              </p:par>
+                              <p:par>
+                                <p:cTn id="23" presetID="1" presetClass="entr" presetSubtype="0" fill="hold" nodeType="withEffect">
+                                  <p:stCondLst>
+                                    <p:cond delay="0"/>
+                                  </p:stCondLst>
+                                  <p:childTnLst>
+                                    <p:set>
+                                      <p:cBhvr>
+                                        <p:cTn id="24" dur="1" fill="hold">
+                                          <p:stCondLst>
+                                            <p:cond delay="0"/>
+                                          </p:stCondLst>
+                                        </p:cTn>
+                                        <p:tgtEl>
+                                          <p:spTgt spid="35846">
+                                            <p:txEl>
+                                              <p:pRg st="6" end="6"/>
+                                            </p:txEl>
+                                          </p:spTgt>
+                                        </p:tgtEl>
+                                        <p:attrNameLst>
+                                          <p:attrName>style.visibility</p:attrName>
+                                        </p:attrNameLst>
+                                      </p:cBhvr>
+                                      <p:to>
+                                        <p:strVal val="visible"/>
+                                      </p:to>
+                                    </p:set>
+                                  </p:childTnLst>
+                                </p:cTn>
+                              </p:par>
+                            </p:childTnLst>
+                          </p:cTn>
+                        </p:par>
+                      </p:childTnLst>
+                    </p:cTn>
+                  </p:par>
+                  <p:par>
+                    <p:cTn id="25" fill="hold">
+                      <p:stCondLst>
+                        <p:cond delay="indefinite"/>
+                      </p:stCondLst>
+                      <p:childTnLst>
+                        <p:par>
+                          <p:cTn id="26" fill="hold">
+                            <p:stCondLst>
+                              <p:cond delay="0"/>
+                            </p:stCondLst>
+                            <p:childTnLst>
+                              <p:par>
+                                <p:cTn id="27" presetID="1" presetClass="entr" presetSubtype="0" fill="hold" nodeType="clickEffect">
+                                  <p:stCondLst>
+                                    <p:cond delay="0"/>
+                                  </p:stCondLst>
+                                  <p:childTnLst>
+                                    <p:set>
+                                      <p:cBhvr>
+                                        <p:cTn id="28" dur="1" fill="hold">
+                                          <p:stCondLst>
+                                            <p:cond delay="0"/>
+                                          </p:stCondLst>
+                                        </p:cTn>
+                                        <p:tgtEl>
+                                          <p:spTgt spid="35846">
+                                            <p:txEl>
+                                              <p:pRg st="7" end="7"/>
+                                            </p:txEl>
+                                          </p:spTgt>
+                                        </p:tgtEl>
+                                        <p:attrNameLst>
+                                          <p:attrName>style.visibility</p:attrName>
+                                        </p:attrNameLst>
+                                      </p:cBhvr>
+                                      <p:to>
+                                        <p:strVal val="visible"/>
+                                      </p:to>
+                                    </p:set>
+                                  </p:childTnLst>
+                                </p:cTn>
+                              </p:par>
+                            </p:childTnLst>
+                          </p:cTn>
+                        </p:par>
+                      </p:childTnLst>
+                    </p:cTn>
+                  </p:par>
+                </p:childTnLst>
+              </p:cTn>
+              <p:prevCondLst>
+                <p:cond evt="onPrev" delay="0">
+                  <p:tgtEl>
+                    <p:sldTgt/>
+                  </p:tgtEl>
+                </p:cond>
+              </p:prevCondLst>
+              <p:nextCondLst>
+                <p:cond evt="onNext" delay="0">
+                  <p:tgtEl>
+                    <p:sldTgt/>
+                  </p:tgtEl>
+                </p:cond>
+              </p:nextCondLst>
+            </p:seq>
+          </p:childTnLst>
+        </p:cTn>
       </p:par>
     </p:tnLst>
   </p:timing>
@@ -11502,7 +12175,595 @@
   <p:timing>
     <p:tnLst>
       <p:par>
-        <p:cTn id="1" dur="indefinite" restart="never" nodeType="tmRoot"/>
+        <p:cTn id="1" dur="indefinite" restart="never" nodeType="tmRoot">
+          <p:childTnLst>
+            <p:seq concurrent="1" nextAc="seek">
+              <p:cTn id="2" dur="indefinite" nodeType="mainSeq">
+                <p:childTnLst>
+                  <p:par>
+                    <p:cTn id="3" fill="hold">
+                      <p:stCondLst>
+                        <p:cond delay="indefinite"/>
+                      </p:stCondLst>
+                      <p:childTnLst>
+                        <p:par>
+                          <p:cTn id="4" fill="hold">
+                            <p:stCondLst>
+                              <p:cond delay="0"/>
+                            </p:stCondLst>
+                            <p:childTnLst>
+                              <p:par>
+                                <p:cTn id="5" presetID="1" presetClass="entr" presetSubtype="0" fill="hold" nodeType="clickEffect">
+                                  <p:stCondLst>
+                                    <p:cond delay="0"/>
+                                  </p:stCondLst>
+                                  <p:childTnLst>
+                                    <p:set>
+                                      <p:cBhvr>
+                                        <p:cTn id="6" dur="1" fill="hold">
+                                          <p:stCondLst>
+                                            <p:cond delay="0"/>
+                                          </p:stCondLst>
+                                        </p:cTn>
+                                        <p:tgtEl>
+                                          <p:spTgt spid="38915">
+                                            <p:txEl>
+                                              <p:pRg st="0" end="0"/>
+                                            </p:txEl>
+                                          </p:spTgt>
+                                        </p:tgtEl>
+                                        <p:attrNameLst>
+                                          <p:attrName>style.visibility</p:attrName>
+                                        </p:attrNameLst>
+                                      </p:cBhvr>
+                                      <p:to>
+                                        <p:strVal val="visible"/>
+                                      </p:to>
+                                    </p:set>
+                                  </p:childTnLst>
+                                </p:cTn>
+                              </p:par>
+                            </p:childTnLst>
+                          </p:cTn>
+                        </p:par>
+                      </p:childTnLst>
+                    </p:cTn>
+                  </p:par>
+                  <p:par>
+                    <p:cTn id="7" fill="hold">
+                      <p:stCondLst>
+                        <p:cond delay="indefinite"/>
+                      </p:stCondLst>
+                      <p:childTnLst>
+                        <p:par>
+                          <p:cTn id="8" fill="hold">
+                            <p:stCondLst>
+                              <p:cond delay="0"/>
+                            </p:stCondLst>
+                            <p:childTnLst>
+                              <p:par>
+                                <p:cTn id="9" presetID="1" presetClass="entr" presetSubtype="0" fill="hold" nodeType="clickEffect">
+                                  <p:stCondLst>
+                                    <p:cond delay="0"/>
+                                  </p:stCondLst>
+                                  <p:childTnLst>
+                                    <p:set>
+                                      <p:cBhvr>
+                                        <p:cTn id="10" dur="1" fill="hold">
+                                          <p:stCondLst>
+                                            <p:cond delay="0"/>
+                                          </p:stCondLst>
+                                        </p:cTn>
+                                        <p:tgtEl>
+                                          <p:spTgt spid="38915">
+                                            <p:txEl>
+                                              <p:pRg st="1" end="1"/>
+                                            </p:txEl>
+                                          </p:spTgt>
+                                        </p:tgtEl>
+                                        <p:attrNameLst>
+                                          <p:attrName>style.visibility</p:attrName>
+                                        </p:attrNameLst>
+                                      </p:cBhvr>
+                                      <p:to>
+                                        <p:strVal val="visible"/>
+                                      </p:to>
+                                    </p:set>
+                                  </p:childTnLst>
+                                </p:cTn>
+                              </p:par>
+                              <p:par>
+                                <p:cTn id="11" presetID="1" presetClass="entr" presetSubtype="0" fill="hold" nodeType="withEffect">
+                                  <p:stCondLst>
+                                    <p:cond delay="0"/>
+                                  </p:stCondLst>
+                                  <p:childTnLst>
+                                    <p:set>
+                                      <p:cBhvr>
+                                        <p:cTn id="12" dur="1" fill="hold">
+                                          <p:stCondLst>
+                                            <p:cond delay="0"/>
+                                          </p:stCondLst>
+                                        </p:cTn>
+                                        <p:tgtEl>
+                                          <p:spTgt spid="38915">
+                                            <p:txEl>
+                                              <p:pRg st="2" end="2"/>
+                                            </p:txEl>
+                                          </p:spTgt>
+                                        </p:tgtEl>
+                                        <p:attrNameLst>
+                                          <p:attrName>style.visibility</p:attrName>
+                                        </p:attrNameLst>
+                                      </p:cBhvr>
+                                      <p:to>
+                                        <p:strVal val="visible"/>
+                                      </p:to>
+                                    </p:set>
+                                  </p:childTnLst>
+                                </p:cTn>
+                              </p:par>
+                            </p:childTnLst>
+                          </p:cTn>
+                        </p:par>
+                      </p:childTnLst>
+                    </p:cTn>
+                  </p:par>
+                  <p:par>
+                    <p:cTn id="13" fill="hold">
+                      <p:stCondLst>
+                        <p:cond delay="indefinite"/>
+                      </p:stCondLst>
+                      <p:childTnLst>
+                        <p:par>
+                          <p:cTn id="14" fill="hold">
+                            <p:stCondLst>
+                              <p:cond delay="0"/>
+                            </p:stCondLst>
+                            <p:childTnLst>
+                              <p:par>
+                                <p:cTn id="15" presetID="1" presetClass="entr" presetSubtype="0" fill="hold" nodeType="clickEffect">
+                                  <p:stCondLst>
+                                    <p:cond delay="0"/>
+                                  </p:stCondLst>
+                                  <p:childTnLst>
+                                    <p:set>
+                                      <p:cBhvr>
+                                        <p:cTn id="16" dur="1" fill="hold">
+                                          <p:stCondLst>
+                                            <p:cond delay="0"/>
+                                          </p:stCondLst>
+                                        </p:cTn>
+                                        <p:tgtEl>
+                                          <p:spTgt spid="38915">
+                                            <p:txEl>
+                                              <p:pRg st="3" end="3"/>
+                                            </p:txEl>
+                                          </p:spTgt>
+                                        </p:tgtEl>
+                                        <p:attrNameLst>
+                                          <p:attrName>style.visibility</p:attrName>
+                                        </p:attrNameLst>
+                                      </p:cBhvr>
+                                      <p:to>
+                                        <p:strVal val="visible"/>
+                                      </p:to>
+                                    </p:set>
+                                  </p:childTnLst>
+                                </p:cTn>
+                              </p:par>
+                            </p:childTnLst>
+                          </p:cTn>
+                        </p:par>
+                      </p:childTnLst>
+                    </p:cTn>
+                  </p:par>
+                  <p:par>
+                    <p:cTn id="17" fill="hold">
+                      <p:stCondLst>
+                        <p:cond delay="indefinite"/>
+                      </p:stCondLst>
+                      <p:childTnLst>
+                        <p:par>
+                          <p:cTn id="18" fill="hold">
+                            <p:stCondLst>
+                              <p:cond delay="0"/>
+                            </p:stCondLst>
+                            <p:childTnLst>
+                              <p:par>
+                                <p:cTn id="19" presetID="1" presetClass="entr" presetSubtype="0" fill="hold" nodeType="clickEffect">
+                                  <p:stCondLst>
+                                    <p:cond delay="0"/>
+                                  </p:stCondLst>
+                                  <p:childTnLst>
+                                    <p:set>
+                                      <p:cBhvr>
+                                        <p:cTn id="20" dur="1" fill="hold">
+                                          <p:stCondLst>
+                                            <p:cond delay="0"/>
+                                          </p:stCondLst>
+                                        </p:cTn>
+                                        <p:tgtEl>
+                                          <p:spTgt spid="38915">
+                                            <p:txEl>
+                                              <p:pRg st="4" end="4"/>
+                                            </p:txEl>
+                                          </p:spTgt>
+                                        </p:tgtEl>
+                                        <p:attrNameLst>
+                                          <p:attrName>style.visibility</p:attrName>
+                                        </p:attrNameLst>
+                                      </p:cBhvr>
+                                      <p:to>
+                                        <p:strVal val="visible"/>
+                                      </p:to>
+                                    </p:set>
+                                  </p:childTnLst>
+                                </p:cTn>
+                              </p:par>
+                              <p:par>
+                                <p:cTn id="21" presetID="1" presetClass="entr" presetSubtype="0" fill="hold" nodeType="withEffect">
+                                  <p:stCondLst>
+                                    <p:cond delay="0"/>
+                                  </p:stCondLst>
+                                  <p:childTnLst>
+                                    <p:set>
+                                      <p:cBhvr>
+                                        <p:cTn id="22" dur="1" fill="hold">
+                                          <p:stCondLst>
+                                            <p:cond delay="0"/>
+                                          </p:stCondLst>
+                                        </p:cTn>
+                                        <p:tgtEl>
+                                          <p:spTgt spid="38915">
+                                            <p:txEl>
+                                              <p:pRg st="5" end="5"/>
+                                            </p:txEl>
+                                          </p:spTgt>
+                                        </p:tgtEl>
+                                        <p:attrNameLst>
+                                          <p:attrName>style.visibility</p:attrName>
+                                        </p:attrNameLst>
+                                      </p:cBhvr>
+                                      <p:to>
+                                        <p:strVal val="visible"/>
+                                      </p:to>
+                                    </p:set>
+                                  </p:childTnLst>
+                                </p:cTn>
+                              </p:par>
+                            </p:childTnLst>
+                          </p:cTn>
+                        </p:par>
+                      </p:childTnLst>
+                    </p:cTn>
+                  </p:par>
+                  <p:par>
+                    <p:cTn id="23" fill="hold">
+                      <p:stCondLst>
+                        <p:cond delay="indefinite"/>
+                      </p:stCondLst>
+                      <p:childTnLst>
+                        <p:par>
+                          <p:cTn id="24" fill="hold">
+                            <p:stCondLst>
+                              <p:cond delay="0"/>
+                            </p:stCondLst>
+                            <p:childTnLst>
+                              <p:par>
+                                <p:cTn id="25" presetID="1" presetClass="entr" presetSubtype="0" fill="hold" nodeType="clickEffect">
+                                  <p:stCondLst>
+                                    <p:cond delay="0"/>
+                                  </p:stCondLst>
+                                  <p:childTnLst>
+                                    <p:set>
+                                      <p:cBhvr>
+                                        <p:cTn id="26" dur="1" fill="hold">
+                                          <p:stCondLst>
+                                            <p:cond delay="0"/>
+                                          </p:stCondLst>
+                                        </p:cTn>
+                                        <p:tgtEl>
+                                          <p:spTgt spid="38915">
+                                            <p:txEl>
+                                              <p:pRg st="6" end="6"/>
+                                            </p:txEl>
+                                          </p:spTgt>
+                                        </p:tgtEl>
+                                        <p:attrNameLst>
+                                          <p:attrName>style.visibility</p:attrName>
+                                        </p:attrNameLst>
+                                      </p:cBhvr>
+                                      <p:to>
+                                        <p:strVal val="visible"/>
+                                      </p:to>
+                                    </p:set>
+                                  </p:childTnLst>
+                                </p:cTn>
+                              </p:par>
+                            </p:childTnLst>
+                          </p:cTn>
+                        </p:par>
+                      </p:childTnLst>
+                    </p:cTn>
+                  </p:par>
+                  <p:par>
+                    <p:cTn id="27" fill="hold">
+                      <p:stCondLst>
+                        <p:cond delay="indefinite"/>
+                      </p:stCondLst>
+                      <p:childTnLst>
+                        <p:par>
+                          <p:cTn id="28" fill="hold">
+                            <p:stCondLst>
+                              <p:cond delay="0"/>
+                            </p:stCondLst>
+                            <p:childTnLst>
+                              <p:par>
+                                <p:cTn id="29" presetID="1" presetClass="entr" presetSubtype="0" fill="hold" nodeType="clickEffect">
+                                  <p:stCondLst>
+                                    <p:cond delay="0"/>
+                                  </p:stCondLst>
+                                  <p:childTnLst>
+                                    <p:set>
+                                      <p:cBhvr>
+                                        <p:cTn id="30" dur="1" fill="hold">
+                                          <p:stCondLst>
+                                            <p:cond delay="0"/>
+                                          </p:stCondLst>
+                                        </p:cTn>
+                                        <p:tgtEl>
+                                          <p:spTgt spid="38915">
+                                            <p:txEl>
+                                              <p:pRg st="7" end="7"/>
+                                            </p:txEl>
+                                          </p:spTgt>
+                                        </p:tgtEl>
+                                        <p:attrNameLst>
+                                          <p:attrName>style.visibility</p:attrName>
+                                        </p:attrNameLst>
+                                      </p:cBhvr>
+                                      <p:to>
+                                        <p:strVal val="visible"/>
+                                      </p:to>
+                                    </p:set>
+                                  </p:childTnLst>
+                                </p:cTn>
+                              </p:par>
+                              <p:par>
+                                <p:cTn id="31" presetID="1" presetClass="entr" presetSubtype="0" fill="hold" nodeType="withEffect">
+                                  <p:stCondLst>
+                                    <p:cond delay="0"/>
+                                  </p:stCondLst>
+                                  <p:childTnLst>
+                                    <p:set>
+                                      <p:cBhvr>
+                                        <p:cTn id="32" dur="1" fill="hold">
+                                          <p:stCondLst>
+                                            <p:cond delay="0"/>
+                                          </p:stCondLst>
+                                        </p:cTn>
+                                        <p:tgtEl>
+                                          <p:spTgt spid="38915">
+                                            <p:txEl>
+                                              <p:pRg st="8" end="8"/>
+                                            </p:txEl>
+                                          </p:spTgt>
+                                        </p:tgtEl>
+                                        <p:attrNameLst>
+                                          <p:attrName>style.visibility</p:attrName>
+                                        </p:attrNameLst>
+                                      </p:cBhvr>
+                                      <p:to>
+                                        <p:strVal val="visible"/>
+                                      </p:to>
+                                    </p:set>
+                                  </p:childTnLst>
+                                </p:cTn>
+                              </p:par>
+                            </p:childTnLst>
+                          </p:cTn>
+                        </p:par>
+                      </p:childTnLst>
+                    </p:cTn>
+                  </p:par>
+                  <p:par>
+                    <p:cTn id="33" fill="hold">
+                      <p:stCondLst>
+                        <p:cond delay="indefinite"/>
+                      </p:stCondLst>
+                      <p:childTnLst>
+                        <p:par>
+                          <p:cTn id="34" fill="hold">
+                            <p:stCondLst>
+                              <p:cond delay="0"/>
+                            </p:stCondLst>
+                            <p:childTnLst>
+                              <p:par>
+                                <p:cTn id="35" presetID="1" presetClass="entr" presetSubtype="0" fill="hold" nodeType="clickEffect">
+                                  <p:stCondLst>
+                                    <p:cond delay="0"/>
+                                  </p:stCondLst>
+                                  <p:childTnLst>
+                                    <p:set>
+                                      <p:cBhvr>
+                                        <p:cTn id="36" dur="1" fill="hold">
+                                          <p:stCondLst>
+                                            <p:cond delay="0"/>
+                                          </p:stCondLst>
+                                        </p:cTn>
+                                        <p:tgtEl>
+                                          <p:spTgt spid="38915">
+                                            <p:txEl>
+                                              <p:pRg st="9" end="9"/>
+                                            </p:txEl>
+                                          </p:spTgt>
+                                        </p:tgtEl>
+                                        <p:attrNameLst>
+                                          <p:attrName>style.visibility</p:attrName>
+                                        </p:attrNameLst>
+                                      </p:cBhvr>
+                                      <p:to>
+                                        <p:strVal val="visible"/>
+                                      </p:to>
+                                    </p:set>
+                                  </p:childTnLst>
+                                </p:cTn>
+                              </p:par>
+                              <p:par>
+                                <p:cTn id="37" presetID="1" presetClass="entr" presetSubtype="0" fill="hold" nodeType="withEffect">
+                                  <p:stCondLst>
+                                    <p:cond delay="0"/>
+                                  </p:stCondLst>
+                                  <p:childTnLst>
+                                    <p:set>
+                                      <p:cBhvr>
+                                        <p:cTn id="38" dur="1" fill="hold">
+                                          <p:stCondLst>
+                                            <p:cond delay="0"/>
+                                          </p:stCondLst>
+                                        </p:cTn>
+                                        <p:tgtEl>
+                                          <p:spTgt spid="38915">
+                                            <p:txEl>
+                                              <p:pRg st="10" end="10"/>
+                                            </p:txEl>
+                                          </p:spTgt>
+                                        </p:tgtEl>
+                                        <p:attrNameLst>
+                                          <p:attrName>style.visibility</p:attrName>
+                                        </p:attrNameLst>
+                                      </p:cBhvr>
+                                      <p:to>
+                                        <p:strVal val="visible"/>
+                                      </p:to>
+                                    </p:set>
+                                  </p:childTnLst>
+                                </p:cTn>
+                              </p:par>
+                            </p:childTnLst>
+                          </p:cTn>
+                        </p:par>
+                      </p:childTnLst>
+                    </p:cTn>
+                  </p:par>
+                  <p:par>
+                    <p:cTn id="39" fill="hold">
+                      <p:stCondLst>
+                        <p:cond delay="indefinite"/>
+                      </p:stCondLst>
+                      <p:childTnLst>
+                        <p:par>
+                          <p:cTn id="40" fill="hold">
+                            <p:stCondLst>
+                              <p:cond delay="0"/>
+                            </p:stCondLst>
+                            <p:childTnLst>
+                              <p:par>
+                                <p:cTn id="41" presetID="1" presetClass="entr" presetSubtype="0" fill="hold" nodeType="clickEffect">
+                                  <p:stCondLst>
+                                    <p:cond delay="0"/>
+                                  </p:stCondLst>
+                                  <p:childTnLst>
+                                    <p:set>
+                                      <p:cBhvr>
+                                        <p:cTn id="42" dur="1" fill="hold">
+                                          <p:stCondLst>
+                                            <p:cond delay="0"/>
+                                          </p:stCondLst>
+                                        </p:cTn>
+                                        <p:tgtEl>
+                                          <p:spTgt spid="38915">
+                                            <p:txEl>
+                                              <p:pRg st="11" end="11"/>
+                                            </p:txEl>
+                                          </p:spTgt>
+                                        </p:tgtEl>
+                                        <p:attrNameLst>
+                                          <p:attrName>style.visibility</p:attrName>
+                                        </p:attrNameLst>
+                                      </p:cBhvr>
+                                      <p:to>
+                                        <p:strVal val="visible"/>
+                                      </p:to>
+                                    </p:set>
+                                  </p:childTnLst>
+                                </p:cTn>
+                              </p:par>
+                            </p:childTnLst>
+                          </p:cTn>
+                        </p:par>
+                      </p:childTnLst>
+                    </p:cTn>
+                  </p:par>
+                  <p:par>
+                    <p:cTn id="43" fill="hold">
+                      <p:stCondLst>
+                        <p:cond delay="indefinite"/>
+                      </p:stCondLst>
+                      <p:childTnLst>
+                        <p:par>
+                          <p:cTn id="44" fill="hold">
+                            <p:stCondLst>
+                              <p:cond delay="0"/>
+                            </p:stCondLst>
+                            <p:childTnLst>
+                              <p:par>
+                                <p:cTn id="45" presetID="1" presetClass="entr" presetSubtype="0" fill="hold" nodeType="clickEffect">
+                                  <p:stCondLst>
+                                    <p:cond delay="0"/>
+                                  </p:stCondLst>
+                                  <p:childTnLst>
+                                    <p:set>
+                                      <p:cBhvr>
+                                        <p:cTn id="46" dur="1" fill="hold">
+                                          <p:stCondLst>
+                                            <p:cond delay="0"/>
+                                          </p:stCondLst>
+                                        </p:cTn>
+                                        <p:tgtEl>
+                                          <p:spTgt spid="38915">
+                                            <p:txEl>
+                                              <p:pRg st="12" end="12"/>
+                                            </p:txEl>
+                                          </p:spTgt>
+                                        </p:tgtEl>
+                                        <p:attrNameLst>
+                                          <p:attrName>style.visibility</p:attrName>
+                                        </p:attrNameLst>
+                                      </p:cBhvr>
+                                      <p:to>
+                                        <p:strVal val="visible"/>
+                                      </p:to>
+                                    </p:set>
+                                  </p:childTnLst>
+                                </p:cTn>
+                              </p:par>
+                            </p:childTnLst>
+                          </p:cTn>
+                        </p:par>
+                      </p:childTnLst>
+                    </p:cTn>
+                  </p:par>
+                </p:childTnLst>
+              </p:cTn>
+              <p:prevCondLst>
+                <p:cond evt="onPrev" delay="0">
+                  <p:tgtEl>
+                    <p:sldTgt/>
+                  </p:tgtEl>
+                </p:cond>
+              </p:prevCondLst>
+              <p:nextCondLst>
+                <p:cond evt="onNext" delay="0">
+                  <p:tgtEl>
+                    <p:sldTgt/>
+                  </p:tgtEl>
+                </p:cond>
+              </p:nextCondLst>
+            </p:seq>
+          </p:childTnLst>
+        </p:cTn>
       </p:par>
     </p:tnLst>
   </p:timing>
@@ -11562,7 +12823,7 @@
         <p:spPr/>
         <p:txBody>
           <a:bodyPr>
-            <a:normAutofit fontScale="92500" lnSpcReduction="20000"/>
+            <a:normAutofit lnSpcReduction="10000"/>
           </a:bodyPr>
           <a:lstStyle/>
           <a:p>
@@ -11599,39 +12860,22 @@
               </a:lnSpc>
             </a:pPr>
             <a:r>
-              <a:rPr lang="en-US" sz="3600" dirty="0" err="1" smtClean="0"/>
-              <a:t>Unterscheidung</a:t>
-            </a:r>
-            <a:r>
-              <a:rPr lang="en-US" sz="3600" dirty="0" smtClean="0"/>
-              <a:t> der Branches in </a:t>
-            </a:r>
-            <a:r>
-              <a:rPr lang="en-US" sz="3600" dirty="0"/>
-              <a:t>local </a:t>
-            </a:r>
-            <a:r>
-              <a:rPr lang="en-US" sz="3600" dirty="0" smtClean="0"/>
-              <a:t>und remote</a:t>
-            </a:r>
-          </a:p>
-          <a:p>
-            <a:pPr>
-              <a:lnSpc>
-                <a:spcPct val="90000"/>
-              </a:lnSpc>
-            </a:pPr>
-            <a:r>
-              <a:rPr lang="en-US" sz="3600" i="1" dirty="0" err="1">
+              <a:rPr lang="en-US" sz="3600" i="1" dirty="0" err="1" smtClean="0">
                 <a:latin typeface="Courier" pitchFamily="-32" charset="0"/>
               </a:rPr>
               <a:t>git</a:t>
             </a:r>
             <a:r>
+              <a:rPr lang="en-US" sz="3600" i="1" dirty="0" smtClean="0">
+                <a:latin typeface="Courier" pitchFamily="-32" charset="0"/>
+              </a:rPr>
+              <a:t> </a:t>
+            </a:r>
+            <a:r>
               <a:rPr lang="en-US" sz="3600" i="1" dirty="0">
                 <a:latin typeface="Courier" pitchFamily="-32" charset="0"/>
               </a:rPr>
-              <a:t> checkout -b branch</a:t>
+              <a:t>checkout -b branch</a:t>
             </a:r>
           </a:p>
           <a:p>
@@ -11784,7 +13028,350 @@
   <p:timing>
     <p:tnLst>
       <p:par>
-        <p:cTn id="1" dur="indefinite" restart="never" nodeType="tmRoot"/>
+        <p:cTn id="1" dur="indefinite" restart="never" nodeType="tmRoot">
+          <p:childTnLst>
+            <p:seq concurrent="1" nextAc="seek">
+              <p:cTn id="2" dur="indefinite" nodeType="mainSeq">
+                <p:childTnLst>
+                  <p:par>
+                    <p:cTn id="3" fill="hold">
+                      <p:stCondLst>
+                        <p:cond delay="indefinite"/>
+                      </p:stCondLst>
+                      <p:childTnLst>
+                        <p:par>
+                          <p:cTn id="4" fill="hold">
+                            <p:stCondLst>
+                              <p:cond delay="0"/>
+                            </p:stCondLst>
+                            <p:childTnLst>
+                              <p:par>
+                                <p:cTn id="5" presetID="1" presetClass="entr" presetSubtype="0" fill="hold" nodeType="clickEffect">
+                                  <p:stCondLst>
+                                    <p:cond delay="0"/>
+                                  </p:stCondLst>
+                                  <p:childTnLst>
+                                    <p:set>
+                                      <p:cBhvr>
+                                        <p:cTn id="6" dur="1" fill="hold">
+                                          <p:stCondLst>
+                                            <p:cond delay="0"/>
+                                          </p:stCondLst>
+                                        </p:cTn>
+                                        <p:tgtEl>
+                                          <p:spTgt spid="17411">
+                                            <p:txEl>
+                                              <p:pRg st="0" end="0"/>
+                                            </p:txEl>
+                                          </p:spTgt>
+                                        </p:tgtEl>
+                                        <p:attrNameLst>
+                                          <p:attrName>style.visibility</p:attrName>
+                                        </p:attrNameLst>
+                                      </p:cBhvr>
+                                      <p:to>
+                                        <p:strVal val="visible"/>
+                                      </p:to>
+                                    </p:set>
+                                  </p:childTnLst>
+                                </p:cTn>
+                              </p:par>
+                            </p:childTnLst>
+                          </p:cTn>
+                        </p:par>
+                      </p:childTnLst>
+                    </p:cTn>
+                  </p:par>
+                  <p:par>
+                    <p:cTn id="7" fill="hold">
+                      <p:stCondLst>
+                        <p:cond delay="indefinite"/>
+                      </p:stCondLst>
+                      <p:childTnLst>
+                        <p:par>
+                          <p:cTn id="8" fill="hold">
+                            <p:stCondLst>
+                              <p:cond delay="0"/>
+                            </p:stCondLst>
+                            <p:childTnLst>
+                              <p:par>
+                                <p:cTn id="9" presetID="1" presetClass="entr" presetSubtype="0" fill="hold" nodeType="clickEffect">
+                                  <p:stCondLst>
+                                    <p:cond delay="0"/>
+                                  </p:stCondLst>
+                                  <p:childTnLst>
+                                    <p:set>
+                                      <p:cBhvr>
+                                        <p:cTn id="10" dur="1" fill="hold">
+                                          <p:stCondLst>
+                                            <p:cond delay="0"/>
+                                          </p:stCondLst>
+                                        </p:cTn>
+                                        <p:tgtEl>
+                                          <p:spTgt spid="17411">
+                                            <p:txEl>
+                                              <p:pRg st="1" end="1"/>
+                                            </p:txEl>
+                                          </p:spTgt>
+                                        </p:tgtEl>
+                                        <p:attrNameLst>
+                                          <p:attrName>style.visibility</p:attrName>
+                                        </p:attrNameLst>
+                                      </p:cBhvr>
+                                      <p:to>
+                                        <p:strVal val="visible"/>
+                                      </p:to>
+                                    </p:set>
+                                  </p:childTnLst>
+                                </p:cTn>
+                              </p:par>
+                            </p:childTnLst>
+                          </p:cTn>
+                        </p:par>
+                      </p:childTnLst>
+                    </p:cTn>
+                  </p:par>
+                  <p:par>
+                    <p:cTn id="11" fill="hold">
+                      <p:stCondLst>
+                        <p:cond delay="indefinite"/>
+                      </p:stCondLst>
+                      <p:childTnLst>
+                        <p:par>
+                          <p:cTn id="12" fill="hold">
+                            <p:stCondLst>
+                              <p:cond delay="0"/>
+                            </p:stCondLst>
+                            <p:childTnLst>
+                              <p:par>
+                                <p:cTn id="13" presetID="1" presetClass="entr" presetSubtype="0" fill="hold" nodeType="clickEffect">
+                                  <p:stCondLst>
+                                    <p:cond delay="0"/>
+                                  </p:stCondLst>
+                                  <p:childTnLst>
+                                    <p:set>
+                                      <p:cBhvr>
+                                        <p:cTn id="14" dur="1" fill="hold">
+                                          <p:stCondLst>
+                                            <p:cond delay="0"/>
+                                          </p:stCondLst>
+                                        </p:cTn>
+                                        <p:tgtEl>
+                                          <p:spTgt spid="17411">
+                                            <p:txEl>
+                                              <p:pRg st="2" end="2"/>
+                                            </p:txEl>
+                                          </p:spTgt>
+                                        </p:tgtEl>
+                                        <p:attrNameLst>
+                                          <p:attrName>style.visibility</p:attrName>
+                                        </p:attrNameLst>
+                                      </p:cBhvr>
+                                      <p:to>
+                                        <p:strVal val="visible"/>
+                                      </p:to>
+                                    </p:set>
+                                  </p:childTnLst>
+                                </p:cTn>
+                              </p:par>
+                              <p:par>
+                                <p:cTn id="15" presetID="1" presetClass="entr" presetSubtype="0" fill="hold" nodeType="withEffect">
+                                  <p:stCondLst>
+                                    <p:cond delay="0"/>
+                                  </p:stCondLst>
+                                  <p:childTnLst>
+                                    <p:set>
+                                      <p:cBhvr>
+                                        <p:cTn id="16" dur="1" fill="hold">
+                                          <p:stCondLst>
+                                            <p:cond delay="0"/>
+                                          </p:stCondLst>
+                                        </p:cTn>
+                                        <p:tgtEl>
+                                          <p:spTgt spid="17411">
+                                            <p:txEl>
+                                              <p:pRg st="3" end="3"/>
+                                            </p:txEl>
+                                          </p:spTgt>
+                                        </p:tgtEl>
+                                        <p:attrNameLst>
+                                          <p:attrName>style.visibility</p:attrName>
+                                        </p:attrNameLst>
+                                      </p:cBhvr>
+                                      <p:to>
+                                        <p:strVal val="visible"/>
+                                      </p:to>
+                                    </p:set>
+                                  </p:childTnLst>
+                                </p:cTn>
+                              </p:par>
+                            </p:childTnLst>
+                          </p:cTn>
+                        </p:par>
+                      </p:childTnLst>
+                    </p:cTn>
+                  </p:par>
+                  <p:par>
+                    <p:cTn id="17" fill="hold">
+                      <p:stCondLst>
+                        <p:cond delay="indefinite"/>
+                      </p:stCondLst>
+                      <p:childTnLst>
+                        <p:par>
+                          <p:cTn id="18" fill="hold">
+                            <p:stCondLst>
+                              <p:cond delay="0"/>
+                            </p:stCondLst>
+                            <p:childTnLst>
+                              <p:par>
+                                <p:cTn id="19" presetID="1" presetClass="entr" presetSubtype="0" fill="hold" nodeType="clickEffect">
+                                  <p:stCondLst>
+                                    <p:cond delay="0"/>
+                                  </p:stCondLst>
+                                  <p:childTnLst>
+                                    <p:set>
+                                      <p:cBhvr>
+                                        <p:cTn id="20" dur="1" fill="hold">
+                                          <p:stCondLst>
+                                            <p:cond delay="0"/>
+                                          </p:stCondLst>
+                                        </p:cTn>
+                                        <p:tgtEl>
+                                          <p:spTgt spid="17411">
+                                            <p:txEl>
+                                              <p:pRg st="4" end="4"/>
+                                            </p:txEl>
+                                          </p:spTgt>
+                                        </p:tgtEl>
+                                        <p:attrNameLst>
+                                          <p:attrName>style.visibility</p:attrName>
+                                        </p:attrNameLst>
+                                      </p:cBhvr>
+                                      <p:to>
+                                        <p:strVal val="visible"/>
+                                      </p:to>
+                                    </p:set>
+                                  </p:childTnLst>
+                                </p:cTn>
+                              </p:par>
+                              <p:par>
+                                <p:cTn id="21" presetID="1" presetClass="entr" presetSubtype="0" fill="hold" nodeType="withEffect">
+                                  <p:stCondLst>
+                                    <p:cond delay="0"/>
+                                  </p:stCondLst>
+                                  <p:childTnLst>
+                                    <p:set>
+                                      <p:cBhvr>
+                                        <p:cTn id="22" dur="1" fill="hold">
+                                          <p:stCondLst>
+                                            <p:cond delay="0"/>
+                                          </p:stCondLst>
+                                        </p:cTn>
+                                        <p:tgtEl>
+                                          <p:spTgt spid="17411">
+                                            <p:txEl>
+                                              <p:pRg st="5" end="5"/>
+                                            </p:txEl>
+                                          </p:spTgt>
+                                        </p:tgtEl>
+                                        <p:attrNameLst>
+                                          <p:attrName>style.visibility</p:attrName>
+                                        </p:attrNameLst>
+                                      </p:cBhvr>
+                                      <p:to>
+                                        <p:strVal val="visible"/>
+                                      </p:to>
+                                    </p:set>
+                                  </p:childTnLst>
+                                </p:cTn>
+                              </p:par>
+                              <p:par>
+                                <p:cTn id="23" presetID="1" presetClass="entr" presetSubtype="0" fill="hold" nodeType="withEffect">
+                                  <p:stCondLst>
+                                    <p:cond delay="0"/>
+                                  </p:stCondLst>
+                                  <p:childTnLst>
+                                    <p:set>
+                                      <p:cBhvr>
+                                        <p:cTn id="24" dur="1" fill="hold">
+                                          <p:stCondLst>
+                                            <p:cond delay="0"/>
+                                          </p:stCondLst>
+                                        </p:cTn>
+                                        <p:tgtEl>
+                                          <p:spTgt spid="17411">
+                                            <p:txEl>
+                                              <p:pRg st="6" end="6"/>
+                                            </p:txEl>
+                                          </p:spTgt>
+                                        </p:tgtEl>
+                                        <p:attrNameLst>
+                                          <p:attrName>style.visibility</p:attrName>
+                                        </p:attrNameLst>
+                                      </p:cBhvr>
+                                      <p:to>
+                                        <p:strVal val="visible"/>
+                                      </p:to>
+                                    </p:set>
+                                  </p:childTnLst>
+                                </p:cTn>
+                              </p:par>
+                              <p:par>
+                                <p:cTn id="25" presetID="1" presetClass="entr" presetSubtype="0" fill="hold" nodeType="withEffect">
+                                  <p:stCondLst>
+                                    <p:cond delay="0"/>
+                                  </p:stCondLst>
+                                  <p:childTnLst>
+                                    <p:set>
+                                      <p:cBhvr>
+                                        <p:cTn id="26" dur="1" fill="hold">
+                                          <p:stCondLst>
+                                            <p:cond delay="0"/>
+                                          </p:stCondLst>
+                                        </p:cTn>
+                                        <p:tgtEl>
+                                          <p:spTgt spid="17411">
+                                            <p:txEl>
+                                              <p:pRg st="7" end="7"/>
+                                            </p:txEl>
+                                          </p:spTgt>
+                                        </p:tgtEl>
+                                        <p:attrNameLst>
+                                          <p:attrName>style.visibility</p:attrName>
+                                        </p:attrNameLst>
+                                      </p:cBhvr>
+                                      <p:to>
+                                        <p:strVal val="visible"/>
+                                      </p:to>
+                                    </p:set>
+                                  </p:childTnLst>
+                                </p:cTn>
+                              </p:par>
+                            </p:childTnLst>
+                          </p:cTn>
+                        </p:par>
+                      </p:childTnLst>
+                    </p:cTn>
+                  </p:par>
+                </p:childTnLst>
+              </p:cTn>
+              <p:prevCondLst>
+                <p:cond evt="onPrev" delay="0">
+                  <p:tgtEl>
+                    <p:sldTgt/>
+                  </p:tgtEl>
+                </p:cond>
+              </p:prevCondLst>
+              <p:nextCondLst>
+                <p:cond evt="onNext" delay="0">
+                  <p:tgtEl>
+                    <p:sldTgt/>
+                  </p:tgtEl>
+                </p:cond>
+              </p:nextCondLst>
+            </p:seq>
+          </p:childTnLst>
+        </p:cTn>
       </p:par>
     </p:tnLst>
   </p:timing>
@@ -28003,6 +29590,25 @@
           </a:p>
           <a:p>
             <a:r>
+              <a:rPr lang="de-DE" sz="4400" dirty="0" err="1"/>
+              <a:t>g</a:t>
+            </a:r>
+            <a:r>
+              <a:rPr lang="de-DE" sz="4400" dirty="0" err="1" smtClean="0"/>
+              <a:t>it</a:t>
+            </a:r>
+            <a:r>
+              <a:rPr lang="de-DE" sz="4400" dirty="0" smtClean="0"/>
+              <a:t> </a:t>
+            </a:r>
+            <a:r>
+              <a:rPr lang="de-DE" sz="4400" dirty="0" err="1" smtClean="0"/>
+              <a:t>rebase</a:t>
+            </a:r>
+            <a:endParaRPr lang="de-DE" sz="4400" dirty="0" smtClean="0"/>
+          </a:p>
+          <a:p>
+            <a:r>
               <a:rPr lang="de-DE" sz="4400" dirty="0" err="1" smtClean="0"/>
               <a:t>git</a:t>
             </a:r>
@@ -28125,6 +29731,55 @@
                                           <p:spTgt spid="3">
                                             <p:txEl>
                                               <p:pRg st="1" end="1"/>
+                                            </p:txEl>
+                                          </p:spTgt>
+                                        </p:tgtEl>
+                                        <p:attrNameLst>
+                                          <p:attrName>style.visibility</p:attrName>
+                                        </p:attrNameLst>
+                                      </p:cBhvr>
+                                      <p:to>
+                                        <p:strVal val="visible"/>
+                                      </p:to>
+                                    </p:set>
+                                  </p:childTnLst>
+                                </p:cTn>
+                              </p:par>
+                            </p:childTnLst>
+                          </p:cTn>
+                        </p:par>
+                      </p:childTnLst>
+                    </p:cTn>
+                  </p:par>
+                  <p:par>
+                    <p:cTn id="11" fill="hold">
+                      <p:stCondLst>
+                        <p:cond delay="indefinite"/>
+                      </p:stCondLst>
+                      <p:childTnLst>
+                        <p:par>
+                          <p:cTn id="12" fill="hold">
+                            <p:stCondLst>
+                              <p:cond delay="0"/>
+                            </p:stCondLst>
+                            <p:childTnLst>
+                              <p:par>
+                                <p:cTn id="13" presetID="1" presetClass="entr" presetSubtype="0" fill="hold" nodeType="clickEffect">
+                                  <p:stCondLst>
+                                    <p:cond delay="0"/>
+                                  </p:stCondLst>
+                                  <p:childTnLst>
+                                    <p:set>
+                                      <p:cBhvr>
+                                        <p:cTn id="14" dur="1" fill="hold">
+                                          <p:stCondLst>
+                                            <p:cond delay="0"/>
+                                          </p:stCondLst>
+                                        </p:cTn>
+                                        <p:tgtEl>
+                                          <p:spTgt spid="3">
+                                            <p:txEl>
+                                              <p:pRg st="2" end="2"/>
                                             </p:txEl>
                                           </p:spTgt>
                                         </p:tgtEl>
@@ -31008,8 +32663,9 @@
             <a:pPr lvl="1"/>
             <a:r>
               <a:rPr lang="de-DE" sz="3200" dirty="0" smtClean="0"/>
-              <a:t>Nicht unbedingt Problem vom VCS sondern eher vom Workflow</a:t>
-            </a:r>
+              <a:t>Aber: Eher Workflow-Problem</a:t>
+            </a:r>
+            <a:endParaRPr lang="de-DE" sz="3200" dirty="0" smtClean="0"/>
           </a:p>
         </p:txBody>
       </p:sp>
@@ -31343,6 +32999,16 @@
           <a:p>
             <a:pPr lvl="1"/>
             <a:r>
+              <a:rPr lang="de-DE" sz="3600" dirty="0" smtClean="0">
+                <a:sym typeface="Wingdings" pitchFamily="2" charset="2"/>
+              </a:rPr>
+              <a:t></a:t>
+            </a:r>
+            <a:r>
+              <a:rPr lang="de-DE" sz="3600" dirty="0" smtClean="0"/>
+              <a:t>„</a:t>
+            </a:r>
+            <a:r>
               <a:rPr lang="de-DE" sz="3600" dirty="0" err="1" smtClean="0"/>
               <a:t>single</a:t>
             </a:r>
@@ -31369,6 +33035,10 @@
             <a:r>
               <a:rPr lang="de-DE" sz="3600" dirty="0" err="1" smtClean="0"/>
               <a:t>failure</a:t>
+            </a:r>
+            <a:r>
+              <a:rPr lang="de-DE" sz="3600" dirty="0" smtClean="0"/>
+              <a:t>“</a:t>
             </a:r>
             <a:endParaRPr lang="de-DE" sz="3600" dirty="0" smtClean="0"/>
           </a:p>
